--- a/Tensorflow/TorchToKeras.pptx
+++ b/Tensorflow/TorchToKeras.pptx
@@ -6,10 +6,17 @@
   </p:sldMasterIdLst>
   <p:sldIdLst>
     <p:sldId id="256" r:id="rId2"/>
-    <p:sldId id="257" r:id="rId3"/>
-    <p:sldId id="258" r:id="rId4"/>
-    <p:sldId id="259" r:id="rId5"/>
-    <p:sldId id="260" r:id="rId6"/>
+    <p:sldId id="267" r:id="rId3"/>
+    <p:sldId id="257" r:id="rId4"/>
+    <p:sldId id="258" r:id="rId5"/>
+    <p:sldId id="264" r:id="rId6"/>
+    <p:sldId id="265" r:id="rId7"/>
+    <p:sldId id="259" r:id="rId8"/>
+    <p:sldId id="260" r:id="rId9"/>
+    <p:sldId id="261" r:id="rId10"/>
+    <p:sldId id="262" r:id="rId11"/>
+    <p:sldId id="266" r:id="rId12"/>
+    <p:sldId id="263" r:id="rId13"/>
   </p:sldIdLst>
   <p:sldSz cx="12192000" cy="6858000"/>
   <p:notesSz cx="6858000" cy="9144000"/>
@@ -108,6 +115,11 @@
       </a:defRPr>
     </a:lvl9pPr>
   </p:defaultTextStyle>
+  <p:extLst>
+    <p:ext uri="{EFAFB233-063F-42B5-8137-9DF3F51BA10A}">
+      <p15:sldGuideLst xmlns:p15="http://schemas.microsoft.com/office/powerpoint/2012/main"/>
+    </p:ext>
+  </p:extLst>
 </p:presentation>
 </file>
 
@@ -258,7 +270,7 @@
           <a:p>
             <a:fld id="{4965DC55-0E1B-43DD-B8EC-CFAD788C97AC}" type="datetimeFigureOut">
               <a:rPr lang="ko-KR" altLang="en-US" smtClean="0"/>
-              <a:t>2021-06-24</a:t>
+              <a:t>2021-06-27</a:t>
             </a:fld>
             <a:endParaRPr lang="ko-KR" altLang="en-US"/>
           </a:p>
@@ -456,7 +468,7 @@
           <a:p>
             <a:fld id="{4965DC55-0E1B-43DD-B8EC-CFAD788C97AC}" type="datetimeFigureOut">
               <a:rPr lang="ko-KR" altLang="en-US" smtClean="0"/>
-              <a:t>2021-06-24</a:t>
+              <a:t>2021-06-27</a:t>
             </a:fld>
             <a:endParaRPr lang="ko-KR" altLang="en-US"/>
           </a:p>
@@ -664,7 +676,7 @@
           <a:p>
             <a:fld id="{4965DC55-0E1B-43DD-B8EC-CFAD788C97AC}" type="datetimeFigureOut">
               <a:rPr lang="ko-KR" altLang="en-US" smtClean="0"/>
-              <a:t>2021-06-24</a:t>
+              <a:t>2021-06-27</a:t>
             </a:fld>
             <a:endParaRPr lang="ko-KR" altLang="en-US"/>
           </a:p>
@@ -862,7 +874,7 @@
           <a:p>
             <a:fld id="{4965DC55-0E1B-43DD-B8EC-CFAD788C97AC}" type="datetimeFigureOut">
               <a:rPr lang="ko-KR" altLang="en-US" smtClean="0"/>
-              <a:t>2021-06-24</a:t>
+              <a:t>2021-06-27</a:t>
             </a:fld>
             <a:endParaRPr lang="ko-KR" altLang="en-US"/>
           </a:p>
@@ -1137,7 +1149,7 @@
           <a:p>
             <a:fld id="{4965DC55-0E1B-43DD-B8EC-CFAD788C97AC}" type="datetimeFigureOut">
               <a:rPr lang="ko-KR" altLang="en-US" smtClean="0"/>
-              <a:t>2021-06-24</a:t>
+              <a:t>2021-06-27</a:t>
             </a:fld>
             <a:endParaRPr lang="ko-KR" altLang="en-US"/>
           </a:p>
@@ -1402,7 +1414,7 @@
           <a:p>
             <a:fld id="{4965DC55-0E1B-43DD-B8EC-CFAD788C97AC}" type="datetimeFigureOut">
               <a:rPr lang="ko-KR" altLang="en-US" smtClean="0"/>
-              <a:t>2021-06-24</a:t>
+              <a:t>2021-06-27</a:t>
             </a:fld>
             <a:endParaRPr lang="ko-KR" altLang="en-US"/>
           </a:p>
@@ -1814,7 +1826,7 @@
           <a:p>
             <a:fld id="{4965DC55-0E1B-43DD-B8EC-CFAD788C97AC}" type="datetimeFigureOut">
               <a:rPr lang="ko-KR" altLang="en-US" smtClean="0"/>
-              <a:t>2021-06-24</a:t>
+              <a:t>2021-06-27</a:t>
             </a:fld>
             <a:endParaRPr lang="ko-KR" altLang="en-US"/>
           </a:p>
@@ -1955,7 +1967,7 @@
           <a:p>
             <a:fld id="{4965DC55-0E1B-43DD-B8EC-CFAD788C97AC}" type="datetimeFigureOut">
               <a:rPr lang="ko-KR" altLang="en-US" smtClean="0"/>
-              <a:t>2021-06-24</a:t>
+              <a:t>2021-06-27</a:t>
             </a:fld>
             <a:endParaRPr lang="ko-KR" altLang="en-US"/>
           </a:p>
@@ -2068,7 +2080,7 @@
           <a:p>
             <a:fld id="{4965DC55-0E1B-43DD-B8EC-CFAD788C97AC}" type="datetimeFigureOut">
               <a:rPr lang="ko-KR" altLang="en-US" smtClean="0"/>
-              <a:t>2021-06-24</a:t>
+              <a:t>2021-06-27</a:t>
             </a:fld>
             <a:endParaRPr lang="ko-KR" altLang="en-US"/>
           </a:p>
@@ -2379,7 +2391,7 @@
           <a:p>
             <a:fld id="{4965DC55-0E1B-43DD-B8EC-CFAD788C97AC}" type="datetimeFigureOut">
               <a:rPr lang="ko-KR" altLang="en-US" smtClean="0"/>
-              <a:t>2021-06-24</a:t>
+              <a:t>2021-06-27</a:t>
             </a:fld>
             <a:endParaRPr lang="ko-KR" altLang="en-US"/>
           </a:p>
@@ -2667,7 +2679,7 @@
           <a:p>
             <a:fld id="{4965DC55-0E1B-43DD-B8EC-CFAD788C97AC}" type="datetimeFigureOut">
               <a:rPr lang="ko-KR" altLang="en-US" smtClean="0"/>
-              <a:t>2021-06-24</a:t>
+              <a:t>2021-06-27</a:t>
             </a:fld>
             <a:endParaRPr lang="ko-KR" altLang="en-US"/>
           </a:p>
@@ -2908,7 +2920,7 @@
           <a:p>
             <a:fld id="{4965DC55-0E1B-43DD-B8EC-CFAD788C97AC}" type="datetimeFigureOut">
               <a:rPr lang="ko-KR" altLang="en-US" smtClean="0"/>
-              <a:t>2021-06-24</a:t>
+              <a:t>2021-06-27</a:t>
             </a:fld>
             <a:endParaRPr lang="ko-KR" altLang="en-US"/>
           </a:p>
@@ -3398,6 +3410,545 @@
 </p:sld>
 </file>
 
+<file path=ppt/slides/slide10.xml><?xml version="1.0" encoding="utf-8"?>
+<p:sld xmlns:a="http://schemas.openxmlformats.org/drawingml/2006/main" xmlns:r="http://schemas.openxmlformats.org/officeDocument/2006/relationships" xmlns:p="http://schemas.openxmlformats.org/presentationml/2006/main">
+  <p:cSld>
+    <p:spTree>
+      <p:nvGrpSpPr>
+        <p:cNvPr id="1" name=""/>
+        <p:cNvGrpSpPr/>
+        <p:nvPr/>
+      </p:nvGrpSpPr>
+      <p:grpSpPr>
+        <a:xfrm>
+          <a:off x="0" y="0"/>
+          <a:ext cx="0" cy="0"/>
+          <a:chOff x="0" y="0"/>
+          <a:chExt cx="0" cy="0"/>
+        </a:xfrm>
+      </p:grpSpPr>
+      <p:sp>
+        <p:nvSpPr>
+          <p:cNvPr id="2" name="제목 1">
+            <a:extLst>
+              <a:ext uri="{FF2B5EF4-FFF2-40B4-BE49-F238E27FC236}">
+                <a16:creationId xmlns:a16="http://schemas.microsoft.com/office/drawing/2014/main" id="{42298911-4702-43A2-90B0-A7B0255E7162}"/>
+              </a:ext>
+            </a:extLst>
+          </p:cNvPr>
+          <p:cNvSpPr>
+            <a:spLocks noGrp="1"/>
+          </p:cNvSpPr>
+          <p:nvPr>
+            <p:ph type="title"/>
+          </p:nvPr>
+        </p:nvSpPr>
+        <p:spPr/>
+        <p:txBody>
+          <a:bodyPr/>
+          <a:lstStyle/>
+          <a:p>
+            <a:r>
+              <a:rPr lang="en-US" altLang="ko-KR" dirty="0"/>
+              <a:t>cat</a:t>
+            </a:r>
+            <a:endParaRPr lang="ko-KR" altLang="en-US" dirty="0"/>
+          </a:p>
+        </p:txBody>
+      </p:sp>
+      <p:pic>
+        <p:nvPicPr>
+          <p:cNvPr id="4" name="그림 3">
+            <a:extLst>
+              <a:ext uri="{FF2B5EF4-FFF2-40B4-BE49-F238E27FC236}">
+                <a16:creationId xmlns:a16="http://schemas.microsoft.com/office/drawing/2014/main" id="{641DEF99-F76F-4A7E-9602-B3CE16211725}"/>
+              </a:ext>
+            </a:extLst>
+          </p:cNvPr>
+          <p:cNvPicPr>
+            <a:picLocks noChangeAspect="1"/>
+          </p:cNvPicPr>
+          <p:nvPr/>
+        </p:nvPicPr>
+        <p:blipFill>
+          <a:blip r:embed="rId2"/>
+          <a:stretch>
+            <a:fillRect/>
+          </a:stretch>
+        </p:blipFill>
+        <p:spPr>
+          <a:xfrm>
+            <a:off x="597569" y="1423951"/>
+            <a:ext cx="3686689" cy="533474"/>
+          </a:xfrm>
+          <a:prstGeom prst="rect">
+            <a:avLst/>
+          </a:prstGeom>
+        </p:spPr>
+      </p:pic>
+      <p:pic>
+        <p:nvPicPr>
+          <p:cNvPr id="5" name="그림 4">
+            <a:extLst>
+              <a:ext uri="{FF2B5EF4-FFF2-40B4-BE49-F238E27FC236}">
+                <a16:creationId xmlns:a16="http://schemas.microsoft.com/office/drawing/2014/main" id="{C745DA60-2A5F-4725-AA51-BA9832FA4DDF}"/>
+              </a:ext>
+            </a:extLst>
+          </p:cNvPr>
+          <p:cNvPicPr>
+            <a:picLocks noChangeAspect="1"/>
+          </p:cNvPicPr>
+          <p:nvPr/>
+        </p:nvPicPr>
+        <p:blipFill>
+          <a:blip r:embed="rId3"/>
+          <a:stretch>
+            <a:fillRect/>
+          </a:stretch>
+        </p:blipFill>
+        <p:spPr>
+          <a:xfrm>
+            <a:off x="597569" y="1918833"/>
+            <a:ext cx="4263189" cy="2516987"/>
+          </a:xfrm>
+          <a:prstGeom prst="rect">
+            <a:avLst/>
+          </a:prstGeom>
+        </p:spPr>
+      </p:pic>
+      <p:pic>
+        <p:nvPicPr>
+          <p:cNvPr id="8" name="그림 7">
+            <a:extLst>
+              <a:ext uri="{FF2B5EF4-FFF2-40B4-BE49-F238E27FC236}">
+                <a16:creationId xmlns:a16="http://schemas.microsoft.com/office/drawing/2014/main" id="{C362159D-4822-4E85-8C32-E988BD5BB834}"/>
+              </a:ext>
+            </a:extLst>
+          </p:cNvPr>
+          <p:cNvPicPr>
+            <a:picLocks noChangeAspect="1"/>
+          </p:cNvPicPr>
+          <p:nvPr/>
+        </p:nvPicPr>
+        <p:blipFill>
+          <a:blip r:embed="rId4"/>
+          <a:stretch>
+            <a:fillRect/>
+          </a:stretch>
+        </p:blipFill>
+        <p:spPr>
+          <a:xfrm>
+            <a:off x="6935277" y="1604951"/>
+            <a:ext cx="2524477" cy="704948"/>
+          </a:xfrm>
+          <a:prstGeom prst="rect">
+            <a:avLst/>
+          </a:prstGeom>
+        </p:spPr>
+      </p:pic>
+      <p:sp>
+        <p:nvSpPr>
+          <p:cNvPr id="9" name="TextBox 8">
+            <a:extLst>
+              <a:ext uri="{FF2B5EF4-FFF2-40B4-BE49-F238E27FC236}">
+                <a16:creationId xmlns:a16="http://schemas.microsoft.com/office/drawing/2014/main" id="{0B0CAF63-968F-4972-A00A-CECE5E22B602}"/>
+              </a:ext>
+            </a:extLst>
+          </p:cNvPr>
+          <p:cNvSpPr txBox="1"/>
+          <p:nvPr/>
+        </p:nvSpPr>
+        <p:spPr>
+          <a:xfrm>
+            <a:off x="7571874" y="1155032"/>
+            <a:ext cx="1686552" cy="369332"/>
+          </a:xfrm>
+          <a:prstGeom prst="rect">
+            <a:avLst/>
+          </a:prstGeom>
+          <a:noFill/>
+        </p:spPr>
+        <p:txBody>
+          <a:bodyPr wrap="none" rtlCol="0">
+            <a:spAutoFit/>
+          </a:bodyPr>
+          <a:lstStyle/>
+          <a:p>
+            <a:r>
+              <a:rPr lang="en-US" altLang="ko-KR" dirty="0" err="1"/>
+              <a:t>Tensorflow</a:t>
+            </a:r>
+            <a:r>
+              <a:rPr lang="en-US" altLang="ko-KR" dirty="0"/>
+              <a:t> 2.5</a:t>
+            </a:r>
+          </a:p>
+        </p:txBody>
+      </p:sp>
+      <p:pic>
+        <p:nvPicPr>
+          <p:cNvPr id="10" name="그림 9">
+            <a:extLst>
+              <a:ext uri="{FF2B5EF4-FFF2-40B4-BE49-F238E27FC236}">
+                <a16:creationId xmlns:a16="http://schemas.microsoft.com/office/drawing/2014/main" id="{C0E5DACD-E7B3-4A64-AA6C-97178F81B473}"/>
+              </a:ext>
+            </a:extLst>
+          </p:cNvPr>
+          <p:cNvPicPr>
+            <a:picLocks noChangeAspect="1"/>
+          </p:cNvPicPr>
+          <p:nvPr/>
+        </p:nvPicPr>
+        <p:blipFill>
+          <a:blip r:embed="rId5"/>
+          <a:stretch>
+            <a:fillRect/>
+          </a:stretch>
+        </p:blipFill>
+        <p:spPr>
+          <a:xfrm>
+            <a:off x="6935277" y="2309899"/>
+            <a:ext cx="4029637" cy="3820058"/>
+          </a:xfrm>
+          <a:prstGeom prst="rect">
+            <a:avLst/>
+          </a:prstGeom>
+        </p:spPr>
+      </p:pic>
+    </p:spTree>
+    <p:extLst>
+      <p:ext uri="{BB962C8B-B14F-4D97-AF65-F5344CB8AC3E}">
+        <p14:creationId xmlns:p14="http://schemas.microsoft.com/office/powerpoint/2010/main" val="3701562923"/>
+      </p:ext>
+    </p:extLst>
+  </p:cSld>
+  <p:clrMapOvr>
+    <a:masterClrMapping/>
+  </p:clrMapOvr>
+</p:sld>
+</file>
+
+<file path=ppt/slides/slide11.xml><?xml version="1.0" encoding="utf-8"?>
+<p:sld xmlns:a="http://schemas.openxmlformats.org/drawingml/2006/main" xmlns:r="http://schemas.openxmlformats.org/officeDocument/2006/relationships" xmlns:p="http://schemas.openxmlformats.org/presentationml/2006/main">
+  <p:cSld>
+    <p:spTree>
+      <p:nvGrpSpPr>
+        <p:cNvPr id="1" name=""/>
+        <p:cNvGrpSpPr/>
+        <p:nvPr/>
+      </p:nvGrpSpPr>
+      <p:grpSpPr>
+        <a:xfrm>
+          <a:off x="0" y="0"/>
+          <a:ext cx="0" cy="0"/>
+          <a:chOff x="0" y="0"/>
+          <a:chExt cx="0" cy="0"/>
+        </a:xfrm>
+      </p:grpSpPr>
+      <p:sp>
+        <p:nvSpPr>
+          <p:cNvPr id="2" name="제목 1">
+            <a:extLst>
+              <a:ext uri="{FF2B5EF4-FFF2-40B4-BE49-F238E27FC236}">
+                <a16:creationId xmlns:a16="http://schemas.microsoft.com/office/drawing/2014/main" id="{7962AE55-181C-43FB-8654-CD5D84EBA8C1}"/>
+              </a:ext>
+            </a:extLst>
+          </p:cNvPr>
+          <p:cNvSpPr>
+            <a:spLocks noGrp="1"/>
+          </p:cNvSpPr>
+          <p:nvPr>
+            <p:ph type="title"/>
+          </p:nvPr>
+        </p:nvSpPr>
+        <p:spPr/>
+        <p:txBody>
+          <a:bodyPr/>
+          <a:lstStyle/>
+          <a:p>
+            <a:r>
+              <a:rPr lang="en-US" altLang="ko-KR" dirty="0"/>
+              <a:t>stack</a:t>
+            </a:r>
+            <a:endParaRPr lang="ko-KR" altLang="en-US" dirty="0"/>
+          </a:p>
+        </p:txBody>
+      </p:sp>
+      <p:pic>
+        <p:nvPicPr>
+          <p:cNvPr id="4" name="내용 개체 틀 3">
+            <a:extLst>
+              <a:ext uri="{FF2B5EF4-FFF2-40B4-BE49-F238E27FC236}">
+                <a16:creationId xmlns:a16="http://schemas.microsoft.com/office/drawing/2014/main" id="{4053DD6D-FFDF-471C-AF12-F4CA82BF3512}"/>
+              </a:ext>
+            </a:extLst>
+          </p:cNvPr>
+          <p:cNvPicPr>
+            <a:picLocks noGrp="1" noChangeAspect="1"/>
+          </p:cNvPicPr>
+          <p:nvPr>
+            <p:ph idx="1"/>
+          </p:nvPr>
+        </p:nvPicPr>
+        <p:blipFill>
+          <a:blip r:embed="rId2"/>
+          <a:stretch>
+            <a:fillRect/>
+          </a:stretch>
+        </p:blipFill>
+        <p:spPr>
+          <a:xfrm>
+            <a:off x="470315" y="1530290"/>
+            <a:ext cx="3886742" cy="543001"/>
+          </a:xfrm>
+          <a:prstGeom prst="rect">
+            <a:avLst/>
+          </a:prstGeom>
+        </p:spPr>
+      </p:pic>
+      <p:pic>
+        <p:nvPicPr>
+          <p:cNvPr id="5" name="그림 4">
+            <a:extLst>
+              <a:ext uri="{FF2B5EF4-FFF2-40B4-BE49-F238E27FC236}">
+                <a16:creationId xmlns:a16="http://schemas.microsoft.com/office/drawing/2014/main" id="{6C701FD2-F046-40B2-8E57-AFC19DD3CD63}"/>
+              </a:ext>
+            </a:extLst>
+          </p:cNvPr>
+          <p:cNvPicPr>
+            <a:picLocks noChangeAspect="1"/>
+          </p:cNvPicPr>
+          <p:nvPr/>
+        </p:nvPicPr>
+        <p:blipFill>
+          <a:blip r:embed="rId3"/>
+          <a:stretch>
+            <a:fillRect/>
+          </a:stretch>
+        </p:blipFill>
+        <p:spPr>
+          <a:xfrm>
+            <a:off x="725889" y="3631544"/>
+            <a:ext cx="2848373" cy="781159"/>
+          </a:xfrm>
+          <a:prstGeom prst="rect">
+            <a:avLst/>
+          </a:prstGeom>
+        </p:spPr>
+      </p:pic>
+    </p:spTree>
+    <p:extLst>
+      <p:ext uri="{BB962C8B-B14F-4D97-AF65-F5344CB8AC3E}">
+        <p14:creationId xmlns:p14="http://schemas.microsoft.com/office/powerpoint/2010/main" val="3402068499"/>
+      </p:ext>
+    </p:extLst>
+  </p:cSld>
+  <p:clrMapOvr>
+    <a:masterClrMapping/>
+  </p:clrMapOvr>
+</p:sld>
+</file>
+
+<file path=ppt/slides/slide12.xml><?xml version="1.0" encoding="utf-8"?>
+<p:sld xmlns:a="http://schemas.openxmlformats.org/drawingml/2006/main" xmlns:r="http://schemas.openxmlformats.org/officeDocument/2006/relationships" xmlns:p="http://schemas.openxmlformats.org/presentationml/2006/main">
+  <p:cSld>
+    <p:spTree>
+      <p:nvGrpSpPr>
+        <p:cNvPr id="1" name=""/>
+        <p:cNvGrpSpPr/>
+        <p:nvPr/>
+      </p:nvGrpSpPr>
+      <p:grpSpPr>
+        <a:xfrm>
+          <a:off x="0" y="0"/>
+          <a:ext cx="0" cy="0"/>
+          <a:chOff x="0" y="0"/>
+          <a:chExt cx="0" cy="0"/>
+        </a:xfrm>
+      </p:grpSpPr>
+      <p:sp>
+        <p:nvSpPr>
+          <p:cNvPr id="2" name="제목 1">
+            <a:extLst>
+              <a:ext uri="{FF2B5EF4-FFF2-40B4-BE49-F238E27FC236}">
+                <a16:creationId xmlns:a16="http://schemas.microsoft.com/office/drawing/2014/main" id="{2EE08888-850C-4B40-A3DE-1865BF874412}"/>
+              </a:ext>
+            </a:extLst>
+          </p:cNvPr>
+          <p:cNvSpPr>
+            <a:spLocks noGrp="1"/>
+          </p:cNvSpPr>
+          <p:nvPr>
+            <p:ph type="title"/>
+          </p:nvPr>
+        </p:nvSpPr>
+        <p:spPr/>
+        <p:txBody>
+          <a:bodyPr/>
+          <a:lstStyle/>
+          <a:p>
+            <a:r>
+              <a:rPr lang="en-US" altLang="ko-KR" dirty="0"/>
+              <a:t>Split </a:t>
+            </a:r>
+            <a:r>
+              <a:rPr lang="en-US" altLang="ko-KR" sz="1600" dirty="0"/>
+              <a:t>– </a:t>
+            </a:r>
+            <a:r>
+              <a:rPr lang="en-US" altLang="ko-KR" sz="1600" dirty="0" err="1"/>
+              <a:t>split_size_or_sections</a:t>
+            </a:r>
+            <a:r>
+              <a:rPr lang="ko-KR" altLang="en-US" sz="1600" dirty="0"/>
+              <a:t>와 </a:t>
+            </a:r>
+            <a:r>
+              <a:rPr lang="en-US" altLang="ko-KR" sz="1600" dirty="0" err="1"/>
+              <a:t>num_or_size_splits</a:t>
+            </a:r>
+            <a:r>
+              <a:rPr lang="ko-KR" altLang="en-US" sz="1600" dirty="0"/>
+              <a:t>가 다름</a:t>
+            </a:r>
+          </a:p>
+        </p:txBody>
+      </p:sp>
+      <p:pic>
+        <p:nvPicPr>
+          <p:cNvPr id="4" name="내용 개체 틀 3">
+            <a:extLst>
+              <a:ext uri="{FF2B5EF4-FFF2-40B4-BE49-F238E27FC236}">
+                <a16:creationId xmlns:a16="http://schemas.microsoft.com/office/drawing/2014/main" id="{93033B7E-7DFD-4D43-989B-1BCA740E1A9D}"/>
+              </a:ext>
+            </a:extLst>
+          </p:cNvPr>
+          <p:cNvPicPr>
+            <a:picLocks noGrp="1" noChangeAspect="1"/>
+          </p:cNvPicPr>
+          <p:nvPr>
+            <p:ph idx="1"/>
+          </p:nvPr>
+        </p:nvPicPr>
+        <p:blipFill>
+          <a:blip r:embed="rId2"/>
+          <a:stretch>
+            <a:fillRect/>
+          </a:stretch>
+        </p:blipFill>
+        <p:spPr>
+          <a:xfrm>
+            <a:off x="508537" y="1481109"/>
+            <a:ext cx="3991532" cy="419158"/>
+          </a:xfrm>
+          <a:prstGeom prst="rect">
+            <a:avLst/>
+          </a:prstGeom>
+        </p:spPr>
+      </p:pic>
+      <p:pic>
+        <p:nvPicPr>
+          <p:cNvPr id="5" name="그림 4">
+            <a:extLst>
+              <a:ext uri="{FF2B5EF4-FFF2-40B4-BE49-F238E27FC236}">
+                <a16:creationId xmlns:a16="http://schemas.microsoft.com/office/drawing/2014/main" id="{43E88A83-0E8E-4F3D-AE68-DF19A5F3AE53}"/>
+              </a:ext>
+            </a:extLst>
+          </p:cNvPr>
+          <p:cNvPicPr>
+            <a:picLocks noChangeAspect="1"/>
+          </p:cNvPicPr>
+          <p:nvPr/>
+        </p:nvPicPr>
+        <p:blipFill>
+          <a:blip r:embed="rId3"/>
+          <a:stretch>
+            <a:fillRect/>
+          </a:stretch>
+        </p:blipFill>
+        <p:spPr>
+          <a:xfrm>
+            <a:off x="508537" y="1960572"/>
+            <a:ext cx="3277057" cy="4172532"/>
+          </a:xfrm>
+          <a:prstGeom prst="rect">
+            <a:avLst/>
+          </a:prstGeom>
+        </p:spPr>
+      </p:pic>
+      <p:pic>
+        <p:nvPicPr>
+          <p:cNvPr id="6" name="그림 5">
+            <a:extLst>
+              <a:ext uri="{FF2B5EF4-FFF2-40B4-BE49-F238E27FC236}">
+                <a16:creationId xmlns:a16="http://schemas.microsoft.com/office/drawing/2014/main" id="{5048083A-8C0C-4D6D-9CC6-9EFDAF634075}"/>
+              </a:ext>
+            </a:extLst>
+          </p:cNvPr>
+          <p:cNvPicPr>
+            <a:picLocks noChangeAspect="1"/>
+          </p:cNvPicPr>
+          <p:nvPr/>
+        </p:nvPicPr>
+        <p:blipFill>
+          <a:blip r:embed="rId4"/>
+          <a:stretch>
+            <a:fillRect/>
+          </a:stretch>
+        </p:blipFill>
+        <p:spPr>
+          <a:xfrm>
+            <a:off x="4829732" y="1514450"/>
+            <a:ext cx="5010849" cy="771633"/>
+          </a:xfrm>
+          <a:prstGeom prst="rect">
+            <a:avLst/>
+          </a:prstGeom>
+        </p:spPr>
+      </p:pic>
+      <p:pic>
+        <p:nvPicPr>
+          <p:cNvPr id="7" name="그림 6">
+            <a:extLst>
+              <a:ext uri="{FF2B5EF4-FFF2-40B4-BE49-F238E27FC236}">
+                <a16:creationId xmlns:a16="http://schemas.microsoft.com/office/drawing/2014/main" id="{79CFC5CD-DD9B-41B7-AD3C-9D9C7B522377}"/>
+              </a:ext>
+            </a:extLst>
+          </p:cNvPr>
+          <p:cNvPicPr>
+            <a:picLocks noChangeAspect="1"/>
+          </p:cNvPicPr>
+          <p:nvPr/>
+        </p:nvPicPr>
+        <p:blipFill>
+          <a:blip r:embed="rId5"/>
+          <a:stretch>
+            <a:fillRect/>
+          </a:stretch>
+        </p:blipFill>
+        <p:spPr>
+          <a:xfrm>
+            <a:off x="4829732" y="2361809"/>
+            <a:ext cx="5982535" cy="2981741"/>
+          </a:xfrm>
+          <a:prstGeom prst="rect">
+            <a:avLst/>
+          </a:prstGeom>
+        </p:spPr>
+      </p:pic>
+    </p:spTree>
+    <p:extLst>
+      <p:ext uri="{BB962C8B-B14F-4D97-AF65-F5344CB8AC3E}">
+        <p14:creationId xmlns:p14="http://schemas.microsoft.com/office/powerpoint/2010/main" val="2108134437"/>
+      </p:ext>
+    </p:extLst>
+  </p:cSld>
+  <p:clrMapOvr>
+    <a:masterClrMapping/>
+  </p:clrMapOvr>
+</p:sld>
+</file>
+
 <file path=ppt/slides/slide2.xml><?xml version="1.0" encoding="utf-8"?>
 <p:sld xmlns:a="http://schemas.openxmlformats.org/drawingml/2006/main" xmlns:r="http://schemas.openxmlformats.org/officeDocument/2006/relationships" xmlns:p="http://schemas.openxmlformats.org/presentationml/2006/main">
   <p:cSld>
@@ -3420,7 +3971,7 @@
           <p:cNvPr id="2" name="제목 1">
             <a:extLst>
               <a:ext uri="{FF2B5EF4-FFF2-40B4-BE49-F238E27FC236}">
-                <a16:creationId xmlns:a16="http://schemas.microsoft.com/office/drawing/2014/main" id="{3E1339F2-0A65-46CA-AC29-2A9935FF0D2F}"/>
+                <a16:creationId xmlns:a16="http://schemas.microsoft.com/office/drawing/2014/main" id="{73160F76-8BF6-4BC0-9526-764EFE218802}"/>
               </a:ext>
             </a:extLst>
           </p:cNvPr>
@@ -3437,174 +3988,28 @@
           <a:lstStyle/>
           <a:p>
             <a:r>
-              <a:rPr lang="en-US" altLang="ko-KR" dirty="0" err="1"/>
-              <a:t>Upsampling</a:t>
-            </a:r>
-            <a:r>
               <a:rPr lang="en-US" altLang="ko-KR" dirty="0"/>
-              <a:t> – bilinear </a:t>
-            </a:r>
-            <a:br>
-              <a:rPr lang="en-US" altLang="ko-KR" dirty="0"/>
-            </a:br>
+              <a:t>Forward in Module </a:t>
+            </a:r>
             <a:endParaRPr lang="ko-KR" altLang="en-US" dirty="0"/>
-          </a:p>
-        </p:txBody>
-      </p:sp>
-      <p:sp>
-        <p:nvSpPr>
-          <p:cNvPr id="3" name="내용 개체 틀 2">
-            <a:extLst>
-              <a:ext uri="{FF2B5EF4-FFF2-40B4-BE49-F238E27FC236}">
-                <a16:creationId xmlns:a16="http://schemas.microsoft.com/office/drawing/2014/main" id="{C4B5F7D8-AB28-4FDC-AEDD-48891B22C229}"/>
-              </a:ext>
-            </a:extLst>
-          </p:cNvPr>
-          <p:cNvSpPr>
-            <a:spLocks noGrp="1"/>
-          </p:cNvSpPr>
-          <p:nvPr>
-            <p:ph idx="1"/>
-          </p:nvPr>
-        </p:nvSpPr>
-        <p:spPr/>
-        <p:txBody>
-          <a:bodyPr>
-            <a:normAutofit fontScale="92500" lnSpcReduction="20000"/>
-          </a:bodyPr>
-          <a:lstStyle/>
-          <a:p>
-            <a:r>
-              <a:rPr lang="en-US" altLang="ko-KR" sz="1800" dirty="0" err="1"/>
-              <a:t>Upsampling</a:t>
-            </a:r>
-            <a:r>
-              <a:rPr lang="en-US" altLang="ko-KR" sz="1800" dirty="0"/>
-              <a:t> </a:t>
-            </a:r>
-            <a:r>
-              <a:rPr lang="ko-KR" altLang="en-US" sz="1800" dirty="0"/>
-              <a:t>중 다양한 종류가 있다</a:t>
-            </a:r>
-            <a:r>
-              <a:rPr lang="en-US" altLang="ko-KR" sz="1800" dirty="0"/>
-              <a:t>.</a:t>
-            </a:r>
-          </a:p>
-          <a:p>
-            <a:r>
-              <a:rPr lang="en-US" altLang="ko-KR" sz="1800" dirty="0"/>
-              <a:t>Nearest-Neighbor – </a:t>
-            </a:r>
-            <a:r>
-              <a:rPr lang="ko-KR" altLang="en-US" sz="1800" dirty="0"/>
-              <a:t>인접한 값 복사</a:t>
-            </a:r>
-            <a:endParaRPr lang="en-US" altLang="ko-KR" sz="1800" dirty="0"/>
-          </a:p>
-          <a:p>
-            <a:r>
-              <a:rPr lang="en-US" altLang="ko-KR" sz="1800" dirty="0"/>
-              <a:t>Bilinear – </a:t>
-            </a:r>
-            <a:r>
-              <a:rPr lang="ko-KR" altLang="en-US" sz="1800" dirty="0"/>
-              <a:t>선형 </a:t>
-            </a:r>
-            <a:r>
-              <a:rPr lang="ko-KR" altLang="en-US" sz="1800" dirty="0" err="1"/>
-              <a:t>보간법</a:t>
-            </a:r>
-            <a:endParaRPr lang="en-US" altLang="ko-KR" sz="1800" dirty="0"/>
-          </a:p>
-          <a:p>
-            <a:r>
-              <a:rPr lang="en-US" altLang="ko-KR" sz="1800" dirty="0"/>
-              <a:t>Bicubic – </a:t>
-            </a:r>
-            <a:r>
-              <a:rPr lang="ko-KR" altLang="en-US" sz="1800" dirty="0"/>
-              <a:t>다항 </a:t>
-            </a:r>
-            <a:r>
-              <a:rPr lang="ko-KR" altLang="en-US" sz="1800" dirty="0" err="1"/>
-              <a:t>보간법</a:t>
-            </a:r>
-            <a:endParaRPr lang="en-US" altLang="ko-KR" sz="1800" dirty="0"/>
-          </a:p>
-          <a:p>
-            <a:endParaRPr lang="en-US" altLang="ko-KR" sz="1800" dirty="0"/>
-          </a:p>
-          <a:p>
-            <a:r>
-              <a:rPr lang="en-US" altLang="ko-KR" sz="1800" dirty="0" err="1"/>
-              <a:t>Keras</a:t>
-            </a:r>
-            <a:r>
-              <a:rPr lang="ko-KR" altLang="en-US" sz="1800" dirty="0"/>
-              <a:t>에서는 </a:t>
-            </a:r>
-            <a:r>
-              <a:rPr lang="en-US" altLang="ko-KR" sz="1800" dirty="0"/>
-              <a:t>interpolation </a:t>
-            </a:r>
-            <a:r>
-              <a:rPr lang="ko-KR" altLang="en-US" sz="1800" dirty="0"/>
-              <a:t>을 </a:t>
-            </a:r>
-            <a:r>
-              <a:rPr lang="en-US" altLang="ko-KR" sz="1800" dirty="0"/>
-              <a:t>bilinear</a:t>
-            </a:r>
-            <a:r>
-              <a:rPr lang="ko-KR" altLang="en-US" sz="1800" dirty="0"/>
-              <a:t>로 해준다</a:t>
-            </a:r>
-            <a:r>
-              <a:rPr lang="en-US" altLang="ko-KR" sz="1800" dirty="0"/>
-              <a:t>.</a:t>
-            </a:r>
-          </a:p>
-          <a:p>
-            <a:endParaRPr lang="en-US" altLang="ko-KR" sz="1800" dirty="0"/>
-          </a:p>
-          <a:p>
-            <a:endParaRPr lang="en-US" altLang="ko-KR" sz="1800" dirty="0"/>
-          </a:p>
-          <a:p>
-            <a:endParaRPr lang="en-US" altLang="ko-KR" sz="1800" dirty="0"/>
-          </a:p>
-          <a:p>
-            <a:endParaRPr lang="en-US" altLang="ko-KR" sz="1800" dirty="0"/>
-          </a:p>
-          <a:p>
-            <a:endParaRPr lang="en-US" altLang="ko-KR" sz="1800" dirty="0"/>
-          </a:p>
-          <a:p>
-            <a:endParaRPr lang="en-US" altLang="ko-KR" sz="1800" dirty="0"/>
-          </a:p>
-          <a:p>
-            <a:r>
-              <a:rPr lang="en-US" altLang="ko-KR" sz="1800" dirty="0"/>
-              <a:t> https://datascience.stackexchange.com/questions/38118/what-is-the-difference-between-upsampling-and-bi-linear-upsampling-in-a-cnn</a:t>
-            </a:r>
-            <a:endParaRPr lang="ko-KR" altLang="en-US" sz="1800" dirty="0"/>
           </a:p>
         </p:txBody>
       </p:sp>
       <p:pic>
         <p:nvPicPr>
-          <p:cNvPr id="5" name="그림 4">
-            <a:extLst>
-              <a:ext uri="{FF2B5EF4-FFF2-40B4-BE49-F238E27FC236}">
-                <a16:creationId xmlns:a16="http://schemas.microsoft.com/office/drawing/2014/main" id="{10AC2E42-38B4-43F8-9387-BAAA0FE1E384}"/>
+          <p:cNvPr id="4" name="내용 개체 틀 3">
+            <a:extLst>
+              <a:ext uri="{FF2B5EF4-FFF2-40B4-BE49-F238E27FC236}">
+                <a16:creationId xmlns:a16="http://schemas.microsoft.com/office/drawing/2014/main" id="{BDC697EE-5736-46E5-BCD3-4E5F4E6DD0BA}"/>
               </a:ext>
             </a:extLst>
           </p:cNvPr>
           <p:cNvPicPr>
-            <a:picLocks noChangeAspect="1"/>
+            <a:picLocks noGrp="1" noChangeAspect="1"/>
           </p:cNvPicPr>
-          <p:nvPr/>
+          <p:nvPr>
+            <p:ph idx="1"/>
+          </p:nvPr>
         </p:nvPicPr>
         <p:blipFill>
           <a:blip r:embed="rId2"/>
@@ -3614,8 +4019,8 @@
         </p:blipFill>
         <p:spPr>
           <a:xfrm>
-            <a:off x="7263552" y="407151"/>
-            <a:ext cx="3940433" cy="2702011"/>
+            <a:off x="6371530" y="2481130"/>
+            <a:ext cx="4982270" cy="1895740"/>
           </a:xfrm>
           <a:prstGeom prst="rect">
             <a:avLst/>
@@ -3624,10 +4029,10 @@
       </p:pic>
       <p:pic>
         <p:nvPicPr>
-          <p:cNvPr id="6" name="그림 5">
-            <a:extLst>
-              <a:ext uri="{FF2B5EF4-FFF2-40B4-BE49-F238E27FC236}">
-                <a16:creationId xmlns:a16="http://schemas.microsoft.com/office/drawing/2014/main" id="{1903876A-A606-4142-8178-6433B21F605E}"/>
+          <p:cNvPr id="5" name="그림 4">
+            <a:extLst>
+              <a:ext uri="{FF2B5EF4-FFF2-40B4-BE49-F238E27FC236}">
+                <a16:creationId xmlns:a16="http://schemas.microsoft.com/office/drawing/2014/main" id="{738E2AFC-131A-4E93-BA38-C872F7E28B92}"/>
               </a:ext>
             </a:extLst>
           </p:cNvPr>
@@ -3644,8 +4049,8 @@
         </p:blipFill>
         <p:spPr>
           <a:xfrm>
-            <a:off x="6905154" y="3420180"/>
-            <a:ext cx="4906060" cy="657317"/>
+            <a:off x="1395297" y="2228017"/>
+            <a:ext cx="3486637" cy="2715004"/>
           </a:xfrm>
           <a:prstGeom prst="rect">
             <a:avLst/>
@@ -3655,7 +4060,7 @@
     </p:spTree>
     <p:extLst>
       <p:ext uri="{BB962C8B-B14F-4D97-AF65-F5344CB8AC3E}">
-        <p14:creationId xmlns:p14="http://schemas.microsoft.com/office/powerpoint/2010/main" val="820262118"/>
+        <p14:creationId xmlns:p14="http://schemas.microsoft.com/office/powerpoint/2010/main" val="516948560"/>
       </p:ext>
     </p:extLst>
   </p:cSld>
@@ -3687,7 +4092,7 @@
           <p:cNvPr id="2" name="제목 1">
             <a:extLst>
               <a:ext uri="{FF2B5EF4-FFF2-40B4-BE49-F238E27FC236}">
-                <a16:creationId xmlns:a16="http://schemas.microsoft.com/office/drawing/2014/main" id="{F8E977F6-0378-4DFB-8465-149D670CA8C3}"/>
+                <a16:creationId xmlns:a16="http://schemas.microsoft.com/office/drawing/2014/main" id="{3E1339F2-0A65-46CA-AC29-2A9935FF0D2F}"/>
               </a:ext>
             </a:extLst>
           </p:cNvPr>
@@ -3704,28 +4109,174 @@
           <a:lstStyle/>
           <a:p>
             <a:r>
+              <a:rPr lang="en-US" altLang="ko-KR" dirty="0" err="1"/>
+              <a:t>Upsampling</a:t>
+            </a:r>
+            <a:r>
               <a:rPr lang="en-US" altLang="ko-KR" dirty="0"/>
-              <a:t>ConvTranspose2d</a:t>
-            </a:r>
+              <a:t> – bilinear </a:t>
+            </a:r>
+            <a:br>
+              <a:rPr lang="en-US" altLang="ko-KR" dirty="0"/>
+            </a:br>
             <a:endParaRPr lang="ko-KR" altLang="en-US" dirty="0"/>
+          </a:p>
+        </p:txBody>
+      </p:sp>
+      <p:sp>
+        <p:nvSpPr>
+          <p:cNvPr id="3" name="내용 개체 틀 2">
+            <a:extLst>
+              <a:ext uri="{FF2B5EF4-FFF2-40B4-BE49-F238E27FC236}">
+                <a16:creationId xmlns:a16="http://schemas.microsoft.com/office/drawing/2014/main" id="{C4B5F7D8-AB28-4FDC-AEDD-48891B22C229}"/>
+              </a:ext>
+            </a:extLst>
+          </p:cNvPr>
+          <p:cNvSpPr>
+            <a:spLocks noGrp="1"/>
+          </p:cNvSpPr>
+          <p:nvPr>
+            <p:ph idx="1"/>
+          </p:nvPr>
+        </p:nvSpPr>
+        <p:spPr/>
+        <p:txBody>
+          <a:bodyPr>
+            <a:normAutofit fontScale="92500" lnSpcReduction="20000"/>
+          </a:bodyPr>
+          <a:lstStyle/>
+          <a:p>
+            <a:r>
+              <a:rPr lang="en-US" altLang="ko-KR" sz="1800" dirty="0" err="1"/>
+              <a:t>Upsampling</a:t>
+            </a:r>
+            <a:r>
+              <a:rPr lang="en-US" altLang="ko-KR" sz="1800" dirty="0"/>
+              <a:t> </a:t>
+            </a:r>
+            <a:r>
+              <a:rPr lang="ko-KR" altLang="en-US" sz="1800" dirty="0"/>
+              <a:t>중 다양한 종류가 있다</a:t>
+            </a:r>
+            <a:r>
+              <a:rPr lang="en-US" altLang="ko-KR" sz="1800" dirty="0"/>
+              <a:t>.</a:t>
+            </a:r>
+          </a:p>
+          <a:p>
+            <a:r>
+              <a:rPr lang="en-US" altLang="ko-KR" sz="1800" dirty="0"/>
+              <a:t>Nearest-Neighbor – </a:t>
+            </a:r>
+            <a:r>
+              <a:rPr lang="ko-KR" altLang="en-US" sz="1800" dirty="0"/>
+              <a:t>인접한 값 복사</a:t>
+            </a:r>
+            <a:endParaRPr lang="en-US" altLang="ko-KR" sz="1800" dirty="0"/>
+          </a:p>
+          <a:p>
+            <a:r>
+              <a:rPr lang="en-US" altLang="ko-KR" sz="1800" dirty="0"/>
+              <a:t>Bilinear – </a:t>
+            </a:r>
+            <a:r>
+              <a:rPr lang="ko-KR" altLang="en-US" sz="1800" dirty="0"/>
+              <a:t>선형 </a:t>
+            </a:r>
+            <a:r>
+              <a:rPr lang="ko-KR" altLang="en-US" sz="1800" dirty="0" err="1"/>
+              <a:t>보간법</a:t>
+            </a:r>
+            <a:endParaRPr lang="en-US" altLang="ko-KR" sz="1800" dirty="0"/>
+          </a:p>
+          <a:p>
+            <a:r>
+              <a:rPr lang="en-US" altLang="ko-KR" sz="1800" dirty="0"/>
+              <a:t>Bicubic – </a:t>
+            </a:r>
+            <a:r>
+              <a:rPr lang="ko-KR" altLang="en-US" sz="1800" dirty="0"/>
+              <a:t>다항 </a:t>
+            </a:r>
+            <a:r>
+              <a:rPr lang="ko-KR" altLang="en-US" sz="1800" dirty="0" err="1"/>
+              <a:t>보간법</a:t>
+            </a:r>
+            <a:endParaRPr lang="en-US" altLang="ko-KR" sz="1800" dirty="0"/>
+          </a:p>
+          <a:p>
+            <a:endParaRPr lang="en-US" altLang="ko-KR" sz="1800" dirty="0"/>
+          </a:p>
+          <a:p>
+            <a:r>
+              <a:rPr lang="en-US" altLang="ko-KR" sz="1800" dirty="0" err="1"/>
+              <a:t>Keras</a:t>
+            </a:r>
+            <a:r>
+              <a:rPr lang="ko-KR" altLang="en-US" sz="1800" dirty="0"/>
+              <a:t>에서는 </a:t>
+            </a:r>
+            <a:r>
+              <a:rPr lang="en-US" altLang="ko-KR" sz="1800" dirty="0"/>
+              <a:t>interpolation </a:t>
+            </a:r>
+            <a:r>
+              <a:rPr lang="ko-KR" altLang="en-US" sz="1800" dirty="0"/>
+              <a:t>을 </a:t>
+            </a:r>
+            <a:r>
+              <a:rPr lang="en-US" altLang="ko-KR" sz="1800" dirty="0"/>
+              <a:t>bilinear</a:t>
+            </a:r>
+            <a:r>
+              <a:rPr lang="ko-KR" altLang="en-US" sz="1800" dirty="0"/>
+              <a:t>로 해준다</a:t>
+            </a:r>
+            <a:r>
+              <a:rPr lang="en-US" altLang="ko-KR" sz="1800" dirty="0"/>
+              <a:t>.</a:t>
+            </a:r>
+          </a:p>
+          <a:p>
+            <a:endParaRPr lang="en-US" altLang="ko-KR" sz="1800" dirty="0"/>
+          </a:p>
+          <a:p>
+            <a:endParaRPr lang="en-US" altLang="ko-KR" sz="1800" dirty="0"/>
+          </a:p>
+          <a:p>
+            <a:endParaRPr lang="en-US" altLang="ko-KR" sz="1800" dirty="0"/>
+          </a:p>
+          <a:p>
+            <a:endParaRPr lang="en-US" altLang="ko-KR" sz="1800" dirty="0"/>
+          </a:p>
+          <a:p>
+            <a:endParaRPr lang="en-US" altLang="ko-KR" sz="1800" dirty="0"/>
+          </a:p>
+          <a:p>
+            <a:endParaRPr lang="en-US" altLang="ko-KR" sz="1800" dirty="0"/>
+          </a:p>
+          <a:p>
+            <a:r>
+              <a:rPr lang="en-US" altLang="ko-KR" sz="1800" dirty="0"/>
+              <a:t> https://datascience.stackexchange.com/questions/38118/what-is-the-difference-between-upsampling-and-bi-linear-upsampling-in-a-cnn</a:t>
+            </a:r>
+            <a:endParaRPr lang="ko-KR" altLang="en-US" sz="1800" dirty="0"/>
           </a:p>
         </p:txBody>
       </p:sp>
       <p:pic>
         <p:nvPicPr>
-          <p:cNvPr id="4" name="내용 개체 틀 3">
-            <a:extLst>
-              <a:ext uri="{FF2B5EF4-FFF2-40B4-BE49-F238E27FC236}">
-                <a16:creationId xmlns:a16="http://schemas.microsoft.com/office/drawing/2014/main" id="{5DEDFFE4-760B-47DE-9070-415EEBB4E26E}"/>
+          <p:cNvPr id="5" name="그림 4">
+            <a:extLst>
+              <a:ext uri="{FF2B5EF4-FFF2-40B4-BE49-F238E27FC236}">
+                <a16:creationId xmlns:a16="http://schemas.microsoft.com/office/drawing/2014/main" id="{10AC2E42-38B4-43F8-9387-BAAA0FE1E384}"/>
               </a:ext>
             </a:extLst>
           </p:cNvPr>
           <p:cNvPicPr>
-            <a:picLocks noGrp="1" noChangeAspect="1"/>
+            <a:picLocks noChangeAspect="1"/>
           </p:cNvPicPr>
-          <p:nvPr>
-            <p:ph idx="1"/>
-          </p:nvPr>
+          <p:nvPr/>
         </p:nvPicPr>
         <p:blipFill>
           <a:blip r:embed="rId2"/>
@@ -3735,8 +4286,8 @@
         </p:blipFill>
         <p:spPr>
           <a:xfrm>
-            <a:off x="838200" y="3429000"/>
-            <a:ext cx="6725589" cy="1657581"/>
+            <a:off x="7263552" y="407151"/>
+            <a:ext cx="3940433" cy="2702011"/>
           </a:xfrm>
           <a:prstGeom prst="rect">
             <a:avLst/>
@@ -3745,10 +4296,10 @@
       </p:pic>
       <p:pic>
         <p:nvPicPr>
-          <p:cNvPr id="5" name="그림 4">
-            <a:extLst>
-              <a:ext uri="{FF2B5EF4-FFF2-40B4-BE49-F238E27FC236}">
-                <a16:creationId xmlns:a16="http://schemas.microsoft.com/office/drawing/2014/main" id="{762EE789-C347-4066-B5AD-1419FF159362}"/>
+          <p:cNvPr id="6" name="그림 5">
+            <a:extLst>
+              <a:ext uri="{FF2B5EF4-FFF2-40B4-BE49-F238E27FC236}">
+                <a16:creationId xmlns:a16="http://schemas.microsoft.com/office/drawing/2014/main" id="{1903876A-A606-4142-8178-6433B21F605E}"/>
               </a:ext>
             </a:extLst>
           </p:cNvPr>
@@ -3765,8 +4316,8 @@
         </p:blipFill>
         <p:spPr>
           <a:xfrm>
-            <a:off x="693727" y="1610264"/>
-            <a:ext cx="8135485" cy="1495634"/>
+            <a:off x="6905154" y="3420180"/>
+            <a:ext cx="4906060" cy="657317"/>
           </a:xfrm>
           <a:prstGeom prst="rect">
             <a:avLst/>
@@ -3776,7 +4327,7 @@
     </p:spTree>
     <p:extLst>
       <p:ext uri="{BB962C8B-B14F-4D97-AF65-F5344CB8AC3E}">
-        <p14:creationId xmlns:p14="http://schemas.microsoft.com/office/powerpoint/2010/main" val="3664962714"/>
+        <p14:creationId xmlns:p14="http://schemas.microsoft.com/office/powerpoint/2010/main" val="820262118"/>
       </p:ext>
     </p:extLst>
   </p:cSld>
@@ -3808,7 +4359,7 @@
           <p:cNvPr id="2" name="제목 1">
             <a:extLst>
               <a:ext uri="{FF2B5EF4-FFF2-40B4-BE49-F238E27FC236}">
-                <a16:creationId xmlns:a16="http://schemas.microsoft.com/office/drawing/2014/main" id="{92FF17E2-32BA-4F59-8E5A-F7E0AC3398D0}"/>
+                <a16:creationId xmlns:a16="http://schemas.microsoft.com/office/drawing/2014/main" id="{F8E977F6-0378-4DFB-8465-149D670CA8C3}"/>
               </a:ext>
             </a:extLst>
           </p:cNvPr>
@@ -3825,8 +4376,8 @@
           <a:lstStyle/>
           <a:p>
             <a:r>
-              <a:rPr lang="en-US" altLang="ko-KR" dirty="0" err="1"/>
-              <a:t>ToTensor</a:t>
+              <a:rPr lang="en-US" altLang="ko-KR" dirty="0"/>
+              <a:t>ConvTranspose2d</a:t>
             </a:r>
             <a:endParaRPr lang="ko-KR" altLang="en-US" dirty="0"/>
           </a:p>
@@ -3837,7 +4388,7 @@
           <p:cNvPr id="4" name="내용 개체 틀 3">
             <a:extLst>
               <a:ext uri="{FF2B5EF4-FFF2-40B4-BE49-F238E27FC236}">
-                <a16:creationId xmlns:a16="http://schemas.microsoft.com/office/drawing/2014/main" id="{32912E0A-D2B0-45E1-A2CE-5AB5F3CDC91F}"/>
+                <a16:creationId xmlns:a16="http://schemas.microsoft.com/office/drawing/2014/main" id="{5DEDFFE4-760B-47DE-9070-415EEBB4E26E}"/>
               </a:ext>
             </a:extLst>
           </p:cNvPr>
@@ -3856,8 +4407,8 @@
         </p:blipFill>
         <p:spPr>
           <a:xfrm>
-            <a:off x="838200" y="2156569"/>
-            <a:ext cx="4610743" cy="847843"/>
+            <a:off x="838200" y="3429000"/>
+            <a:ext cx="6725589" cy="1657581"/>
           </a:xfrm>
           <a:prstGeom prst="rect">
             <a:avLst/>
@@ -3869,7 +4420,7 @@
           <p:cNvPr id="5" name="그림 4">
             <a:extLst>
               <a:ext uri="{FF2B5EF4-FFF2-40B4-BE49-F238E27FC236}">
-                <a16:creationId xmlns:a16="http://schemas.microsoft.com/office/drawing/2014/main" id="{571F5C28-04EF-43AF-A083-09BC86FDCDE0}"/>
+                <a16:creationId xmlns:a16="http://schemas.microsoft.com/office/drawing/2014/main" id="{762EE789-C347-4066-B5AD-1419FF159362}"/>
               </a:ext>
             </a:extLst>
           </p:cNvPr>
@@ -3886,8 +4437,38 @@
         </p:blipFill>
         <p:spPr>
           <a:xfrm>
-            <a:off x="838200" y="1678849"/>
-            <a:ext cx="4391638" cy="352474"/>
+            <a:off x="693727" y="1610264"/>
+            <a:ext cx="8135485" cy="1495634"/>
+          </a:xfrm>
+          <a:prstGeom prst="rect">
+            <a:avLst/>
+          </a:prstGeom>
+        </p:spPr>
+      </p:pic>
+      <p:pic>
+        <p:nvPicPr>
+          <p:cNvPr id="3" name="그림 2">
+            <a:extLst>
+              <a:ext uri="{FF2B5EF4-FFF2-40B4-BE49-F238E27FC236}">
+                <a16:creationId xmlns:a16="http://schemas.microsoft.com/office/drawing/2014/main" id="{98E6EE35-A856-4A2D-88F3-EE40BA88CE9E}"/>
+              </a:ext>
+            </a:extLst>
+          </p:cNvPr>
+          <p:cNvPicPr>
+            <a:picLocks noChangeAspect="1"/>
+          </p:cNvPicPr>
+          <p:nvPr/>
+        </p:nvPicPr>
+        <p:blipFill>
+          <a:blip r:embed="rId4"/>
+          <a:stretch>
+            <a:fillRect/>
+          </a:stretch>
+        </p:blipFill>
+        <p:spPr>
+          <a:xfrm>
+            <a:off x="8829212" y="2238130"/>
+            <a:ext cx="2962688" cy="571580"/>
           </a:xfrm>
           <a:prstGeom prst="rect">
             <a:avLst/>
@@ -3897,7 +4478,7 @@
     </p:spTree>
     <p:extLst>
       <p:ext uri="{BB962C8B-B14F-4D97-AF65-F5344CB8AC3E}">
-        <p14:creationId xmlns:p14="http://schemas.microsoft.com/office/powerpoint/2010/main" val="927519580"/>
+        <p14:creationId xmlns:p14="http://schemas.microsoft.com/office/powerpoint/2010/main" val="3664962714"/>
       </p:ext>
     </p:extLst>
   </p:cSld>
@@ -3929,7 +4510,7 @@
           <p:cNvPr id="2" name="제목 1">
             <a:extLst>
               <a:ext uri="{FF2B5EF4-FFF2-40B4-BE49-F238E27FC236}">
-                <a16:creationId xmlns:a16="http://schemas.microsoft.com/office/drawing/2014/main" id="{56337759-0795-48C9-BAE0-0B2FE3BF75FF}"/>
+                <a16:creationId xmlns:a16="http://schemas.microsoft.com/office/drawing/2014/main" id="{01278B68-4CAC-4CBF-A85F-578B1E9AA326}"/>
               </a:ext>
             </a:extLst>
           </p:cNvPr>
@@ -3946,8 +4527,24 @@
           <a:lstStyle/>
           <a:p>
             <a:r>
+              <a:rPr lang="en-US" altLang="ko-KR" dirty="0"/>
+              <a:t>Conv2D padding </a:t>
+            </a:r>
+            <a:r>
+              <a:rPr lang="ko-KR" altLang="en-US" dirty="0"/>
+              <a:t>구체화 </a:t>
+            </a:r>
+            <a:r>
+              <a:rPr lang="en-US" altLang="ko-KR" dirty="0"/>
+              <a:t>(</a:t>
+            </a:r>
+            <a:r>
               <a:rPr lang="en-US" altLang="ko-KR" dirty="0" err="1"/>
-              <a:t>argparse</a:t>
+              <a:t>keras</a:t>
+            </a:r>
+            <a:r>
+              <a:rPr lang="en-US" altLang="ko-KR" dirty="0"/>
+              <a:t>)</a:t>
             </a:r>
             <a:endParaRPr lang="ko-KR" altLang="en-US" dirty="0"/>
           </a:p>
@@ -3958,7 +4555,7 @@
           <p:cNvPr id="4" name="내용 개체 틀 3">
             <a:extLst>
               <a:ext uri="{FF2B5EF4-FFF2-40B4-BE49-F238E27FC236}">
-                <a16:creationId xmlns:a16="http://schemas.microsoft.com/office/drawing/2014/main" id="{0AA8BF84-C0ED-496D-B950-F7D74E1EADC3}"/>
+                <a16:creationId xmlns:a16="http://schemas.microsoft.com/office/drawing/2014/main" id="{2A68BFF3-76FF-40B4-8047-5546852E0816}"/>
               </a:ext>
             </a:extLst>
           </p:cNvPr>
@@ -3977,8 +4574,8 @@
         </p:blipFill>
         <p:spPr>
           <a:xfrm>
-            <a:off x="838200" y="3404370"/>
-            <a:ext cx="5709783" cy="2879292"/>
+            <a:off x="5307942" y="1427870"/>
+            <a:ext cx="6354062" cy="447737"/>
           </a:xfrm>
           <a:prstGeom prst="rect">
             <a:avLst/>
@@ -3990,7 +4587,7 @@
           <p:cNvPr id="5" name="그림 4">
             <a:extLst>
               <a:ext uri="{FF2B5EF4-FFF2-40B4-BE49-F238E27FC236}">
-                <a16:creationId xmlns:a16="http://schemas.microsoft.com/office/drawing/2014/main" id="{93B159B0-3325-4335-8147-75666C4CE832}"/>
+                <a16:creationId xmlns:a16="http://schemas.microsoft.com/office/drawing/2014/main" id="{FDDC0178-993D-46DE-BBE1-1F48E6F2E08A}"/>
               </a:ext>
             </a:extLst>
           </p:cNvPr>
@@ -4007,6 +4604,519 @@
         </p:blipFill>
         <p:spPr>
           <a:xfrm>
+            <a:off x="282860" y="2283702"/>
+            <a:ext cx="3296993" cy="1581086"/>
+          </a:xfrm>
+          <a:prstGeom prst="rect">
+            <a:avLst/>
+          </a:prstGeom>
+        </p:spPr>
+      </p:pic>
+      <p:pic>
+        <p:nvPicPr>
+          <p:cNvPr id="6" name="그림 5">
+            <a:extLst>
+              <a:ext uri="{FF2B5EF4-FFF2-40B4-BE49-F238E27FC236}">
+                <a16:creationId xmlns:a16="http://schemas.microsoft.com/office/drawing/2014/main" id="{7CCAD837-1447-44AA-A9E4-ECC2EE023169}"/>
+              </a:ext>
+            </a:extLst>
+          </p:cNvPr>
+          <p:cNvPicPr>
+            <a:picLocks noChangeAspect="1"/>
+          </p:cNvPicPr>
+          <p:nvPr/>
+        </p:nvPicPr>
+        <p:blipFill>
+          <a:blip r:embed="rId4"/>
+          <a:stretch>
+            <a:fillRect/>
+          </a:stretch>
+        </p:blipFill>
+        <p:spPr>
+          <a:xfrm>
+            <a:off x="282860" y="3965106"/>
+            <a:ext cx="3639271" cy="2527769"/>
+          </a:xfrm>
+          <a:prstGeom prst="rect">
+            <a:avLst/>
+          </a:prstGeom>
+        </p:spPr>
+      </p:pic>
+      <p:sp>
+        <p:nvSpPr>
+          <p:cNvPr id="7" name="TextBox 6">
+            <a:extLst>
+              <a:ext uri="{FF2B5EF4-FFF2-40B4-BE49-F238E27FC236}">
+                <a16:creationId xmlns:a16="http://schemas.microsoft.com/office/drawing/2014/main" id="{F6CBF6FE-D653-4FAB-A6DF-38627C76B154}"/>
+              </a:ext>
+            </a:extLst>
+          </p:cNvPr>
+          <p:cNvSpPr txBox="1"/>
+          <p:nvPr/>
+        </p:nvSpPr>
+        <p:spPr>
+          <a:xfrm>
+            <a:off x="282860" y="1875607"/>
+            <a:ext cx="4033989" cy="307777"/>
+          </a:xfrm>
+          <a:prstGeom prst="rect">
+            <a:avLst/>
+          </a:prstGeom>
+          <a:noFill/>
+        </p:spPr>
+        <p:txBody>
+          <a:bodyPr wrap="none" rtlCol="0">
+            <a:spAutoFit/>
+          </a:bodyPr>
+          <a:lstStyle/>
+          <a:p>
+            <a:r>
+              <a:rPr lang="en-US" altLang="ko-KR" sz="1400" dirty="0"/>
+              <a:t>Torch</a:t>
+            </a:r>
+            <a:r>
+              <a:rPr lang="ko-KR" altLang="en-US" sz="1400" dirty="0"/>
+              <a:t>는 </a:t>
+            </a:r>
+            <a:r>
+              <a:rPr lang="en-US" altLang="ko-KR" sz="1400" dirty="0"/>
+              <a:t>conv2d</a:t>
+            </a:r>
+            <a:r>
+              <a:rPr lang="ko-KR" altLang="en-US" sz="1400" dirty="0"/>
+              <a:t>에서 </a:t>
+            </a:r>
+            <a:r>
+              <a:rPr lang="en-US" altLang="ko-KR" sz="1400" dirty="0"/>
+              <a:t>padding size</a:t>
+            </a:r>
+            <a:r>
+              <a:rPr lang="ko-KR" altLang="en-US" sz="1400" dirty="0"/>
+              <a:t>를 줄 수 있음</a:t>
+            </a:r>
+            <a:r>
+              <a:rPr lang="en-US" altLang="ko-KR" sz="1400" dirty="0"/>
+              <a:t>.</a:t>
+            </a:r>
+            <a:endParaRPr lang="ko-KR" altLang="en-US" sz="1400" dirty="0"/>
+          </a:p>
+        </p:txBody>
+      </p:sp>
+      <p:pic>
+        <p:nvPicPr>
+          <p:cNvPr id="8" name="그림 7">
+            <a:extLst>
+              <a:ext uri="{FF2B5EF4-FFF2-40B4-BE49-F238E27FC236}">
+                <a16:creationId xmlns:a16="http://schemas.microsoft.com/office/drawing/2014/main" id="{3661E8B2-17A7-45CD-9178-16F6C66D4B3E}"/>
+              </a:ext>
+            </a:extLst>
+          </p:cNvPr>
+          <p:cNvPicPr>
+            <a:picLocks noChangeAspect="1"/>
+          </p:cNvPicPr>
+          <p:nvPr/>
+        </p:nvPicPr>
+        <p:blipFill>
+          <a:blip r:embed="rId5"/>
+          <a:stretch>
+            <a:fillRect/>
+          </a:stretch>
+        </p:blipFill>
+        <p:spPr>
+          <a:xfrm>
+            <a:off x="6096000" y="2660821"/>
+            <a:ext cx="2694381" cy="3496962"/>
+          </a:xfrm>
+          <a:prstGeom prst="rect">
+            <a:avLst/>
+          </a:prstGeom>
+        </p:spPr>
+      </p:pic>
+      <p:sp>
+        <p:nvSpPr>
+          <p:cNvPr id="9" name="TextBox 8">
+            <a:extLst>
+              <a:ext uri="{FF2B5EF4-FFF2-40B4-BE49-F238E27FC236}">
+                <a16:creationId xmlns:a16="http://schemas.microsoft.com/office/drawing/2014/main" id="{6EFE4940-3D6C-4AE1-9E71-68B675B56CF4}"/>
+              </a:ext>
+            </a:extLst>
+          </p:cNvPr>
+          <p:cNvSpPr txBox="1"/>
+          <p:nvPr/>
+        </p:nvSpPr>
+        <p:spPr>
+          <a:xfrm>
+            <a:off x="5995800" y="2194609"/>
+            <a:ext cx="4019049" cy="307777"/>
+          </a:xfrm>
+          <a:prstGeom prst="rect">
+            <a:avLst/>
+          </a:prstGeom>
+          <a:noFill/>
+        </p:spPr>
+        <p:txBody>
+          <a:bodyPr wrap="none" rtlCol="0">
+            <a:spAutoFit/>
+          </a:bodyPr>
+          <a:lstStyle/>
+          <a:p>
+            <a:r>
+              <a:rPr lang="en-US" altLang="ko-KR" sz="1400" dirty="0" err="1"/>
+              <a:t>keras</a:t>
+            </a:r>
+            <a:r>
+              <a:rPr lang="ko-KR" altLang="en-US" sz="1400" dirty="0"/>
+              <a:t>는 </a:t>
+            </a:r>
+            <a:r>
+              <a:rPr lang="en-US" altLang="ko-KR" sz="1400" dirty="0"/>
+              <a:t>conv2d</a:t>
+            </a:r>
+            <a:r>
+              <a:rPr lang="ko-KR" altLang="en-US" sz="1400" dirty="0"/>
+              <a:t>에서 </a:t>
+            </a:r>
+            <a:r>
+              <a:rPr lang="en-US" altLang="ko-KR" sz="1400" dirty="0"/>
+              <a:t>padding size</a:t>
+            </a:r>
+            <a:r>
+              <a:rPr lang="ko-KR" altLang="en-US" sz="1400" dirty="0"/>
+              <a:t>를 줄 수 없음</a:t>
+            </a:r>
+            <a:r>
+              <a:rPr lang="en-US" altLang="ko-KR" sz="1400" dirty="0"/>
+              <a:t>.</a:t>
+            </a:r>
+            <a:endParaRPr lang="ko-KR" altLang="en-US" sz="1400" dirty="0"/>
+          </a:p>
+        </p:txBody>
+      </p:sp>
+    </p:spTree>
+    <p:extLst>
+      <p:ext uri="{BB962C8B-B14F-4D97-AF65-F5344CB8AC3E}">
+        <p14:creationId xmlns:p14="http://schemas.microsoft.com/office/powerpoint/2010/main" val="799535192"/>
+      </p:ext>
+    </p:extLst>
+  </p:cSld>
+  <p:clrMapOvr>
+    <a:masterClrMapping/>
+  </p:clrMapOvr>
+</p:sld>
+</file>
+
+<file path=ppt/slides/slide6.xml><?xml version="1.0" encoding="utf-8"?>
+<p:sld xmlns:a="http://schemas.openxmlformats.org/drawingml/2006/main" xmlns:r="http://schemas.openxmlformats.org/officeDocument/2006/relationships" xmlns:p="http://schemas.openxmlformats.org/presentationml/2006/main">
+  <p:cSld>
+    <p:spTree>
+      <p:nvGrpSpPr>
+        <p:cNvPr id="1" name=""/>
+        <p:cNvGrpSpPr/>
+        <p:nvPr/>
+      </p:nvGrpSpPr>
+      <p:grpSpPr>
+        <a:xfrm>
+          <a:off x="0" y="0"/>
+          <a:ext cx="0" cy="0"/>
+          <a:chOff x="0" y="0"/>
+          <a:chExt cx="0" cy="0"/>
+        </a:xfrm>
+      </p:grpSpPr>
+      <p:sp>
+        <p:nvSpPr>
+          <p:cNvPr id="2" name="제목 1">
+            <a:extLst>
+              <a:ext uri="{FF2B5EF4-FFF2-40B4-BE49-F238E27FC236}">
+                <a16:creationId xmlns:a16="http://schemas.microsoft.com/office/drawing/2014/main" id="{B90A5DDB-0C6A-47F3-A48A-1E22A6AEB9AE}"/>
+              </a:ext>
+            </a:extLst>
+          </p:cNvPr>
+          <p:cNvSpPr>
+            <a:spLocks noGrp="1"/>
+          </p:cNvSpPr>
+          <p:nvPr>
+            <p:ph type="title"/>
+          </p:nvPr>
+        </p:nvSpPr>
+        <p:spPr/>
+        <p:txBody>
+          <a:bodyPr/>
+          <a:lstStyle/>
+          <a:p>
+            <a:r>
+              <a:rPr lang="en-US" altLang="ko-KR" dirty="0" err="1"/>
+              <a:t>nn.ModuleList</a:t>
+            </a:r>
+            <a:endParaRPr lang="ko-KR" altLang="en-US" dirty="0"/>
+          </a:p>
+        </p:txBody>
+      </p:sp>
+      <p:pic>
+        <p:nvPicPr>
+          <p:cNvPr id="4" name="내용 개체 틀 3">
+            <a:extLst>
+              <a:ext uri="{FF2B5EF4-FFF2-40B4-BE49-F238E27FC236}">
+                <a16:creationId xmlns:a16="http://schemas.microsoft.com/office/drawing/2014/main" id="{2BA374F7-45D9-4A4B-9166-F3453D9FC51F}"/>
+              </a:ext>
+            </a:extLst>
+          </p:cNvPr>
+          <p:cNvPicPr>
+            <a:picLocks noGrp="1" noChangeAspect="1"/>
+          </p:cNvPicPr>
+          <p:nvPr>
+            <p:ph idx="1"/>
+          </p:nvPr>
+        </p:nvPicPr>
+        <p:blipFill>
+          <a:blip r:embed="rId2"/>
+          <a:stretch>
+            <a:fillRect/>
+          </a:stretch>
+        </p:blipFill>
+        <p:spPr>
+          <a:xfrm>
+            <a:off x="623011" y="1452530"/>
+            <a:ext cx="3334215" cy="476316"/>
+          </a:xfrm>
+          <a:prstGeom prst="rect">
+            <a:avLst/>
+          </a:prstGeom>
+        </p:spPr>
+      </p:pic>
+    </p:spTree>
+    <p:extLst>
+      <p:ext uri="{BB962C8B-B14F-4D97-AF65-F5344CB8AC3E}">
+        <p14:creationId xmlns:p14="http://schemas.microsoft.com/office/powerpoint/2010/main" val="2580170711"/>
+      </p:ext>
+    </p:extLst>
+  </p:cSld>
+  <p:clrMapOvr>
+    <a:masterClrMapping/>
+  </p:clrMapOvr>
+</p:sld>
+</file>
+
+<file path=ppt/slides/slide7.xml><?xml version="1.0" encoding="utf-8"?>
+<p:sld xmlns:a="http://schemas.openxmlformats.org/drawingml/2006/main" xmlns:r="http://schemas.openxmlformats.org/officeDocument/2006/relationships" xmlns:p="http://schemas.openxmlformats.org/presentationml/2006/main">
+  <p:cSld>
+    <p:spTree>
+      <p:nvGrpSpPr>
+        <p:cNvPr id="1" name=""/>
+        <p:cNvGrpSpPr/>
+        <p:nvPr/>
+      </p:nvGrpSpPr>
+      <p:grpSpPr>
+        <a:xfrm>
+          <a:off x="0" y="0"/>
+          <a:ext cx="0" cy="0"/>
+          <a:chOff x="0" y="0"/>
+          <a:chExt cx="0" cy="0"/>
+        </a:xfrm>
+      </p:grpSpPr>
+      <p:sp>
+        <p:nvSpPr>
+          <p:cNvPr id="2" name="제목 1">
+            <a:extLst>
+              <a:ext uri="{FF2B5EF4-FFF2-40B4-BE49-F238E27FC236}">
+                <a16:creationId xmlns:a16="http://schemas.microsoft.com/office/drawing/2014/main" id="{92FF17E2-32BA-4F59-8E5A-F7E0AC3398D0}"/>
+              </a:ext>
+            </a:extLst>
+          </p:cNvPr>
+          <p:cNvSpPr>
+            <a:spLocks noGrp="1"/>
+          </p:cNvSpPr>
+          <p:nvPr>
+            <p:ph type="title"/>
+          </p:nvPr>
+        </p:nvSpPr>
+        <p:spPr/>
+        <p:txBody>
+          <a:bodyPr/>
+          <a:lstStyle/>
+          <a:p>
+            <a:r>
+              <a:rPr lang="en-US" altLang="ko-KR" dirty="0" err="1"/>
+              <a:t>ToTensor</a:t>
+            </a:r>
+            <a:endParaRPr lang="ko-KR" altLang="en-US" dirty="0"/>
+          </a:p>
+        </p:txBody>
+      </p:sp>
+      <p:pic>
+        <p:nvPicPr>
+          <p:cNvPr id="4" name="내용 개체 틀 3">
+            <a:extLst>
+              <a:ext uri="{FF2B5EF4-FFF2-40B4-BE49-F238E27FC236}">
+                <a16:creationId xmlns:a16="http://schemas.microsoft.com/office/drawing/2014/main" id="{32912E0A-D2B0-45E1-A2CE-5AB5F3CDC91F}"/>
+              </a:ext>
+            </a:extLst>
+          </p:cNvPr>
+          <p:cNvPicPr>
+            <a:picLocks noGrp="1" noChangeAspect="1"/>
+          </p:cNvPicPr>
+          <p:nvPr>
+            <p:ph idx="1"/>
+          </p:nvPr>
+        </p:nvPicPr>
+        <p:blipFill>
+          <a:blip r:embed="rId2"/>
+          <a:stretch>
+            <a:fillRect/>
+          </a:stretch>
+        </p:blipFill>
+        <p:spPr>
+          <a:xfrm>
+            <a:off x="838200" y="2156569"/>
+            <a:ext cx="4610743" cy="847843"/>
+          </a:xfrm>
+          <a:prstGeom prst="rect">
+            <a:avLst/>
+          </a:prstGeom>
+        </p:spPr>
+      </p:pic>
+      <p:pic>
+        <p:nvPicPr>
+          <p:cNvPr id="5" name="그림 4">
+            <a:extLst>
+              <a:ext uri="{FF2B5EF4-FFF2-40B4-BE49-F238E27FC236}">
+                <a16:creationId xmlns:a16="http://schemas.microsoft.com/office/drawing/2014/main" id="{571F5C28-04EF-43AF-A083-09BC86FDCDE0}"/>
+              </a:ext>
+            </a:extLst>
+          </p:cNvPr>
+          <p:cNvPicPr>
+            <a:picLocks noChangeAspect="1"/>
+          </p:cNvPicPr>
+          <p:nvPr/>
+        </p:nvPicPr>
+        <p:blipFill>
+          <a:blip r:embed="rId3"/>
+          <a:stretch>
+            <a:fillRect/>
+          </a:stretch>
+        </p:blipFill>
+        <p:spPr>
+          <a:xfrm>
+            <a:off x="838200" y="1678849"/>
+            <a:ext cx="4391638" cy="352474"/>
+          </a:xfrm>
+          <a:prstGeom prst="rect">
+            <a:avLst/>
+          </a:prstGeom>
+        </p:spPr>
+      </p:pic>
+    </p:spTree>
+    <p:extLst>
+      <p:ext uri="{BB962C8B-B14F-4D97-AF65-F5344CB8AC3E}">
+        <p14:creationId xmlns:p14="http://schemas.microsoft.com/office/powerpoint/2010/main" val="927519580"/>
+      </p:ext>
+    </p:extLst>
+  </p:cSld>
+  <p:clrMapOvr>
+    <a:masterClrMapping/>
+  </p:clrMapOvr>
+</p:sld>
+</file>
+
+<file path=ppt/slides/slide8.xml><?xml version="1.0" encoding="utf-8"?>
+<p:sld xmlns:a="http://schemas.openxmlformats.org/drawingml/2006/main" xmlns:r="http://schemas.openxmlformats.org/officeDocument/2006/relationships" xmlns:p="http://schemas.openxmlformats.org/presentationml/2006/main">
+  <p:cSld>
+    <p:spTree>
+      <p:nvGrpSpPr>
+        <p:cNvPr id="1" name=""/>
+        <p:cNvGrpSpPr/>
+        <p:nvPr/>
+      </p:nvGrpSpPr>
+      <p:grpSpPr>
+        <a:xfrm>
+          <a:off x="0" y="0"/>
+          <a:ext cx="0" cy="0"/>
+          <a:chOff x="0" y="0"/>
+          <a:chExt cx="0" cy="0"/>
+        </a:xfrm>
+      </p:grpSpPr>
+      <p:sp>
+        <p:nvSpPr>
+          <p:cNvPr id="2" name="제목 1">
+            <a:extLst>
+              <a:ext uri="{FF2B5EF4-FFF2-40B4-BE49-F238E27FC236}">
+                <a16:creationId xmlns:a16="http://schemas.microsoft.com/office/drawing/2014/main" id="{56337759-0795-48C9-BAE0-0B2FE3BF75FF}"/>
+              </a:ext>
+            </a:extLst>
+          </p:cNvPr>
+          <p:cNvSpPr>
+            <a:spLocks noGrp="1"/>
+          </p:cNvSpPr>
+          <p:nvPr>
+            <p:ph type="title"/>
+          </p:nvPr>
+        </p:nvSpPr>
+        <p:spPr/>
+        <p:txBody>
+          <a:bodyPr/>
+          <a:lstStyle/>
+          <a:p>
+            <a:r>
+              <a:rPr lang="en-US" altLang="ko-KR" dirty="0" err="1"/>
+              <a:t>argparse</a:t>
+            </a:r>
+            <a:endParaRPr lang="ko-KR" altLang="en-US" dirty="0"/>
+          </a:p>
+        </p:txBody>
+      </p:sp>
+      <p:pic>
+        <p:nvPicPr>
+          <p:cNvPr id="4" name="내용 개체 틀 3">
+            <a:extLst>
+              <a:ext uri="{FF2B5EF4-FFF2-40B4-BE49-F238E27FC236}">
+                <a16:creationId xmlns:a16="http://schemas.microsoft.com/office/drawing/2014/main" id="{0AA8BF84-C0ED-496D-B950-F7D74E1EADC3}"/>
+              </a:ext>
+            </a:extLst>
+          </p:cNvPr>
+          <p:cNvPicPr>
+            <a:picLocks noGrp="1" noChangeAspect="1"/>
+          </p:cNvPicPr>
+          <p:nvPr>
+            <p:ph idx="1"/>
+          </p:nvPr>
+        </p:nvPicPr>
+        <p:blipFill>
+          <a:blip r:embed="rId2"/>
+          <a:stretch>
+            <a:fillRect/>
+          </a:stretch>
+        </p:blipFill>
+        <p:spPr>
+          <a:xfrm>
+            <a:off x="838200" y="3404370"/>
+            <a:ext cx="5709783" cy="2879292"/>
+          </a:xfrm>
+          <a:prstGeom prst="rect">
+            <a:avLst/>
+          </a:prstGeom>
+        </p:spPr>
+      </p:pic>
+      <p:pic>
+        <p:nvPicPr>
+          <p:cNvPr id="5" name="그림 4">
+            <a:extLst>
+              <a:ext uri="{FF2B5EF4-FFF2-40B4-BE49-F238E27FC236}">
+                <a16:creationId xmlns:a16="http://schemas.microsoft.com/office/drawing/2014/main" id="{93B159B0-3325-4335-8147-75666C4CE832}"/>
+              </a:ext>
+            </a:extLst>
+          </p:cNvPr>
+          <p:cNvPicPr>
+            <a:picLocks noChangeAspect="1"/>
+          </p:cNvPicPr>
+          <p:nvPr/>
+        </p:nvPicPr>
+        <p:blipFill>
+          <a:blip r:embed="rId3"/>
+          <a:stretch>
+            <a:fillRect/>
+          </a:stretch>
+        </p:blipFill>
+        <p:spPr>
+          <a:xfrm>
             <a:off x="838200" y="1333208"/>
             <a:ext cx="5563376" cy="2095792"/>
           </a:xfrm>
@@ -4019,6 +5129,187 @@
     <p:extLst>
       <p:ext uri="{BB962C8B-B14F-4D97-AF65-F5344CB8AC3E}">
         <p14:creationId xmlns:p14="http://schemas.microsoft.com/office/powerpoint/2010/main" val="1756055378"/>
+      </p:ext>
+    </p:extLst>
+  </p:cSld>
+  <p:clrMapOvr>
+    <a:masterClrMapping/>
+  </p:clrMapOvr>
+</p:sld>
+</file>
+
+<file path=ppt/slides/slide9.xml><?xml version="1.0" encoding="utf-8"?>
+<p:sld xmlns:a="http://schemas.openxmlformats.org/drawingml/2006/main" xmlns:r="http://schemas.openxmlformats.org/officeDocument/2006/relationships" xmlns:p="http://schemas.openxmlformats.org/presentationml/2006/main">
+  <p:cSld>
+    <p:spTree>
+      <p:nvGrpSpPr>
+        <p:cNvPr id="1" name=""/>
+        <p:cNvGrpSpPr/>
+        <p:nvPr/>
+      </p:nvGrpSpPr>
+      <p:grpSpPr>
+        <a:xfrm>
+          <a:off x="0" y="0"/>
+          <a:ext cx="0" cy="0"/>
+          <a:chOff x="0" y="0"/>
+          <a:chExt cx="0" cy="0"/>
+        </a:xfrm>
+      </p:grpSpPr>
+      <p:sp>
+        <p:nvSpPr>
+          <p:cNvPr id="2" name="제목 1">
+            <a:extLst>
+              <a:ext uri="{FF2B5EF4-FFF2-40B4-BE49-F238E27FC236}">
+                <a16:creationId xmlns:a16="http://schemas.microsoft.com/office/drawing/2014/main" id="{DFC46957-E08B-407C-B713-99BC1E6B5675}"/>
+              </a:ext>
+            </a:extLst>
+          </p:cNvPr>
+          <p:cNvSpPr>
+            <a:spLocks noGrp="1"/>
+          </p:cNvSpPr>
+          <p:nvPr>
+            <p:ph type="title"/>
+          </p:nvPr>
+        </p:nvSpPr>
+        <p:spPr/>
+        <p:txBody>
+          <a:bodyPr/>
+          <a:lstStyle/>
+          <a:p>
+            <a:r>
+              <a:rPr lang="en-US" altLang="ko-KR" dirty="0"/>
+              <a:t>Pad</a:t>
+            </a:r>
+            <a:endParaRPr lang="ko-KR" altLang="en-US" dirty="0"/>
+          </a:p>
+        </p:txBody>
+      </p:sp>
+      <p:pic>
+        <p:nvPicPr>
+          <p:cNvPr id="4" name="내용 개체 틀 3">
+            <a:extLst>
+              <a:ext uri="{FF2B5EF4-FFF2-40B4-BE49-F238E27FC236}">
+                <a16:creationId xmlns:a16="http://schemas.microsoft.com/office/drawing/2014/main" id="{AA55C153-879C-407A-80FC-ECC3A3237419}"/>
+              </a:ext>
+            </a:extLst>
+          </p:cNvPr>
+          <p:cNvPicPr>
+            <a:picLocks noGrp="1" noChangeAspect="1"/>
+          </p:cNvPicPr>
+          <p:nvPr>
+            <p:ph idx="1"/>
+          </p:nvPr>
+        </p:nvPicPr>
+        <p:blipFill>
+          <a:blip r:embed="rId2"/>
+          <a:stretch>
+            <a:fillRect/>
+          </a:stretch>
+        </p:blipFill>
+        <p:spPr>
+          <a:xfrm>
+            <a:off x="838200" y="1690688"/>
+            <a:ext cx="6173061" cy="447737"/>
+          </a:xfrm>
+          <a:prstGeom prst="rect">
+            <a:avLst/>
+          </a:prstGeom>
+        </p:spPr>
+      </p:pic>
+      <p:pic>
+        <p:nvPicPr>
+          <p:cNvPr id="5" name="그림 4">
+            <a:extLst>
+              <a:ext uri="{FF2B5EF4-FFF2-40B4-BE49-F238E27FC236}">
+                <a16:creationId xmlns:a16="http://schemas.microsoft.com/office/drawing/2014/main" id="{7824AAC5-96B5-4C25-AC6F-45D23D2F7814}"/>
+              </a:ext>
+            </a:extLst>
+          </p:cNvPr>
+          <p:cNvPicPr>
+            <a:picLocks noChangeAspect="1"/>
+          </p:cNvPicPr>
+          <p:nvPr/>
+        </p:nvPicPr>
+        <p:blipFill>
+          <a:blip r:embed="rId3"/>
+          <a:stretch>
+            <a:fillRect/>
+          </a:stretch>
+        </p:blipFill>
+        <p:spPr>
+          <a:xfrm>
+            <a:off x="838200" y="2138425"/>
+            <a:ext cx="4896533" cy="504895"/>
+          </a:xfrm>
+          <a:prstGeom prst="rect">
+            <a:avLst/>
+          </a:prstGeom>
+        </p:spPr>
+      </p:pic>
+      <p:pic>
+        <p:nvPicPr>
+          <p:cNvPr id="6" name="그림 5">
+            <a:extLst>
+              <a:ext uri="{FF2B5EF4-FFF2-40B4-BE49-F238E27FC236}">
+                <a16:creationId xmlns:a16="http://schemas.microsoft.com/office/drawing/2014/main" id="{251D55D5-11E3-4104-B9B4-CBF23C6BDE39}"/>
+              </a:ext>
+            </a:extLst>
+          </p:cNvPr>
+          <p:cNvPicPr>
+            <a:picLocks noChangeAspect="1"/>
+          </p:cNvPicPr>
+          <p:nvPr/>
+        </p:nvPicPr>
+        <p:blipFill>
+          <a:blip r:embed="rId4"/>
+          <a:stretch>
+            <a:fillRect/>
+          </a:stretch>
+        </p:blipFill>
+        <p:spPr>
+          <a:xfrm>
+            <a:off x="838200" y="3377765"/>
+            <a:ext cx="5620534" cy="752580"/>
+          </a:xfrm>
+          <a:prstGeom prst="rect">
+            <a:avLst/>
+          </a:prstGeom>
+        </p:spPr>
+      </p:pic>
+      <p:pic>
+        <p:nvPicPr>
+          <p:cNvPr id="7" name="그림 6">
+            <a:extLst>
+              <a:ext uri="{FF2B5EF4-FFF2-40B4-BE49-F238E27FC236}">
+                <a16:creationId xmlns:a16="http://schemas.microsoft.com/office/drawing/2014/main" id="{147309E1-01AA-4B12-8594-D0BDD88A67FB}"/>
+              </a:ext>
+            </a:extLst>
+          </p:cNvPr>
+          <p:cNvPicPr>
+            <a:picLocks noChangeAspect="1"/>
+          </p:cNvPicPr>
+          <p:nvPr/>
+        </p:nvPicPr>
+        <p:blipFill>
+          <a:blip r:embed="rId5"/>
+          <a:stretch>
+            <a:fillRect/>
+          </a:stretch>
+        </p:blipFill>
+        <p:spPr>
+          <a:xfrm>
+            <a:off x="838200" y="4130345"/>
+            <a:ext cx="3498412" cy="2525880"/>
+          </a:xfrm>
+          <a:prstGeom prst="rect">
+            <a:avLst/>
+          </a:prstGeom>
+        </p:spPr>
+      </p:pic>
+    </p:spTree>
+    <p:extLst>
+      <p:ext uri="{BB962C8B-B14F-4D97-AF65-F5344CB8AC3E}">
+        <p14:creationId xmlns:p14="http://schemas.microsoft.com/office/powerpoint/2010/main" val="2218113355"/>
       </p:ext>
     </p:extLst>
   </p:cSld>

--- a/Tensorflow/TorchToKeras.pptx
+++ b/Tensorflow/TorchToKeras.pptx
@@ -17,6 +17,12 @@
     <p:sldId id="262" r:id="rId11"/>
     <p:sldId id="266" r:id="rId12"/>
     <p:sldId id="263" r:id="rId13"/>
+    <p:sldId id="268" r:id="rId14"/>
+    <p:sldId id="269" r:id="rId15"/>
+    <p:sldId id="270" r:id="rId16"/>
+    <p:sldId id="271" r:id="rId17"/>
+    <p:sldId id="272" r:id="rId18"/>
+    <p:sldId id="273" r:id="rId19"/>
   </p:sldIdLst>
   <p:sldSz cx="12192000" cy="6858000"/>
   <p:notesSz cx="6858000" cy="9144000"/>
@@ -270,7 +276,7 @@
           <a:p>
             <a:fld id="{4965DC55-0E1B-43DD-B8EC-CFAD788C97AC}" type="datetimeFigureOut">
               <a:rPr lang="ko-KR" altLang="en-US" smtClean="0"/>
-              <a:t>2021-06-27</a:t>
+              <a:t>2021-06-28</a:t>
             </a:fld>
             <a:endParaRPr lang="ko-KR" altLang="en-US"/>
           </a:p>
@@ -468,7 +474,7 @@
           <a:p>
             <a:fld id="{4965DC55-0E1B-43DD-B8EC-CFAD788C97AC}" type="datetimeFigureOut">
               <a:rPr lang="ko-KR" altLang="en-US" smtClean="0"/>
-              <a:t>2021-06-27</a:t>
+              <a:t>2021-06-28</a:t>
             </a:fld>
             <a:endParaRPr lang="ko-KR" altLang="en-US"/>
           </a:p>
@@ -676,7 +682,7 @@
           <a:p>
             <a:fld id="{4965DC55-0E1B-43DD-B8EC-CFAD788C97AC}" type="datetimeFigureOut">
               <a:rPr lang="ko-KR" altLang="en-US" smtClean="0"/>
-              <a:t>2021-06-27</a:t>
+              <a:t>2021-06-28</a:t>
             </a:fld>
             <a:endParaRPr lang="ko-KR" altLang="en-US"/>
           </a:p>
@@ -874,7 +880,7 @@
           <a:p>
             <a:fld id="{4965DC55-0E1B-43DD-B8EC-CFAD788C97AC}" type="datetimeFigureOut">
               <a:rPr lang="ko-KR" altLang="en-US" smtClean="0"/>
-              <a:t>2021-06-27</a:t>
+              <a:t>2021-06-28</a:t>
             </a:fld>
             <a:endParaRPr lang="ko-KR" altLang="en-US"/>
           </a:p>
@@ -1149,7 +1155,7 @@
           <a:p>
             <a:fld id="{4965DC55-0E1B-43DD-B8EC-CFAD788C97AC}" type="datetimeFigureOut">
               <a:rPr lang="ko-KR" altLang="en-US" smtClean="0"/>
-              <a:t>2021-06-27</a:t>
+              <a:t>2021-06-28</a:t>
             </a:fld>
             <a:endParaRPr lang="ko-KR" altLang="en-US"/>
           </a:p>
@@ -1414,7 +1420,7 @@
           <a:p>
             <a:fld id="{4965DC55-0E1B-43DD-B8EC-CFAD788C97AC}" type="datetimeFigureOut">
               <a:rPr lang="ko-KR" altLang="en-US" smtClean="0"/>
-              <a:t>2021-06-27</a:t>
+              <a:t>2021-06-28</a:t>
             </a:fld>
             <a:endParaRPr lang="ko-KR" altLang="en-US"/>
           </a:p>
@@ -1826,7 +1832,7 @@
           <a:p>
             <a:fld id="{4965DC55-0E1B-43DD-B8EC-CFAD788C97AC}" type="datetimeFigureOut">
               <a:rPr lang="ko-KR" altLang="en-US" smtClean="0"/>
-              <a:t>2021-06-27</a:t>
+              <a:t>2021-06-28</a:t>
             </a:fld>
             <a:endParaRPr lang="ko-KR" altLang="en-US"/>
           </a:p>
@@ -1967,7 +1973,7 @@
           <a:p>
             <a:fld id="{4965DC55-0E1B-43DD-B8EC-CFAD788C97AC}" type="datetimeFigureOut">
               <a:rPr lang="ko-KR" altLang="en-US" smtClean="0"/>
-              <a:t>2021-06-27</a:t>
+              <a:t>2021-06-28</a:t>
             </a:fld>
             <a:endParaRPr lang="ko-KR" altLang="en-US"/>
           </a:p>
@@ -2080,7 +2086,7 @@
           <a:p>
             <a:fld id="{4965DC55-0E1B-43DD-B8EC-CFAD788C97AC}" type="datetimeFigureOut">
               <a:rPr lang="ko-KR" altLang="en-US" smtClean="0"/>
-              <a:t>2021-06-27</a:t>
+              <a:t>2021-06-28</a:t>
             </a:fld>
             <a:endParaRPr lang="ko-KR" altLang="en-US"/>
           </a:p>
@@ -2391,7 +2397,7 @@
           <a:p>
             <a:fld id="{4965DC55-0E1B-43DD-B8EC-CFAD788C97AC}" type="datetimeFigureOut">
               <a:rPr lang="ko-KR" altLang="en-US" smtClean="0"/>
-              <a:t>2021-06-27</a:t>
+              <a:t>2021-06-28</a:t>
             </a:fld>
             <a:endParaRPr lang="ko-KR" altLang="en-US"/>
           </a:p>
@@ -2679,7 +2685,7 @@
           <a:p>
             <a:fld id="{4965DC55-0E1B-43DD-B8EC-CFAD788C97AC}" type="datetimeFigureOut">
               <a:rPr lang="ko-KR" altLang="en-US" smtClean="0"/>
-              <a:t>2021-06-27</a:t>
+              <a:t>2021-06-28</a:t>
             </a:fld>
             <a:endParaRPr lang="ko-KR" altLang="en-US"/>
           </a:p>
@@ -2920,7 +2926,7 @@
           <a:p>
             <a:fld id="{4965DC55-0E1B-43DD-B8EC-CFAD788C97AC}" type="datetimeFigureOut">
               <a:rPr lang="ko-KR" altLang="en-US" smtClean="0"/>
-              <a:t>2021-06-27</a:t>
+              <a:t>2021-06-28</a:t>
             </a:fld>
             <a:endParaRPr lang="ko-KR" altLang="en-US"/>
           </a:p>
@@ -3949,6 +3955,941 @@
 </p:sld>
 </file>
 
+<file path=ppt/slides/slide13.xml><?xml version="1.0" encoding="utf-8"?>
+<p:sld xmlns:a="http://schemas.openxmlformats.org/drawingml/2006/main" xmlns:r="http://schemas.openxmlformats.org/officeDocument/2006/relationships" xmlns:p="http://schemas.openxmlformats.org/presentationml/2006/main">
+  <p:cSld>
+    <p:spTree>
+      <p:nvGrpSpPr>
+        <p:cNvPr id="1" name=""/>
+        <p:cNvGrpSpPr/>
+        <p:nvPr/>
+      </p:nvGrpSpPr>
+      <p:grpSpPr>
+        <a:xfrm>
+          <a:off x="0" y="0"/>
+          <a:ext cx="0" cy="0"/>
+          <a:chOff x="0" y="0"/>
+          <a:chExt cx="0" cy="0"/>
+        </a:xfrm>
+      </p:grpSpPr>
+      <p:sp>
+        <p:nvSpPr>
+          <p:cNvPr id="2" name="제목 1">
+            <a:extLst>
+              <a:ext uri="{FF2B5EF4-FFF2-40B4-BE49-F238E27FC236}">
+                <a16:creationId xmlns:a16="http://schemas.microsoft.com/office/drawing/2014/main" id="{C0B069D7-57D1-4FA4-AF31-1F2BF788FF9B}"/>
+              </a:ext>
+            </a:extLst>
+          </p:cNvPr>
+          <p:cNvSpPr>
+            <a:spLocks noGrp="1"/>
+          </p:cNvSpPr>
+          <p:nvPr>
+            <p:ph type="title"/>
+          </p:nvPr>
+        </p:nvSpPr>
+        <p:spPr/>
+        <p:txBody>
+          <a:bodyPr/>
+          <a:lstStyle/>
+          <a:p>
+            <a:r>
+              <a:rPr lang="en-US" altLang="ko-KR" dirty="0"/>
+              <a:t>Unbind</a:t>
+            </a:r>
+            <a:endParaRPr lang="ko-KR" altLang="en-US" dirty="0"/>
+          </a:p>
+        </p:txBody>
+      </p:sp>
+      <p:pic>
+        <p:nvPicPr>
+          <p:cNvPr id="4" name="내용 개체 틀 3">
+            <a:extLst>
+              <a:ext uri="{FF2B5EF4-FFF2-40B4-BE49-F238E27FC236}">
+                <a16:creationId xmlns:a16="http://schemas.microsoft.com/office/drawing/2014/main" id="{BBF2B7D7-A22F-4607-841C-8BBF3CE335D9}"/>
+              </a:ext>
+            </a:extLst>
+          </p:cNvPr>
+          <p:cNvPicPr>
+            <a:picLocks noGrp="1" noChangeAspect="1"/>
+          </p:cNvPicPr>
+          <p:nvPr>
+            <p:ph idx="1"/>
+          </p:nvPr>
+        </p:nvPicPr>
+        <p:blipFill>
+          <a:blip r:embed="rId2"/>
+          <a:stretch>
+            <a:fillRect/>
+          </a:stretch>
+        </p:blipFill>
+        <p:spPr>
+          <a:xfrm>
+            <a:off x="716246" y="1428714"/>
+            <a:ext cx="2686425" cy="523948"/>
+          </a:xfrm>
+          <a:prstGeom prst="rect">
+            <a:avLst/>
+          </a:prstGeom>
+        </p:spPr>
+      </p:pic>
+      <p:pic>
+        <p:nvPicPr>
+          <p:cNvPr id="5" name="그림 4">
+            <a:extLst>
+              <a:ext uri="{FF2B5EF4-FFF2-40B4-BE49-F238E27FC236}">
+                <a16:creationId xmlns:a16="http://schemas.microsoft.com/office/drawing/2014/main" id="{277EDC5D-578F-438A-97D3-A90CAA1A639D}"/>
+              </a:ext>
+            </a:extLst>
+          </p:cNvPr>
+          <p:cNvPicPr>
+            <a:picLocks noChangeAspect="1"/>
+          </p:cNvPicPr>
+          <p:nvPr/>
+        </p:nvPicPr>
+        <p:blipFill>
+          <a:blip r:embed="rId3"/>
+          <a:stretch>
+            <a:fillRect/>
+          </a:stretch>
+        </p:blipFill>
+        <p:spPr>
+          <a:xfrm>
+            <a:off x="497795" y="2011500"/>
+            <a:ext cx="4820323" cy="1105054"/>
+          </a:xfrm>
+          <a:prstGeom prst="rect">
+            <a:avLst/>
+          </a:prstGeom>
+        </p:spPr>
+      </p:pic>
+      <p:pic>
+        <p:nvPicPr>
+          <p:cNvPr id="6" name="그림 5">
+            <a:extLst>
+              <a:ext uri="{FF2B5EF4-FFF2-40B4-BE49-F238E27FC236}">
+                <a16:creationId xmlns:a16="http://schemas.microsoft.com/office/drawing/2014/main" id="{D0DF1D07-51C7-4F28-9AE1-C2F825A76719}"/>
+              </a:ext>
+            </a:extLst>
+          </p:cNvPr>
+          <p:cNvPicPr>
+            <a:picLocks noChangeAspect="1"/>
+          </p:cNvPicPr>
+          <p:nvPr/>
+        </p:nvPicPr>
+        <p:blipFill>
+          <a:blip r:embed="rId4"/>
+          <a:stretch>
+            <a:fillRect/>
+          </a:stretch>
+        </p:blipFill>
+        <p:spPr>
+          <a:xfrm>
+            <a:off x="6150536" y="1154130"/>
+            <a:ext cx="5325218" cy="2819794"/>
+          </a:xfrm>
+          <a:prstGeom prst="rect">
+            <a:avLst/>
+          </a:prstGeom>
+        </p:spPr>
+      </p:pic>
+      <p:pic>
+        <p:nvPicPr>
+          <p:cNvPr id="7" name="그림 6">
+            <a:extLst>
+              <a:ext uri="{FF2B5EF4-FFF2-40B4-BE49-F238E27FC236}">
+                <a16:creationId xmlns:a16="http://schemas.microsoft.com/office/drawing/2014/main" id="{903C18E6-2B4C-4181-817B-4943F0E25BE3}"/>
+              </a:ext>
+            </a:extLst>
+          </p:cNvPr>
+          <p:cNvPicPr>
+            <a:picLocks noChangeAspect="1"/>
+          </p:cNvPicPr>
+          <p:nvPr/>
+        </p:nvPicPr>
+        <p:blipFill>
+          <a:blip r:embed="rId5"/>
+          <a:stretch>
+            <a:fillRect/>
+          </a:stretch>
+        </p:blipFill>
+        <p:spPr>
+          <a:xfrm>
+            <a:off x="2848398" y="4422847"/>
+            <a:ext cx="5289764" cy="2012877"/>
+          </a:xfrm>
+          <a:prstGeom prst="rect">
+            <a:avLst/>
+          </a:prstGeom>
+        </p:spPr>
+      </p:pic>
+    </p:spTree>
+    <p:extLst>
+      <p:ext uri="{BB962C8B-B14F-4D97-AF65-F5344CB8AC3E}">
+        <p14:creationId xmlns:p14="http://schemas.microsoft.com/office/powerpoint/2010/main" val="378172991"/>
+      </p:ext>
+    </p:extLst>
+  </p:cSld>
+  <p:clrMapOvr>
+    <a:masterClrMapping/>
+  </p:clrMapOvr>
+</p:sld>
+</file>
+
+<file path=ppt/slides/slide14.xml><?xml version="1.0" encoding="utf-8"?>
+<p:sld xmlns:a="http://schemas.openxmlformats.org/drawingml/2006/main" xmlns:r="http://schemas.openxmlformats.org/officeDocument/2006/relationships" xmlns:p="http://schemas.openxmlformats.org/presentationml/2006/main">
+  <p:cSld>
+    <p:spTree>
+      <p:nvGrpSpPr>
+        <p:cNvPr id="1" name=""/>
+        <p:cNvGrpSpPr/>
+        <p:nvPr/>
+      </p:nvGrpSpPr>
+      <p:grpSpPr>
+        <a:xfrm>
+          <a:off x="0" y="0"/>
+          <a:ext cx="0" cy="0"/>
+          <a:chOff x="0" y="0"/>
+          <a:chExt cx="0" cy="0"/>
+        </a:xfrm>
+      </p:grpSpPr>
+      <p:sp>
+        <p:nvSpPr>
+          <p:cNvPr id="2" name="제목 1">
+            <a:extLst>
+              <a:ext uri="{FF2B5EF4-FFF2-40B4-BE49-F238E27FC236}">
+                <a16:creationId xmlns:a16="http://schemas.microsoft.com/office/drawing/2014/main" id="{9C925A72-D119-444F-9E72-21F7F1CDF97A}"/>
+              </a:ext>
+            </a:extLst>
+          </p:cNvPr>
+          <p:cNvSpPr>
+            <a:spLocks noGrp="1"/>
+          </p:cNvSpPr>
+          <p:nvPr>
+            <p:ph type="title"/>
+          </p:nvPr>
+        </p:nvSpPr>
+        <p:spPr/>
+        <p:txBody>
+          <a:bodyPr/>
+          <a:lstStyle/>
+          <a:p>
+            <a:r>
+              <a:rPr lang="en-US" altLang="ko-KR" dirty="0"/>
+              <a:t>VGG16</a:t>
+            </a:r>
+            <a:endParaRPr lang="ko-KR" altLang="en-US" dirty="0"/>
+          </a:p>
+        </p:txBody>
+      </p:sp>
+      <p:pic>
+        <p:nvPicPr>
+          <p:cNvPr id="4" name="내용 개체 틀 3">
+            <a:extLst>
+              <a:ext uri="{FF2B5EF4-FFF2-40B4-BE49-F238E27FC236}">
+                <a16:creationId xmlns:a16="http://schemas.microsoft.com/office/drawing/2014/main" id="{89C9036B-DDEF-4420-9F6C-2313CF09F1E5}"/>
+              </a:ext>
+            </a:extLst>
+          </p:cNvPr>
+          <p:cNvPicPr>
+            <a:picLocks noGrp="1" noChangeAspect="1"/>
+          </p:cNvPicPr>
+          <p:nvPr>
+            <p:ph idx="1"/>
+          </p:nvPr>
+        </p:nvPicPr>
+        <p:blipFill>
+          <a:blip r:embed="rId2"/>
+          <a:stretch>
+            <a:fillRect/>
+          </a:stretch>
+        </p:blipFill>
+        <p:spPr>
+          <a:xfrm>
+            <a:off x="635672" y="1407218"/>
+            <a:ext cx="5754682" cy="1871441"/>
+          </a:xfrm>
+          <a:prstGeom prst="rect">
+            <a:avLst/>
+          </a:prstGeom>
+        </p:spPr>
+      </p:pic>
+      <p:pic>
+        <p:nvPicPr>
+          <p:cNvPr id="5" name="그림 4">
+            <a:extLst>
+              <a:ext uri="{FF2B5EF4-FFF2-40B4-BE49-F238E27FC236}">
+                <a16:creationId xmlns:a16="http://schemas.microsoft.com/office/drawing/2014/main" id="{167A5832-B8DE-4DAD-9FD7-BE650BCDA562}"/>
+              </a:ext>
+            </a:extLst>
+          </p:cNvPr>
+          <p:cNvPicPr>
+            <a:picLocks noChangeAspect="1"/>
+          </p:cNvPicPr>
+          <p:nvPr/>
+        </p:nvPicPr>
+        <p:blipFill>
+          <a:blip r:embed="rId3"/>
+          <a:stretch>
+            <a:fillRect/>
+          </a:stretch>
+        </p:blipFill>
+        <p:spPr>
+          <a:xfrm>
+            <a:off x="7293907" y="1484108"/>
+            <a:ext cx="2629267" cy="1771897"/>
+          </a:xfrm>
+          <a:prstGeom prst="rect">
+            <a:avLst/>
+          </a:prstGeom>
+        </p:spPr>
+      </p:pic>
+    </p:spTree>
+    <p:extLst>
+      <p:ext uri="{BB962C8B-B14F-4D97-AF65-F5344CB8AC3E}">
+        <p14:creationId xmlns:p14="http://schemas.microsoft.com/office/powerpoint/2010/main" val="346448044"/>
+      </p:ext>
+    </p:extLst>
+  </p:cSld>
+  <p:clrMapOvr>
+    <a:masterClrMapping/>
+  </p:clrMapOvr>
+</p:sld>
+</file>
+
+<file path=ppt/slides/slide15.xml><?xml version="1.0" encoding="utf-8"?>
+<p:sld xmlns:a="http://schemas.openxmlformats.org/drawingml/2006/main" xmlns:r="http://schemas.openxmlformats.org/officeDocument/2006/relationships" xmlns:p="http://schemas.openxmlformats.org/presentationml/2006/main">
+  <p:cSld>
+    <p:spTree>
+      <p:nvGrpSpPr>
+        <p:cNvPr id="1" name=""/>
+        <p:cNvGrpSpPr/>
+        <p:nvPr/>
+      </p:nvGrpSpPr>
+      <p:grpSpPr>
+        <a:xfrm>
+          <a:off x="0" y="0"/>
+          <a:ext cx="0" cy="0"/>
+          <a:chOff x="0" y="0"/>
+          <a:chExt cx="0" cy="0"/>
+        </a:xfrm>
+      </p:grpSpPr>
+      <p:sp>
+        <p:nvSpPr>
+          <p:cNvPr id="2" name="제목 1">
+            <a:extLst>
+              <a:ext uri="{FF2B5EF4-FFF2-40B4-BE49-F238E27FC236}">
+                <a16:creationId xmlns:a16="http://schemas.microsoft.com/office/drawing/2014/main" id="{D69FA6C0-33A1-473C-9D4B-9F691FA0F937}"/>
+              </a:ext>
+            </a:extLst>
+          </p:cNvPr>
+          <p:cNvSpPr>
+            <a:spLocks noGrp="1"/>
+          </p:cNvSpPr>
+          <p:nvPr>
+            <p:ph type="title"/>
+          </p:nvPr>
+        </p:nvSpPr>
+        <p:spPr/>
+        <p:txBody>
+          <a:bodyPr/>
+          <a:lstStyle/>
+          <a:p>
+            <a:r>
+              <a:rPr lang="en-US" altLang="ko-KR" dirty="0" err="1"/>
+              <a:t>unsqueeze</a:t>
+            </a:r>
+            <a:endParaRPr lang="ko-KR" altLang="en-US" dirty="0"/>
+          </a:p>
+        </p:txBody>
+      </p:sp>
+      <p:pic>
+        <p:nvPicPr>
+          <p:cNvPr id="5" name="내용 개체 틀 4">
+            <a:extLst>
+              <a:ext uri="{FF2B5EF4-FFF2-40B4-BE49-F238E27FC236}">
+                <a16:creationId xmlns:a16="http://schemas.microsoft.com/office/drawing/2014/main" id="{A46B0A59-B3B6-44B5-9539-DC2516F5700C}"/>
+              </a:ext>
+            </a:extLst>
+          </p:cNvPr>
+          <p:cNvPicPr>
+            <a:picLocks noGrp="1" noChangeAspect="1"/>
+          </p:cNvPicPr>
+          <p:nvPr>
+            <p:ph idx="1"/>
+          </p:nvPr>
+        </p:nvPicPr>
+        <p:blipFill>
+          <a:blip r:embed="rId2"/>
+          <a:stretch>
+            <a:fillRect/>
+          </a:stretch>
+        </p:blipFill>
+        <p:spPr>
+          <a:xfrm>
+            <a:off x="838200" y="1632619"/>
+            <a:ext cx="3048425" cy="552527"/>
+          </a:xfrm>
+          <a:prstGeom prst="rect">
+            <a:avLst/>
+          </a:prstGeom>
+        </p:spPr>
+      </p:pic>
+      <p:pic>
+        <p:nvPicPr>
+          <p:cNvPr id="6" name="그림 5">
+            <a:extLst>
+              <a:ext uri="{FF2B5EF4-FFF2-40B4-BE49-F238E27FC236}">
+                <a16:creationId xmlns:a16="http://schemas.microsoft.com/office/drawing/2014/main" id="{D2D93179-06F2-41C5-B762-A51E23399BD6}"/>
+              </a:ext>
+            </a:extLst>
+          </p:cNvPr>
+          <p:cNvPicPr>
+            <a:picLocks noChangeAspect="1"/>
+          </p:cNvPicPr>
+          <p:nvPr/>
+        </p:nvPicPr>
+        <p:blipFill>
+          <a:blip r:embed="rId3"/>
+          <a:stretch>
+            <a:fillRect/>
+          </a:stretch>
+        </p:blipFill>
+        <p:spPr>
+          <a:xfrm>
+            <a:off x="914410" y="2185146"/>
+            <a:ext cx="2972215" cy="1819529"/>
+          </a:xfrm>
+          <a:prstGeom prst="rect">
+            <a:avLst/>
+          </a:prstGeom>
+        </p:spPr>
+      </p:pic>
+      <p:pic>
+        <p:nvPicPr>
+          <p:cNvPr id="7" name="그림 6">
+            <a:extLst>
+              <a:ext uri="{FF2B5EF4-FFF2-40B4-BE49-F238E27FC236}">
+                <a16:creationId xmlns:a16="http://schemas.microsoft.com/office/drawing/2014/main" id="{2ECF97D4-4BF9-4FB2-B7D3-851862001368}"/>
+              </a:ext>
+            </a:extLst>
+          </p:cNvPr>
+          <p:cNvPicPr>
+            <a:picLocks noChangeAspect="1"/>
+          </p:cNvPicPr>
+          <p:nvPr/>
+        </p:nvPicPr>
+        <p:blipFill>
+          <a:blip r:embed="rId4"/>
+          <a:stretch>
+            <a:fillRect/>
+          </a:stretch>
+        </p:blipFill>
+        <p:spPr>
+          <a:xfrm>
+            <a:off x="9479879" y="17674"/>
+            <a:ext cx="2343477" cy="781159"/>
+          </a:xfrm>
+          <a:prstGeom prst="rect">
+            <a:avLst/>
+          </a:prstGeom>
+        </p:spPr>
+      </p:pic>
+      <p:pic>
+        <p:nvPicPr>
+          <p:cNvPr id="8" name="그림 7">
+            <a:extLst>
+              <a:ext uri="{FF2B5EF4-FFF2-40B4-BE49-F238E27FC236}">
+                <a16:creationId xmlns:a16="http://schemas.microsoft.com/office/drawing/2014/main" id="{71AEB188-ED2F-4943-B329-19AB14C010C3}"/>
+              </a:ext>
+            </a:extLst>
+          </p:cNvPr>
+          <p:cNvPicPr>
+            <a:picLocks noChangeAspect="1"/>
+          </p:cNvPicPr>
+          <p:nvPr/>
+        </p:nvPicPr>
+        <p:blipFill>
+          <a:blip r:embed="rId5"/>
+          <a:stretch>
+            <a:fillRect/>
+          </a:stretch>
+        </p:blipFill>
+        <p:spPr>
+          <a:xfrm>
+            <a:off x="9190883" y="798833"/>
+            <a:ext cx="2632473" cy="2549611"/>
+          </a:xfrm>
+          <a:prstGeom prst="rect">
+            <a:avLst/>
+          </a:prstGeom>
+        </p:spPr>
+      </p:pic>
+      <p:pic>
+        <p:nvPicPr>
+          <p:cNvPr id="9" name="그림 8">
+            <a:extLst>
+              <a:ext uri="{FF2B5EF4-FFF2-40B4-BE49-F238E27FC236}">
+                <a16:creationId xmlns:a16="http://schemas.microsoft.com/office/drawing/2014/main" id="{42EBD998-DCEE-46B2-8E03-B0C6CB77DE31}"/>
+              </a:ext>
+            </a:extLst>
+          </p:cNvPr>
+          <p:cNvPicPr>
+            <a:picLocks noChangeAspect="1"/>
+          </p:cNvPicPr>
+          <p:nvPr/>
+        </p:nvPicPr>
+        <p:blipFill>
+          <a:blip r:embed="rId6"/>
+          <a:stretch>
+            <a:fillRect/>
+          </a:stretch>
+        </p:blipFill>
+        <p:spPr>
+          <a:xfrm>
+            <a:off x="6096000" y="2702502"/>
+            <a:ext cx="2633868" cy="3802832"/>
+          </a:xfrm>
+          <a:prstGeom prst="rect">
+            <a:avLst/>
+          </a:prstGeom>
+        </p:spPr>
+      </p:pic>
+    </p:spTree>
+    <p:extLst>
+      <p:ext uri="{BB962C8B-B14F-4D97-AF65-F5344CB8AC3E}">
+        <p14:creationId xmlns:p14="http://schemas.microsoft.com/office/powerpoint/2010/main" val="3833049954"/>
+      </p:ext>
+    </p:extLst>
+  </p:cSld>
+  <p:clrMapOvr>
+    <a:masterClrMapping/>
+  </p:clrMapOvr>
+</p:sld>
+</file>
+
+<file path=ppt/slides/slide16.xml><?xml version="1.0" encoding="utf-8"?>
+<p:sld xmlns:a="http://schemas.openxmlformats.org/drawingml/2006/main" xmlns:r="http://schemas.openxmlformats.org/officeDocument/2006/relationships" xmlns:p="http://schemas.openxmlformats.org/presentationml/2006/main">
+  <p:cSld>
+    <p:spTree>
+      <p:nvGrpSpPr>
+        <p:cNvPr id="1" name=""/>
+        <p:cNvGrpSpPr/>
+        <p:nvPr/>
+      </p:nvGrpSpPr>
+      <p:grpSpPr>
+        <a:xfrm>
+          <a:off x="0" y="0"/>
+          <a:ext cx="0" cy="0"/>
+          <a:chOff x="0" y="0"/>
+          <a:chExt cx="0" cy="0"/>
+        </a:xfrm>
+      </p:grpSpPr>
+      <p:sp>
+        <p:nvSpPr>
+          <p:cNvPr id="2" name="제목 1">
+            <a:extLst>
+              <a:ext uri="{FF2B5EF4-FFF2-40B4-BE49-F238E27FC236}">
+                <a16:creationId xmlns:a16="http://schemas.microsoft.com/office/drawing/2014/main" id="{9011CC2F-ED90-45F4-AC6B-4AF80FAD99F8}"/>
+              </a:ext>
+            </a:extLst>
+          </p:cNvPr>
+          <p:cNvSpPr>
+            <a:spLocks noGrp="1"/>
+          </p:cNvSpPr>
+          <p:nvPr>
+            <p:ph type="title"/>
+          </p:nvPr>
+        </p:nvSpPr>
+        <p:spPr/>
+        <p:txBody>
+          <a:bodyPr/>
+          <a:lstStyle/>
+          <a:p>
+            <a:r>
+              <a:rPr lang="en-US" altLang="ko-KR" dirty="0" err="1"/>
+              <a:t>ReLU</a:t>
+            </a:r>
+            <a:endParaRPr lang="ko-KR" altLang="en-US" dirty="0"/>
+          </a:p>
+        </p:txBody>
+      </p:sp>
+      <p:pic>
+        <p:nvPicPr>
+          <p:cNvPr id="4" name="내용 개체 틀 3">
+            <a:extLst>
+              <a:ext uri="{FF2B5EF4-FFF2-40B4-BE49-F238E27FC236}">
+                <a16:creationId xmlns:a16="http://schemas.microsoft.com/office/drawing/2014/main" id="{C7E1BAE3-5CF6-4D73-B756-7964FEA52787}"/>
+              </a:ext>
+            </a:extLst>
+          </p:cNvPr>
+          <p:cNvPicPr>
+            <a:picLocks noGrp="1" noChangeAspect="1"/>
+          </p:cNvPicPr>
+          <p:nvPr>
+            <p:ph idx="1"/>
+          </p:nvPr>
+        </p:nvPicPr>
+        <p:blipFill>
+          <a:blip r:embed="rId2"/>
+          <a:stretch>
+            <a:fillRect/>
+          </a:stretch>
+        </p:blipFill>
+        <p:spPr>
+          <a:xfrm>
+            <a:off x="307555" y="1423951"/>
+            <a:ext cx="2943636" cy="533474"/>
+          </a:xfrm>
+          <a:prstGeom prst="rect">
+            <a:avLst/>
+          </a:prstGeom>
+        </p:spPr>
+      </p:pic>
+      <p:pic>
+        <p:nvPicPr>
+          <p:cNvPr id="5" name="그림 4">
+            <a:extLst>
+              <a:ext uri="{FF2B5EF4-FFF2-40B4-BE49-F238E27FC236}">
+                <a16:creationId xmlns:a16="http://schemas.microsoft.com/office/drawing/2014/main" id="{8043A059-6F65-44D2-A2D1-148998967839}"/>
+              </a:ext>
+            </a:extLst>
+          </p:cNvPr>
+          <p:cNvPicPr>
+            <a:picLocks noChangeAspect="1"/>
+          </p:cNvPicPr>
+          <p:nvPr/>
+        </p:nvPicPr>
+        <p:blipFill>
+          <a:blip r:embed="rId3"/>
+          <a:stretch>
+            <a:fillRect/>
+          </a:stretch>
+        </p:blipFill>
+        <p:spPr>
+          <a:xfrm>
+            <a:off x="340506" y="1911197"/>
+            <a:ext cx="4305901" cy="838317"/>
+          </a:xfrm>
+          <a:prstGeom prst="rect">
+            <a:avLst/>
+          </a:prstGeom>
+        </p:spPr>
+      </p:pic>
+      <p:pic>
+        <p:nvPicPr>
+          <p:cNvPr id="6" name="그림 5">
+            <a:extLst>
+              <a:ext uri="{FF2B5EF4-FFF2-40B4-BE49-F238E27FC236}">
+                <a16:creationId xmlns:a16="http://schemas.microsoft.com/office/drawing/2014/main" id="{11862539-40C2-4C09-873F-198B38FC58D0}"/>
+              </a:ext>
+            </a:extLst>
+          </p:cNvPr>
+          <p:cNvPicPr>
+            <a:picLocks noChangeAspect="1"/>
+          </p:cNvPicPr>
+          <p:nvPr/>
+        </p:nvPicPr>
+        <p:blipFill>
+          <a:blip r:embed="rId4"/>
+          <a:stretch>
+            <a:fillRect/>
+          </a:stretch>
+        </p:blipFill>
+        <p:spPr>
+          <a:xfrm>
+            <a:off x="340506" y="2749514"/>
+            <a:ext cx="8821381" cy="3934374"/>
+          </a:xfrm>
+          <a:prstGeom prst="rect">
+            <a:avLst/>
+          </a:prstGeom>
+        </p:spPr>
+      </p:pic>
+      <p:pic>
+        <p:nvPicPr>
+          <p:cNvPr id="8" name="그림 7">
+            <a:extLst>
+              <a:ext uri="{FF2B5EF4-FFF2-40B4-BE49-F238E27FC236}">
+                <a16:creationId xmlns:a16="http://schemas.microsoft.com/office/drawing/2014/main" id="{F7D48A61-10D9-48C2-905B-53FF1DFE649E}"/>
+              </a:ext>
+            </a:extLst>
+          </p:cNvPr>
+          <p:cNvPicPr>
+            <a:picLocks noChangeAspect="1"/>
+          </p:cNvPicPr>
+          <p:nvPr/>
+        </p:nvPicPr>
+        <p:blipFill>
+          <a:blip r:embed="rId5"/>
+          <a:stretch>
+            <a:fillRect/>
+          </a:stretch>
+        </p:blipFill>
+        <p:spPr>
+          <a:xfrm>
+            <a:off x="6711141" y="1362732"/>
+            <a:ext cx="5115639" cy="876422"/>
+          </a:xfrm>
+          <a:prstGeom prst="rect">
+            <a:avLst/>
+          </a:prstGeom>
+        </p:spPr>
+      </p:pic>
+    </p:spTree>
+    <p:extLst>
+      <p:ext uri="{BB962C8B-B14F-4D97-AF65-F5344CB8AC3E}">
+        <p14:creationId xmlns:p14="http://schemas.microsoft.com/office/powerpoint/2010/main" val="957661059"/>
+      </p:ext>
+    </p:extLst>
+  </p:cSld>
+  <p:clrMapOvr>
+    <a:masterClrMapping/>
+  </p:clrMapOvr>
+</p:sld>
+</file>
+
+<file path=ppt/slides/slide17.xml><?xml version="1.0" encoding="utf-8"?>
+<p:sld xmlns:a="http://schemas.openxmlformats.org/drawingml/2006/main" xmlns:r="http://schemas.openxmlformats.org/officeDocument/2006/relationships" xmlns:p="http://schemas.openxmlformats.org/presentationml/2006/main">
+  <p:cSld>
+    <p:spTree>
+      <p:nvGrpSpPr>
+        <p:cNvPr id="1" name=""/>
+        <p:cNvGrpSpPr/>
+        <p:nvPr/>
+      </p:nvGrpSpPr>
+      <p:grpSpPr>
+        <a:xfrm>
+          <a:off x="0" y="0"/>
+          <a:ext cx="0" cy="0"/>
+          <a:chOff x="0" y="0"/>
+          <a:chExt cx="0" cy="0"/>
+        </a:xfrm>
+      </p:grpSpPr>
+      <p:sp>
+        <p:nvSpPr>
+          <p:cNvPr id="2" name="제목 1">
+            <a:extLst>
+              <a:ext uri="{FF2B5EF4-FFF2-40B4-BE49-F238E27FC236}">
+                <a16:creationId xmlns:a16="http://schemas.microsoft.com/office/drawing/2014/main" id="{E8633C8F-F950-40D6-9669-814978EDD7FD}"/>
+              </a:ext>
+            </a:extLst>
+          </p:cNvPr>
+          <p:cNvSpPr>
+            <a:spLocks noGrp="1"/>
+          </p:cNvSpPr>
+          <p:nvPr>
+            <p:ph type="title"/>
+          </p:nvPr>
+        </p:nvSpPr>
+        <p:spPr/>
+        <p:txBody>
+          <a:bodyPr/>
+          <a:lstStyle/>
+          <a:p>
+            <a:r>
+              <a:rPr lang="en-US" altLang="ko-KR" dirty="0"/>
+              <a:t>maxpool2d</a:t>
+            </a:r>
+            <a:endParaRPr lang="ko-KR" altLang="en-US" dirty="0"/>
+          </a:p>
+        </p:txBody>
+      </p:sp>
+      <p:pic>
+        <p:nvPicPr>
+          <p:cNvPr id="4" name="내용 개체 틀 3">
+            <a:extLst>
+              <a:ext uri="{FF2B5EF4-FFF2-40B4-BE49-F238E27FC236}">
+                <a16:creationId xmlns:a16="http://schemas.microsoft.com/office/drawing/2014/main" id="{3F4B94FD-2D30-413C-B7B2-0EBA253264FD}"/>
+              </a:ext>
+            </a:extLst>
+          </p:cNvPr>
+          <p:cNvPicPr>
+            <a:picLocks noGrp="1" noChangeAspect="1"/>
+          </p:cNvPicPr>
+          <p:nvPr>
+            <p:ph idx="1"/>
+          </p:nvPr>
+        </p:nvPicPr>
+        <p:blipFill rotWithShape="1">
+          <a:blip r:embed="rId2"/>
+          <a:srcRect t="51629"/>
+          <a:stretch/>
+        </p:blipFill>
+        <p:spPr>
+          <a:xfrm>
+            <a:off x="379297" y="1411902"/>
+            <a:ext cx="5963482" cy="557572"/>
+          </a:xfrm>
+          <a:prstGeom prst="rect">
+            <a:avLst/>
+          </a:prstGeom>
+        </p:spPr>
+      </p:pic>
+      <p:pic>
+        <p:nvPicPr>
+          <p:cNvPr id="8" name="그림 7">
+            <a:extLst>
+              <a:ext uri="{FF2B5EF4-FFF2-40B4-BE49-F238E27FC236}">
+                <a16:creationId xmlns:a16="http://schemas.microsoft.com/office/drawing/2014/main" id="{193C82B3-653D-49B9-810A-1DF4CA96F938}"/>
+              </a:ext>
+            </a:extLst>
+          </p:cNvPr>
+          <p:cNvPicPr>
+            <a:picLocks noChangeAspect="1"/>
+          </p:cNvPicPr>
+          <p:nvPr/>
+        </p:nvPicPr>
+        <p:blipFill>
+          <a:blip r:embed="rId3"/>
+          <a:stretch>
+            <a:fillRect/>
+          </a:stretch>
+        </p:blipFill>
+        <p:spPr>
+          <a:xfrm>
+            <a:off x="6573794" y="1516132"/>
+            <a:ext cx="5934903" cy="828791"/>
+          </a:xfrm>
+          <a:prstGeom prst="rect">
+            <a:avLst/>
+          </a:prstGeom>
+        </p:spPr>
+      </p:pic>
+      <p:pic>
+        <p:nvPicPr>
+          <p:cNvPr id="9" name="그림 8">
+            <a:extLst>
+              <a:ext uri="{FF2B5EF4-FFF2-40B4-BE49-F238E27FC236}">
+                <a16:creationId xmlns:a16="http://schemas.microsoft.com/office/drawing/2014/main" id="{0C52915F-9F8D-4C9E-AC4B-0224BFBCDB05}"/>
+              </a:ext>
+            </a:extLst>
+          </p:cNvPr>
+          <p:cNvPicPr>
+            <a:picLocks noChangeAspect="1"/>
+          </p:cNvPicPr>
+          <p:nvPr/>
+        </p:nvPicPr>
+        <p:blipFill>
+          <a:blip r:embed="rId4"/>
+          <a:stretch>
+            <a:fillRect/>
+          </a:stretch>
+        </p:blipFill>
+        <p:spPr>
+          <a:xfrm>
+            <a:off x="4141161" y="2722272"/>
+            <a:ext cx="8164064" cy="1066949"/>
+          </a:xfrm>
+          <a:prstGeom prst="rect">
+            <a:avLst/>
+          </a:prstGeom>
+        </p:spPr>
+      </p:pic>
+    </p:spTree>
+    <p:extLst>
+      <p:ext uri="{BB962C8B-B14F-4D97-AF65-F5344CB8AC3E}">
+        <p14:creationId xmlns:p14="http://schemas.microsoft.com/office/powerpoint/2010/main" val="4154979751"/>
+      </p:ext>
+    </p:extLst>
+  </p:cSld>
+  <p:clrMapOvr>
+    <a:masterClrMapping/>
+  </p:clrMapOvr>
+</p:sld>
+</file>
+
+<file path=ppt/slides/slide18.xml><?xml version="1.0" encoding="utf-8"?>
+<p:sld xmlns:a="http://schemas.openxmlformats.org/drawingml/2006/main" xmlns:r="http://schemas.openxmlformats.org/officeDocument/2006/relationships" xmlns:p="http://schemas.openxmlformats.org/presentationml/2006/main">
+  <p:cSld>
+    <p:spTree>
+      <p:nvGrpSpPr>
+        <p:cNvPr id="1" name=""/>
+        <p:cNvGrpSpPr/>
+        <p:nvPr/>
+      </p:nvGrpSpPr>
+      <p:grpSpPr>
+        <a:xfrm>
+          <a:off x="0" y="0"/>
+          <a:ext cx="0" cy="0"/>
+          <a:chOff x="0" y="0"/>
+          <a:chExt cx="0" cy="0"/>
+        </a:xfrm>
+      </p:grpSpPr>
+      <p:sp>
+        <p:nvSpPr>
+          <p:cNvPr id="2" name="제목 1">
+            <a:extLst>
+              <a:ext uri="{FF2B5EF4-FFF2-40B4-BE49-F238E27FC236}">
+                <a16:creationId xmlns:a16="http://schemas.microsoft.com/office/drawing/2014/main" id="{CF19A233-CF8B-4723-B9D7-0DDB43679770}"/>
+              </a:ext>
+            </a:extLst>
+          </p:cNvPr>
+          <p:cNvSpPr>
+            <a:spLocks noGrp="1"/>
+          </p:cNvSpPr>
+          <p:nvPr>
+            <p:ph type="title"/>
+          </p:nvPr>
+        </p:nvSpPr>
+        <p:spPr/>
+        <p:txBody>
+          <a:bodyPr/>
+          <a:lstStyle/>
+          <a:p>
+            <a:r>
+              <a:rPr lang="en-US" altLang="ko-KR" dirty="0"/>
+              <a:t>Maxunpool2d</a:t>
+            </a:r>
+            <a:endParaRPr lang="ko-KR" altLang="en-US" dirty="0"/>
+          </a:p>
+        </p:txBody>
+      </p:sp>
+      <p:pic>
+        <p:nvPicPr>
+          <p:cNvPr id="4" name="내용 개체 틀 3">
+            <a:extLst>
+              <a:ext uri="{FF2B5EF4-FFF2-40B4-BE49-F238E27FC236}">
+                <a16:creationId xmlns:a16="http://schemas.microsoft.com/office/drawing/2014/main" id="{C6B3A8F9-8A27-4C89-BA5B-F624133A246C}"/>
+              </a:ext>
+            </a:extLst>
+          </p:cNvPr>
+          <p:cNvPicPr>
+            <a:picLocks noGrp="1" noChangeAspect="1"/>
+          </p:cNvPicPr>
+          <p:nvPr>
+            <p:ph idx="1"/>
+          </p:nvPr>
+        </p:nvPicPr>
+        <p:blipFill>
+          <a:blip r:embed="rId2"/>
+          <a:stretch>
+            <a:fillRect/>
+          </a:stretch>
+        </p:blipFill>
+        <p:spPr>
+          <a:xfrm>
+            <a:off x="662277" y="1586160"/>
+            <a:ext cx="5068007" cy="447737"/>
+          </a:xfrm>
+          <a:prstGeom prst="rect">
+            <a:avLst/>
+          </a:prstGeom>
+        </p:spPr>
+      </p:pic>
+    </p:spTree>
+    <p:extLst>
+      <p:ext uri="{BB962C8B-B14F-4D97-AF65-F5344CB8AC3E}">
+        <p14:creationId xmlns:p14="http://schemas.microsoft.com/office/powerpoint/2010/main" val="77859311"/>
+      </p:ext>
+    </p:extLst>
+  </p:cSld>
+  <p:clrMapOvr>
+    <a:masterClrMapping/>
+  </p:clrMapOvr>
+</p:sld>
+</file>
+
 <file path=ppt/slides/slide2.xml><?xml version="1.0" encoding="utf-8"?>
 <p:sld xmlns:a="http://schemas.openxmlformats.org/drawingml/2006/main" xmlns:r="http://schemas.openxmlformats.org/officeDocument/2006/relationships" xmlns:p="http://schemas.openxmlformats.org/presentationml/2006/main">
   <p:cSld>

--- a/Tensorflow/TorchToKeras.pptx
+++ b/Tensorflow/TorchToKeras.pptx
@@ -10,19 +10,29 @@
     <p:sldId id="257" r:id="rId4"/>
     <p:sldId id="258" r:id="rId5"/>
     <p:sldId id="264" r:id="rId6"/>
-    <p:sldId id="265" r:id="rId7"/>
-    <p:sldId id="259" r:id="rId8"/>
-    <p:sldId id="260" r:id="rId9"/>
-    <p:sldId id="261" r:id="rId10"/>
-    <p:sldId id="262" r:id="rId11"/>
-    <p:sldId id="266" r:id="rId12"/>
-    <p:sldId id="263" r:id="rId13"/>
-    <p:sldId id="268" r:id="rId14"/>
-    <p:sldId id="269" r:id="rId15"/>
+    <p:sldId id="276" r:id="rId7"/>
+    <p:sldId id="265" r:id="rId8"/>
+    <p:sldId id="259" r:id="rId9"/>
+    <p:sldId id="260" r:id="rId10"/>
+    <p:sldId id="261" r:id="rId11"/>
+    <p:sldId id="262" r:id="rId12"/>
+    <p:sldId id="266" r:id="rId13"/>
+    <p:sldId id="263" r:id="rId14"/>
+    <p:sldId id="268" r:id="rId15"/>
     <p:sldId id="270" r:id="rId16"/>
-    <p:sldId id="271" r:id="rId17"/>
-    <p:sldId id="272" r:id="rId18"/>
-    <p:sldId id="273" r:id="rId19"/>
+    <p:sldId id="279" r:id="rId17"/>
+    <p:sldId id="271" r:id="rId18"/>
+    <p:sldId id="272" r:id="rId19"/>
+    <p:sldId id="273" r:id="rId20"/>
+    <p:sldId id="269" r:id="rId21"/>
+    <p:sldId id="274" r:id="rId22"/>
+    <p:sldId id="275" r:id="rId23"/>
+    <p:sldId id="277" r:id="rId24"/>
+    <p:sldId id="278" r:id="rId25"/>
+    <p:sldId id="280" r:id="rId26"/>
+    <p:sldId id="281" r:id="rId27"/>
+    <p:sldId id="282" r:id="rId28"/>
+    <p:sldId id="283" r:id="rId29"/>
   </p:sldIdLst>
   <p:sldSz cx="12192000" cy="6858000"/>
   <p:notesSz cx="6858000" cy="9144000"/>
@@ -276,7 +286,7 @@
           <a:p>
             <a:fld id="{4965DC55-0E1B-43DD-B8EC-CFAD788C97AC}" type="datetimeFigureOut">
               <a:rPr lang="ko-KR" altLang="en-US" smtClean="0"/>
-              <a:t>2021-06-28</a:t>
+              <a:t>2021-07-05</a:t>
             </a:fld>
             <a:endParaRPr lang="ko-KR" altLang="en-US"/>
           </a:p>
@@ -474,7 +484,7 @@
           <a:p>
             <a:fld id="{4965DC55-0E1B-43DD-B8EC-CFAD788C97AC}" type="datetimeFigureOut">
               <a:rPr lang="ko-KR" altLang="en-US" smtClean="0"/>
-              <a:t>2021-06-28</a:t>
+              <a:t>2021-07-05</a:t>
             </a:fld>
             <a:endParaRPr lang="ko-KR" altLang="en-US"/>
           </a:p>
@@ -682,7 +692,7 @@
           <a:p>
             <a:fld id="{4965DC55-0E1B-43DD-B8EC-CFAD788C97AC}" type="datetimeFigureOut">
               <a:rPr lang="ko-KR" altLang="en-US" smtClean="0"/>
-              <a:t>2021-06-28</a:t>
+              <a:t>2021-07-05</a:t>
             </a:fld>
             <a:endParaRPr lang="ko-KR" altLang="en-US"/>
           </a:p>
@@ -880,7 +890,7 @@
           <a:p>
             <a:fld id="{4965DC55-0E1B-43DD-B8EC-CFAD788C97AC}" type="datetimeFigureOut">
               <a:rPr lang="ko-KR" altLang="en-US" smtClean="0"/>
-              <a:t>2021-06-28</a:t>
+              <a:t>2021-07-05</a:t>
             </a:fld>
             <a:endParaRPr lang="ko-KR" altLang="en-US"/>
           </a:p>
@@ -1155,7 +1165,7 @@
           <a:p>
             <a:fld id="{4965DC55-0E1B-43DD-B8EC-CFAD788C97AC}" type="datetimeFigureOut">
               <a:rPr lang="ko-KR" altLang="en-US" smtClean="0"/>
-              <a:t>2021-06-28</a:t>
+              <a:t>2021-07-05</a:t>
             </a:fld>
             <a:endParaRPr lang="ko-KR" altLang="en-US"/>
           </a:p>
@@ -1420,7 +1430,7 @@
           <a:p>
             <a:fld id="{4965DC55-0E1B-43DD-B8EC-CFAD788C97AC}" type="datetimeFigureOut">
               <a:rPr lang="ko-KR" altLang="en-US" smtClean="0"/>
-              <a:t>2021-06-28</a:t>
+              <a:t>2021-07-05</a:t>
             </a:fld>
             <a:endParaRPr lang="ko-KR" altLang="en-US"/>
           </a:p>
@@ -1832,7 +1842,7 @@
           <a:p>
             <a:fld id="{4965DC55-0E1B-43DD-B8EC-CFAD788C97AC}" type="datetimeFigureOut">
               <a:rPr lang="ko-KR" altLang="en-US" smtClean="0"/>
-              <a:t>2021-06-28</a:t>
+              <a:t>2021-07-05</a:t>
             </a:fld>
             <a:endParaRPr lang="ko-KR" altLang="en-US"/>
           </a:p>
@@ -1973,7 +1983,7 @@
           <a:p>
             <a:fld id="{4965DC55-0E1B-43DD-B8EC-CFAD788C97AC}" type="datetimeFigureOut">
               <a:rPr lang="ko-KR" altLang="en-US" smtClean="0"/>
-              <a:t>2021-06-28</a:t>
+              <a:t>2021-07-05</a:t>
             </a:fld>
             <a:endParaRPr lang="ko-KR" altLang="en-US"/>
           </a:p>
@@ -2086,7 +2096,7 @@
           <a:p>
             <a:fld id="{4965DC55-0E1B-43DD-B8EC-CFAD788C97AC}" type="datetimeFigureOut">
               <a:rPr lang="ko-KR" altLang="en-US" smtClean="0"/>
-              <a:t>2021-06-28</a:t>
+              <a:t>2021-07-05</a:t>
             </a:fld>
             <a:endParaRPr lang="ko-KR" altLang="en-US"/>
           </a:p>
@@ -2397,7 +2407,7 @@
           <a:p>
             <a:fld id="{4965DC55-0E1B-43DD-B8EC-CFAD788C97AC}" type="datetimeFigureOut">
               <a:rPr lang="ko-KR" altLang="en-US" smtClean="0"/>
-              <a:t>2021-06-28</a:t>
+              <a:t>2021-07-05</a:t>
             </a:fld>
             <a:endParaRPr lang="ko-KR" altLang="en-US"/>
           </a:p>
@@ -2685,7 +2695,7 @@
           <a:p>
             <a:fld id="{4965DC55-0E1B-43DD-B8EC-CFAD788C97AC}" type="datetimeFigureOut">
               <a:rPr lang="ko-KR" altLang="en-US" smtClean="0"/>
-              <a:t>2021-06-28</a:t>
+              <a:t>2021-07-05</a:t>
             </a:fld>
             <a:endParaRPr lang="ko-KR" altLang="en-US"/>
           </a:p>
@@ -2926,7 +2936,7 @@
           <a:p>
             <a:fld id="{4965DC55-0E1B-43DD-B8EC-CFAD788C97AC}" type="datetimeFigureOut">
               <a:rPr lang="ko-KR" altLang="en-US" smtClean="0"/>
-              <a:t>2021-06-28</a:t>
+              <a:t>2021-07-05</a:t>
             </a:fld>
             <a:endParaRPr lang="ko-KR" altLang="en-US"/>
           </a:p>
@@ -3438,7 +3448,7 @@
           <p:cNvPr id="2" name="제목 1">
             <a:extLst>
               <a:ext uri="{FF2B5EF4-FFF2-40B4-BE49-F238E27FC236}">
-                <a16:creationId xmlns:a16="http://schemas.microsoft.com/office/drawing/2014/main" id="{42298911-4702-43A2-90B0-A7B0255E7162}"/>
+                <a16:creationId xmlns:a16="http://schemas.microsoft.com/office/drawing/2014/main" id="{DFC46957-E08B-407C-B713-99BC1E6B5675}"/>
               </a:ext>
             </a:extLst>
           </p:cNvPr>
@@ -3456,7 +3466,7 @@
           <a:p>
             <a:r>
               <a:rPr lang="en-US" altLang="ko-KR" dirty="0"/>
-              <a:t>cat</a:t>
+              <a:t>Pad</a:t>
             </a:r>
             <a:endParaRPr lang="ko-KR" altLang="en-US" dirty="0"/>
           </a:p>
@@ -3464,17 +3474,19 @@
       </p:sp>
       <p:pic>
         <p:nvPicPr>
-          <p:cNvPr id="4" name="그림 3">
-            <a:extLst>
-              <a:ext uri="{FF2B5EF4-FFF2-40B4-BE49-F238E27FC236}">
-                <a16:creationId xmlns:a16="http://schemas.microsoft.com/office/drawing/2014/main" id="{641DEF99-F76F-4A7E-9602-B3CE16211725}"/>
+          <p:cNvPr id="4" name="내용 개체 틀 3">
+            <a:extLst>
+              <a:ext uri="{FF2B5EF4-FFF2-40B4-BE49-F238E27FC236}">
+                <a16:creationId xmlns:a16="http://schemas.microsoft.com/office/drawing/2014/main" id="{AA55C153-879C-407A-80FC-ECC3A3237419}"/>
               </a:ext>
             </a:extLst>
           </p:cNvPr>
           <p:cNvPicPr>
-            <a:picLocks noChangeAspect="1"/>
+            <a:picLocks noGrp="1" noChangeAspect="1"/>
           </p:cNvPicPr>
-          <p:nvPr/>
+          <p:nvPr>
+            <p:ph idx="1"/>
+          </p:nvPr>
         </p:nvPicPr>
         <p:blipFill>
           <a:blip r:embed="rId2"/>
@@ -3484,8 +3496,8 @@
         </p:blipFill>
         <p:spPr>
           <a:xfrm>
-            <a:off x="597569" y="1423951"/>
-            <a:ext cx="3686689" cy="533474"/>
+            <a:off x="838200" y="1690688"/>
+            <a:ext cx="6173061" cy="447737"/>
           </a:xfrm>
           <a:prstGeom prst="rect">
             <a:avLst/>
@@ -3497,7 +3509,7 @@
           <p:cNvPr id="5" name="그림 4">
             <a:extLst>
               <a:ext uri="{FF2B5EF4-FFF2-40B4-BE49-F238E27FC236}">
-                <a16:creationId xmlns:a16="http://schemas.microsoft.com/office/drawing/2014/main" id="{C745DA60-2A5F-4725-AA51-BA9832FA4DDF}"/>
+                <a16:creationId xmlns:a16="http://schemas.microsoft.com/office/drawing/2014/main" id="{7824AAC5-96B5-4C25-AC6F-45D23D2F7814}"/>
               </a:ext>
             </a:extLst>
           </p:cNvPr>
@@ -3514,8 +3526,8 @@
         </p:blipFill>
         <p:spPr>
           <a:xfrm>
-            <a:off x="597569" y="1918833"/>
-            <a:ext cx="4263189" cy="2516987"/>
+            <a:off x="838200" y="2138425"/>
+            <a:ext cx="4896533" cy="504895"/>
           </a:xfrm>
           <a:prstGeom prst="rect">
             <a:avLst/>
@@ -3524,10 +3536,10 @@
       </p:pic>
       <p:pic>
         <p:nvPicPr>
-          <p:cNvPr id="8" name="그림 7">
-            <a:extLst>
-              <a:ext uri="{FF2B5EF4-FFF2-40B4-BE49-F238E27FC236}">
-                <a16:creationId xmlns:a16="http://schemas.microsoft.com/office/drawing/2014/main" id="{C362159D-4822-4E85-8C32-E988BD5BB834}"/>
+          <p:cNvPr id="6" name="그림 5">
+            <a:extLst>
+              <a:ext uri="{FF2B5EF4-FFF2-40B4-BE49-F238E27FC236}">
+                <a16:creationId xmlns:a16="http://schemas.microsoft.com/office/drawing/2014/main" id="{251D55D5-11E3-4104-B9B4-CBF23C6BDE39}"/>
               </a:ext>
             </a:extLst>
           </p:cNvPr>
@@ -3544,59 +3556,20 @@
         </p:blipFill>
         <p:spPr>
           <a:xfrm>
-            <a:off x="6935277" y="1604951"/>
-            <a:ext cx="2524477" cy="704948"/>
+            <a:off x="838200" y="3377765"/>
+            <a:ext cx="5620534" cy="752580"/>
           </a:xfrm>
           <a:prstGeom prst="rect">
             <a:avLst/>
           </a:prstGeom>
         </p:spPr>
       </p:pic>
-      <p:sp>
-        <p:nvSpPr>
-          <p:cNvPr id="9" name="TextBox 8">
-            <a:extLst>
-              <a:ext uri="{FF2B5EF4-FFF2-40B4-BE49-F238E27FC236}">
-                <a16:creationId xmlns:a16="http://schemas.microsoft.com/office/drawing/2014/main" id="{0B0CAF63-968F-4972-A00A-CECE5E22B602}"/>
-              </a:ext>
-            </a:extLst>
-          </p:cNvPr>
-          <p:cNvSpPr txBox="1"/>
-          <p:nvPr/>
-        </p:nvSpPr>
-        <p:spPr>
-          <a:xfrm>
-            <a:off x="7571874" y="1155032"/>
-            <a:ext cx="1686552" cy="369332"/>
-          </a:xfrm>
-          <a:prstGeom prst="rect">
-            <a:avLst/>
-          </a:prstGeom>
-          <a:noFill/>
-        </p:spPr>
-        <p:txBody>
-          <a:bodyPr wrap="none" rtlCol="0">
-            <a:spAutoFit/>
-          </a:bodyPr>
-          <a:lstStyle/>
-          <a:p>
-            <a:r>
-              <a:rPr lang="en-US" altLang="ko-KR" dirty="0" err="1"/>
-              <a:t>Tensorflow</a:t>
-            </a:r>
-            <a:r>
-              <a:rPr lang="en-US" altLang="ko-KR" dirty="0"/>
-              <a:t> 2.5</a:t>
-            </a:r>
-          </a:p>
-        </p:txBody>
-      </p:sp>
       <p:pic>
         <p:nvPicPr>
-          <p:cNvPr id="10" name="그림 9">
-            <a:extLst>
-              <a:ext uri="{FF2B5EF4-FFF2-40B4-BE49-F238E27FC236}">
-                <a16:creationId xmlns:a16="http://schemas.microsoft.com/office/drawing/2014/main" id="{C0E5DACD-E7B3-4A64-AA6C-97178F81B473}"/>
+          <p:cNvPr id="7" name="그림 6">
+            <a:extLst>
+              <a:ext uri="{FF2B5EF4-FFF2-40B4-BE49-F238E27FC236}">
+                <a16:creationId xmlns:a16="http://schemas.microsoft.com/office/drawing/2014/main" id="{147309E1-01AA-4B12-8594-D0BDD88A67FB}"/>
               </a:ext>
             </a:extLst>
           </p:cNvPr>
@@ -3613,8 +3586,8 @@
         </p:blipFill>
         <p:spPr>
           <a:xfrm>
-            <a:off x="6935277" y="2309899"/>
-            <a:ext cx="4029637" cy="3820058"/>
+            <a:off x="838200" y="4130345"/>
+            <a:ext cx="3498412" cy="2525880"/>
           </a:xfrm>
           <a:prstGeom prst="rect">
             <a:avLst/>
@@ -3624,7 +3597,7 @@
     </p:spTree>
     <p:extLst>
       <p:ext uri="{BB962C8B-B14F-4D97-AF65-F5344CB8AC3E}">
-        <p14:creationId xmlns:p14="http://schemas.microsoft.com/office/powerpoint/2010/main" val="3701562923"/>
+        <p14:creationId xmlns:p14="http://schemas.microsoft.com/office/powerpoint/2010/main" val="2218113355"/>
       </p:ext>
     </p:extLst>
   </p:cSld>
@@ -3656,7 +3629,7 @@
           <p:cNvPr id="2" name="제목 1">
             <a:extLst>
               <a:ext uri="{FF2B5EF4-FFF2-40B4-BE49-F238E27FC236}">
-                <a16:creationId xmlns:a16="http://schemas.microsoft.com/office/drawing/2014/main" id="{7962AE55-181C-43FB-8654-CD5D84EBA8C1}"/>
+                <a16:creationId xmlns:a16="http://schemas.microsoft.com/office/drawing/2014/main" id="{42298911-4702-43A2-90B0-A7B0255E7162}"/>
               </a:ext>
             </a:extLst>
           </p:cNvPr>
@@ -3674,7 +3647,7 @@
           <a:p>
             <a:r>
               <a:rPr lang="en-US" altLang="ko-KR" dirty="0"/>
-              <a:t>stack</a:t>
+              <a:t>cat</a:t>
             </a:r>
             <a:endParaRPr lang="ko-KR" altLang="en-US" dirty="0"/>
           </a:p>
@@ -3682,19 +3655,17 @@
       </p:sp>
       <p:pic>
         <p:nvPicPr>
-          <p:cNvPr id="4" name="내용 개체 틀 3">
-            <a:extLst>
-              <a:ext uri="{FF2B5EF4-FFF2-40B4-BE49-F238E27FC236}">
-                <a16:creationId xmlns:a16="http://schemas.microsoft.com/office/drawing/2014/main" id="{4053DD6D-FFDF-471C-AF12-F4CA82BF3512}"/>
+          <p:cNvPr id="4" name="그림 3">
+            <a:extLst>
+              <a:ext uri="{FF2B5EF4-FFF2-40B4-BE49-F238E27FC236}">
+                <a16:creationId xmlns:a16="http://schemas.microsoft.com/office/drawing/2014/main" id="{641DEF99-F76F-4A7E-9602-B3CE16211725}"/>
               </a:ext>
             </a:extLst>
           </p:cNvPr>
           <p:cNvPicPr>
-            <a:picLocks noGrp="1" noChangeAspect="1"/>
+            <a:picLocks noChangeAspect="1"/>
           </p:cNvPicPr>
-          <p:nvPr>
-            <p:ph idx="1"/>
-          </p:nvPr>
+          <p:nvPr/>
         </p:nvPicPr>
         <p:blipFill>
           <a:blip r:embed="rId2"/>
@@ -3704,8 +3675,8 @@
         </p:blipFill>
         <p:spPr>
           <a:xfrm>
-            <a:off x="470315" y="1530290"/>
-            <a:ext cx="3886742" cy="543001"/>
+            <a:off x="597569" y="1423951"/>
+            <a:ext cx="3686689" cy="533474"/>
           </a:xfrm>
           <a:prstGeom prst="rect">
             <a:avLst/>
@@ -3717,7 +3688,7 @@
           <p:cNvPr id="5" name="그림 4">
             <a:extLst>
               <a:ext uri="{FF2B5EF4-FFF2-40B4-BE49-F238E27FC236}">
-                <a16:creationId xmlns:a16="http://schemas.microsoft.com/office/drawing/2014/main" id="{6C701FD2-F046-40B2-8E57-AFC19DD3CD63}"/>
+                <a16:creationId xmlns:a16="http://schemas.microsoft.com/office/drawing/2014/main" id="{C745DA60-2A5F-4725-AA51-BA9832FA4DDF}"/>
               </a:ext>
             </a:extLst>
           </p:cNvPr>
@@ -3734,8 +3705,107 @@
         </p:blipFill>
         <p:spPr>
           <a:xfrm>
-            <a:off x="725889" y="3631544"/>
-            <a:ext cx="2848373" cy="781159"/>
+            <a:off x="597569" y="1918833"/>
+            <a:ext cx="4263189" cy="2516987"/>
+          </a:xfrm>
+          <a:prstGeom prst="rect">
+            <a:avLst/>
+          </a:prstGeom>
+        </p:spPr>
+      </p:pic>
+      <p:pic>
+        <p:nvPicPr>
+          <p:cNvPr id="8" name="그림 7">
+            <a:extLst>
+              <a:ext uri="{FF2B5EF4-FFF2-40B4-BE49-F238E27FC236}">
+                <a16:creationId xmlns:a16="http://schemas.microsoft.com/office/drawing/2014/main" id="{C362159D-4822-4E85-8C32-E988BD5BB834}"/>
+              </a:ext>
+            </a:extLst>
+          </p:cNvPr>
+          <p:cNvPicPr>
+            <a:picLocks noChangeAspect="1"/>
+          </p:cNvPicPr>
+          <p:nvPr/>
+        </p:nvPicPr>
+        <p:blipFill>
+          <a:blip r:embed="rId4"/>
+          <a:stretch>
+            <a:fillRect/>
+          </a:stretch>
+        </p:blipFill>
+        <p:spPr>
+          <a:xfrm>
+            <a:off x="6935277" y="1604951"/>
+            <a:ext cx="2524477" cy="704948"/>
+          </a:xfrm>
+          <a:prstGeom prst="rect">
+            <a:avLst/>
+          </a:prstGeom>
+        </p:spPr>
+      </p:pic>
+      <p:sp>
+        <p:nvSpPr>
+          <p:cNvPr id="9" name="TextBox 8">
+            <a:extLst>
+              <a:ext uri="{FF2B5EF4-FFF2-40B4-BE49-F238E27FC236}">
+                <a16:creationId xmlns:a16="http://schemas.microsoft.com/office/drawing/2014/main" id="{0B0CAF63-968F-4972-A00A-CECE5E22B602}"/>
+              </a:ext>
+            </a:extLst>
+          </p:cNvPr>
+          <p:cNvSpPr txBox="1"/>
+          <p:nvPr/>
+        </p:nvSpPr>
+        <p:spPr>
+          <a:xfrm>
+            <a:off x="7571874" y="1155032"/>
+            <a:ext cx="1686552" cy="369332"/>
+          </a:xfrm>
+          <a:prstGeom prst="rect">
+            <a:avLst/>
+          </a:prstGeom>
+          <a:noFill/>
+        </p:spPr>
+        <p:txBody>
+          <a:bodyPr wrap="none" rtlCol="0">
+            <a:spAutoFit/>
+          </a:bodyPr>
+          <a:lstStyle/>
+          <a:p>
+            <a:r>
+              <a:rPr lang="en-US" altLang="ko-KR" dirty="0" err="1"/>
+              <a:t>Tensorflow</a:t>
+            </a:r>
+            <a:r>
+              <a:rPr lang="en-US" altLang="ko-KR" dirty="0"/>
+              <a:t> 2.5</a:t>
+            </a:r>
+          </a:p>
+        </p:txBody>
+      </p:sp>
+      <p:pic>
+        <p:nvPicPr>
+          <p:cNvPr id="10" name="그림 9">
+            <a:extLst>
+              <a:ext uri="{FF2B5EF4-FFF2-40B4-BE49-F238E27FC236}">
+                <a16:creationId xmlns:a16="http://schemas.microsoft.com/office/drawing/2014/main" id="{C0E5DACD-E7B3-4A64-AA6C-97178F81B473}"/>
+              </a:ext>
+            </a:extLst>
+          </p:cNvPr>
+          <p:cNvPicPr>
+            <a:picLocks noChangeAspect="1"/>
+          </p:cNvPicPr>
+          <p:nvPr/>
+        </p:nvPicPr>
+        <p:blipFill>
+          <a:blip r:embed="rId5"/>
+          <a:stretch>
+            <a:fillRect/>
+          </a:stretch>
+        </p:blipFill>
+        <p:spPr>
+          <a:xfrm>
+            <a:off x="6935277" y="2309899"/>
+            <a:ext cx="4029637" cy="3820058"/>
           </a:xfrm>
           <a:prstGeom prst="rect">
             <a:avLst/>
@@ -3745,7 +3815,7 @@
     </p:spTree>
     <p:extLst>
       <p:ext uri="{BB962C8B-B14F-4D97-AF65-F5344CB8AC3E}">
-        <p14:creationId xmlns:p14="http://schemas.microsoft.com/office/powerpoint/2010/main" val="3402068499"/>
+        <p14:creationId xmlns:p14="http://schemas.microsoft.com/office/powerpoint/2010/main" val="3701562923"/>
       </p:ext>
     </p:extLst>
   </p:cSld>
@@ -3777,7 +3847,7 @@
           <p:cNvPr id="2" name="제목 1">
             <a:extLst>
               <a:ext uri="{FF2B5EF4-FFF2-40B4-BE49-F238E27FC236}">
-                <a16:creationId xmlns:a16="http://schemas.microsoft.com/office/drawing/2014/main" id="{2EE08888-850C-4B40-A3DE-1865BF874412}"/>
+                <a16:creationId xmlns:a16="http://schemas.microsoft.com/office/drawing/2014/main" id="{7962AE55-181C-43FB-8654-CD5D84EBA8C1}"/>
               </a:ext>
             </a:extLst>
           </p:cNvPr>
@@ -3795,28 +3865,9 @@
           <a:p>
             <a:r>
               <a:rPr lang="en-US" altLang="ko-KR" dirty="0"/>
-              <a:t>Split </a:t>
-            </a:r>
-            <a:r>
-              <a:rPr lang="en-US" altLang="ko-KR" sz="1600" dirty="0"/>
-              <a:t>– </a:t>
-            </a:r>
-            <a:r>
-              <a:rPr lang="en-US" altLang="ko-KR" sz="1600" dirty="0" err="1"/>
-              <a:t>split_size_or_sections</a:t>
-            </a:r>
-            <a:r>
-              <a:rPr lang="ko-KR" altLang="en-US" sz="1600" dirty="0"/>
-              <a:t>와 </a:t>
-            </a:r>
-            <a:r>
-              <a:rPr lang="en-US" altLang="ko-KR" sz="1600" dirty="0" err="1"/>
-              <a:t>num_or_size_splits</a:t>
-            </a:r>
-            <a:r>
-              <a:rPr lang="ko-KR" altLang="en-US" sz="1600" dirty="0"/>
-              <a:t>가 다름</a:t>
-            </a:r>
+              <a:t>stack</a:t>
+            </a:r>
+            <a:endParaRPr lang="ko-KR" altLang="en-US" dirty="0"/>
           </a:p>
         </p:txBody>
       </p:sp>
@@ -3825,7 +3876,7 @@
           <p:cNvPr id="4" name="내용 개체 틀 3">
             <a:extLst>
               <a:ext uri="{FF2B5EF4-FFF2-40B4-BE49-F238E27FC236}">
-                <a16:creationId xmlns:a16="http://schemas.microsoft.com/office/drawing/2014/main" id="{93033B7E-7DFD-4D43-989B-1BCA740E1A9D}"/>
+                <a16:creationId xmlns:a16="http://schemas.microsoft.com/office/drawing/2014/main" id="{4053DD6D-FFDF-471C-AF12-F4CA82BF3512}"/>
               </a:ext>
             </a:extLst>
           </p:cNvPr>
@@ -3844,8 +3895,8 @@
         </p:blipFill>
         <p:spPr>
           <a:xfrm>
-            <a:off x="508537" y="1481109"/>
-            <a:ext cx="3991532" cy="419158"/>
+            <a:off x="470315" y="1530290"/>
+            <a:ext cx="3886742" cy="543001"/>
           </a:xfrm>
           <a:prstGeom prst="rect">
             <a:avLst/>
@@ -3857,7 +3908,7 @@
           <p:cNvPr id="5" name="그림 4">
             <a:extLst>
               <a:ext uri="{FF2B5EF4-FFF2-40B4-BE49-F238E27FC236}">
-                <a16:creationId xmlns:a16="http://schemas.microsoft.com/office/drawing/2014/main" id="{43E88A83-0E8E-4F3D-AE68-DF19A5F3AE53}"/>
+                <a16:creationId xmlns:a16="http://schemas.microsoft.com/office/drawing/2014/main" id="{6C701FD2-F046-40B2-8E57-AFC19DD3CD63}"/>
               </a:ext>
             </a:extLst>
           </p:cNvPr>
@@ -3874,68 +3925,8 @@
         </p:blipFill>
         <p:spPr>
           <a:xfrm>
-            <a:off x="508537" y="1960572"/>
-            <a:ext cx="3277057" cy="4172532"/>
-          </a:xfrm>
-          <a:prstGeom prst="rect">
-            <a:avLst/>
-          </a:prstGeom>
-        </p:spPr>
-      </p:pic>
-      <p:pic>
-        <p:nvPicPr>
-          <p:cNvPr id="6" name="그림 5">
-            <a:extLst>
-              <a:ext uri="{FF2B5EF4-FFF2-40B4-BE49-F238E27FC236}">
-                <a16:creationId xmlns:a16="http://schemas.microsoft.com/office/drawing/2014/main" id="{5048083A-8C0C-4D6D-9CC6-9EFDAF634075}"/>
-              </a:ext>
-            </a:extLst>
-          </p:cNvPr>
-          <p:cNvPicPr>
-            <a:picLocks noChangeAspect="1"/>
-          </p:cNvPicPr>
-          <p:nvPr/>
-        </p:nvPicPr>
-        <p:blipFill>
-          <a:blip r:embed="rId4"/>
-          <a:stretch>
-            <a:fillRect/>
-          </a:stretch>
-        </p:blipFill>
-        <p:spPr>
-          <a:xfrm>
-            <a:off x="4829732" y="1514450"/>
-            <a:ext cx="5010849" cy="771633"/>
-          </a:xfrm>
-          <a:prstGeom prst="rect">
-            <a:avLst/>
-          </a:prstGeom>
-        </p:spPr>
-      </p:pic>
-      <p:pic>
-        <p:nvPicPr>
-          <p:cNvPr id="7" name="그림 6">
-            <a:extLst>
-              <a:ext uri="{FF2B5EF4-FFF2-40B4-BE49-F238E27FC236}">
-                <a16:creationId xmlns:a16="http://schemas.microsoft.com/office/drawing/2014/main" id="{79CFC5CD-DD9B-41B7-AD3C-9D9C7B522377}"/>
-              </a:ext>
-            </a:extLst>
-          </p:cNvPr>
-          <p:cNvPicPr>
-            <a:picLocks noChangeAspect="1"/>
-          </p:cNvPicPr>
-          <p:nvPr/>
-        </p:nvPicPr>
-        <p:blipFill>
-          <a:blip r:embed="rId5"/>
-          <a:stretch>
-            <a:fillRect/>
-          </a:stretch>
-        </p:blipFill>
-        <p:spPr>
-          <a:xfrm>
-            <a:off x="4829732" y="2361809"/>
-            <a:ext cx="5982535" cy="2981741"/>
+            <a:off x="725889" y="3631544"/>
+            <a:ext cx="2848373" cy="781159"/>
           </a:xfrm>
           <a:prstGeom prst="rect">
             <a:avLst/>
@@ -3945,7 +3936,7 @@
     </p:spTree>
     <p:extLst>
       <p:ext uri="{BB962C8B-B14F-4D97-AF65-F5344CB8AC3E}">
-        <p14:creationId xmlns:p14="http://schemas.microsoft.com/office/powerpoint/2010/main" val="2108134437"/>
+        <p14:creationId xmlns:p14="http://schemas.microsoft.com/office/powerpoint/2010/main" val="3402068499"/>
       </p:ext>
     </p:extLst>
   </p:cSld>
@@ -3977,7 +3968,7 @@
           <p:cNvPr id="2" name="제목 1">
             <a:extLst>
               <a:ext uri="{FF2B5EF4-FFF2-40B4-BE49-F238E27FC236}">
-                <a16:creationId xmlns:a16="http://schemas.microsoft.com/office/drawing/2014/main" id="{C0B069D7-57D1-4FA4-AF31-1F2BF788FF9B}"/>
+                <a16:creationId xmlns:a16="http://schemas.microsoft.com/office/drawing/2014/main" id="{2EE08888-850C-4B40-A3DE-1865BF874412}"/>
               </a:ext>
             </a:extLst>
           </p:cNvPr>
@@ -3995,9 +3986,28 @@
           <a:p>
             <a:r>
               <a:rPr lang="en-US" altLang="ko-KR" dirty="0"/>
-              <a:t>Unbind</a:t>
-            </a:r>
-            <a:endParaRPr lang="ko-KR" altLang="en-US" dirty="0"/>
+              <a:t>Split </a:t>
+            </a:r>
+            <a:r>
+              <a:rPr lang="en-US" altLang="ko-KR" sz="1600" dirty="0"/>
+              <a:t>– </a:t>
+            </a:r>
+            <a:r>
+              <a:rPr lang="en-US" altLang="ko-KR" sz="1600" dirty="0" err="1"/>
+              <a:t>split_size_or_sections</a:t>
+            </a:r>
+            <a:r>
+              <a:rPr lang="ko-KR" altLang="en-US" sz="1600" dirty="0"/>
+              <a:t>와 </a:t>
+            </a:r>
+            <a:r>
+              <a:rPr lang="en-US" altLang="ko-KR" sz="1600" dirty="0" err="1"/>
+              <a:t>num_or_size_splits</a:t>
+            </a:r>
+            <a:r>
+              <a:rPr lang="ko-KR" altLang="en-US" sz="1600" dirty="0"/>
+              <a:t>가 다름</a:t>
+            </a:r>
           </a:p>
         </p:txBody>
       </p:sp>
@@ -4006,7 +4016,7 @@
           <p:cNvPr id="4" name="내용 개체 틀 3">
             <a:extLst>
               <a:ext uri="{FF2B5EF4-FFF2-40B4-BE49-F238E27FC236}">
-                <a16:creationId xmlns:a16="http://schemas.microsoft.com/office/drawing/2014/main" id="{BBF2B7D7-A22F-4607-841C-8BBF3CE335D9}"/>
+                <a16:creationId xmlns:a16="http://schemas.microsoft.com/office/drawing/2014/main" id="{93033B7E-7DFD-4D43-989B-1BCA740E1A9D}"/>
               </a:ext>
             </a:extLst>
           </p:cNvPr>
@@ -4025,8 +4035,8 @@
         </p:blipFill>
         <p:spPr>
           <a:xfrm>
-            <a:off x="716246" y="1428714"/>
-            <a:ext cx="2686425" cy="523948"/>
+            <a:off x="508537" y="1481109"/>
+            <a:ext cx="3991532" cy="419158"/>
           </a:xfrm>
           <a:prstGeom prst="rect">
             <a:avLst/>
@@ -4038,7 +4048,7 @@
           <p:cNvPr id="5" name="그림 4">
             <a:extLst>
               <a:ext uri="{FF2B5EF4-FFF2-40B4-BE49-F238E27FC236}">
-                <a16:creationId xmlns:a16="http://schemas.microsoft.com/office/drawing/2014/main" id="{277EDC5D-578F-438A-97D3-A90CAA1A639D}"/>
+                <a16:creationId xmlns:a16="http://schemas.microsoft.com/office/drawing/2014/main" id="{43E88A83-0E8E-4F3D-AE68-DF19A5F3AE53}"/>
               </a:ext>
             </a:extLst>
           </p:cNvPr>
@@ -4055,8 +4065,8 @@
         </p:blipFill>
         <p:spPr>
           <a:xfrm>
-            <a:off x="497795" y="2011500"/>
-            <a:ext cx="4820323" cy="1105054"/>
+            <a:off x="508537" y="1960572"/>
+            <a:ext cx="3277057" cy="4172532"/>
           </a:xfrm>
           <a:prstGeom prst="rect">
             <a:avLst/>
@@ -4068,7 +4078,7 @@
           <p:cNvPr id="6" name="그림 5">
             <a:extLst>
               <a:ext uri="{FF2B5EF4-FFF2-40B4-BE49-F238E27FC236}">
-                <a16:creationId xmlns:a16="http://schemas.microsoft.com/office/drawing/2014/main" id="{D0DF1D07-51C7-4F28-9AE1-C2F825A76719}"/>
+                <a16:creationId xmlns:a16="http://schemas.microsoft.com/office/drawing/2014/main" id="{5048083A-8C0C-4D6D-9CC6-9EFDAF634075}"/>
               </a:ext>
             </a:extLst>
           </p:cNvPr>
@@ -4085,8 +4095,8 @@
         </p:blipFill>
         <p:spPr>
           <a:xfrm>
-            <a:off x="6150536" y="1154130"/>
-            <a:ext cx="5325218" cy="2819794"/>
+            <a:off x="4829732" y="1514450"/>
+            <a:ext cx="5010849" cy="771633"/>
           </a:xfrm>
           <a:prstGeom prst="rect">
             <a:avLst/>
@@ -4098,7 +4108,7 @@
           <p:cNvPr id="7" name="그림 6">
             <a:extLst>
               <a:ext uri="{FF2B5EF4-FFF2-40B4-BE49-F238E27FC236}">
-                <a16:creationId xmlns:a16="http://schemas.microsoft.com/office/drawing/2014/main" id="{903C18E6-2B4C-4181-817B-4943F0E25BE3}"/>
+                <a16:creationId xmlns:a16="http://schemas.microsoft.com/office/drawing/2014/main" id="{79CFC5CD-DD9B-41B7-AD3C-9D9C7B522377}"/>
               </a:ext>
             </a:extLst>
           </p:cNvPr>
@@ -4115,8 +4125,8 @@
         </p:blipFill>
         <p:spPr>
           <a:xfrm>
-            <a:off x="2848398" y="4422847"/>
-            <a:ext cx="5289764" cy="2012877"/>
+            <a:off x="4829732" y="2361809"/>
+            <a:ext cx="5982535" cy="2981741"/>
           </a:xfrm>
           <a:prstGeom prst="rect">
             <a:avLst/>
@@ -4126,7 +4136,7 @@
     </p:spTree>
     <p:extLst>
       <p:ext uri="{BB962C8B-B14F-4D97-AF65-F5344CB8AC3E}">
-        <p14:creationId xmlns:p14="http://schemas.microsoft.com/office/powerpoint/2010/main" val="378172991"/>
+        <p14:creationId xmlns:p14="http://schemas.microsoft.com/office/powerpoint/2010/main" val="2108134437"/>
       </p:ext>
     </p:extLst>
   </p:cSld>
@@ -4158,7 +4168,7 @@
           <p:cNvPr id="2" name="제목 1">
             <a:extLst>
               <a:ext uri="{FF2B5EF4-FFF2-40B4-BE49-F238E27FC236}">
-                <a16:creationId xmlns:a16="http://schemas.microsoft.com/office/drawing/2014/main" id="{9C925A72-D119-444F-9E72-21F7F1CDF97A}"/>
+                <a16:creationId xmlns:a16="http://schemas.microsoft.com/office/drawing/2014/main" id="{C0B069D7-57D1-4FA4-AF31-1F2BF788FF9B}"/>
               </a:ext>
             </a:extLst>
           </p:cNvPr>
@@ -4176,7 +4186,7 @@
           <a:p>
             <a:r>
               <a:rPr lang="en-US" altLang="ko-KR" dirty="0"/>
-              <a:t>VGG16</a:t>
+              <a:t>Unbind</a:t>
             </a:r>
             <a:endParaRPr lang="ko-KR" altLang="en-US" dirty="0"/>
           </a:p>
@@ -4187,7 +4197,7 @@
           <p:cNvPr id="4" name="내용 개체 틀 3">
             <a:extLst>
               <a:ext uri="{FF2B5EF4-FFF2-40B4-BE49-F238E27FC236}">
-                <a16:creationId xmlns:a16="http://schemas.microsoft.com/office/drawing/2014/main" id="{89C9036B-DDEF-4420-9F6C-2313CF09F1E5}"/>
+                <a16:creationId xmlns:a16="http://schemas.microsoft.com/office/drawing/2014/main" id="{BBF2B7D7-A22F-4607-841C-8BBF3CE335D9}"/>
               </a:ext>
             </a:extLst>
           </p:cNvPr>
@@ -4206,8 +4216,8 @@
         </p:blipFill>
         <p:spPr>
           <a:xfrm>
-            <a:off x="635672" y="1407218"/>
-            <a:ext cx="5754682" cy="1871441"/>
+            <a:off x="716246" y="1428714"/>
+            <a:ext cx="2686425" cy="523948"/>
           </a:xfrm>
           <a:prstGeom prst="rect">
             <a:avLst/>
@@ -4219,7 +4229,7 @@
           <p:cNvPr id="5" name="그림 4">
             <a:extLst>
               <a:ext uri="{FF2B5EF4-FFF2-40B4-BE49-F238E27FC236}">
-                <a16:creationId xmlns:a16="http://schemas.microsoft.com/office/drawing/2014/main" id="{167A5832-B8DE-4DAD-9FD7-BE650BCDA562}"/>
+                <a16:creationId xmlns:a16="http://schemas.microsoft.com/office/drawing/2014/main" id="{277EDC5D-578F-438A-97D3-A90CAA1A639D}"/>
               </a:ext>
             </a:extLst>
           </p:cNvPr>
@@ -4236,8 +4246,68 @@
         </p:blipFill>
         <p:spPr>
           <a:xfrm>
-            <a:off x="7293907" y="1484108"/>
-            <a:ext cx="2629267" cy="1771897"/>
+            <a:off x="497795" y="2011500"/>
+            <a:ext cx="4820323" cy="1105054"/>
+          </a:xfrm>
+          <a:prstGeom prst="rect">
+            <a:avLst/>
+          </a:prstGeom>
+        </p:spPr>
+      </p:pic>
+      <p:pic>
+        <p:nvPicPr>
+          <p:cNvPr id="6" name="그림 5">
+            <a:extLst>
+              <a:ext uri="{FF2B5EF4-FFF2-40B4-BE49-F238E27FC236}">
+                <a16:creationId xmlns:a16="http://schemas.microsoft.com/office/drawing/2014/main" id="{D0DF1D07-51C7-4F28-9AE1-C2F825A76719}"/>
+              </a:ext>
+            </a:extLst>
+          </p:cNvPr>
+          <p:cNvPicPr>
+            <a:picLocks noChangeAspect="1"/>
+          </p:cNvPicPr>
+          <p:nvPr/>
+        </p:nvPicPr>
+        <p:blipFill>
+          <a:blip r:embed="rId4"/>
+          <a:stretch>
+            <a:fillRect/>
+          </a:stretch>
+        </p:blipFill>
+        <p:spPr>
+          <a:xfrm>
+            <a:off x="6150536" y="1154130"/>
+            <a:ext cx="5325218" cy="2819794"/>
+          </a:xfrm>
+          <a:prstGeom prst="rect">
+            <a:avLst/>
+          </a:prstGeom>
+        </p:spPr>
+      </p:pic>
+      <p:pic>
+        <p:nvPicPr>
+          <p:cNvPr id="7" name="그림 6">
+            <a:extLst>
+              <a:ext uri="{FF2B5EF4-FFF2-40B4-BE49-F238E27FC236}">
+                <a16:creationId xmlns:a16="http://schemas.microsoft.com/office/drawing/2014/main" id="{903C18E6-2B4C-4181-817B-4943F0E25BE3}"/>
+              </a:ext>
+            </a:extLst>
+          </p:cNvPr>
+          <p:cNvPicPr>
+            <a:picLocks noChangeAspect="1"/>
+          </p:cNvPicPr>
+          <p:nvPr/>
+        </p:nvPicPr>
+        <p:blipFill>
+          <a:blip r:embed="rId5"/>
+          <a:stretch>
+            <a:fillRect/>
+          </a:stretch>
+        </p:blipFill>
+        <p:spPr>
+          <a:xfrm>
+            <a:off x="2848398" y="4422847"/>
+            <a:ext cx="5289764" cy="2012877"/>
           </a:xfrm>
           <a:prstGeom prst="rect">
             <a:avLst/>
@@ -4247,7 +4317,7 @@
     </p:spTree>
     <p:extLst>
       <p:ext uri="{BB962C8B-B14F-4D97-AF65-F5344CB8AC3E}">
-        <p14:creationId xmlns:p14="http://schemas.microsoft.com/office/powerpoint/2010/main" val="346448044"/>
+        <p14:creationId xmlns:p14="http://schemas.microsoft.com/office/powerpoint/2010/main" val="378172991"/>
       </p:ext>
     </p:extLst>
   </p:cSld>
@@ -4417,7 +4487,7 @@
         </p:blipFill>
         <p:spPr>
           <a:xfrm>
-            <a:off x="9190883" y="798833"/>
+            <a:off x="9190883" y="1260152"/>
             <a:ext cx="2632473" cy="2549611"/>
           </a:xfrm>
           <a:prstGeom prst="rect">
@@ -4490,7 +4560,7 @@
           <p:cNvPr id="2" name="제목 1">
             <a:extLst>
               <a:ext uri="{FF2B5EF4-FFF2-40B4-BE49-F238E27FC236}">
-                <a16:creationId xmlns:a16="http://schemas.microsoft.com/office/drawing/2014/main" id="{9011CC2F-ED90-45F4-AC6B-4AF80FAD99F8}"/>
+                <a16:creationId xmlns:a16="http://schemas.microsoft.com/office/drawing/2014/main" id="{8FCCBC19-F4D6-4F61-B7E2-993F93432041}"/>
               </a:ext>
             </a:extLst>
           </p:cNvPr>
@@ -4507,8 +4577,8 @@
           <a:lstStyle/>
           <a:p>
             <a:r>
-              <a:rPr lang="en-US" altLang="ko-KR" dirty="0" err="1"/>
-              <a:t>ReLU</a:t>
+              <a:rPr lang="en-US" altLang="ko-KR" dirty="0"/>
+              <a:t>Squeeze</a:t>
             </a:r>
             <a:endParaRPr lang="ko-KR" altLang="en-US" dirty="0"/>
           </a:p>
@@ -4519,7 +4589,7 @@
           <p:cNvPr id="4" name="내용 개체 틀 3">
             <a:extLst>
               <a:ext uri="{FF2B5EF4-FFF2-40B4-BE49-F238E27FC236}">
-                <a16:creationId xmlns:a16="http://schemas.microsoft.com/office/drawing/2014/main" id="{C7E1BAE3-5CF6-4D73-B756-7964FEA52787}"/>
+                <a16:creationId xmlns:a16="http://schemas.microsoft.com/office/drawing/2014/main" id="{6A16A345-E7AC-4709-A61E-635F54C175BA}"/>
               </a:ext>
             </a:extLst>
           </p:cNvPr>
@@ -4538,8 +4608,8 @@
         </p:blipFill>
         <p:spPr>
           <a:xfrm>
-            <a:off x="307555" y="1423951"/>
-            <a:ext cx="2943636" cy="533474"/>
+            <a:off x="686294" y="1690688"/>
+            <a:ext cx="3982006" cy="495369"/>
           </a:xfrm>
           <a:prstGeom prst="rect">
             <a:avLst/>
@@ -4551,7 +4621,7 @@
           <p:cNvPr id="5" name="그림 4">
             <a:extLst>
               <a:ext uri="{FF2B5EF4-FFF2-40B4-BE49-F238E27FC236}">
-                <a16:creationId xmlns:a16="http://schemas.microsoft.com/office/drawing/2014/main" id="{8043A059-6F65-44D2-A2D1-148998967839}"/>
+                <a16:creationId xmlns:a16="http://schemas.microsoft.com/office/drawing/2014/main" id="{78EF1C45-0DA8-45FA-A5C9-4BFC7163EE03}"/>
               </a:ext>
             </a:extLst>
           </p:cNvPr>
@@ -4568,68 +4638,8 @@
         </p:blipFill>
         <p:spPr>
           <a:xfrm>
-            <a:off x="340506" y="1911197"/>
-            <a:ext cx="4305901" cy="838317"/>
-          </a:xfrm>
-          <a:prstGeom prst="rect">
-            <a:avLst/>
-          </a:prstGeom>
-        </p:spPr>
-      </p:pic>
-      <p:pic>
-        <p:nvPicPr>
-          <p:cNvPr id="6" name="그림 5">
-            <a:extLst>
-              <a:ext uri="{FF2B5EF4-FFF2-40B4-BE49-F238E27FC236}">
-                <a16:creationId xmlns:a16="http://schemas.microsoft.com/office/drawing/2014/main" id="{11862539-40C2-4C09-873F-198B38FC58D0}"/>
-              </a:ext>
-            </a:extLst>
-          </p:cNvPr>
-          <p:cNvPicPr>
-            <a:picLocks noChangeAspect="1"/>
-          </p:cNvPicPr>
-          <p:nvPr/>
-        </p:nvPicPr>
-        <p:blipFill>
-          <a:blip r:embed="rId4"/>
-          <a:stretch>
-            <a:fillRect/>
-          </a:stretch>
-        </p:blipFill>
-        <p:spPr>
-          <a:xfrm>
-            <a:off x="340506" y="2749514"/>
-            <a:ext cx="8821381" cy="3934374"/>
-          </a:xfrm>
-          <a:prstGeom prst="rect">
-            <a:avLst/>
-          </a:prstGeom>
-        </p:spPr>
-      </p:pic>
-      <p:pic>
-        <p:nvPicPr>
-          <p:cNvPr id="8" name="그림 7">
-            <a:extLst>
-              <a:ext uri="{FF2B5EF4-FFF2-40B4-BE49-F238E27FC236}">
-                <a16:creationId xmlns:a16="http://schemas.microsoft.com/office/drawing/2014/main" id="{F7D48A61-10D9-48C2-905B-53FF1DFE649E}"/>
-              </a:ext>
-            </a:extLst>
-          </p:cNvPr>
-          <p:cNvPicPr>
-            <a:picLocks noChangeAspect="1"/>
-          </p:cNvPicPr>
-          <p:nvPr/>
-        </p:nvPicPr>
-        <p:blipFill>
-          <a:blip r:embed="rId5"/>
-          <a:stretch>
-            <a:fillRect/>
-          </a:stretch>
-        </p:blipFill>
-        <p:spPr>
-          <a:xfrm>
-            <a:off x="6711141" y="1362732"/>
-            <a:ext cx="5115639" cy="876422"/>
+            <a:off x="6498818" y="1690688"/>
+            <a:ext cx="2753109" cy="752580"/>
           </a:xfrm>
           <a:prstGeom prst="rect">
             <a:avLst/>
@@ -4639,7 +4649,7 @@
     </p:spTree>
     <p:extLst>
       <p:ext uri="{BB962C8B-B14F-4D97-AF65-F5344CB8AC3E}">
-        <p14:creationId xmlns:p14="http://schemas.microsoft.com/office/powerpoint/2010/main" val="957661059"/>
+        <p14:creationId xmlns:p14="http://schemas.microsoft.com/office/powerpoint/2010/main" val="875931628"/>
       </p:ext>
     </p:extLst>
   </p:cSld>
@@ -4671,6 +4681,187 @@
           <p:cNvPr id="2" name="제목 1">
             <a:extLst>
               <a:ext uri="{FF2B5EF4-FFF2-40B4-BE49-F238E27FC236}">
+                <a16:creationId xmlns:a16="http://schemas.microsoft.com/office/drawing/2014/main" id="{9011CC2F-ED90-45F4-AC6B-4AF80FAD99F8}"/>
+              </a:ext>
+            </a:extLst>
+          </p:cNvPr>
+          <p:cNvSpPr>
+            <a:spLocks noGrp="1"/>
+          </p:cNvSpPr>
+          <p:nvPr>
+            <p:ph type="title"/>
+          </p:nvPr>
+        </p:nvSpPr>
+        <p:spPr/>
+        <p:txBody>
+          <a:bodyPr/>
+          <a:lstStyle/>
+          <a:p>
+            <a:r>
+              <a:rPr lang="en-US" altLang="ko-KR" dirty="0" err="1"/>
+              <a:t>ReLU</a:t>
+            </a:r>
+            <a:endParaRPr lang="ko-KR" altLang="en-US" dirty="0"/>
+          </a:p>
+        </p:txBody>
+      </p:sp>
+      <p:pic>
+        <p:nvPicPr>
+          <p:cNvPr id="4" name="내용 개체 틀 3">
+            <a:extLst>
+              <a:ext uri="{FF2B5EF4-FFF2-40B4-BE49-F238E27FC236}">
+                <a16:creationId xmlns:a16="http://schemas.microsoft.com/office/drawing/2014/main" id="{C7E1BAE3-5CF6-4D73-B756-7964FEA52787}"/>
+              </a:ext>
+            </a:extLst>
+          </p:cNvPr>
+          <p:cNvPicPr>
+            <a:picLocks noGrp="1" noChangeAspect="1"/>
+          </p:cNvPicPr>
+          <p:nvPr>
+            <p:ph idx="1"/>
+          </p:nvPr>
+        </p:nvPicPr>
+        <p:blipFill>
+          <a:blip r:embed="rId2"/>
+          <a:stretch>
+            <a:fillRect/>
+          </a:stretch>
+        </p:blipFill>
+        <p:spPr>
+          <a:xfrm>
+            <a:off x="307555" y="1423951"/>
+            <a:ext cx="2943636" cy="533474"/>
+          </a:xfrm>
+          <a:prstGeom prst="rect">
+            <a:avLst/>
+          </a:prstGeom>
+        </p:spPr>
+      </p:pic>
+      <p:pic>
+        <p:nvPicPr>
+          <p:cNvPr id="5" name="그림 4">
+            <a:extLst>
+              <a:ext uri="{FF2B5EF4-FFF2-40B4-BE49-F238E27FC236}">
+                <a16:creationId xmlns:a16="http://schemas.microsoft.com/office/drawing/2014/main" id="{8043A059-6F65-44D2-A2D1-148998967839}"/>
+              </a:ext>
+            </a:extLst>
+          </p:cNvPr>
+          <p:cNvPicPr>
+            <a:picLocks noChangeAspect="1"/>
+          </p:cNvPicPr>
+          <p:nvPr/>
+        </p:nvPicPr>
+        <p:blipFill>
+          <a:blip r:embed="rId3"/>
+          <a:stretch>
+            <a:fillRect/>
+          </a:stretch>
+        </p:blipFill>
+        <p:spPr>
+          <a:xfrm>
+            <a:off x="340506" y="1911197"/>
+            <a:ext cx="4305901" cy="838317"/>
+          </a:xfrm>
+          <a:prstGeom prst="rect">
+            <a:avLst/>
+          </a:prstGeom>
+        </p:spPr>
+      </p:pic>
+      <p:pic>
+        <p:nvPicPr>
+          <p:cNvPr id="6" name="그림 5">
+            <a:extLst>
+              <a:ext uri="{FF2B5EF4-FFF2-40B4-BE49-F238E27FC236}">
+                <a16:creationId xmlns:a16="http://schemas.microsoft.com/office/drawing/2014/main" id="{11862539-40C2-4C09-873F-198B38FC58D0}"/>
+              </a:ext>
+            </a:extLst>
+          </p:cNvPr>
+          <p:cNvPicPr>
+            <a:picLocks noChangeAspect="1"/>
+          </p:cNvPicPr>
+          <p:nvPr/>
+        </p:nvPicPr>
+        <p:blipFill>
+          <a:blip r:embed="rId4"/>
+          <a:stretch>
+            <a:fillRect/>
+          </a:stretch>
+        </p:blipFill>
+        <p:spPr>
+          <a:xfrm>
+            <a:off x="340506" y="2749514"/>
+            <a:ext cx="8821381" cy="3934374"/>
+          </a:xfrm>
+          <a:prstGeom prst="rect">
+            <a:avLst/>
+          </a:prstGeom>
+        </p:spPr>
+      </p:pic>
+      <p:pic>
+        <p:nvPicPr>
+          <p:cNvPr id="8" name="그림 7">
+            <a:extLst>
+              <a:ext uri="{FF2B5EF4-FFF2-40B4-BE49-F238E27FC236}">
+                <a16:creationId xmlns:a16="http://schemas.microsoft.com/office/drawing/2014/main" id="{F7D48A61-10D9-48C2-905B-53FF1DFE649E}"/>
+              </a:ext>
+            </a:extLst>
+          </p:cNvPr>
+          <p:cNvPicPr>
+            <a:picLocks noChangeAspect="1"/>
+          </p:cNvPicPr>
+          <p:nvPr/>
+        </p:nvPicPr>
+        <p:blipFill>
+          <a:blip r:embed="rId5"/>
+          <a:stretch>
+            <a:fillRect/>
+          </a:stretch>
+        </p:blipFill>
+        <p:spPr>
+          <a:xfrm>
+            <a:off x="6711141" y="1362732"/>
+            <a:ext cx="5115639" cy="876422"/>
+          </a:xfrm>
+          <a:prstGeom prst="rect">
+            <a:avLst/>
+          </a:prstGeom>
+        </p:spPr>
+      </p:pic>
+    </p:spTree>
+    <p:extLst>
+      <p:ext uri="{BB962C8B-B14F-4D97-AF65-F5344CB8AC3E}">
+        <p14:creationId xmlns:p14="http://schemas.microsoft.com/office/powerpoint/2010/main" val="957661059"/>
+      </p:ext>
+    </p:extLst>
+  </p:cSld>
+  <p:clrMapOvr>
+    <a:masterClrMapping/>
+  </p:clrMapOvr>
+</p:sld>
+</file>
+
+<file path=ppt/slides/slide18.xml><?xml version="1.0" encoding="utf-8"?>
+<p:sld xmlns:a="http://schemas.openxmlformats.org/drawingml/2006/main" xmlns:r="http://schemas.openxmlformats.org/officeDocument/2006/relationships" xmlns:p="http://schemas.openxmlformats.org/presentationml/2006/main">
+  <p:cSld>
+    <p:spTree>
+      <p:nvGrpSpPr>
+        <p:cNvPr id="1" name=""/>
+        <p:cNvGrpSpPr/>
+        <p:nvPr/>
+      </p:nvGrpSpPr>
+      <p:grpSpPr>
+        <a:xfrm>
+          <a:off x="0" y="0"/>
+          <a:ext cx="0" cy="0"/>
+          <a:chOff x="0" y="0"/>
+          <a:chExt cx="0" cy="0"/>
+        </a:xfrm>
+      </p:grpSpPr>
+      <p:sp>
+        <p:nvSpPr>
+          <p:cNvPr id="2" name="제목 1">
+            <a:extLst>
+              <a:ext uri="{FF2B5EF4-FFF2-40B4-BE49-F238E27FC236}">
                 <a16:creationId xmlns:a16="http://schemas.microsoft.com/office/drawing/2014/main" id="{E8633C8F-F950-40D6-9669-814978EDD7FD}"/>
               </a:ext>
             </a:extLst>
@@ -4799,7 +4990,7 @@
 </p:sld>
 </file>
 
-<file path=ppt/slides/slide18.xml><?xml version="1.0" encoding="utf-8"?>
+<file path=ppt/slides/slide19.xml><?xml version="1.0" encoding="utf-8"?>
 <p:sld xmlns:a="http://schemas.openxmlformats.org/drawingml/2006/main" xmlns:r="http://schemas.openxmlformats.org/officeDocument/2006/relationships" xmlns:p="http://schemas.openxmlformats.org/presentationml/2006/main">
   <p:cSld>
     <p:spTree>
@@ -5011,6 +5202,1473 @@
 </p:sld>
 </file>
 
+<file path=ppt/slides/slide20.xml><?xml version="1.0" encoding="utf-8"?>
+<p:sld xmlns:a="http://schemas.openxmlformats.org/drawingml/2006/main" xmlns:r="http://schemas.openxmlformats.org/officeDocument/2006/relationships" xmlns:p="http://schemas.openxmlformats.org/presentationml/2006/main">
+  <p:cSld>
+    <p:spTree>
+      <p:nvGrpSpPr>
+        <p:cNvPr id="1" name=""/>
+        <p:cNvGrpSpPr/>
+        <p:nvPr/>
+      </p:nvGrpSpPr>
+      <p:grpSpPr>
+        <a:xfrm>
+          <a:off x="0" y="0"/>
+          <a:ext cx="0" cy="0"/>
+          <a:chOff x="0" y="0"/>
+          <a:chExt cx="0" cy="0"/>
+        </a:xfrm>
+      </p:grpSpPr>
+      <p:sp>
+        <p:nvSpPr>
+          <p:cNvPr id="2" name="제목 1">
+            <a:extLst>
+              <a:ext uri="{FF2B5EF4-FFF2-40B4-BE49-F238E27FC236}">
+                <a16:creationId xmlns:a16="http://schemas.microsoft.com/office/drawing/2014/main" id="{9C925A72-D119-444F-9E72-21F7F1CDF97A}"/>
+              </a:ext>
+            </a:extLst>
+          </p:cNvPr>
+          <p:cNvSpPr>
+            <a:spLocks noGrp="1"/>
+          </p:cNvSpPr>
+          <p:nvPr>
+            <p:ph type="title"/>
+          </p:nvPr>
+        </p:nvSpPr>
+        <p:spPr/>
+        <p:txBody>
+          <a:bodyPr/>
+          <a:lstStyle/>
+          <a:p>
+            <a:r>
+              <a:rPr lang="en-US" altLang="ko-KR" dirty="0"/>
+              <a:t>VGG16</a:t>
+            </a:r>
+            <a:endParaRPr lang="ko-KR" altLang="en-US" dirty="0"/>
+          </a:p>
+        </p:txBody>
+      </p:sp>
+      <p:pic>
+        <p:nvPicPr>
+          <p:cNvPr id="4" name="내용 개체 틀 3">
+            <a:extLst>
+              <a:ext uri="{FF2B5EF4-FFF2-40B4-BE49-F238E27FC236}">
+                <a16:creationId xmlns:a16="http://schemas.microsoft.com/office/drawing/2014/main" id="{89C9036B-DDEF-4420-9F6C-2313CF09F1E5}"/>
+              </a:ext>
+            </a:extLst>
+          </p:cNvPr>
+          <p:cNvPicPr>
+            <a:picLocks noGrp="1" noChangeAspect="1"/>
+          </p:cNvPicPr>
+          <p:nvPr>
+            <p:ph idx="1"/>
+          </p:nvPr>
+        </p:nvPicPr>
+        <p:blipFill>
+          <a:blip r:embed="rId2"/>
+          <a:stretch>
+            <a:fillRect/>
+          </a:stretch>
+        </p:blipFill>
+        <p:spPr>
+          <a:xfrm>
+            <a:off x="635672" y="1407218"/>
+            <a:ext cx="5754682" cy="1871441"/>
+          </a:xfrm>
+          <a:prstGeom prst="rect">
+            <a:avLst/>
+          </a:prstGeom>
+        </p:spPr>
+      </p:pic>
+      <p:pic>
+        <p:nvPicPr>
+          <p:cNvPr id="5" name="그림 4">
+            <a:extLst>
+              <a:ext uri="{FF2B5EF4-FFF2-40B4-BE49-F238E27FC236}">
+                <a16:creationId xmlns:a16="http://schemas.microsoft.com/office/drawing/2014/main" id="{167A5832-B8DE-4DAD-9FD7-BE650BCDA562}"/>
+              </a:ext>
+            </a:extLst>
+          </p:cNvPr>
+          <p:cNvPicPr>
+            <a:picLocks noChangeAspect="1"/>
+          </p:cNvPicPr>
+          <p:nvPr/>
+        </p:nvPicPr>
+        <p:blipFill>
+          <a:blip r:embed="rId3"/>
+          <a:stretch>
+            <a:fillRect/>
+          </a:stretch>
+        </p:blipFill>
+        <p:spPr>
+          <a:xfrm>
+            <a:off x="7293907" y="1484108"/>
+            <a:ext cx="2629267" cy="1771897"/>
+          </a:xfrm>
+          <a:prstGeom prst="rect">
+            <a:avLst/>
+          </a:prstGeom>
+        </p:spPr>
+      </p:pic>
+    </p:spTree>
+    <p:extLst>
+      <p:ext uri="{BB962C8B-B14F-4D97-AF65-F5344CB8AC3E}">
+        <p14:creationId xmlns:p14="http://schemas.microsoft.com/office/powerpoint/2010/main" val="346448044"/>
+      </p:ext>
+    </p:extLst>
+  </p:cSld>
+  <p:clrMapOvr>
+    <a:masterClrMapping/>
+  </p:clrMapOvr>
+</p:sld>
+</file>
+
+<file path=ppt/slides/slide21.xml><?xml version="1.0" encoding="utf-8"?>
+<p:sld xmlns:a="http://schemas.openxmlformats.org/drawingml/2006/main" xmlns:r="http://schemas.openxmlformats.org/officeDocument/2006/relationships" xmlns:p="http://schemas.openxmlformats.org/presentationml/2006/main">
+  <p:cSld>
+    <p:spTree>
+      <p:nvGrpSpPr>
+        <p:cNvPr id="1" name=""/>
+        <p:cNvGrpSpPr/>
+        <p:nvPr/>
+      </p:nvGrpSpPr>
+      <p:grpSpPr>
+        <a:xfrm>
+          <a:off x="0" y="0"/>
+          <a:ext cx="0" cy="0"/>
+          <a:chOff x="0" y="0"/>
+          <a:chExt cx="0" cy="0"/>
+        </a:xfrm>
+      </p:grpSpPr>
+      <p:sp>
+        <p:nvSpPr>
+          <p:cNvPr id="2" name="제목 1">
+            <a:extLst>
+              <a:ext uri="{FF2B5EF4-FFF2-40B4-BE49-F238E27FC236}">
+                <a16:creationId xmlns:a16="http://schemas.microsoft.com/office/drawing/2014/main" id="{6FD510AA-20AC-4915-B476-D954AEFE0C9F}"/>
+              </a:ext>
+            </a:extLst>
+          </p:cNvPr>
+          <p:cNvSpPr>
+            <a:spLocks noGrp="1"/>
+          </p:cNvSpPr>
+          <p:nvPr>
+            <p:ph type="title"/>
+          </p:nvPr>
+        </p:nvSpPr>
+        <p:spPr/>
+        <p:txBody>
+          <a:bodyPr/>
+          <a:lstStyle/>
+          <a:p>
+            <a:r>
+              <a:rPr lang="en-US" altLang="ko-KR" dirty="0"/>
+              <a:t>VGG16 – network</a:t>
+            </a:r>
+            <a:r>
+              <a:rPr lang="ko-KR" altLang="en-US" dirty="0"/>
+              <a:t>구조</a:t>
+            </a:r>
+          </a:p>
+        </p:txBody>
+      </p:sp>
+      <p:pic>
+        <p:nvPicPr>
+          <p:cNvPr id="4" name="내용 개체 틀 3">
+            <a:extLst>
+              <a:ext uri="{FF2B5EF4-FFF2-40B4-BE49-F238E27FC236}">
+                <a16:creationId xmlns:a16="http://schemas.microsoft.com/office/drawing/2014/main" id="{A03667A2-522D-420A-A704-DC17DAC83F15}"/>
+              </a:ext>
+            </a:extLst>
+          </p:cNvPr>
+          <p:cNvPicPr>
+            <a:picLocks noGrp="1" noChangeAspect="1"/>
+          </p:cNvPicPr>
+          <p:nvPr>
+            <p:ph idx="1"/>
+          </p:nvPr>
+        </p:nvPicPr>
+        <p:blipFill>
+          <a:blip r:embed="rId2"/>
+          <a:stretch>
+            <a:fillRect/>
+          </a:stretch>
+        </p:blipFill>
+        <p:spPr>
+          <a:xfrm>
+            <a:off x="8151407" y="1690688"/>
+            <a:ext cx="2594785" cy="4351338"/>
+          </a:xfrm>
+          <a:prstGeom prst="rect">
+            <a:avLst/>
+          </a:prstGeom>
+        </p:spPr>
+      </p:pic>
+      <p:pic>
+        <p:nvPicPr>
+          <p:cNvPr id="5" name="그림 4">
+            <a:extLst>
+              <a:ext uri="{FF2B5EF4-FFF2-40B4-BE49-F238E27FC236}">
+                <a16:creationId xmlns:a16="http://schemas.microsoft.com/office/drawing/2014/main" id="{F229B52E-CA75-48D0-BACD-18A49D740E9A}"/>
+              </a:ext>
+            </a:extLst>
+          </p:cNvPr>
+          <p:cNvPicPr>
+            <a:picLocks noChangeAspect="1"/>
+          </p:cNvPicPr>
+          <p:nvPr/>
+        </p:nvPicPr>
+        <p:blipFill>
+          <a:blip r:embed="rId3"/>
+          <a:stretch>
+            <a:fillRect/>
+          </a:stretch>
+        </p:blipFill>
+        <p:spPr>
+          <a:xfrm>
+            <a:off x="1015032" y="1602232"/>
+            <a:ext cx="3886481" cy="4890643"/>
+          </a:xfrm>
+          <a:prstGeom prst="rect">
+            <a:avLst/>
+          </a:prstGeom>
+        </p:spPr>
+      </p:pic>
+      <p:sp>
+        <p:nvSpPr>
+          <p:cNvPr id="6" name="TextBox 5">
+            <a:extLst>
+              <a:ext uri="{FF2B5EF4-FFF2-40B4-BE49-F238E27FC236}">
+                <a16:creationId xmlns:a16="http://schemas.microsoft.com/office/drawing/2014/main" id="{5724F902-7BF8-4378-B261-BBE9E0FE3558}"/>
+              </a:ext>
+            </a:extLst>
+          </p:cNvPr>
+          <p:cNvSpPr txBox="1"/>
+          <p:nvPr/>
+        </p:nvSpPr>
+        <p:spPr>
+          <a:xfrm>
+            <a:off x="2314832" y="1232900"/>
+            <a:ext cx="973664" cy="369332"/>
+          </a:xfrm>
+          <a:prstGeom prst="rect">
+            <a:avLst/>
+          </a:prstGeom>
+          <a:noFill/>
+        </p:spPr>
+        <p:txBody>
+          <a:bodyPr wrap="none" rtlCol="0">
+            <a:spAutoFit/>
+          </a:bodyPr>
+          <a:lstStyle/>
+          <a:p>
+            <a:r>
+              <a:rPr lang="en-US" altLang="ko-KR" dirty="0" err="1"/>
+              <a:t>pytorch</a:t>
+            </a:r>
+            <a:endParaRPr lang="ko-KR" altLang="en-US" dirty="0"/>
+          </a:p>
+        </p:txBody>
+      </p:sp>
+      <p:sp>
+        <p:nvSpPr>
+          <p:cNvPr id="7" name="TextBox 6">
+            <a:extLst>
+              <a:ext uri="{FF2B5EF4-FFF2-40B4-BE49-F238E27FC236}">
+                <a16:creationId xmlns:a16="http://schemas.microsoft.com/office/drawing/2014/main" id="{316C38CF-FD98-45DC-8821-D2A00A7E0119}"/>
+              </a:ext>
+            </a:extLst>
+          </p:cNvPr>
+          <p:cNvSpPr txBox="1"/>
+          <p:nvPr/>
+        </p:nvSpPr>
+        <p:spPr>
+          <a:xfrm>
+            <a:off x="8798685" y="1321356"/>
+            <a:ext cx="1300228" cy="369332"/>
+          </a:xfrm>
+          <a:prstGeom prst="rect">
+            <a:avLst/>
+          </a:prstGeom>
+          <a:noFill/>
+        </p:spPr>
+        <p:txBody>
+          <a:bodyPr wrap="none" rtlCol="0">
+            <a:spAutoFit/>
+          </a:bodyPr>
+          <a:lstStyle/>
+          <a:p>
+            <a:r>
+              <a:rPr lang="en-US" altLang="ko-KR" dirty="0" err="1"/>
+              <a:t>Tensorflow</a:t>
+            </a:r>
+            <a:endParaRPr lang="en-US" altLang="ko-KR" dirty="0"/>
+          </a:p>
+        </p:txBody>
+      </p:sp>
+    </p:spTree>
+    <p:extLst>
+      <p:ext uri="{BB962C8B-B14F-4D97-AF65-F5344CB8AC3E}">
+        <p14:creationId xmlns:p14="http://schemas.microsoft.com/office/powerpoint/2010/main" val="708800476"/>
+      </p:ext>
+    </p:extLst>
+  </p:cSld>
+  <p:clrMapOvr>
+    <a:masterClrMapping/>
+  </p:clrMapOvr>
+</p:sld>
+</file>
+
+<file path=ppt/slides/slide22.xml><?xml version="1.0" encoding="utf-8"?>
+<p:sld xmlns:a="http://schemas.openxmlformats.org/drawingml/2006/main" xmlns:r="http://schemas.openxmlformats.org/officeDocument/2006/relationships" xmlns:p="http://schemas.openxmlformats.org/presentationml/2006/main">
+  <p:cSld>
+    <p:spTree>
+      <p:nvGrpSpPr>
+        <p:cNvPr id="1" name=""/>
+        <p:cNvGrpSpPr/>
+        <p:nvPr/>
+      </p:nvGrpSpPr>
+      <p:grpSpPr>
+        <a:xfrm>
+          <a:off x="0" y="0"/>
+          <a:ext cx="0" cy="0"/>
+          <a:chOff x="0" y="0"/>
+          <a:chExt cx="0" cy="0"/>
+        </a:xfrm>
+      </p:grpSpPr>
+      <p:sp>
+        <p:nvSpPr>
+          <p:cNvPr id="2" name="제목 1">
+            <a:extLst>
+              <a:ext uri="{FF2B5EF4-FFF2-40B4-BE49-F238E27FC236}">
+                <a16:creationId xmlns:a16="http://schemas.microsoft.com/office/drawing/2014/main" id="{1741017B-0686-4CC0-8AA0-EF273FD8A31A}"/>
+              </a:ext>
+            </a:extLst>
+          </p:cNvPr>
+          <p:cNvSpPr>
+            <a:spLocks noGrp="1"/>
+          </p:cNvSpPr>
+          <p:nvPr>
+            <p:ph type="title"/>
+          </p:nvPr>
+        </p:nvSpPr>
+        <p:spPr/>
+        <p:txBody>
+          <a:bodyPr/>
+          <a:lstStyle/>
+          <a:p>
+            <a:r>
+              <a:rPr lang="en-US" altLang="ko-KR" dirty="0" err="1"/>
+              <a:t>Log_softmax</a:t>
+            </a:r>
+            <a:endParaRPr lang="ko-KR" altLang="en-US" dirty="0"/>
+          </a:p>
+        </p:txBody>
+      </p:sp>
+      <p:pic>
+        <p:nvPicPr>
+          <p:cNvPr id="5" name="내용 개체 틀 4">
+            <a:extLst>
+              <a:ext uri="{FF2B5EF4-FFF2-40B4-BE49-F238E27FC236}">
+                <a16:creationId xmlns:a16="http://schemas.microsoft.com/office/drawing/2014/main" id="{2D3303DC-F684-4B3B-886E-DA654218FB3E}"/>
+              </a:ext>
+            </a:extLst>
+          </p:cNvPr>
+          <p:cNvPicPr>
+            <a:picLocks noGrp="1" noChangeAspect="1"/>
+          </p:cNvPicPr>
+          <p:nvPr>
+            <p:ph idx="1"/>
+          </p:nvPr>
+        </p:nvPicPr>
+        <p:blipFill>
+          <a:blip r:embed="rId2"/>
+          <a:stretch>
+            <a:fillRect/>
+          </a:stretch>
+        </p:blipFill>
+        <p:spPr>
+          <a:xfrm>
+            <a:off x="598243" y="1860586"/>
+            <a:ext cx="5953956" cy="409632"/>
+          </a:xfrm>
+          <a:prstGeom prst="rect">
+            <a:avLst/>
+          </a:prstGeom>
+        </p:spPr>
+      </p:pic>
+      <p:pic>
+        <p:nvPicPr>
+          <p:cNvPr id="6" name="그림 5">
+            <a:extLst>
+              <a:ext uri="{FF2B5EF4-FFF2-40B4-BE49-F238E27FC236}">
+                <a16:creationId xmlns:a16="http://schemas.microsoft.com/office/drawing/2014/main" id="{73DBF341-1148-43E3-B13E-F332F11EC7D9}"/>
+              </a:ext>
+            </a:extLst>
+          </p:cNvPr>
+          <p:cNvPicPr>
+            <a:picLocks noChangeAspect="1"/>
+          </p:cNvPicPr>
+          <p:nvPr/>
+        </p:nvPicPr>
+        <p:blipFill>
+          <a:blip r:embed="rId3"/>
+          <a:stretch>
+            <a:fillRect/>
+          </a:stretch>
+        </p:blipFill>
+        <p:spPr>
+          <a:xfrm>
+            <a:off x="7417590" y="1860586"/>
+            <a:ext cx="2810267" cy="828791"/>
+          </a:xfrm>
+          <a:prstGeom prst="rect">
+            <a:avLst/>
+          </a:prstGeom>
+        </p:spPr>
+      </p:pic>
+    </p:spTree>
+    <p:extLst>
+      <p:ext uri="{BB962C8B-B14F-4D97-AF65-F5344CB8AC3E}">
+        <p14:creationId xmlns:p14="http://schemas.microsoft.com/office/powerpoint/2010/main" val="1843526522"/>
+      </p:ext>
+    </p:extLst>
+  </p:cSld>
+  <p:clrMapOvr>
+    <a:masterClrMapping/>
+  </p:clrMapOvr>
+</p:sld>
+</file>
+
+<file path=ppt/slides/slide23.xml><?xml version="1.0" encoding="utf-8"?>
+<p:sld xmlns:a="http://schemas.openxmlformats.org/drawingml/2006/main" xmlns:r="http://schemas.openxmlformats.org/officeDocument/2006/relationships" xmlns:p="http://schemas.openxmlformats.org/presentationml/2006/main">
+  <p:cSld>
+    <p:spTree>
+      <p:nvGrpSpPr>
+        <p:cNvPr id="1" name=""/>
+        <p:cNvGrpSpPr/>
+        <p:nvPr/>
+      </p:nvGrpSpPr>
+      <p:grpSpPr>
+        <a:xfrm>
+          <a:off x="0" y="0"/>
+          <a:ext cx="0" cy="0"/>
+          <a:chOff x="0" y="0"/>
+          <a:chExt cx="0" cy="0"/>
+        </a:xfrm>
+      </p:grpSpPr>
+      <p:sp>
+        <p:nvSpPr>
+          <p:cNvPr id="2" name="제목 1">
+            <a:extLst>
+              <a:ext uri="{FF2B5EF4-FFF2-40B4-BE49-F238E27FC236}">
+                <a16:creationId xmlns:a16="http://schemas.microsoft.com/office/drawing/2014/main" id="{6288A59E-D075-4BB2-A9F0-AFF84508EDAA}"/>
+              </a:ext>
+            </a:extLst>
+          </p:cNvPr>
+          <p:cNvSpPr>
+            <a:spLocks noGrp="1"/>
+          </p:cNvSpPr>
+          <p:nvPr>
+            <p:ph type="title"/>
+          </p:nvPr>
+        </p:nvSpPr>
+        <p:spPr/>
+        <p:txBody>
+          <a:bodyPr/>
+          <a:lstStyle/>
+          <a:p>
+            <a:r>
+              <a:rPr lang="en-US" altLang="ko-KR" dirty="0"/>
+              <a:t>BatchNorm2D</a:t>
+            </a:r>
+            <a:endParaRPr lang="ko-KR" altLang="en-US" dirty="0"/>
+          </a:p>
+        </p:txBody>
+      </p:sp>
+      <p:pic>
+        <p:nvPicPr>
+          <p:cNvPr id="4" name="내용 개체 틀 3">
+            <a:extLst>
+              <a:ext uri="{FF2B5EF4-FFF2-40B4-BE49-F238E27FC236}">
+                <a16:creationId xmlns:a16="http://schemas.microsoft.com/office/drawing/2014/main" id="{B0658806-6678-41B3-8566-DB55ED23C3A3}"/>
+              </a:ext>
+            </a:extLst>
+          </p:cNvPr>
+          <p:cNvPicPr>
+            <a:picLocks noGrp="1" noChangeAspect="1"/>
+          </p:cNvPicPr>
+          <p:nvPr>
+            <p:ph idx="1"/>
+          </p:nvPr>
+        </p:nvPicPr>
+        <p:blipFill>
+          <a:blip r:embed="rId2"/>
+          <a:stretch>
+            <a:fillRect/>
+          </a:stretch>
+        </p:blipFill>
+        <p:spPr>
+          <a:xfrm>
+            <a:off x="838200" y="1690688"/>
+            <a:ext cx="6154009" cy="685896"/>
+          </a:xfrm>
+          <a:prstGeom prst="rect">
+            <a:avLst/>
+          </a:prstGeom>
+        </p:spPr>
+      </p:pic>
+      <p:pic>
+        <p:nvPicPr>
+          <p:cNvPr id="5" name="그림 4">
+            <a:extLst>
+              <a:ext uri="{FF2B5EF4-FFF2-40B4-BE49-F238E27FC236}">
+                <a16:creationId xmlns:a16="http://schemas.microsoft.com/office/drawing/2014/main" id="{50818F3B-2C92-4234-BCEB-45C7CF6C8D37}"/>
+              </a:ext>
+            </a:extLst>
+          </p:cNvPr>
+          <p:cNvPicPr>
+            <a:picLocks noChangeAspect="1"/>
+          </p:cNvPicPr>
+          <p:nvPr/>
+        </p:nvPicPr>
+        <p:blipFill>
+          <a:blip r:embed="rId3"/>
+          <a:stretch>
+            <a:fillRect/>
+          </a:stretch>
+        </p:blipFill>
+        <p:spPr>
+          <a:xfrm>
+            <a:off x="838200" y="3795521"/>
+            <a:ext cx="5019323" cy="1176744"/>
+          </a:xfrm>
+          <a:prstGeom prst="rect">
+            <a:avLst/>
+          </a:prstGeom>
+        </p:spPr>
+      </p:pic>
+      <p:pic>
+        <p:nvPicPr>
+          <p:cNvPr id="6" name="그림 5">
+            <a:extLst>
+              <a:ext uri="{FF2B5EF4-FFF2-40B4-BE49-F238E27FC236}">
+                <a16:creationId xmlns:a16="http://schemas.microsoft.com/office/drawing/2014/main" id="{85D86799-85F1-4535-BC8B-17A59ADD6450}"/>
+              </a:ext>
+            </a:extLst>
+          </p:cNvPr>
+          <p:cNvPicPr>
+            <a:picLocks noChangeAspect="1"/>
+          </p:cNvPicPr>
+          <p:nvPr/>
+        </p:nvPicPr>
+        <p:blipFill>
+          <a:blip r:embed="rId4"/>
+          <a:stretch>
+            <a:fillRect/>
+          </a:stretch>
+        </p:blipFill>
+        <p:spPr>
+          <a:xfrm>
+            <a:off x="838200" y="2352525"/>
+            <a:ext cx="7373379" cy="781159"/>
+          </a:xfrm>
+          <a:prstGeom prst="rect">
+            <a:avLst/>
+          </a:prstGeom>
+        </p:spPr>
+      </p:pic>
+      <p:pic>
+        <p:nvPicPr>
+          <p:cNvPr id="7" name="그림 6">
+            <a:extLst>
+              <a:ext uri="{FF2B5EF4-FFF2-40B4-BE49-F238E27FC236}">
+                <a16:creationId xmlns:a16="http://schemas.microsoft.com/office/drawing/2014/main" id="{9D9E995C-34A8-40E6-882F-68E9A3E88937}"/>
+              </a:ext>
+            </a:extLst>
+          </p:cNvPr>
+          <p:cNvPicPr>
+            <a:picLocks noChangeAspect="1"/>
+          </p:cNvPicPr>
+          <p:nvPr/>
+        </p:nvPicPr>
+        <p:blipFill>
+          <a:blip r:embed="rId5"/>
+          <a:stretch>
+            <a:fillRect/>
+          </a:stretch>
+        </p:blipFill>
+        <p:spPr>
+          <a:xfrm>
+            <a:off x="838200" y="4972265"/>
+            <a:ext cx="5340178" cy="1515291"/>
+          </a:xfrm>
+          <a:prstGeom prst="rect">
+            <a:avLst/>
+          </a:prstGeom>
+        </p:spPr>
+      </p:pic>
+    </p:spTree>
+    <p:extLst>
+      <p:ext uri="{BB962C8B-B14F-4D97-AF65-F5344CB8AC3E}">
+        <p14:creationId xmlns:p14="http://schemas.microsoft.com/office/powerpoint/2010/main" val="489346641"/>
+      </p:ext>
+    </p:extLst>
+  </p:cSld>
+  <p:clrMapOvr>
+    <a:masterClrMapping/>
+  </p:clrMapOvr>
+</p:sld>
+</file>
+
+<file path=ppt/slides/slide24.xml><?xml version="1.0" encoding="utf-8"?>
+<p:sld xmlns:a="http://schemas.openxmlformats.org/drawingml/2006/main" xmlns:r="http://schemas.openxmlformats.org/officeDocument/2006/relationships" xmlns:p="http://schemas.openxmlformats.org/presentationml/2006/main">
+  <p:cSld>
+    <p:spTree>
+      <p:nvGrpSpPr>
+        <p:cNvPr id="1" name=""/>
+        <p:cNvGrpSpPr/>
+        <p:nvPr/>
+      </p:nvGrpSpPr>
+      <p:grpSpPr>
+        <a:xfrm>
+          <a:off x="0" y="0"/>
+          <a:ext cx="0" cy="0"/>
+          <a:chOff x="0" y="0"/>
+          <a:chExt cx="0" cy="0"/>
+        </a:xfrm>
+      </p:grpSpPr>
+      <p:sp>
+        <p:nvSpPr>
+          <p:cNvPr id="2" name="제목 1">
+            <a:extLst>
+              <a:ext uri="{FF2B5EF4-FFF2-40B4-BE49-F238E27FC236}">
+                <a16:creationId xmlns:a16="http://schemas.microsoft.com/office/drawing/2014/main" id="{3ADAA84D-78B2-4221-9DFB-8F6D64F5395F}"/>
+              </a:ext>
+            </a:extLst>
+          </p:cNvPr>
+          <p:cNvSpPr>
+            <a:spLocks noGrp="1"/>
+          </p:cNvSpPr>
+          <p:nvPr>
+            <p:ph type="title"/>
+          </p:nvPr>
+        </p:nvSpPr>
+        <p:spPr/>
+        <p:txBody>
+          <a:bodyPr/>
+          <a:lstStyle/>
+          <a:p>
+            <a:r>
+              <a:rPr lang="en-US" altLang="ko-KR" dirty="0" err="1"/>
+              <a:t>Transforms.Compose</a:t>
+            </a:r>
+            <a:br>
+              <a:rPr lang="en-US" altLang="ko-KR" dirty="0"/>
+            </a:br>
+            <a:r>
+              <a:rPr lang="en-US" altLang="ko-KR" dirty="0" err="1"/>
+              <a:t>to_tensor</a:t>
+            </a:r>
+            <a:r>
+              <a:rPr lang="en-US" altLang="ko-KR" dirty="0"/>
+              <a:t>(pic)</a:t>
+            </a:r>
+            <a:endParaRPr lang="ko-KR" altLang="en-US" dirty="0"/>
+          </a:p>
+        </p:txBody>
+      </p:sp>
+      <p:pic>
+        <p:nvPicPr>
+          <p:cNvPr id="5" name="내용 개체 틀 4">
+            <a:extLst>
+              <a:ext uri="{FF2B5EF4-FFF2-40B4-BE49-F238E27FC236}">
+                <a16:creationId xmlns:a16="http://schemas.microsoft.com/office/drawing/2014/main" id="{627E8546-616A-41ED-89B3-AAF9D150F353}"/>
+              </a:ext>
+            </a:extLst>
+          </p:cNvPr>
+          <p:cNvPicPr>
+            <a:picLocks noGrp="1" noChangeAspect="1"/>
+          </p:cNvPicPr>
+          <p:nvPr>
+            <p:ph idx="1"/>
+          </p:nvPr>
+        </p:nvPicPr>
+        <p:blipFill>
+          <a:blip r:embed="rId2"/>
+          <a:stretch>
+            <a:fillRect/>
+          </a:stretch>
+        </p:blipFill>
+        <p:spPr>
+          <a:xfrm>
+            <a:off x="397970" y="1768681"/>
+            <a:ext cx="3982006" cy="428685"/>
+          </a:xfrm>
+          <a:prstGeom prst="rect">
+            <a:avLst/>
+          </a:prstGeom>
+        </p:spPr>
+      </p:pic>
+      <p:pic>
+        <p:nvPicPr>
+          <p:cNvPr id="7" name="그림 6">
+            <a:extLst>
+              <a:ext uri="{FF2B5EF4-FFF2-40B4-BE49-F238E27FC236}">
+                <a16:creationId xmlns:a16="http://schemas.microsoft.com/office/drawing/2014/main" id="{D9CBC8E5-6BA4-4D5F-BA60-F453A8ACC777}"/>
+              </a:ext>
+            </a:extLst>
+          </p:cNvPr>
+          <p:cNvPicPr>
+            <a:picLocks noChangeAspect="1"/>
+          </p:cNvPicPr>
+          <p:nvPr/>
+        </p:nvPicPr>
+        <p:blipFill>
+          <a:blip r:embed="rId3"/>
+          <a:stretch>
+            <a:fillRect/>
+          </a:stretch>
+        </p:blipFill>
+        <p:spPr>
+          <a:xfrm>
+            <a:off x="397970" y="2199425"/>
+            <a:ext cx="3972479" cy="428685"/>
+          </a:xfrm>
+          <a:prstGeom prst="rect">
+            <a:avLst/>
+          </a:prstGeom>
+        </p:spPr>
+      </p:pic>
+      <p:pic>
+        <p:nvPicPr>
+          <p:cNvPr id="8" name="그림 7">
+            <a:extLst>
+              <a:ext uri="{FF2B5EF4-FFF2-40B4-BE49-F238E27FC236}">
+                <a16:creationId xmlns:a16="http://schemas.microsoft.com/office/drawing/2014/main" id="{56594E9F-709C-490F-9649-345B85658C94}"/>
+              </a:ext>
+            </a:extLst>
+          </p:cNvPr>
+          <p:cNvPicPr>
+            <a:picLocks noChangeAspect="1"/>
+          </p:cNvPicPr>
+          <p:nvPr/>
+        </p:nvPicPr>
+        <p:blipFill>
+          <a:blip r:embed="rId4"/>
+          <a:stretch>
+            <a:fillRect/>
+          </a:stretch>
+        </p:blipFill>
+        <p:spPr>
+          <a:xfrm>
+            <a:off x="6936119" y="1876494"/>
+            <a:ext cx="3839111" cy="847843"/>
+          </a:xfrm>
+          <a:prstGeom prst="rect">
+            <a:avLst/>
+          </a:prstGeom>
+        </p:spPr>
+      </p:pic>
+      <p:pic>
+        <p:nvPicPr>
+          <p:cNvPr id="3" name="그림 2">
+            <a:extLst>
+              <a:ext uri="{FF2B5EF4-FFF2-40B4-BE49-F238E27FC236}">
+                <a16:creationId xmlns:a16="http://schemas.microsoft.com/office/drawing/2014/main" id="{620BBD84-2687-459C-89DE-6D49415B828B}"/>
+              </a:ext>
+            </a:extLst>
+          </p:cNvPr>
+          <p:cNvPicPr>
+            <a:picLocks noChangeAspect="1"/>
+          </p:cNvPicPr>
+          <p:nvPr/>
+        </p:nvPicPr>
+        <p:blipFill>
+          <a:blip r:embed="rId5"/>
+          <a:stretch>
+            <a:fillRect/>
+          </a:stretch>
+        </p:blipFill>
+        <p:spPr>
+          <a:xfrm>
+            <a:off x="397970" y="2809969"/>
+            <a:ext cx="4948435" cy="2362663"/>
+          </a:xfrm>
+          <a:prstGeom prst="rect">
+            <a:avLst/>
+          </a:prstGeom>
+        </p:spPr>
+      </p:pic>
+    </p:spTree>
+    <p:extLst>
+      <p:ext uri="{BB962C8B-B14F-4D97-AF65-F5344CB8AC3E}">
+        <p14:creationId xmlns:p14="http://schemas.microsoft.com/office/powerpoint/2010/main" val="2801690279"/>
+      </p:ext>
+    </p:extLst>
+  </p:cSld>
+  <p:clrMapOvr>
+    <a:masterClrMapping/>
+  </p:clrMapOvr>
+</p:sld>
+</file>
+
+<file path=ppt/slides/slide25.xml><?xml version="1.0" encoding="utf-8"?>
+<p:sld xmlns:a="http://schemas.openxmlformats.org/drawingml/2006/main" xmlns:r="http://schemas.openxmlformats.org/officeDocument/2006/relationships" xmlns:p="http://schemas.openxmlformats.org/presentationml/2006/main">
+  <p:cSld>
+    <p:spTree>
+      <p:nvGrpSpPr>
+        <p:cNvPr id="1" name=""/>
+        <p:cNvGrpSpPr/>
+        <p:nvPr/>
+      </p:nvGrpSpPr>
+      <p:grpSpPr>
+        <a:xfrm>
+          <a:off x="0" y="0"/>
+          <a:ext cx="0" cy="0"/>
+          <a:chOff x="0" y="0"/>
+          <a:chExt cx="0" cy="0"/>
+        </a:xfrm>
+      </p:grpSpPr>
+      <p:sp>
+        <p:nvSpPr>
+          <p:cNvPr id="2" name="제목 1">
+            <a:extLst>
+              <a:ext uri="{FF2B5EF4-FFF2-40B4-BE49-F238E27FC236}">
+                <a16:creationId xmlns:a16="http://schemas.microsoft.com/office/drawing/2014/main" id="{E1B5D305-C747-48A6-B2EE-139BB4CCCF83}"/>
+              </a:ext>
+            </a:extLst>
+          </p:cNvPr>
+          <p:cNvSpPr>
+            <a:spLocks noGrp="1"/>
+          </p:cNvSpPr>
+          <p:nvPr>
+            <p:ph type="title"/>
+          </p:nvPr>
+        </p:nvSpPr>
+        <p:spPr/>
+        <p:txBody>
+          <a:bodyPr/>
+          <a:lstStyle/>
+          <a:p>
+            <a:r>
+              <a:rPr lang="en-US" altLang="ko-KR" dirty="0" err="1"/>
+              <a:t>Manual_seed</a:t>
+            </a:r>
+            <a:endParaRPr lang="ko-KR" altLang="en-US" dirty="0"/>
+          </a:p>
+        </p:txBody>
+      </p:sp>
+      <p:pic>
+        <p:nvPicPr>
+          <p:cNvPr id="4" name="내용 개체 틀 3">
+            <a:extLst>
+              <a:ext uri="{FF2B5EF4-FFF2-40B4-BE49-F238E27FC236}">
+                <a16:creationId xmlns:a16="http://schemas.microsoft.com/office/drawing/2014/main" id="{6A20E074-6D20-4354-89FC-12D90EE64843}"/>
+              </a:ext>
+            </a:extLst>
+          </p:cNvPr>
+          <p:cNvPicPr>
+            <a:picLocks noGrp="1" noChangeAspect="1"/>
+          </p:cNvPicPr>
+          <p:nvPr>
+            <p:ph idx="1"/>
+          </p:nvPr>
+        </p:nvPicPr>
+        <p:blipFill>
+          <a:blip r:embed="rId2"/>
+          <a:stretch>
+            <a:fillRect/>
+          </a:stretch>
+        </p:blipFill>
+        <p:spPr>
+          <a:xfrm>
+            <a:off x="611774" y="2088668"/>
+            <a:ext cx="2038635" cy="447737"/>
+          </a:xfrm>
+          <a:prstGeom prst="rect">
+            <a:avLst/>
+          </a:prstGeom>
+        </p:spPr>
+      </p:pic>
+      <p:pic>
+        <p:nvPicPr>
+          <p:cNvPr id="5" name="그림 4">
+            <a:extLst>
+              <a:ext uri="{FF2B5EF4-FFF2-40B4-BE49-F238E27FC236}">
+                <a16:creationId xmlns:a16="http://schemas.microsoft.com/office/drawing/2014/main" id="{9AD6884F-8D37-422D-9AA3-8ED8D2B8E55E}"/>
+              </a:ext>
+            </a:extLst>
+          </p:cNvPr>
+          <p:cNvPicPr>
+            <a:picLocks noChangeAspect="1"/>
+          </p:cNvPicPr>
+          <p:nvPr/>
+        </p:nvPicPr>
+        <p:blipFill>
+          <a:blip r:embed="rId3"/>
+          <a:stretch>
+            <a:fillRect/>
+          </a:stretch>
+        </p:blipFill>
+        <p:spPr>
+          <a:xfrm>
+            <a:off x="6246223" y="2164878"/>
+            <a:ext cx="1676634" cy="743054"/>
+          </a:xfrm>
+          <a:prstGeom prst="rect">
+            <a:avLst/>
+          </a:prstGeom>
+        </p:spPr>
+      </p:pic>
+    </p:spTree>
+    <p:extLst>
+      <p:ext uri="{BB962C8B-B14F-4D97-AF65-F5344CB8AC3E}">
+        <p14:creationId xmlns:p14="http://schemas.microsoft.com/office/powerpoint/2010/main" val="1316485424"/>
+      </p:ext>
+    </p:extLst>
+  </p:cSld>
+  <p:clrMapOvr>
+    <a:masterClrMapping/>
+  </p:clrMapOvr>
+</p:sld>
+</file>
+
+<file path=ppt/slides/slide26.xml><?xml version="1.0" encoding="utf-8"?>
+<p:sld xmlns:a="http://schemas.openxmlformats.org/drawingml/2006/main" xmlns:r="http://schemas.openxmlformats.org/officeDocument/2006/relationships" xmlns:p="http://schemas.openxmlformats.org/presentationml/2006/main">
+  <p:cSld>
+    <p:spTree>
+      <p:nvGrpSpPr>
+        <p:cNvPr id="1" name=""/>
+        <p:cNvGrpSpPr/>
+        <p:nvPr/>
+      </p:nvGrpSpPr>
+      <p:grpSpPr>
+        <a:xfrm>
+          <a:off x="0" y="0"/>
+          <a:ext cx="0" cy="0"/>
+          <a:chOff x="0" y="0"/>
+          <a:chExt cx="0" cy="0"/>
+        </a:xfrm>
+      </p:grpSpPr>
+      <p:sp>
+        <p:nvSpPr>
+          <p:cNvPr id="2" name="제목 1">
+            <a:extLst>
+              <a:ext uri="{FF2B5EF4-FFF2-40B4-BE49-F238E27FC236}">
+                <a16:creationId xmlns:a16="http://schemas.microsoft.com/office/drawing/2014/main" id="{E0C3CE51-08DC-4DCB-8A4E-7549DA91AF8C}"/>
+              </a:ext>
+            </a:extLst>
+          </p:cNvPr>
+          <p:cNvSpPr>
+            <a:spLocks noGrp="1"/>
+          </p:cNvSpPr>
+          <p:nvPr>
+            <p:ph type="title"/>
+          </p:nvPr>
+        </p:nvSpPr>
+        <p:spPr/>
+        <p:txBody>
+          <a:bodyPr/>
+          <a:lstStyle/>
+          <a:p>
+            <a:r>
+              <a:rPr lang="en-US" altLang="ko-KR" dirty="0" err="1"/>
+              <a:t>Optim.Adam</a:t>
+            </a:r>
+            <a:r>
+              <a:rPr lang="en-US" altLang="ko-KR" dirty="0"/>
+              <a:t>(</a:t>
+            </a:r>
+            <a:r>
+              <a:rPr lang="en-US" altLang="ko-KR" dirty="0" err="1"/>
+              <a:t>model.parameters</a:t>
+            </a:r>
+            <a:r>
+              <a:rPr lang="en-US" altLang="ko-KR" dirty="0"/>
+              <a:t> …)</a:t>
+            </a:r>
+            <a:endParaRPr lang="ko-KR" altLang="en-US" dirty="0"/>
+          </a:p>
+        </p:txBody>
+      </p:sp>
+      <p:pic>
+        <p:nvPicPr>
+          <p:cNvPr id="4" name="내용 개체 틀 3">
+            <a:extLst>
+              <a:ext uri="{FF2B5EF4-FFF2-40B4-BE49-F238E27FC236}">
+                <a16:creationId xmlns:a16="http://schemas.microsoft.com/office/drawing/2014/main" id="{502594C1-DC21-47B1-9B63-B51D78403B9A}"/>
+              </a:ext>
+            </a:extLst>
+          </p:cNvPr>
+          <p:cNvPicPr>
+            <a:picLocks noGrp="1" noChangeAspect="1"/>
+          </p:cNvPicPr>
+          <p:nvPr>
+            <p:ph idx="1"/>
+          </p:nvPr>
+        </p:nvPicPr>
+        <p:blipFill>
+          <a:blip r:embed="rId2"/>
+          <a:stretch>
+            <a:fillRect/>
+          </a:stretch>
+        </p:blipFill>
+        <p:spPr>
+          <a:xfrm>
+            <a:off x="366064" y="1690688"/>
+            <a:ext cx="5306165" cy="457264"/>
+          </a:xfrm>
+          <a:prstGeom prst="rect">
+            <a:avLst/>
+          </a:prstGeom>
+        </p:spPr>
+      </p:pic>
+      <p:pic>
+        <p:nvPicPr>
+          <p:cNvPr id="5" name="그림 4">
+            <a:extLst>
+              <a:ext uri="{FF2B5EF4-FFF2-40B4-BE49-F238E27FC236}">
+                <a16:creationId xmlns:a16="http://schemas.microsoft.com/office/drawing/2014/main" id="{0B2085F2-397D-4211-B07B-FDBD6BF1BAEB}"/>
+              </a:ext>
+            </a:extLst>
+          </p:cNvPr>
+          <p:cNvPicPr>
+            <a:picLocks noChangeAspect="1"/>
+          </p:cNvPicPr>
+          <p:nvPr/>
+        </p:nvPicPr>
+        <p:blipFill>
+          <a:blip r:embed="rId3"/>
+          <a:stretch>
+            <a:fillRect/>
+          </a:stretch>
+        </p:blipFill>
+        <p:spPr>
+          <a:xfrm>
+            <a:off x="6137189" y="1782625"/>
+            <a:ext cx="5458587" cy="962159"/>
+          </a:xfrm>
+          <a:prstGeom prst="rect">
+            <a:avLst/>
+          </a:prstGeom>
+        </p:spPr>
+      </p:pic>
+      <p:pic>
+        <p:nvPicPr>
+          <p:cNvPr id="6" name="그림 5">
+            <a:extLst>
+              <a:ext uri="{FF2B5EF4-FFF2-40B4-BE49-F238E27FC236}">
+                <a16:creationId xmlns:a16="http://schemas.microsoft.com/office/drawing/2014/main" id="{78B0F8EB-AEB3-461F-8224-D116E12C6B47}"/>
+              </a:ext>
+            </a:extLst>
+          </p:cNvPr>
+          <p:cNvPicPr>
+            <a:picLocks noChangeAspect="1"/>
+          </p:cNvPicPr>
+          <p:nvPr/>
+        </p:nvPicPr>
+        <p:blipFill>
+          <a:blip r:embed="rId4"/>
+          <a:stretch>
+            <a:fillRect/>
+          </a:stretch>
+        </p:blipFill>
+        <p:spPr>
+          <a:xfrm>
+            <a:off x="300161" y="2147952"/>
+            <a:ext cx="5591376" cy="596832"/>
+          </a:xfrm>
+          <a:prstGeom prst="rect">
+            <a:avLst/>
+          </a:prstGeom>
+        </p:spPr>
+      </p:pic>
+      <p:sp>
+        <p:nvSpPr>
+          <p:cNvPr id="7" name="직사각형 6">
+            <a:extLst>
+              <a:ext uri="{FF2B5EF4-FFF2-40B4-BE49-F238E27FC236}">
+                <a16:creationId xmlns:a16="http://schemas.microsoft.com/office/drawing/2014/main" id="{B11AEB9F-E721-4FE4-9ED3-ADB547FB30C6}"/>
+              </a:ext>
+            </a:extLst>
+          </p:cNvPr>
+          <p:cNvSpPr/>
+          <p:nvPr/>
+        </p:nvSpPr>
+        <p:spPr>
+          <a:xfrm>
+            <a:off x="300161" y="2832716"/>
+            <a:ext cx="5172185" cy="369332"/>
+          </a:xfrm>
+          <a:prstGeom prst="rect">
+            <a:avLst/>
+          </a:prstGeom>
+        </p:spPr>
+        <p:txBody>
+          <a:bodyPr wrap="none">
+            <a:spAutoFit/>
+          </a:bodyPr>
+          <a:lstStyle/>
+          <a:p>
+            <a:r>
+              <a:rPr lang="ko-KR" altLang="en-US" dirty="0"/>
+              <a:t>https://easy-going-programming.tistory.com/11</a:t>
+            </a:r>
+          </a:p>
+        </p:txBody>
+      </p:sp>
+    </p:spTree>
+    <p:extLst>
+      <p:ext uri="{BB962C8B-B14F-4D97-AF65-F5344CB8AC3E}">
+        <p14:creationId xmlns:p14="http://schemas.microsoft.com/office/powerpoint/2010/main" val="2931161234"/>
+      </p:ext>
+    </p:extLst>
+  </p:cSld>
+  <p:clrMapOvr>
+    <a:masterClrMapping/>
+  </p:clrMapOvr>
+</p:sld>
+</file>
+
+<file path=ppt/slides/slide27.xml><?xml version="1.0" encoding="utf-8"?>
+<p:sld xmlns:a="http://schemas.openxmlformats.org/drawingml/2006/main" xmlns:r="http://schemas.openxmlformats.org/officeDocument/2006/relationships" xmlns:p="http://schemas.openxmlformats.org/presentationml/2006/main">
+  <p:cSld>
+    <p:spTree>
+      <p:nvGrpSpPr>
+        <p:cNvPr id="1" name=""/>
+        <p:cNvGrpSpPr/>
+        <p:nvPr/>
+      </p:nvGrpSpPr>
+      <p:grpSpPr>
+        <a:xfrm>
+          <a:off x="0" y="0"/>
+          <a:ext cx="0" cy="0"/>
+          <a:chOff x="0" y="0"/>
+          <a:chExt cx="0" cy="0"/>
+        </a:xfrm>
+      </p:grpSpPr>
+      <p:sp>
+        <p:nvSpPr>
+          <p:cNvPr id="2" name="제목 1">
+            <a:extLst>
+              <a:ext uri="{FF2B5EF4-FFF2-40B4-BE49-F238E27FC236}">
+                <a16:creationId xmlns:a16="http://schemas.microsoft.com/office/drawing/2014/main" id="{624998DC-2B5E-4D84-868B-68953D7E50E7}"/>
+              </a:ext>
+            </a:extLst>
+          </p:cNvPr>
+          <p:cNvSpPr>
+            <a:spLocks noGrp="1"/>
+          </p:cNvSpPr>
+          <p:nvPr>
+            <p:ph type="title"/>
+          </p:nvPr>
+        </p:nvSpPr>
+        <p:spPr/>
+        <p:txBody>
+          <a:bodyPr/>
+          <a:lstStyle/>
+          <a:p>
+            <a:r>
+              <a:rPr lang="en-US" altLang="ko-KR" dirty="0" err="1"/>
+              <a:t>LearningRateScheduler.STEPLR</a:t>
+            </a:r>
+            <a:br>
+              <a:rPr lang="en-US" altLang="ko-KR" dirty="0"/>
+            </a:br>
+            <a:r>
+              <a:rPr lang="ko-KR" altLang="en-US" dirty="0"/>
+              <a:t>지수 기반 스케줄링</a:t>
+            </a:r>
+          </a:p>
+        </p:txBody>
+      </p:sp>
+      <p:pic>
+        <p:nvPicPr>
+          <p:cNvPr id="4" name="내용 개체 틀 3">
+            <a:extLst>
+              <a:ext uri="{FF2B5EF4-FFF2-40B4-BE49-F238E27FC236}">
+                <a16:creationId xmlns:a16="http://schemas.microsoft.com/office/drawing/2014/main" id="{A13C65F6-0BBF-4330-BCFC-D3DD2283E671}"/>
+              </a:ext>
+            </a:extLst>
+          </p:cNvPr>
+          <p:cNvPicPr>
+            <a:picLocks noGrp="1" noChangeAspect="1"/>
+          </p:cNvPicPr>
+          <p:nvPr>
+            <p:ph idx="1"/>
+          </p:nvPr>
+        </p:nvPicPr>
+        <p:blipFill>
+          <a:blip r:embed="rId2"/>
+          <a:stretch>
+            <a:fillRect/>
+          </a:stretch>
+        </p:blipFill>
+        <p:spPr>
+          <a:xfrm>
+            <a:off x="6715842" y="1690688"/>
+            <a:ext cx="4477375" cy="466790"/>
+          </a:xfrm>
+          <a:prstGeom prst="rect">
+            <a:avLst/>
+          </a:prstGeom>
+        </p:spPr>
+      </p:pic>
+      <p:pic>
+        <p:nvPicPr>
+          <p:cNvPr id="5" name="그림 4">
+            <a:extLst>
+              <a:ext uri="{FF2B5EF4-FFF2-40B4-BE49-F238E27FC236}">
+                <a16:creationId xmlns:a16="http://schemas.microsoft.com/office/drawing/2014/main" id="{DF536410-3AA7-439D-8822-D09A5894C9A3}"/>
+              </a:ext>
+            </a:extLst>
+          </p:cNvPr>
+          <p:cNvPicPr>
+            <a:picLocks noChangeAspect="1"/>
+          </p:cNvPicPr>
+          <p:nvPr/>
+        </p:nvPicPr>
+        <p:blipFill>
+          <a:blip r:embed="rId3"/>
+          <a:stretch>
+            <a:fillRect/>
+          </a:stretch>
+        </p:blipFill>
+        <p:spPr>
+          <a:xfrm>
+            <a:off x="420303" y="1690688"/>
+            <a:ext cx="6134956" cy="543001"/>
+          </a:xfrm>
+          <a:prstGeom prst="rect">
+            <a:avLst/>
+          </a:prstGeom>
+        </p:spPr>
+      </p:pic>
+      <p:pic>
+        <p:nvPicPr>
+          <p:cNvPr id="3" name="그림 2">
+            <a:extLst>
+              <a:ext uri="{FF2B5EF4-FFF2-40B4-BE49-F238E27FC236}">
+                <a16:creationId xmlns:a16="http://schemas.microsoft.com/office/drawing/2014/main" id="{C1D88134-E17B-421C-BC2B-B904D77A8BDD}"/>
+              </a:ext>
+            </a:extLst>
+          </p:cNvPr>
+          <p:cNvPicPr>
+            <a:picLocks noChangeAspect="1"/>
+          </p:cNvPicPr>
+          <p:nvPr/>
+        </p:nvPicPr>
+        <p:blipFill>
+          <a:blip r:embed="rId4"/>
+          <a:stretch>
+            <a:fillRect/>
+          </a:stretch>
+        </p:blipFill>
+        <p:spPr>
+          <a:xfrm>
+            <a:off x="587471" y="2233689"/>
+            <a:ext cx="5382376" cy="676369"/>
+          </a:xfrm>
+          <a:prstGeom prst="rect">
+            <a:avLst/>
+          </a:prstGeom>
+        </p:spPr>
+      </p:pic>
+      <p:pic>
+        <p:nvPicPr>
+          <p:cNvPr id="6" name="그림 5">
+            <a:extLst>
+              <a:ext uri="{FF2B5EF4-FFF2-40B4-BE49-F238E27FC236}">
+                <a16:creationId xmlns:a16="http://schemas.microsoft.com/office/drawing/2014/main" id="{0964953B-D220-48B3-BBA4-D968B1EAC4FD}"/>
+              </a:ext>
+            </a:extLst>
+          </p:cNvPr>
+          <p:cNvPicPr>
+            <a:picLocks noChangeAspect="1"/>
+          </p:cNvPicPr>
+          <p:nvPr/>
+        </p:nvPicPr>
+        <p:blipFill>
+          <a:blip r:embed="rId5"/>
+          <a:stretch>
+            <a:fillRect/>
+          </a:stretch>
+        </p:blipFill>
+        <p:spPr>
+          <a:xfrm>
+            <a:off x="6715842" y="2157478"/>
+            <a:ext cx="4398480" cy="774970"/>
+          </a:xfrm>
+          <a:prstGeom prst="rect">
+            <a:avLst/>
+          </a:prstGeom>
+        </p:spPr>
+      </p:pic>
+      <p:pic>
+        <p:nvPicPr>
+          <p:cNvPr id="7" name="그림 6">
+            <a:extLst>
+              <a:ext uri="{FF2B5EF4-FFF2-40B4-BE49-F238E27FC236}">
+                <a16:creationId xmlns:a16="http://schemas.microsoft.com/office/drawing/2014/main" id="{8C4FD674-F426-4EAF-8242-2FB1C48B8D95}"/>
+              </a:ext>
+            </a:extLst>
+          </p:cNvPr>
+          <p:cNvPicPr>
+            <a:picLocks noChangeAspect="1"/>
+          </p:cNvPicPr>
+          <p:nvPr/>
+        </p:nvPicPr>
+        <p:blipFill>
+          <a:blip r:embed="rId6"/>
+          <a:stretch>
+            <a:fillRect/>
+          </a:stretch>
+        </p:blipFill>
+        <p:spPr>
+          <a:xfrm>
+            <a:off x="6715842" y="2910058"/>
+            <a:ext cx="5023077" cy="528353"/>
+          </a:xfrm>
+          <a:prstGeom prst="rect">
+            <a:avLst/>
+          </a:prstGeom>
+        </p:spPr>
+      </p:pic>
+    </p:spTree>
+    <p:extLst>
+      <p:ext uri="{BB962C8B-B14F-4D97-AF65-F5344CB8AC3E}">
+        <p14:creationId xmlns:p14="http://schemas.microsoft.com/office/powerpoint/2010/main" val="2811891702"/>
+      </p:ext>
+    </p:extLst>
+  </p:cSld>
+  <p:clrMapOvr>
+    <a:masterClrMapping/>
+  </p:clrMapOvr>
+</p:sld>
+</file>
+
+<file path=ppt/slides/slide28.xml><?xml version="1.0" encoding="utf-8"?>
+<p:sld xmlns:a="http://schemas.openxmlformats.org/drawingml/2006/main" xmlns:r="http://schemas.openxmlformats.org/officeDocument/2006/relationships" xmlns:p="http://schemas.openxmlformats.org/presentationml/2006/main">
+  <p:cSld>
+    <p:spTree>
+      <p:nvGrpSpPr>
+        <p:cNvPr id="1" name=""/>
+        <p:cNvGrpSpPr/>
+        <p:nvPr/>
+      </p:nvGrpSpPr>
+      <p:grpSpPr>
+        <a:xfrm>
+          <a:off x="0" y="0"/>
+          <a:ext cx="0" cy="0"/>
+          <a:chOff x="0" y="0"/>
+          <a:chExt cx="0" cy="0"/>
+        </a:xfrm>
+      </p:grpSpPr>
+      <p:sp>
+        <p:nvSpPr>
+          <p:cNvPr id="2" name="제목 1">
+            <a:extLst>
+              <a:ext uri="{FF2B5EF4-FFF2-40B4-BE49-F238E27FC236}">
+                <a16:creationId xmlns:a16="http://schemas.microsoft.com/office/drawing/2014/main" id="{478856D0-6C06-4155-BA1D-2B5F9880D4E8}"/>
+              </a:ext>
+            </a:extLst>
+          </p:cNvPr>
+          <p:cNvSpPr>
+            <a:spLocks noGrp="1"/>
+          </p:cNvSpPr>
+          <p:nvPr>
+            <p:ph type="title"/>
+          </p:nvPr>
+        </p:nvSpPr>
+        <p:spPr/>
+        <p:txBody>
+          <a:bodyPr/>
+          <a:lstStyle/>
+          <a:p>
+            <a:r>
+              <a:rPr lang="en-US" altLang="ko-KR" dirty="0" err="1"/>
+              <a:t>CrossEntropyLoss</a:t>
+            </a:r>
+            <a:endParaRPr lang="ko-KR" altLang="en-US" dirty="0"/>
+          </a:p>
+        </p:txBody>
+      </p:sp>
+      <p:pic>
+        <p:nvPicPr>
+          <p:cNvPr id="4" name="내용 개체 틀 3">
+            <a:extLst>
+              <a:ext uri="{FF2B5EF4-FFF2-40B4-BE49-F238E27FC236}">
+                <a16:creationId xmlns:a16="http://schemas.microsoft.com/office/drawing/2014/main" id="{C39FAE32-B023-44E7-82C6-2F0FEF4CE334}"/>
+              </a:ext>
+            </a:extLst>
+          </p:cNvPr>
+          <p:cNvPicPr>
+            <a:picLocks noGrp="1" noChangeAspect="1"/>
+          </p:cNvPicPr>
+          <p:nvPr>
+            <p:ph idx="1"/>
+          </p:nvPr>
+        </p:nvPicPr>
+        <p:blipFill>
+          <a:blip r:embed="rId2"/>
+          <a:stretch>
+            <a:fillRect/>
+          </a:stretch>
+        </p:blipFill>
+        <p:spPr>
+          <a:xfrm>
+            <a:off x="7854269" y="1579117"/>
+            <a:ext cx="3600953" cy="704948"/>
+          </a:xfrm>
+          <a:prstGeom prst="rect">
+            <a:avLst/>
+          </a:prstGeom>
+        </p:spPr>
+      </p:pic>
+      <p:pic>
+        <p:nvPicPr>
+          <p:cNvPr id="5" name="그림 4">
+            <a:extLst>
+              <a:ext uri="{FF2B5EF4-FFF2-40B4-BE49-F238E27FC236}">
+                <a16:creationId xmlns:a16="http://schemas.microsoft.com/office/drawing/2014/main" id="{2CA7B00B-C7B0-411F-9213-26584CE305DC}"/>
+              </a:ext>
+            </a:extLst>
+          </p:cNvPr>
+          <p:cNvPicPr>
+            <a:picLocks noChangeAspect="1"/>
+          </p:cNvPicPr>
+          <p:nvPr/>
+        </p:nvPicPr>
+        <p:blipFill>
+          <a:blip r:embed="rId3"/>
+          <a:stretch>
+            <a:fillRect/>
+          </a:stretch>
+        </p:blipFill>
+        <p:spPr>
+          <a:xfrm>
+            <a:off x="579582" y="1581862"/>
+            <a:ext cx="5925377" cy="590632"/>
+          </a:xfrm>
+          <a:prstGeom prst="rect">
+            <a:avLst/>
+          </a:prstGeom>
+        </p:spPr>
+      </p:pic>
+    </p:spTree>
+    <p:extLst>
+      <p:ext uri="{BB962C8B-B14F-4D97-AF65-F5344CB8AC3E}">
+        <p14:creationId xmlns:p14="http://schemas.microsoft.com/office/powerpoint/2010/main" val="215749030"/>
+      </p:ext>
+    </p:extLst>
+  </p:cSld>
+  <p:clrMapOvr>
+    <a:masterClrMapping/>
+  </p:clrMapOvr>
+</p:sld>
+</file>
+
 <file path=ppt/slides/slide3.xml><?xml version="1.0" encoding="utf-8"?>
 <p:sld xmlns:a="http://schemas.openxmlformats.org/drawingml/2006/main" xmlns:r="http://schemas.openxmlformats.org/officeDocument/2006/relationships" xmlns:p="http://schemas.openxmlformats.org/presentationml/2006/main">
   <p:cSld>
@@ -5515,7 +7173,7 @@
         </p:blipFill>
         <p:spPr>
           <a:xfrm>
-            <a:off x="5307942" y="1427870"/>
+            <a:off x="5316180" y="1667654"/>
             <a:ext cx="6354062" cy="447737"/>
           </a:xfrm>
           <a:prstGeom prst="rect">
@@ -5768,7 +7426,7 @@
           <p:cNvPr id="2" name="제목 1">
             <a:extLst>
               <a:ext uri="{FF2B5EF4-FFF2-40B4-BE49-F238E27FC236}">
-                <a16:creationId xmlns:a16="http://schemas.microsoft.com/office/drawing/2014/main" id="{B90A5DDB-0C6A-47F3-A48A-1E22A6AEB9AE}"/>
+                <a16:creationId xmlns:a16="http://schemas.microsoft.com/office/drawing/2014/main" id="{01278B68-4CAC-4CBF-A85F-578B1E9AA326}"/>
               </a:ext>
             </a:extLst>
           </p:cNvPr>
@@ -5785,8 +7443,24 @@
           <a:lstStyle/>
           <a:p>
             <a:r>
+              <a:rPr lang="en-US" altLang="ko-KR" dirty="0"/>
+              <a:t>Conv2D padding </a:t>
+            </a:r>
+            <a:r>
+              <a:rPr lang="ko-KR" altLang="en-US" dirty="0"/>
+              <a:t>구체화 </a:t>
+            </a:r>
+            <a:r>
+              <a:rPr lang="en-US" altLang="ko-KR" dirty="0"/>
+              <a:t>(</a:t>
+            </a:r>
+            <a:r>
               <a:rPr lang="en-US" altLang="ko-KR" dirty="0" err="1"/>
-              <a:t>nn.ModuleList</a:t>
+              <a:t>keras</a:t>
+            </a:r>
+            <a:r>
+              <a:rPr lang="en-US" altLang="ko-KR" dirty="0"/>
+              <a:t>)</a:t>
             </a:r>
             <a:endParaRPr lang="ko-KR" altLang="en-US" dirty="0"/>
           </a:p>
@@ -5794,10 +7468,10 @@
       </p:sp>
       <p:pic>
         <p:nvPicPr>
-          <p:cNvPr id="4" name="내용 개체 틀 3">
-            <a:extLst>
-              <a:ext uri="{FF2B5EF4-FFF2-40B4-BE49-F238E27FC236}">
-                <a16:creationId xmlns:a16="http://schemas.microsoft.com/office/drawing/2014/main" id="{2BA374F7-45D9-4A4B-9166-F3453D9FC51F}"/>
+          <p:cNvPr id="12" name="내용 개체 틀 11">
+            <a:extLst>
+              <a:ext uri="{FF2B5EF4-FFF2-40B4-BE49-F238E27FC236}">
+                <a16:creationId xmlns:a16="http://schemas.microsoft.com/office/drawing/2014/main" id="{B2C4165D-8F13-4973-A182-71071FAA5200}"/>
               </a:ext>
             </a:extLst>
           </p:cNvPr>
@@ -5816,18 +7490,89 @@
         </p:blipFill>
         <p:spPr>
           <a:xfrm>
-            <a:off x="623011" y="1452530"/>
-            <a:ext cx="3334215" cy="476316"/>
+            <a:off x="735605" y="1504348"/>
+            <a:ext cx="5360395" cy="5172433"/>
           </a:xfrm>
           <a:prstGeom prst="rect">
             <a:avLst/>
           </a:prstGeom>
         </p:spPr>
       </p:pic>
+      <p:sp>
+        <p:nvSpPr>
+          <p:cNvPr id="13" name="TextBox 12">
+            <a:extLst>
+              <a:ext uri="{FF2B5EF4-FFF2-40B4-BE49-F238E27FC236}">
+                <a16:creationId xmlns:a16="http://schemas.microsoft.com/office/drawing/2014/main" id="{8B5DE0CD-CA3A-42B8-8428-96BEA23FFDE8}"/>
+              </a:ext>
+            </a:extLst>
+          </p:cNvPr>
+          <p:cNvSpPr txBox="1"/>
+          <p:nvPr/>
+        </p:nvSpPr>
+        <p:spPr>
+          <a:xfrm>
+            <a:off x="6878595" y="2183027"/>
+            <a:ext cx="4228722" cy="646331"/>
+          </a:xfrm>
+          <a:prstGeom prst="rect">
+            <a:avLst/>
+          </a:prstGeom>
+          <a:noFill/>
+        </p:spPr>
+        <p:txBody>
+          <a:bodyPr wrap="none" rtlCol="0">
+            <a:spAutoFit/>
+          </a:bodyPr>
+          <a:lstStyle/>
+          <a:p>
+            <a:r>
+              <a:rPr lang="en-US" altLang="ko-KR" dirty="0"/>
+              <a:t>Torch</a:t>
+            </a:r>
+            <a:r>
+              <a:rPr lang="ko-KR" altLang="en-US" dirty="0"/>
+              <a:t>에서 </a:t>
+            </a:r>
+            <a:r>
+              <a:rPr lang="en-US" altLang="ko-KR" dirty="0"/>
+              <a:t>padding = (1,1)</a:t>
+            </a:r>
+            <a:r>
+              <a:rPr lang="ko-KR" altLang="en-US" dirty="0"/>
+              <a:t>을 </a:t>
+            </a:r>
+            <a:r>
+              <a:rPr lang="en-US" altLang="ko-KR" dirty="0" err="1"/>
+              <a:t>keras</a:t>
+            </a:r>
+            <a:r>
+              <a:rPr lang="ko-KR" altLang="en-US" dirty="0"/>
+              <a:t>에서</a:t>
+            </a:r>
+            <a:br>
+              <a:rPr lang="en-US" altLang="ko-KR" dirty="0"/>
+            </a:br>
+            <a:r>
+              <a:rPr lang="en-US" altLang="ko-KR" dirty="0"/>
+              <a:t>padding = ‘same’</a:t>
+            </a:r>
+            <a:r>
+              <a:rPr lang="ko-KR" altLang="en-US" dirty="0"/>
+              <a:t>으로 읽었다</a:t>
+            </a:r>
+            <a:r>
+              <a:rPr lang="en-US" altLang="ko-KR" dirty="0"/>
+              <a:t>.</a:t>
+            </a:r>
+            <a:endParaRPr lang="ko-KR" altLang="en-US" dirty="0"/>
+          </a:p>
+        </p:txBody>
+      </p:sp>
     </p:spTree>
     <p:extLst>
       <p:ext uri="{BB962C8B-B14F-4D97-AF65-F5344CB8AC3E}">
-        <p14:creationId xmlns:p14="http://schemas.microsoft.com/office/powerpoint/2010/main" val="2580170711"/>
+        <p14:creationId xmlns:p14="http://schemas.microsoft.com/office/powerpoint/2010/main" val="288017882"/>
       </p:ext>
     </p:extLst>
   </p:cSld>
@@ -5859,7 +7604,7 @@
           <p:cNvPr id="2" name="제목 1">
             <a:extLst>
               <a:ext uri="{FF2B5EF4-FFF2-40B4-BE49-F238E27FC236}">
-                <a16:creationId xmlns:a16="http://schemas.microsoft.com/office/drawing/2014/main" id="{92FF17E2-32BA-4F59-8E5A-F7E0AC3398D0}"/>
+                <a16:creationId xmlns:a16="http://schemas.microsoft.com/office/drawing/2014/main" id="{B90A5DDB-0C6A-47F3-A48A-1E22A6AEB9AE}"/>
               </a:ext>
             </a:extLst>
           </p:cNvPr>
@@ -5877,7 +7622,7 @@
           <a:p>
             <a:r>
               <a:rPr lang="en-US" altLang="ko-KR" dirty="0" err="1"/>
-              <a:t>ToTensor</a:t>
+              <a:t>nn.ModuleList</a:t>
             </a:r>
             <a:endParaRPr lang="ko-KR" altLang="en-US" dirty="0"/>
           </a:p>
@@ -5888,7 +7633,7 @@
           <p:cNvPr id="4" name="내용 개체 틀 3">
             <a:extLst>
               <a:ext uri="{FF2B5EF4-FFF2-40B4-BE49-F238E27FC236}">
-                <a16:creationId xmlns:a16="http://schemas.microsoft.com/office/drawing/2014/main" id="{32912E0A-D2B0-45E1-A2CE-5AB5F3CDC91F}"/>
+                <a16:creationId xmlns:a16="http://schemas.microsoft.com/office/drawing/2014/main" id="{2BA374F7-45D9-4A4B-9166-F3453D9FC51F}"/>
               </a:ext>
             </a:extLst>
           </p:cNvPr>
@@ -5907,38 +7652,8 @@
         </p:blipFill>
         <p:spPr>
           <a:xfrm>
-            <a:off x="838200" y="2156569"/>
-            <a:ext cx="4610743" cy="847843"/>
-          </a:xfrm>
-          <a:prstGeom prst="rect">
-            <a:avLst/>
-          </a:prstGeom>
-        </p:spPr>
-      </p:pic>
-      <p:pic>
-        <p:nvPicPr>
-          <p:cNvPr id="5" name="그림 4">
-            <a:extLst>
-              <a:ext uri="{FF2B5EF4-FFF2-40B4-BE49-F238E27FC236}">
-                <a16:creationId xmlns:a16="http://schemas.microsoft.com/office/drawing/2014/main" id="{571F5C28-04EF-43AF-A083-09BC86FDCDE0}"/>
-              </a:ext>
-            </a:extLst>
-          </p:cNvPr>
-          <p:cNvPicPr>
-            <a:picLocks noChangeAspect="1"/>
-          </p:cNvPicPr>
-          <p:nvPr/>
-        </p:nvPicPr>
-        <p:blipFill>
-          <a:blip r:embed="rId3"/>
-          <a:stretch>
-            <a:fillRect/>
-          </a:stretch>
-        </p:blipFill>
-        <p:spPr>
-          <a:xfrm>
-            <a:off x="838200" y="1678849"/>
-            <a:ext cx="4391638" cy="352474"/>
+            <a:off x="623011" y="1452530"/>
+            <a:ext cx="3334215" cy="476316"/>
           </a:xfrm>
           <a:prstGeom prst="rect">
             <a:avLst/>
@@ -5948,7 +7663,7 @@
     </p:spTree>
     <p:extLst>
       <p:ext uri="{BB962C8B-B14F-4D97-AF65-F5344CB8AC3E}">
-        <p14:creationId xmlns:p14="http://schemas.microsoft.com/office/powerpoint/2010/main" val="927519580"/>
+        <p14:creationId xmlns:p14="http://schemas.microsoft.com/office/powerpoint/2010/main" val="2580170711"/>
       </p:ext>
     </p:extLst>
   </p:cSld>
@@ -5980,7 +7695,7 @@
           <p:cNvPr id="2" name="제목 1">
             <a:extLst>
               <a:ext uri="{FF2B5EF4-FFF2-40B4-BE49-F238E27FC236}">
-                <a16:creationId xmlns:a16="http://schemas.microsoft.com/office/drawing/2014/main" id="{56337759-0795-48C9-BAE0-0B2FE3BF75FF}"/>
+                <a16:creationId xmlns:a16="http://schemas.microsoft.com/office/drawing/2014/main" id="{92FF17E2-32BA-4F59-8E5A-F7E0AC3398D0}"/>
               </a:ext>
             </a:extLst>
           </p:cNvPr>
@@ -5998,7 +7713,7 @@
           <a:p>
             <a:r>
               <a:rPr lang="en-US" altLang="ko-KR" dirty="0" err="1"/>
-              <a:t>argparse</a:t>
+              <a:t>ToTensor</a:t>
             </a:r>
             <a:endParaRPr lang="ko-KR" altLang="en-US" dirty="0"/>
           </a:p>
@@ -6009,7 +7724,7 @@
           <p:cNvPr id="4" name="내용 개체 틀 3">
             <a:extLst>
               <a:ext uri="{FF2B5EF4-FFF2-40B4-BE49-F238E27FC236}">
-                <a16:creationId xmlns:a16="http://schemas.microsoft.com/office/drawing/2014/main" id="{0AA8BF84-C0ED-496D-B950-F7D74E1EADC3}"/>
+                <a16:creationId xmlns:a16="http://schemas.microsoft.com/office/drawing/2014/main" id="{32912E0A-D2B0-45E1-A2CE-5AB5F3CDC91F}"/>
               </a:ext>
             </a:extLst>
           </p:cNvPr>
@@ -6028,8 +7743,8 @@
         </p:blipFill>
         <p:spPr>
           <a:xfrm>
-            <a:off x="838200" y="3404370"/>
-            <a:ext cx="5709783" cy="2879292"/>
+            <a:off x="838200" y="2156569"/>
+            <a:ext cx="4610743" cy="847843"/>
           </a:xfrm>
           <a:prstGeom prst="rect">
             <a:avLst/>
@@ -6041,7 +7756,7 @@
           <p:cNvPr id="5" name="그림 4">
             <a:extLst>
               <a:ext uri="{FF2B5EF4-FFF2-40B4-BE49-F238E27FC236}">
-                <a16:creationId xmlns:a16="http://schemas.microsoft.com/office/drawing/2014/main" id="{93B159B0-3325-4335-8147-75666C4CE832}"/>
+                <a16:creationId xmlns:a16="http://schemas.microsoft.com/office/drawing/2014/main" id="{571F5C28-04EF-43AF-A083-09BC86FDCDE0}"/>
               </a:ext>
             </a:extLst>
           </p:cNvPr>
@@ -6058,8 +7773,8 @@
         </p:blipFill>
         <p:spPr>
           <a:xfrm>
-            <a:off x="838200" y="1333208"/>
-            <a:ext cx="5563376" cy="2095792"/>
+            <a:off x="838200" y="1678849"/>
+            <a:ext cx="4391638" cy="352474"/>
           </a:xfrm>
           <a:prstGeom prst="rect">
             <a:avLst/>
@@ -6069,7 +7784,7 @@
     </p:spTree>
     <p:extLst>
       <p:ext uri="{BB962C8B-B14F-4D97-AF65-F5344CB8AC3E}">
-        <p14:creationId xmlns:p14="http://schemas.microsoft.com/office/powerpoint/2010/main" val="1756055378"/>
+        <p14:creationId xmlns:p14="http://schemas.microsoft.com/office/powerpoint/2010/main" val="927519580"/>
       </p:ext>
     </p:extLst>
   </p:cSld>
@@ -6101,7 +7816,7 @@
           <p:cNvPr id="2" name="제목 1">
             <a:extLst>
               <a:ext uri="{FF2B5EF4-FFF2-40B4-BE49-F238E27FC236}">
-                <a16:creationId xmlns:a16="http://schemas.microsoft.com/office/drawing/2014/main" id="{DFC46957-E08B-407C-B713-99BC1E6B5675}"/>
+                <a16:creationId xmlns:a16="http://schemas.microsoft.com/office/drawing/2014/main" id="{56337759-0795-48C9-BAE0-0B2FE3BF75FF}"/>
               </a:ext>
             </a:extLst>
           </p:cNvPr>
@@ -6118,8 +7833,8 @@
           <a:lstStyle/>
           <a:p>
             <a:r>
-              <a:rPr lang="en-US" altLang="ko-KR" dirty="0"/>
-              <a:t>Pad</a:t>
+              <a:rPr lang="en-US" altLang="ko-KR" dirty="0" err="1"/>
+              <a:t>argparse</a:t>
             </a:r>
             <a:endParaRPr lang="ko-KR" altLang="en-US" dirty="0"/>
           </a:p>
@@ -6130,7 +7845,7 @@
           <p:cNvPr id="4" name="내용 개체 틀 3">
             <a:extLst>
               <a:ext uri="{FF2B5EF4-FFF2-40B4-BE49-F238E27FC236}">
-                <a16:creationId xmlns:a16="http://schemas.microsoft.com/office/drawing/2014/main" id="{AA55C153-879C-407A-80FC-ECC3A3237419}"/>
+                <a16:creationId xmlns:a16="http://schemas.microsoft.com/office/drawing/2014/main" id="{0AA8BF84-C0ED-496D-B950-F7D74E1EADC3}"/>
               </a:ext>
             </a:extLst>
           </p:cNvPr>
@@ -6149,8 +7864,8 @@
         </p:blipFill>
         <p:spPr>
           <a:xfrm>
-            <a:off x="838200" y="1690688"/>
-            <a:ext cx="6173061" cy="447737"/>
+            <a:off x="838200" y="3404370"/>
+            <a:ext cx="5709783" cy="2879292"/>
           </a:xfrm>
           <a:prstGeom prst="rect">
             <a:avLst/>
@@ -6162,7 +7877,7 @@
           <p:cNvPr id="5" name="그림 4">
             <a:extLst>
               <a:ext uri="{FF2B5EF4-FFF2-40B4-BE49-F238E27FC236}">
-                <a16:creationId xmlns:a16="http://schemas.microsoft.com/office/drawing/2014/main" id="{7824AAC5-96B5-4C25-AC6F-45D23D2F7814}"/>
+                <a16:creationId xmlns:a16="http://schemas.microsoft.com/office/drawing/2014/main" id="{93B159B0-3325-4335-8147-75666C4CE832}"/>
               </a:ext>
             </a:extLst>
           </p:cNvPr>
@@ -6179,68 +7894,8 @@
         </p:blipFill>
         <p:spPr>
           <a:xfrm>
-            <a:off x="838200" y="2138425"/>
-            <a:ext cx="4896533" cy="504895"/>
-          </a:xfrm>
-          <a:prstGeom prst="rect">
-            <a:avLst/>
-          </a:prstGeom>
-        </p:spPr>
-      </p:pic>
-      <p:pic>
-        <p:nvPicPr>
-          <p:cNvPr id="6" name="그림 5">
-            <a:extLst>
-              <a:ext uri="{FF2B5EF4-FFF2-40B4-BE49-F238E27FC236}">
-                <a16:creationId xmlns:a16="http://schemas.microsoft.com/office/drawing/2014/main" id="{251D55D5-11E3-4104-B9B4-CBF23C6BDE39}"/>
-              </a:ext>
-            </a:extLst>
-          </p:cNvPr>
-          <p:cNvPicPr>
-            <a:picLocks noChangeAspect="1"/>
-          </p:cNvPicPr>
-          <p:nvPr/>
-        </p:nvPicPr>
-        <p:blipFill>
-          <a:blip r:embed="rId4"/>
-          <a:stretch>
-            <a:fillRect/>
-          </a:stretch>
-        </p:blipFill>
-        <p:spPr>
-          <a:xfrm>
-            <a:off x="838200" y="3377765"/>
-            <a:ext cx="5620534" cy="752580"/>
-          </a:xfrm>
-          <a:prstGeom prst="rect">
-            <a:avLst/>
-          </a:prstGeom>
-        </p:spPr>
-      </p:pic>
-      <p:pic>
-        <p:nvPicPr>
-          <p:cNvPr id="7" name="그림 6">
-            <a:extLst>
-              <a:ext uri="{FF2B5EF4-FFF2-40B4-BE49-F238E27FC236}">
-                <a16:creationId xmlns:a16="http://schemas.microsoft.com/office/drawing/2014/main" id="{147309E1-01AA-4B12-8594-D0BDD88A67FB}"/>
-              </a:ext>
-            </a:extLst>
-          </p:cNvPr>
-          <p:cNvPicPr>
-            <a:picLocks noChangeAspect="1"/>
-          </p:cNvPicPr>
-          <p:nvPr/>
-        </p:nvPicPr>
-        <p:blipFill>
-          <a:blip r:embed="rId5"/>
-          <a:stretch>
-            <a:fillRect/>
-          </a:stretch>
-        </p:blipFill>
-        <p:spPr>
-          <a:xfrm>
-            <a:off x="838200" y="4130345"/>
-            <a:ext cx="3498412" cy="2525880"/>
+            <a:off x="838200" y="1333208"/>
+            <a:ext cx="5563376" cy="2095792"/>
           </a:xfrm>
           <a:prstGeom prst="rect">
             <a:avLst/>
@@ -6250,7 +7905,7 @@
     </p:spTree>
     <p:extLst>
       <p:ext uri="{BB962C8B-B14F-4D97-AF65-F5344CB8AC3E}">
-        <p14:creationId xmlns:p14="http://schemas.microsoft.com/office/powerpoint/2010/main" val="2218113355"/>
+        <p14:creationId xmlns:p14="http://schemas.microsoft.com/office/powerpoint/2010/main" val="1756055378"/>
       </p:ext>
     </p:extLst>
   </p:cSld>

--- a/Tensorflow/TorchToKeras.pptx
+++ b/Tensorflow/TorchToKeras.pptx
@@ -33,6 +33,11 @@
     <p:sldId id="281" r:id="rId27"/>
     <p:sldId id="282" r:id="rId28"/>
     <p:sldId id="283" r:id="rId29"/>
+    <p:sldId id="284" r:id="rId30"/>
+    <p:sldId id="285" r:id="rId31"/>
+    <p:sldId id="286" r:id="rId32"/>
+    <p:sldId id="287" r:id="rId33"/>
+    <p:sldId id="288" r:id="rId34"/>
   </p:sldIdLst>
   <p:sldSz cx="12192000" cy="6858000"/>
   <p:notesSz cx="6858000" cy="9144000"/>
@@ -286,7 +291,7 @@
           <a:p>
             <a:fld id="{4965DC55-0E1B-43DD-B8EC-CFAD788C97AC}" type="datetimeFigureOut">
               <a:rPr lang="ko-KR" altLang="en-US" smtClean="0"/>
-              <a:t>2021-07-05</a:t>
+              <a:t>2021-07-08</a:t>
             </a:fld>
             <a:endParaRPr lang="ko-KR" altLang="en-US"/>
           </a:p>
@@ -484,7 +489,7 @@
           <a:p>
             <a:fld id="{4965DC55-0E1B-43DD-B8EC-CFAD788C97AC}" type="datetimeFigureOut">
               <a:rPr lang="ko-KR" altLang="en-US" smtClean="0"/>
-              <a:t>2021-07-05</a:t>
+              <a:t>2021-07-08</a:t>
             </a:fld>
             <a:endParaRPr lang="ko-KR" altLang="en-US"/>
           </a:p>
@@ -692,7 +697,7 @@
           <a:p>
             <a:fld id="{4965DC55-0E1B-43DD-B8EC-CFAD788C97AC}" type="datetimeFigureOut">
               <a:rPr lang="ko-KR" altLang="en-US" smtClean="0"/>
-              <a:t>2021-07-05</a:t>
+              <a:t>2021-07-08</a:t>
             </a:fld>
             <a:endParaRPr lang="ko-KR" altLang="en-US"/>
           </a:p>
@@ -890,7 +895,7 @@
           <a:p>
             <a:fld id="{4965DC55-0E1B-43DD-B8EC-CFAD788C97AC}" type="datetimeFigureOut">
               <a:rPr lang="ko-KR" altLang="en-US" smtClean="0"/>
-              <a:t>2021-07-05</a:t>
+              <a:t>2021-07-08</a:t>
             </a:fld>
             <a:endParaRPr lang="ko-KR" altLang="en-US"/>
           </a:p>
@@ -1165,7 +1170,7 @@
           <a:p>
             <a:fld id="{4965DC55-0E1B-43DD-B8EC-CFAD788C97AC}" type="datetimeFigureOut">
               <a:rPr lang="ko-KR" altLang="en-US" smtClean="0"/>
-              <a:t>2021-07-05</a:t>
+              <a:t>2021-07-08</a:t>
             </a:fld>
             <a:endParaRPr lang="ko-KR" altLang="en-US"/>
           </a:p>
@@ -1430,7 +1435,7 @@
           <a:p>
             <a:fld id="{4965DC55-0E1B-43DD-B8EC-CFAD788C97AC}" type="datetimeFigureOut">
               <a:rPr lang="ko-KR" altLang="en-US" smtClean="0"/>
-              <a:t>2021-07-05</a:t>
+              <a:t>2021-07-08</a:t>
             </a:fld>
             <a:endParaRPr lang="ko-KR" altLang="en-US"/>
           </a:p>
@@ -1842,7 +1847,7 @@
           <a:p>
             <a:fld id="{4965DC55-0E1B-43DD-B8EC-CFAD788C97AC}" type="datetimeFigureOut">
               <a:rPr lang="ko-KR" altLang="en-US" smtClean="0"/>
-              <a:t>2021-07-05</a:t>
+              <a:t>2021-07-08</a:t>
             </a:fld>
             <a:endParaRPr lang="ko-KR" altLang="en-US"/>
           </a:p>
@@ -1983,7 +1988,7 @@
           <a:p>
             <a:fld id="{4965DC55-0E1B-43DD-B8EC-CFAD788C97AC}" type="datetimeFigureOut">
               <a:rPr lang="ko-KR" altLang="en-US" smtClean="0"/>
-              <a:t>2021-07-05</a:t>
+              <a:t>2021-07-08</a:t>
             </a:fld>
             <a:endParaRPr lang="ko-KR" altLang="en-US"/>
           </a:p>
@@ -2096,7 +2101,7 @@
           <a:p>
             <a:fld id="{4965DC55-0E1B-43DD-B8EC-CFAD788C97AC}" type="datetimeFigureOut">
               <a:rPr lang="ko-KR" altLang="en-US" smtClean="0"/>
-              <a:t>2021-07-05</a:t>
+              <a:t>2021-07-08</a:t>
             </a:fld>
             <a:endParaRPr lang="ko-KR" altLang="en-US"/>
           </a:p>
@@ -2407,7 +2412,7 @@
           <a:p>
             <a:fld id="{4965DC55-0E1B-43DD-B8EC-CFAD788C97AC}" type="datetimeFigureOut">
               <a:rPr lang="ko-KR" altLang="en-US" smtClean="0"/>
-              <a:t>2021-07-05</a:t>
+              <a:t>2021-07-08</a:t>
             </a:fld>
             <a:endParaRPr lang="ko-KR" altLang="en-US"/>
           </a:p>
@@ -2695,7 +2700,7 @@
           <a:p>
             <a:fld id="{4965DC55-0E1B-43DD-B8EC-CFAD788C97AC}" type="datetimeFigureOut">
               <a:rPr lang="ko-KR" altLang="en-US" smtClean="0"/>
-              <a:t>2021-07-05</a:t>
+              <a:t>2021-07-08</a:t>
             </a:fld>
             <a:endParaRPr lang="ko-KR" altLang="en-US"/>
           </a:p>
@@ -2936,7 +2941,7 @@
           <a:p>
             <a:fld id="{4965DC55-0E1B-43DD-B8EC-CFAD788C97AC}" type="datetimeFigureOut">
               <a:rPr lang="ko-KR" altLang="en-US" smtClean="0"/>
-              <a:t>2021-07-05</a:t>
+              <a:t>2021-07-08</a:t>
             </a:fld>
             <a:endParaRPr lang="ko-KR" altLang="en-US"/>
           </a:p>
@@ -6669,6 +6674,253 @@
 </p:sld>
 </file>
 
+<file path=ppt/slides/slide29.xml><?xml version="1.0" encoding="utf-8"?>
+<p:sld xmlns:a="http://schemas.openxmlformats.org/drawingml/2006/main" xmlns:r="http://schemas.openxmlformats.org/officeDocument/2006/relationships" xmlns:p="http://schemas.openxmlformats.org/presentationml/2006/main">
+  <p:cSld>
+    <p:spTree>
+      <p:nvGrpSpPr>
+        <p:cNvPr id="1" name=""/>
+        <p:cNvGrpSpPr/>
+        <p:nvPr/>
+      </p:nvGrpSpPr>
+      <p:grpSpPr>
+        <a:xfrm>
+          <a:off x="0" y="0"/>
+          <a:ext cx="0" cy="0"/>
+          <a:chOff x="0" y="0"/>
+          <a:chExt cx="0" cy="0"/>
+        </a:xfrm>
+      </p:grpSpPr>
+      <p:sp>
+        <p:nvSpPr>
+          <p:cNvPr id="2" name="제목 1">
+            <a:extLst>
+              <a:ext uri="{FF2B5EF4-FFF2-40B4-BE49-F238E27FC236}">
+                <a16:creationId xmlns:a16="http://schemas.microsoft.com/office/drawing/2014/main" id="{2C635670-BD7B-45C2-84F5-F23D6F552B9E}"/>
+              </a:ext>
+            </a:extLst>
+          </p:cNvPr>
+          <p:cNvSpPr>
+            <a:spLocks noGrp="1"/>
+          </p:cNvSpPr>
+          <p:nvPr>
+            <p:ph type="title"/>
+          </p:nvPr>
+        </p:nvSpPr>
+        <p:spPr/>
+        <p:txBody>
+          <a:bodyPr/>
+          <a:lstStyle/>
+          <a:p>
+            <a:r>
+              <a:rPr lang="en-US" altLang="ko-KR" dirty="0"/>
+              <a:t>LSTM[0]</a:t>
+            </a:r>
+            <a:endParaRPr lang="ko-KR" altLang="en-US" dirty="0"/>
+          </a:p>
+        </p:txBody>
+      </p:sp>
+      <p:pic>
+        <p:nvPicPr>
+          <p:cNvPr id="4" name="내용 개체 틀 3">
+            <a:extLst>
+              <a:ext uri="{FF2B5EF4-FFF2-40B4-BE49-F238E27FC236}">
+                <a16:creationId xmlns:a16="http://schemas.microsoft.com/office/drawing/2014/main" id="{35AFAD15-71F2-45AF-9622-F7B7C5F26ABA}"/>
+              </a:ext>
+            </a:extLst>
+          </p:cNvPr>
+          <p:cNvPicPr>
+            <a:picLocks noGrp="1" noChangeAspect="1"/>
+          </p:cNvPicPr>
+          <p:nvPr>
+            <p:ph idx="1"/>
+          </p:nvPr>
+        </p:nvPicPr>
+        <p:blipFill>
+          <a:blip r:embed="rId2"/>
+          <a:stretch>
+            <a:fillRect/>
+          </a:stretch>
+        </p:blipFill>
+        <p:spPr>
+          <a:xfrm>
+            <a:off x="334919" y="1769599"/>
+            <a:ext cx="3696216" cy="3886742"/>
+          </a:xfrm>
+          <a:prstGeom prst="rect">
+            <a:avLst/>
+          </a:prstGeom>
+        </p:spPr>
+      </p:pic>
+      <p:cxnSp>
+        <p:nvCxnSpPr>
+          <p:cNvPr id="6" name="직선 화살표 연결선 5">
+            <a:extLst>
+              <a:ext uri="{FF2B5EF4-FFF2-40B4-BE49-F238E27FC236}">
+                <a16:creationId xmlns:a16="http://schemas.microsoft.com/office/drawing/2014/main" id="{07A5BB54-D009-470B-9C11-D1E21C4CFA64}"/>
+              </a:ext>
+            </a:extLst>
+          </p:cNvPr>
+          <p:cNvCxnSpPr/>
+          <p:nvPr/>
+        </p:nvCxnSpPr>
+        <p:spPr>
+          <a:xfrm flipH="1">
+            <a:off x="2496065" y="5305168"/>
+            <a:ext cx="2158313" cy="0"/>
+          </a:xfrm>
+          <a:prstGeom prst="straightConnector1">
+            <a:avLst/>
+          </a:prstGeom>
+          <a:ln>
+            <a:tailEnd type="triangle"/>
+          </a:ln>
+        </p:spPr>
+        <p:style>
+          <a:lnRef idx="1">
+            <a:schemeClr val="accent1"/>
+          </a:lnRef>
+          <a:fillRef idx="0">
+            <a:schemeClr val="accent1"/>
+          </a:fillRef>
+          <a:effectRef idx="0">
+            <a:schemeClr val="accent1"/>
+          </a:effectRef>
+          <a:fontRef idx="minor">
+            <a:schemeClr val="tx1"/>
+          </a:fontRef>
+        </p:style>
+      </p:cxnSp>
+      <p:sp>
+        <p:nvSpPr>
+          <p:cNvPr id="7" name="TextBox 6">
+            <a:extLst>
+              <a:ext uri="{FF2B5EF4-FFF2-40B4-BE49-F238E27FC236}">
+                <a16:creationId xmlns:a16="http://schemas.microsoft.com/office/drawing/2014/main" id="{31B0EC1A-382A-42E4-BEDE-987B865698D8}"/>
+              </a:ext>
+            </a:extLst>
+          </p:cNvPr>
+          <p:cNvSpPr txBox="1"/>
+          <p:nvPr/>
+        </p:nvSpPr>
+        <p:spPr>
+          <a:xfrm>
+            <a:off x="4779389" y="5120502"/>
+            <a:ext cx="2036135" cy="369332"/>
+          </a:xfrm>
+          <a:prstGeom prst="rect">
+            <a:avLst/>
+          </a:prstGeom>
+          <a:noFill/>
+        </p:spPr>
+        <p:txBody>
+          <a:bodyPr wrap="none" rtlCol="0">
+            <a:spAutoFit/>
+          </a:bodyPr>
+          <a:lstStyle/>
+          <a:p>
+            <a:r>
+              <a:rPr lang="en-US" altLang="ko-KR" dirty="0" err="1"/>
+              <a:t>Lstm.shape</a:t>
+            </a:r>
+            <a:r>
+              <a:rPr lang="ko-KR" altLang="en-US" dirty="0"/>
+              <a:t>결과임</a:t>
+            </a:r>
+          </a:p>
+        </p:txBody>
+      </p:sp>
+      <p:cxnSp>
+        <p:nvCxnSpPr>
+          <p:cNvPr id="8" name="직선 화살표 연결선 7">
+            <a:extLst>
+              <a:ext uri="{FF2B5EF4-FFF2-40B4-BE49-F238E27FC236}">
+                <a16:creationId xmlns:a16="http://schemas.microsoft.com/office/drawing/2014/main" id="{884EEE22-2A25-4E11-A3C7-A40256CA2AED}"/>
+              </a:ext>
+            </a:extLst>
+          </p:cNvPr>
+          <p:cNvCxnSpPr/>
+          <p:nvPr/>
+        </p:nvCxnSpPr>
+        <p:spPr>
+          <a:xfrm flipH="1">
+            <a:off x="2496065" y="5564660"/>
+            <a:ext cx="2158313" cy="0"/>
+          </a:xfrm>
+          <a:prstGeom prst="straightConnector1">
+            <a:avLst/>
+          </a:prstGeom>
+          <a:ln>
+            <a:tailEnd type="triangle"/>
+          </a:ln>
+        </p:spPr>
+        <p:style>
+          <a:lnRef idx="1">
+            <a:schemeClr val="accent1"/>
+          </a:lnRef>
+          <a:fillRef idx="0">
+            <a:schemeClr val="accent1"/>
+          </a:fillRef>
+          <a:effectRef idx="0">
+            <a:schemeClr val="accent1"/>
+          </a:effectRef>
+          <a:fontRef idx="minor">
+            <a:schemeClr val="tx1"/>
+          </a:fontRef>
+        </p:style>
+      </p:cxnSp>
+      <p:sp>
+        <p:nvSpPr>
+          <p:cNvPr id="9" name="TextBox 8">
+            <a:extLst>
+              <a:ext uri="{FF2B5EF4-FFF2-40B4-BE49-F238E27FC236}">
+                <a16:creationId xmlns:a16="http://schemas.microsoft.com/office/drawing/2014/main" id="{D84EDBD2-B88D-41CB-BAFA-D291F6EAA042}"/>
+              </a:ext>
+            </a:extLst>
+          </p:cNvPr>
+          <p:cNvSpPr txBox="1"/>
+          <p:nvPr/>
+        </p:nvSpPr>
+        <p:spPr>
+          <a:xfrm>
+            <a:off x="4779389" y="5379994"/>
+            <a:ext cx="1943096" cy="369332"/>
+          </a:xfrm>
+          <a:prstGeom prst="rect">
+            <a:avLst/>
+          </a:prstGeom>
+          <a:noFill/>
+        </p:spPr>
+        <p:txBody>
+          <a:bodyPr wrap="none" rtlCol="0">
+            <a:spAutoFit/>
+          </a:bodyPr>
+          <a:lstStyle/>
+          <a:p>
+            <a:r>
+              <a:rPr lang="en-US" altLang="ko-KR" dirty="0" err="1"/>
+              <a:t>Test.shape</a:t>
+            </a:r>
+            <a:r>
+              <a:rPr lang="ko-KR" altLang="en-US" dirty="0"/>
+              <a:t>결과임</a:t>
+            </a:r>
+          </a:p>
+        </p:txBody>
+      </p:sp>
+    </p:spTree>
+    <p:extLst>
+      <p:ext uri="{BB962C8B-B14F-4D97-AF65-F5344CB8AC3E}">
+        <p14:creationId xmlns:p14="http://schemas.microsoft.com/office/powerpoint/2010/main" val="1359624418"/>
+      </p:ext>
+    </p:extLst>
+  </p:cSld>
+  <p:clrMapOvr>
+    <a:masterClrMapping/>
+  </p:clrMapOvr>
+</p:sld>
+</file>
+
 <file path=ppt/slides/slide3.xml><?xml version="1.0" encoding="utf-8"?>
 <p:sld xmlns:a="http://schemas.openxmlformats.org/drawingml/2006/main" xmlns:r="http://schemas.openxmlformats.org/officeDocument/2006/relationships" xmlns:p="http://schemas.openxmlformats.org/presentationml/2006/main">
   <p:cSld>
@@ -6927,6 +7179,614 @@
     <p:extLst>
       <p:ext uri="{BB962C8B-B14F-4D97-AF65-F5344CB8AC3E}">
         <p14:creationId xmlns:p14="http://schemas.microsoft.com/office/powerpoint/2010/main" val="820262118"/>
+      </p:ext>
+    </p:extLst>
+  </p:cSld>
+  <p:clrMapOvr>
+    <a:masterClrMapping/>
+  </p:clrMapOvr>
+</p:sld>
+</file>
+
+<file path=ppt/slides/slide30.xml><?xml version="1.0" encoding="utf-8"?>
+<p:sld xmlns:a="http://schemas.openxmlformats.org/drawingml/2006/main" xmlns:r="http://schemas.openxmlformats.org/officeDocument/2006/relationships" xmlns:p="http://schemas.openxmlformats.org/presentationml/2006/main">
+  <p:cSld>
+    <p:spTree>
+      <p:nvGrpSpPr>
+        <p:cNvPr id="1" name=""/>
+        <p:cNvGrpSpPr/>
+        <p:nvPr/>
+      </p:nvGrpSpPr>
+      <p:grpSpPr>
+        <a:xfrm>
+          <a:off x="0" y="0"/>
+          <a:ext cx="0" cy="0"/>
+          <a:chOff x="0" y="0"/>
+          <a:chExt cx="0" cy="0"/>
+        </a:xfrm>
+      </p:grpSpPr>
+      <p:sp>
+        <p:nvSpPr>
+          <p:cNvPr id="2" name="제목 1">
+            <a:extLst>
+              <a:ext uri="{FF2B5EF4-FFF2-40B4-BE49-F238E27FC236}">
+                <a16:creationId xmlns:a16="http://schemas.microsoft.com/office/drawing/2014/main" id="{C7C8C660-BC31-4F8A-BB2E-17584CECE0BD}"/>
+              </a:ext>
+            </a:extLst>
+          </p:cNvPr>
+          <p:cNvSpPr>
+            <a:spLocks noGrp="1"/>
+          </p:cNvSpPr>
+          <p:nvPr>
+            <p:ph type="title"/>
+          </p:nvPr>
+        </p:nvSpPr>
+        <p:spPr/>
+        <p:txBody>
+          <a:bodyPr/>
+          <a:lstStyle/>
+          <a:p>
+            <a:r>
+              <a:rPr lang="en-US" altLang="ko-KR" dirty="0" err="1"/>
+              <a:t>Dataloader</a:t>
+            </a:r>
+            <a:r>
+              <a:rPr lang="en-US" altLang="ko-KR" dirty="0"/>
+              <a:t> - </a:t>
+            </a:r>
+            <a:r>
+              <a:rPr lang="en-US" altLang="ko-KR" dirty="0" err="1"/>
+              <a:t>filepath</a:t>
+            </a:r>
+            <a:r>
+              <a:rPr lang="ko-KR" altLang="en-US" dirty="0"/>
+              <a:t>를 가지고 데이터 불러오기</a:t>
+            </a:r>
+          </a:p>
+        </p:txBody>
+      </p:sp>
+      <p:pic>
+        <p:nvPicPr>
+          <p:cNvPr id="4" name="내용 개체 틀 3">
+            <a:extLst>
+              <a:ext uri="{FF2B5EF4-FFF2-40B4-BE49-F238E27FC236}">
+                <a16:creationId xmlns:a16="http://schemas.microsoft.com/office/drawing/2014/main" id="{535D3493-5BF6-46E3-B955-0076FA935D77}"/>
+              </a:ext>
+            </a:extLst>
+          </p:cNvPr>
+          <p:cNvPicPr>
+            <a:picLocks noGrp="1" noChangeAspect="1"/>
+          </p:cNvPicPr>
+          <p:nvPr>
+            <p:ph idx="1"/>
+          </p:nvPr>
+        </p:nvPicPr>
+        <p:blipFill>
+          <a:blip r:embed="rId2"/>
+          <a:stretch>
+            <a:fillRect/>
+          </a:stretch>
+        </p:blipFill>
+        <p:spPr>
+          <a:xfrm>
+            <a:off x="6825770" y="2249658"/>
+            <a:ext cx="4528030" cy="2601741"/>
+          </a:xfrm>
+          <a:prstGeom prst="rect">
+            <a:avLst/>
+          </a:prstGeom>
+        </p:spPr>
+      </p:pic>
+      <p:sp>
+        <p:nvSpPr>
+          <p:cNvPr id="5" name="TextBox 4">
+            <a:extLst>
+              <a:ext uri="{FF2B5EF4-FFF2-40B4-BE49-F238E27FC236}">
+                <a16:creationId xmlns:a16="http://schemas.microsoft.com/office/drawing/2014/main" id="{89CB5944-267F-4142-916A-F444160C0FB5}"/>
+              </a:ext>
+            </a:extLst>
+          </p:cNvPr>
+          <p:cNvSpPr txBox="1"/>
+          <p:nvPr/>
+        </p:nvSpPr>
+        <p:spPr>
+          <a:xfrm>
+            <a:off x="1033162" y="2627198"/>
+            <a:ext cx="5274970" cy="923330"/>
+          </a:xfrm>
+          <a:prstGeom prst="rect">
+            <a:avLst/>
+          </a:prstGeom>
+          <a:noFill/>
+        </p:spPr>
+        <p:txBody>
+          <a:bodyPr wrap="none" rtlCol="0">
+            <a:spAutoFit/>
+          </a:bodyPr>
+          <a:lstStyle/>
+          <a:p>
+            <a:r>
+              <a:rPr lang="en-US" altLang="ko-KR" dirty="0"/>
+              <a:t>Read</a:t>
+            </a:r>
+            <a:r>
+              <a:rPr lang="ko-KR" altLang="en-US" dirty="0"/>
+              <a:t> </a:t>
+            </a:r>
+            <a:r>
+              <a:rPr lang="en-US" altLang="ko-KR" dirty="0"/>
+              <a:t>from directory</a:t>
+            </a:r>
+          </a:p>
+          <a:p>
+            <a:endParaRPr lang="en-US" altLang="ko-KR" dirty="0"/>
+          </a:p>
+          <a:p>
+            <a:r>
+              <a:rPr lang="en-US" altLang="ko-KR" dirty="0" err="1"/>
+              <a:t>Num_worker</a:t>
+            </a:r>
+            <a:r>
+              <a:rPr lang="en-US" altLang="ko-KR" dirty="0"/>
+              <a:t> </a:t>
+            </a:r>
+            <a:r>
+              <a:rPr lang="ko-KR" altLang="en-US" dirty="0"/>
+              <a:t>다중 워커 처리를 어떻게 할 것인가</a:t>
+            </a:r>
+            <a:r>
+              <a:rPr lang="en-US" altLang="ko-KR" dirty="0"/>
+              <a:t>.</a:t>
+            </a:r>
+          </a:p>
+        </p:txBody>
+      </p:sp>
+      <p:sp>
+        <p:nvSpPr>
+          <p:cNvPr id="6" name="직사각형 5">
+            <a:extLst>
+              <a:ext uri="{FF2B5EF4-FFF2-40B4-BE49-F238E27FC236}">
+                <a16:creationId xmlns:a16="http://schemas.microsoft.com/office/drawing/2014/main" id="{4CED7D00-7E34-47C9-973B-7148DE5055EE}"/>
+              </a:ext>
+            </a:extLst>
+          </p:cNvPr>
+          <p:cNvSpPr/>
+          <p:nvPr/>
+        </p:nvSpPr>
+        <p:spPr>
+          <a:xfrm>
+            <a:off x="2836133" y="1135447"/>
+            <a:ext cx="3259867" cy="369332"/>
+          </a:xfrm>
+          <a:prstGeom prst="rect">
+            <a:avLst/>
+          </a:prstGeom>
+        </p:spPr>
+        <p:txBody>
+          <a:bodyPr wrap="none">
+            <a:spAutoFit/>
+          </a:bodyPr>
+          <a:lstStyle/>
+          <a:p>
+            <a:r>
+              <a:rPr lang="ko-KR" altLang="en-US" dirty="0"/>
+              <a:t>https://jsc5565.tistory.com/14</a:t>
+            </a:r>
+          </a:p>
+        </p:txBody>
+      </p:sp>
+      <p:sp>
+        <p:nvSpPr>
+          <p:cNvPr id="3" name="직사각형 2">
+            <a:extLst>
+              <a:ext uri="{FF2B5EF4-FFF2-40B4-BE49-F238E27FC236}">
+                <a16:creationId xmlns:a16="http://schemas.microsoft.com/office/drawing/2014/main" id="{6B111C7F-528C-4CA6-9603-B5FD7DC42BD7}"/>
+              </a:ext>
+            </a:extLst>
+          </p:cNvPr>
+          <p:cNvSpPr/>
+          <p:nvPr/>
+        </p:nvSpPr>
+        <p:spPr>
+          <a:xfrm>
+            <a:off x="342900" y="4380637"/>
+            <a:ext cx="6096000" cy="1754326"/>
+          </a:xfrm>
+          <a:prstGeom prst="rect">
+            <a:avLst/>
+          </a:prstGeom>
+        </p:spPr>
+        <p:txBody>
+          <a:bodyPr>
+            <a:spAutoFit/>
+          </a:bodyPr>
+          <a:lstStyle/>
+          <a:p>
+            <a:r>
+              <a:rPr lang="ko-KR" altLang="en-US" dirty="0"/>
+              <a:t>http://www.kwangsiklee.com/2018/11/keras%EC%97%90%EC%84%9C-sequence%EB%A5%BC-%EC%9D%B4%EC%9A%A9%ED%95%98%EC%97%AC-%EB%8C%80%EC%9A%A9%EB%9F%89-%EB%8D%B0%EC%9D%B4%ED%84%B0%EC%85%8B-%EC%B2%98%EB%A6%AC%ED%95%98%EA%B8%B0/</a:t>
+            </a:r>
+          </a:p>
+        </p:txBody>
+      </p:sp>
+    </p:spTree>
+    <p:extLst>
+      <p:ext uri="{BB962C8B-B14F-4D97-AF65-F5344CB8AC3E}">
+        <p14:creationId xmlns:p14="http://schemas.microsoft.com/office/powerpoint/2010/main" val="1858157728"/>
+      </p:ext>
+    </p:extLst>
+  </p:cSld>
+  <p:clrMapOvr>
+    <a:masterClrMapping/>
+  </p:clrMapOvr>
+</p:sld>
+</file>
+
+<file path=ppt/slides/slide31.xml><?xml version="1.0" encoding="utf-8"?>
+<p:sld xmlns:a="http://schemas.openxmlformats.org/drawingml/2006/main" xmlns:r="http://schemas.openxmlformats.org/officeDocument/2006/relationships" xmlns:p="http://schemas.openxmlformats.org/presentationml/2006/main">
+  <p:cSld>
+    <p:spTree>
+      <p:nvGrpSpPr>
+        <p:cNvPr id="1" name=""/>
+        <p:cNvGrpSpPr/>
+        <p:nvPr/>
+      </p:nvGrpSpPr>
+      <p:grpSpPr>
+        <a:xfrm>
+          <a:off x="0" y="0"/>
+          <a:ext cx="0" cy="0"/>
+          <a:chOff x="0" y="0"/>
+          <a:chExt cx="0" cy="0"/>
+        </a:xfrm>
+      </p:grpSpPr>
+      <p:sp>
+        <p:nvSpPr>
+          <p:cNvPr id="2" name="제목 1">
+            <a:extLst>
+              <a:ext uri="{FF2B5EF4-FFF2-40B4-BE49-F238E27FC236}">
+                <a16:creationId xmlns:a16="http://schemas.microsoft.com/office/drawing/2014/main" id="{E1DC2662-E658-4AF1-828E-4099C36C8014}"/>
+              </a:ext>
+            </a:extLst>
+          </p:cNvPr>
+          <p:cNvSpPr>
+            <a:spLocks noGrp="1"/>
+          </p:cNvSpPr>
+          <p:nvPr>
+            <p:ph type="title"/>
+          </p:nvPr>
+        </p:nvSpPr>
+        <p:spPr/>
+        <p:txBody>
+          <a:bodyPr/>
+          <a:lstStyle/>
+          <a:p>
+            <a:r>
+              <a:rPr lang="en-US" altLang="ko-KR" dirty="0"/>
+              <a:t>Class : dataset, Sequence(</a:t>
+            </a:r>
+            <a:r>
+              <a:rPr lang="en-US" altLang="ko-KR" dirty="0" err="1"/>
+              <a:t>tensorflow</a:t>
+            </a:r>
+            <a:r>
+              <a:rPr lang="en-US" altLang="ko-KR" dirty="0"/>
+              <a:t>)</a:t>
+            </a:r>
+            <a:endParaRPr lang="ko-KR" altLang="en-US" dirty="0"/>
+          </a:p>
+        </p:txBody>
+      </p:sp>
+      <p:pic>
+        <p:nvPicPr>
+          <p:cNvPr id="4" name="내용 개체 틀 3">
+            <a:extLst>
+              <a:ext uri="{FF2B5EF4-FFF2-40B4-BE49-F238E27FC236}">
+                <a16:creationId xmlns:a16="http://schemas.microsoft.com/office/drawing/2014/main" id="{E0B47E1E-BE5E-4C17-82D1-DD3D31BE1B82}"/>
+              </a:ext>
+            </a:extLst>
+          </p:cNvPr>
+          <p:cNvPicPr>
+            <a:picLocks noGrp="1" noChangeAspect="1"/>
+          </p:cNvPicPr>
+          <p:nvPr>
+            <p:ph idx="1"/>
+          </p:nvPr>
+        </p:nvPicPr>
+        <p:blipFill>
+          <a:blip r:embed="rId2"/>
+          <a:stretch>
+            <a:fillRect/>
+          </a:stretch>
+        </p:blipFill>
+        <p:spPr>
+          <a:xfrm>
+            <a:off x="7335335" y="1690688"/>
+            <a:ext cx="4408164" cy="4351338"/>
+          </a:xfrm>
+          <a:prstGeom prst="rect">
+            <a:avLst/>
+          </a:prstGeom>
+        </p:spPr>
+      </p:pic>
+      <p:pic>
+        <p:nvPicPr>
+          <p:cNvPr id="5" name="그림 4">
+            <a:extLst>
+              <a:ext uri="{FF2B5EF4-FFF2-40B4-BE49-F238E27FC236}">
+                <a16:creationId xmlns:a16="http://schemas.microsoft.com/office/drawing/2014/main" id="{03E18750-3943-4B44-A037-4314E29A13B6}"/>
+              </a:ext>
+            </a:extLst>
+          </p:cNvPr>
+          <p:cNvPicPr>
+            <a:picLocks noChangeAspect="1"/>
+          </p:cNvPicPr>
+          <p:nvPr/>
+        </p:nvPicPr>
+        <p:blipFill rotWithShape="1">
+          <a:blip r:embed="rId3"/>
+          <a:srcRect l="3028" t="2523" b="2462"/>
+          <a:stretch/>
+        </p:blipFill>
+        <p:spPr>
+          <a:xfrm>
+            <a:off x="1145059" y="1690688"/>
+            <a:ext cx="3814380" cy="4654379"/>
+          </a:xfrm>
+          <a:prstGeom prst="rect">
+            <a:avLst/>
+          </a:prstGeom>
+        </p:spPr>
+      </p:pic>
+    </p:spTree>
+    <p:extLst>
+      <p:ext uri="{BB962C8B-B14F-4D97-AF65-F5344CB8AC3E}">
+        <p14:creationId xmlns:p14="http://schemas.microsoft.com/office/powerpoint/2010/main" val="416177639"/>
+      </p:ext>
+    </p:extLst>
+  </p:cSld>
+  <p:clrMapOvr>
+    <a:masterClrMapping/>
+  </p:clrMapOvr>
+</p:sld>
+</file>
+
+<file path=ppt/slides/slide32.xml><?xml version="1.0" encoding="utf-8"?>
+<p:sld xmlns:a="http://schemas.openxmlformats.org/drawingml/2006/main" xmlns:r="http://schemas.openxmlformats.org/officeDocument/2006/relationships" xmlns:p="http://schemas.openxmlformats.org/presentationml/2006/main">
+  <p:cSld>
+    <p:spTree>
+      <p:nvGrpSpPr>
+        <p:cNvPr id="1" name=""/>
+        <p:cNvGrpSpPr/>
+        <p:nvPr/>
+      </p:nvGrpSpPr>
+      <p:grpSpPr>
+        <a:xfrm>
+          <a:off x="0" y="0"/>
+          <a:ext cx="0" cy="0"/>
+          <a:chOff x="0" y="0"/>
+          <a:chExt cx="0" cy="0"/>
+        </a:xfrm>
+      </p:grpSpPr>
+      <p:sp>
+        <p:nvSpPr>
+          <p:cNvPr id="2" name="제목 1">
+            <a:extLst>
+              <a:ext uri="{FF2B5EF4-FFF2-40B4-BE49-F238E27FC236}">
+                <a16:creationId xmlns:a16="http://schemas.microsoft.com/office/drawing/2014/main" id="{79EE3F2C-0C33-4CF2-AB51-583CE3A35CD6}"/>
+              </a:ext>
+            </a:extLst>
+          </p:cNvPr>
+          <p:cNvSpPr>
+            <a:spLocks noGrp="1"/>
+          </p:cNvSpPr>
+          <p:nvPr>
+            <p:ph type="title"/>
+          </p:nvPr>
+        </p:nvSpPr>
+        <p:spPr/>
+        <p:txBody>
+          <a:bodyPr/>
+          <a:lstStyle/>
+          <a:p>
+            <a:r>
+              <a:rPr lang="en-US" altLang="ko-KR" dirty="0" err="1"/>
+              <a:t>Torch.max</a:t>
+            </a:r>
+            <a:r>
+              <a:rPr lang="en-US" altLang="ko-KR" dirty="0"/>
+              <a:t>()</a:t>
+            </a:r>
+            <a:endParaRPr lang="ko-KR" altLang="en-US" dirty="0"/>
+          </a:p>
+        </p:txBody>
+      </p:sp>
+      <p:pic>
+        <p:nvPicPr>
+          <p:cNvPr id="4" name="내용 개체 틀 3">
+            <a:extLst>
+              <a:ext uri="{FF2B5EF4-FFF2-40B4-BE49-F238E27FC236}">
+                <a16:creationId xmlns:a16="http://schemas.microsoft.com/office/drawing/2014/main" id="{80733621-11C2-4C77-86EB-44CDFA4285E4}"/>
+              </a:ext>
+            </a:extLst>
+          </p:cNvPr>
+          <p:cNvPicPr>
+            <a:picLocks noGrp="1" noChangeAspect="1"/>
+          </p:cNvPicPr>
+          <p:nvPr>
+            <p:ph idx="1"/>
+          </p:nvPr>
+        </p:nvPicPr>
+        <p:blipFill>
+          <a:blip r:embed="rId2"/>
+          <a:stretch>
+            <a:fillRect/>
+          </a:stretch>
+        </p:blipFill>
+        <p:spPr>
+          <a:xfrm>
+            <a:off x="6421107" y="2042267"/>
+            <a:ext cx="4734586" cy="743054"/>
+          </a:xfrm>
+          <a:prstGeom prst="rect">
+            <a:avLst/>
+          </a:prstGeom>
+        </p:spPr>
+      </p:pic>
+      <p:pic>
+        <p:nvPicPr>
+          <p:cNvPr id="5" name="그림 4">
+            <a:extLst>
+              <a:ext uri="{FF2B5EF4-FFF2-40B4-BE49-F238E27FC236}">
+                <a16:creationId xmlns:a16="http://schemas.microsoft.com/office/drawing/2014/main" id="{6405D2ED-2242-4A16-A510-533D420296D6}"/>
+              </a:ext>
+            </a:extLst>
+          </p:cNvPr>
+          <p:cNvPicPr>
+            <a:picLocks noChangeAspect="1"/>
+          </p:cNvPicPr>
+          <p:nvPr/>
+        </p:nvPicPr>
+        <p:blipFill>
+          <a:blip r:embed="rId3"/>
+          <a:stretch>
+            <a:fillRect/>
+          </a:stretch>
+        </p:blipFill>
+        <p:spPr>
+          <a:xfrm>
+            <a:off x="485417" y="2042267"/>
+            <a:ext cx="5125165" cy="419158"/>
+          </a:xfrm>
+          <a:prstGeom prst="rect">
+            <a:avLst/>
+          </a:prstGeom>
+        </p:spPr>
+      </p:pic>
+    </p:spTree>
+    <p:extLst>
+      <p:ext uri="{BB962C8B-B14F-4D97-AF65-F5344CB8AC3E}">
+        <p14:creationId xmlns:p14="http://schemas.microsoft.com/office/powerpoint/2010/main" val="4242352283"/>
+      </p:ext>
+    </p:extLst>
+  </p:cSld>
+  <p:clrMapOvr>
+    <a:masterClrMapping/>
+  </p:clrMapOvr>
+</p:sld>
+</file>
+
+<file path=ppt/slides/slide33.xml><?xml version="1.0" encoding="utf-8"?>
+<p:sld xmlns:a="http://schemas.openxmlformats.org/drawingml/2006/main" xmlns:r="http://schemas.openxmlformats.org/officeDocument/2006/relationships" xmlns:p="http://schemas.openxmlformats.org/presentationml/2006/main">
+  <p:cSld>
+    <p:spTree>
+      <p:nvGrpSpPr>
+        <p:cNvPr id="1" name=""/>
+        <p:cNvGrpSpPr/>
+        <p:nvPr/>
+      </p:nvGrpSpPr>
+      <p:grpSpPr>
+        <a:xfrm>
+          <a:off x="0" y="0"/>
+          <a:ext cx="0" cy="0"/>
+          <a:chOff x="0" y="0"/>
+          <a:chExt cx="0" cy="0"/>
+        </a:xfrm>
+      </p:grpSpPr>
+      <p:sp>
+        <p:nvSpPr>
+          <p:cNvPr id="2" name="제목 1">
+            <a:extLst>
+              <a:ext uri="{FF2B5EF4-FFF2-40B4-BE49-F238E27FC236}">
+                <a16:creationId xmlns:a16="http://schemas.microsoft.com/office/drawing/2014/main" id="{EABD6781-8AD5-43B5-A0D6-906F06A5545E}"/>
+              </a:ext>
+            </a:extLst>
+          </p:cNvPr>
+          <p:cNvSpPr>
+            <a:spLocks noGrp="1"/>
+          </p:cNvSpPr>
+          <p:nvPr>
+            <p:ph type="title"/>
+          </p:nvPr>
+        </p:nvSpPr>
+        <p:spPr/>
+        <p:txBody>
+          <a:bodyPr/>
+          <a:lstStyle/>
+          <a:p>
+            <a:r>
+              <a:rPr lang="en-US" altLang="ko-KR" dirty="0" err="1"/>
+              <a:t>Torch.eq</a:t>
+            </a:r>
+            <a:endParaRPr lang="ko-KR" altLang="en-US" dirty="0"/>
+          </a:p>
+        </p:txBody>
+      </p:sp>
+      <p:pic>
+        <p:nvPicPr>
+          <p:cNvPr id="4" name="내용 개체 틀 3">
+            <a:extLst>
+              <a:ext uri="{FF2B5EF4-FFF2-40B4-BE49-F238E27FC236}">
+                <a16:creationId xmlns:a16="http://schemas.microsoft.com/office/drawing/2014/main" id="{995EA45F-2AED-4F42-B40C-F226C6170E19}"/>
+              </a:ext>
+            </a:extLst>
+          </p:cNvPr>
+          <p:cNvPicPr>
+            <a:picLocks noGrp="1" noChangeAspect="1"/>
+          </p:cNvPicPr>
+          <p:nvPr>
+            <p:ph idx="1"/>
+          </p:nvPr>
+        </p:nvPicPr>
+        <p:blipFill>
+          <a:blip r:embed="rId2"/>
+          <a:stretch>
+            <a:fillRect/>
+          </a:stretch>
+        </p:blipFill>
+        <p:spPr>
+          <a:xfrm>
+            <a:off x="717339" y="1690688"/>
+            <a:ext cx="5145478" cy="569912"/>
+          </a:xfrm>
+          <a:prstGeom prst="rect">
+            <a:avLst/>
+          </a:prstGeom>
+        </p:spPr>
+      </p:pic>
+      <p:pic>
+        <p:nvPicPr>
+          <p:cNvPr id="5" name="그림 4">
+            <a:extLst>
+              <a:ext uri="{FF2B5EF4-FFF2-40B4-BE49-F238E27FC236}">
+                <a16:creationId xmlns:a16="http://schemas.microsoft.com/office/drawing/2014/main" id="{5CED32D4-85D5-48B5-AD62-515A4920B7F7}"/>
+              </a:ext>
+            </a:extLst>
+          </p:cNvPr>
+          <p:cNvPicPr>
+            <a:picLocks noChangeAspect="1"/>
+          </p:cNvPicPr>
+          <p:nvPr/>
+        </p:nvPicPr>
+        <p:blipFill>
+          <a:blip r:embed="rId3"/>
+          <a:stretch>
+            <a:fillRect/>
+          </a:stretch>
+        </p:blipFill>
+        <p:spPr>
+          <a:xfrm>
+            <a:off x="6096000" y="1515238"/>
+            <a:ext cx="4174027" cy="1490723"/>
+          </a:xfrm>
+          <a:prstGeom prst="rect">
+            <a:avLst/>
+          </a:prstGeom>
+        </p:spPr>
+      </p:pic>
+    </p:spTree>
+    <p:extLst>
+      <p:ext uri="{BB962C8B-B14F-4D97-AF65-F5344CB8AC3E}">
+        <p14:creationId xmlns:p14="http://schemas.microsoft.com/office/powerpoint/2010/main" val="654551677"/>
       </p:ext>
     </p:extLst>
   </p:cSld>

--- a/Tensorflow/TorchToKeras.pptx
+++ b/Tensorflow/TorchToKeras.pptx
@@ -6,38 +6,39 @@
   </p:sldMasterIdLst>
   <p:sldIdLst>
     <p:sldId id="256" r:id="rId2"/>
-    <p:sldId id="267" r:id="rId3"/>
-    <p:sldId id="257" r:id="rId4"/>
-    <p:sldId id="258" r:id="rId5"/>
-    <p:sldId id="264" r:id="rId6"/>
-    <p:sldId id="276" r:id="rId7"/>
-    <p:sldId id="265" r:id="rId8"/>
-    <p:sldId id="259" r:id="rId9"/>
-    <p:sldId id="260" r:id="rId10"/>
-    <p:sldId id="261" r:id="rId11"/>
-    <p:sldId id="262" r:id="rId12"/>
-    <p:sldId id="266" r:id="rId13"/>
-    <p:sldId id="263" r:id="rId14"/>
-    <p:sldId id="268" r:id="rId15"/>
-    <p:sldId id="270" r:id="rId16"/>
-    <p:sldId id="279" r:id="rId17"/>
-    <p:sldId id="271" r:id="rId18"/>
-    <p:sldId id="272" r:id="rId19"/>
-    <p:sldId id="273" r:id="rId20"/>
-    <p:sldId id="269" r:id="rId21"/>
-    <p:sldId id="274" r:id="rId22"/>
-    <p:sldId id="275" r:id="rId23"/>
-    <p:sldId id="277" r:id="rId24"/>
-    <p:sldId id="278" r:id="rId25"/>
-    <p:sldId id="280" r:id="rId26"/>
-    <p:sldId id="281" r:id="rId27"/>
-    <p:sldId id="282" r:id="rId28"/>
-    <p:sldId id="283" r:id="rId29"/>
-    <p:sldId id="284" r:id="rId30"/>
-    <p:sldId id="285" r:id="rId31"/>
-    <p:sldId id="286" r:id="rId32"/>
-    <p:sldId id="287" r:id="rId33"/>
-    <p:sldId id="288" r:id="rId34"/>
+    <p:sldId id="289" r:id="rId3"/>
+    <p:sldId id="267" r:id="rId4"/>
+    <p:sldId id="257" r:id="rId5"/>
+    <p:sldId id="258" r:id="rId6"/>
+    <p:sldId id="264" r:id="rId7"/>
+    <p:sldId id="276" r:id="rId8"/>
+    <p:sldId id="265" r:id="rId9"/>
+    <p:sldId id="259" r:id="rId10"/>
+    <p:sldId id="260" r:id="rId11"/>
+    <p:sldId id="261" r:id="rId12"/>
+    <p:sldId id="262" r:id="rId13"/>
+    <p:sldId id="266" r:id="rId14"/>
+    <p:sldId id="263" r:id="rId15"/>
+    <p:sldId id="268" r:id="rId16"/>
+    <p:sldId id="270" r:id="rId17"/>
+    <p:sldId id="279" r:id="rId18"/>
+    <p:sldId id="271" r:id="rId19"/>
+    <p:sldId id="272" r:id="rId20"/>
+    <p:sldId id="273" r:id="rId21"/>
+    <p:sldId id="269" r:id="rId22"/>
+    <p:sldId id="274" r:id="rId23"/>
+    <p:sldId id="275" r:id="rId24"/>
+    <p:sldId id="277" r:id="rId25"/>
+    <p:sldId id="278" r:id="rId26"/>
+    <p:sldId id="280" r:id="rId27"/>
+    <p:sldId id="281" r:id="rId28"/>
+    <p:sldId id="282" r:id="rId29"/>
+    <p:sldId id="283" r:id="rId30"/>
+    <p:sldId id="284" r:id="rId31"/>
+    <p:sldId id="285" r:id="rId32"/>
+    <p:sldId id="286" r:id="rId33"/>
+    <p:sldId id="287" r:id="rId34"/>
+    <p:sldId id="288" r:id="rId35"/>
   </p:sldIdLst>
   <p:sldSz cx="12192000" cy="6858000"/>
   <p:notesSz cx="6858000" cy="9144000"/>
@@ -291,7 +292,7 @@
           <a:p>
             <a:fld id="{4965DC55-0E1B-43DD-B8EC-CFAD788C97AC}" type="datetimeFigureOut">
               <a:rPr lang="ko-KR" altLang="en-US" smtClean="0"/>
-              <a:t>2021-07-08</a:t>
+              <a:t>2021-07-09</a:t>
             </a:fld>
             <a:endParaRPr lang="ko-KR" altLang="en-US"/>
           </a:p>
@@ -489,7 +490,7 @@
           <a:p>
             <a:fld id="{4965DC55-0E1B-43DD-B8EC-CFAD788C97AC}" type="datetimeFigureOut">
               <a:rPr lang="ko-KR" altLang="en-US" smtClean="0"/>
-              <a:t>2021-07-08</a:t>
+              <a:t>2021-07-09</a:t>
             </a:fld>
             <a:endParaRPr lang="ko-KR" altLang="en-US"/>
           </a:p>
@@ -697,7 +698,7 @@
           <a:p>
             <a:fld id="{4965DC55-0E1B-43DD-B8EC-CFAD788C97AC}" type="datetimeFigureOut">
               <a:rPr lang="ko-KR" altLang="en-US" smtClean="0"/>
-              <a:t>2021-07-08</a:t>
+              <a:t>2021-07-09</a:t>
             </a:fld>
             <a:endParaRPr lang="ko-KR" altLang="en-US"/>
           </a:p>
@@ -895,7 +896,7 @@
           <a:p>
             <a:fld id="{4965DC55-0E1B-43DD-B8EC-CFAD788C97AC}" type="datetimeFigureOut">
               <a:rPr lang="ko-KR" altLang="en-US" smtClean="0"/>
-              <a:t>2021-07-08</a:t>
+              <a:t>2021-07-09</a:t>
             </a:fld>
             <a:endParaRPr lang="ko-KR" altLang="en-US"/>
           </a:p>
@@ -1170,7 +1171,7 @@
           <a:p>
             <a:fld id="{4965DC55-0E1B-43DD-B8EC-CFAD788C97AC}" type="datetimeFigureOut">
               <a:rPr lang="ko-KR" altLang="en-US" smtClean="0"/>
-              <a:t>2021-07-08</a:t>
+              <a:t>2021-07-09</a:t>
             </a:fld>
             <a:endParaRPr lang="ko-KR" altLang="en-US"/>
           </a:p>
@@ -1435,7 +1436,7 @@
           <a:p>
             <a:fld id="{4965DC55-0E1B-43DD-B8EC-CFAD788C97AC}" type="datetimeFigureOut">
               <a:rPr lang="ko-KR" altLang="en-US" smtClean="0"/>
-              <a:t>2021-07-08</a:t>
+              <a:t>2021-07-09</a:t>
             </a:fld>
             <a:endParaRPr lang="ko-KR" altLang="en-US"/>
           </a:p>
@@ -1847,7 +1848,7 @@
           <a:p>
             <a:fld id="{4965DC55-0E1B-43DD-B8EC-CFAD788C97AC}" type="datetimeFigureOut">
               <a:rPr lang="ko-KR" altLang="en-US" smtClean="0"/>
-              <a:t>2021-07-08</a:t>
+              <a:t>2021-07-09</a:t>
             </a:fld>
             <a:endParaRPr lang="ko-KR" altLang="en-US"/>
           </a:p>
@@ -1988,7 +1989,7 @@
           <a:p>
             <a:fld id="{4965DC55-0E1B-43DD-B8EC-CFAD788C97AC}" type="datetimeFigureOut">
               <a:rPr lang="ko-KR" altLang="en-US" smtClean="0"/>
-              <a:t>2021-07-08</a:t>
+              <a:t>2021-07-09</a:t>
             </a:fld>
             <a:endParaRPr lang="ko-KR" altLang="en-US"/>
           </a:p>
@@ -2101,7 +2102,7 @@
           <a:p>
             <a:fld id="{4965DC55-0E1B-43DD-B8EC-CFAD788C97AC}" type="datetimeFigureOut">
               <a:rPr lang="ko-KR" altLang="en-US" smtClean="0"/>
-              <a:t>2021-07-08</a:t>
+              <a:t>2021-07-09</a:t>
             </a:fld>
             <a:endParaRPr lang="ko-KR" altLang="en-US"/>
           </a:p>
@@ -2412,7 +2413,7 @@
           <a:p>
             <a:fld id="{4965DC55-0E1B-43DD-B8EC-CFAD788C97AC}" type="datetimeFigureOut">
               <a:rPr lang="ko-KR" altLang="en-US" smtClean="0"/>
-              <a:t>2021-07-08</a:t>
+              <a:t>2021-07-09</a:t>
             </a:fld>
             <a:endParaRPr lang="ko-KR" altLang="en-US"/>
           </a:p>
@@ -2700,7 +2701,7 @@
           <a:p>
             <a:fld id="{4965DC55-0E1B-43DD-B8EC-CFAD788C97AC}" type="datetimeFigureOut">
               <a:rPr lang="ko-KR" altLang="en-US" smtClean="0"/>
-              <a:t>2021-07-08</a:t>
+              <a:t>2021-07-09</a:t>
             </a:fld>
             <a:endParaRPr lang="ko-KR" altLang="en-US"/>
           </a:p>
@@ -2941,7 +2942,7 @@
           <a:p>
             <a:fld id="{4965DC55-0E1B-43DD-B8EC-CFAD788C97AC}" type="datetimeFigureOut">
               <a:rPr lang="ko-KR" altLang="en-US" smtClean="0"/>
-              <a:t>2021-07-08</a:t>
+              <a:t>2021-07-09</a:t>
             </a:fld>
             <a:endParaRPr lang="ko-KR" altLang="en-US"/>
           </a:p>
@@ -3453,7 +3454,7 @@
           <p:cNvPr id="2" name="제목 1">
             <a:extLst>
               <a:ext uri="{FF2B5EF4-FFF2-40B4-BE49-F238E27FC236}">
-                <a16:creationId xmlns:a16="http://schemas.microsoft.com/office/drawing/2014/main" id="{DFC46957-E08B-407C-B713-99BC1E6B5675}"/>
+                <a16:creationId xmlns:a16="http://schemas.microsoft.com/office/drawing/2014/main" id="{56337759-0795-48C9-BAE0-0B2FE3BF75FF}"/>
               </a:ext>
             </a:extLst>
           </p:cNvPr>
@@ -3470,8 +3471,8 @@
           <a:lstStyle/>
           <a:p>
             <a:r>
-              <a:rPr lang="en-US" altLang="ko-KR" dirty="0"/>
-              <a:t>Pad</a:t>
+              <a:rPr lang="en-US" altLang="ko-KR" dirty="0" err="1"/>
+              <a:t>argparse</a:t>
             </a:r>
             <a:endParaRPr lang="ko-KR" altLang="en-US" dirty="0"/>
           </a:p>
@@ -3482,7 +3483,7 @@
           <p:cNvPr id="4" name="내용 개체 틀 3">
             <a:extLst>
               <a:ext uri="{FF2B5EF4-FFF2-40B4-BE49-F238E27FC236}">
-                <a16:creationId xmlns:a16="http://schemas.microsoft.com/office/drawing/2014/main" id="{AA55C153-879C-407A-80FC-ECC3A3237419}"/>
+                <a16:creationId xmlns:a16="http://schemas.microsoft.com/office/drawing/2014/main" id="{0AA8BF84-C0ED-496D-B950-F7D74E1EADC3}"/>
               </a:ext>
             </a:extLst>
           </p:cNvPr>
@@ -3501,8 +3502,8 @@
         </p:blipFill>
         <p:spPr>
           <a:xfrm>
-            <a:off x="838200" y="1690688"/>
-            <a:ext cx="6173061" cy="447737"/>
+            <a:off x="838200" y="3404370"/>
+            <a:ext cx="5709783" cy="2879292"/>
           </a:xfrm>
           <a:prstGeom prst="rect">
             <a:avLst/>
@@ -3514,7 +3515,7 @@
           <p:cNvPr id="5" name="그림 4">
             <a:extLst>
               <a:ext uri="{FF2B5EF4-FFF2-40B4-BE49-F238E27FC236}">
-                <a16:creationId xmlns:a16="http://schemas.microsoft.com/office/drawing/2014/main" id="{7824AAC5-96B5-4C25-AC6F-45D23D2F7814}"/>
+                <a16:creationId xmlns:a16="http://schemas.microsoft.com/office/drawing/2014/main" id="{93B159B0-3325-4335-8147-75666C4CE832}"/>
               </a:ext>
             </a:extLst>
           </p:cNvPr>
@@ -3531,68 +3532,8 @@
         </p:blipFill>
         <p:spPr>
           <a:xfrm>
-            <a:off x="838200" y="2138425"/>
-            <a:ext cx="4896533" cy="504895"/>
-          </a:xfrm>
-          <a:prstGeom prst="rect">
-            <a:avLst/>
-          </a:prstGeom>
-        </p:spPr>
-      </p:pic>
-      <p:pic>
-        <p:nvPicPr>
-          <p:cNvPr id="6" name="그림 5">
-            <a:extLst>
-              <a:ext uri="{FF2B5EF4-FFF2-40B4-BE49-F238E27FC236}">
-                <a16:creationId xmlns:a16="http://schemas.microsoft.com/office/drawing/2014/main" id="{251D55D5-11E3-4104-B9B4-CBF23C6BDE39}"/>
-              </a:ext>
-            </a:extLst>
-          </p:cNvPr>
-          <p:cNvPicPr>
-            <a:picLocks noChangeAspect="1"/>
-          </p:cNvPicPr>
-          <p:nvPr/>
-        </p:nvPicPr>
-        <p:blipFill>
-          <a:blip r:embed="rId4"/>
-          <a:stretch>
-            <a:fillRect/>
-          </a:stretch>
-        </p:blipFill>
-        <p:spPr>
-          <a:xfrm>
-            <a:off x="838200" y="3377765"/>
-            <a:ext cx="5620534" cy="752580"/>
-          </a:xfrm>
-          <a:prstGeom prst="rect">
-            <a:avLst/>
-          </a:prstGeom>
-        </p:spPr>
-      </p:pic>
-      <p:pic>
-        <p:nvPicPr>
-          <p:cNvPr id="7" name="그림 6">
-            <a:extLst>
-              <a:ext uri="{FF2B5EF4-FFF2-40B4-BE49-F238E27FC236}">
-                <a16:creationId xmlns:a16="http://schemas.microsoft.com/office/drawing/2014/main" id="{147309E1-01AA-4B12-8594-D0BDD88A67FB}"/>
-              </a:ext>
-            </a:extLst>
-          </p:cNvPr>
-          <p:cNvPicPr>
-            <a:picLocks noChangeAspect="1"/>
-          </p:cNvPicPr>
-          <p:nvPr/>
-        </p:nvPicPr>
-        <p:blipFill>
-          <a:blip r:embed="rId5"/>
-          <a:stretch>
-            <a:fillRect/>
-          </a:stretch>
-        </p:blipFill>
-        <p:spPr>
-          <a:xfrm>
-            <a:off x="838200" y="4130345"/>
-            <a:ext cx="3498412" cy="2525880"/>
+            <a:off x="838200" y="1333208"/>
+            <a:ext cx="5563376" cy="2095792"/>
           </a:xfrm>
           <a:prstGeom prst="rect">
             <a:avLst/>
@@ -3602,7 +3543,7 @@
     </p:spTree>
     <p:extLst>
       <p:ext uri="{BB962C8B-B14F-4D97-AF65-F5344CB8AC3E}">
-        <p14:creationId xmlns:p14="http://schemas.microsoft.com/office/powerpoint/2010/main" val="2218113355"/>
+        <p14:creationId xmlns:p14="http://schemas.microsoft.com/office/powerpoint/2010/main" val="1756055378"/>
       </p:ext>
     </p:extLst>
   </p:cSld>
@@ -3634,7 +3575,7 @@
           <p:cNvPr id="2" name="제목 1">
             <a:extLst>
               <a:ext uri="{FF2B5EF4-FFF2-40B4-BE49-F238E27FC236}">
-                <a16:creationId xmlns:a16="http://schemas.microsoft.com/office/drawing/2014/main" id="{42298911-4702-43A2-90B0-A7B0255E7162}"/>
+                <a16:creationId xmlns:a16="http://schemas.microsoft.com/office/drawing/2014/main" id="{DFC46957-E08B-407C-B713-99BC1E6B5675}"/>
               </a:ext>
             </a:extLst>
           </p:cNvPr>
@@ -3652,7 +3593,7 @@
           <a:p>
             <a:r>
               <a:rPr lang="en-US" altLang="ko-KR" dirty="0"/>
-              <a:t>cat</a:t>
+              <a:t>Pad</a:t>
             </a:r>
             <a:endParaRPr lang="ko-KR" altLang="en-US" dirty="0"/>
           </a:p>
@@ -3660,17 +3601,19 @@
       </p:sp>
       <p:pic>
         <p:nvPicPr>
-          <p:cNvPr id="4" name="그림 3">
-            <a:extLst>
-              <a:ext uri="{FF2B5EF4-FFF2-40B4-BE49-F238E27FC236}">
-                <a16:creationId xmlns:a16="http://schemas.microsoft.com/office/drawing/2014/main" id="{641DEF99-F76F-4A7E-9602-B3CE16211725}"/>
+          <p:cNvPr id="4" name="내용 개체 틀 3">
+            <a:extLst>
+              <a:ext uri="{FF2B5EF4-FFF2-40B4-BE49-F238E27FC236}">
+                <a16:creationId xmlns:a16="http://schemas.microsoft.com/office/drawing/2014/main" id="{AA55C153-879C-407A-80FC-ECC3A3237419}"/>
               </a:ext>
             </a:extLst>
           </p:cNvPr>
           <p:cNvPicPr>
-            <a:picLocks noChangeAspect="1"/>
+            <a:picLocks noGrp="1" noChangeAspect="1"/>
           </p:cNvPicPr>
-          <p:nvPr/>
+          <p:nvPr>
+            <p:ph idx="1"/>
+          </p:nvPr>
         </p:nvPicPr>
         <p:blipFill>
           <a:blip r:embed="rId2"/>
@@ -3680,8 +3623,8 @@
         </p:blipFill>
         <p:spPr>
           <a:xfrm>
-            <a:off x="597569" y="1423951"/>
-            <a:ext cx="3686689" cy="533474"/>
+            <a:off x="838200" y="1690688"/>
+            <a:ext cx="6173061" cy="447737"/>
           </a:xfrm>
           <a:prstGeom prst="rect">
             <a:avLst/>
@@ -3693,7 +3636,7 @@
           <p:cNvPr id="5" name="그림 4">
             <a:extLst>
               <a:ext uri="{FF2B5EF4-FFF2-40B4-BE49-F238E27FC236}">
-                <a16:creationId xmlns:a16="http://schemas.microsoft.com/office/drawing/2014/main" id="{C745DA60-2A5F-4725-AA51-BA9832FA4DDF}"/>
+                <a16:creationId xmlns:a16="http://schemas.microsoft.com/office/drawing/2014/main" id="{7824AAC5-96B5-4C25-AC6F-45D23D2F7814}"/>
               </a:ext>
             </a:extLst>
           </p:cNvPr>
@@ -3710,8 +3653,8 @@
         </p:blipFill>
         <p:spPr>
           <a:xfrm>
-            <a:off x="597569" y="1918833"/>
-            <a:ext cx="4263189" cy="2516987"/>
+            <a:off x="838200" y="2138425"/>
+            <a:ext cx="4896533" cy="504895"/>
           </a:xfrm>
           <a:prstGeom prst="rect">
             <a:avLst/>
@@ -3720,10 +3663,10 @@
       </p:pic>
       <p:pic>
         <p:nvPicPr>
-          <p:cNvPr id="8" name="그림 7">
-            <a:extLst>
-              <a:ext uri="{FF2B5EF4-FFF2-40B4-BE49-F238E27FC236}">
-                <a16:creationId xmlns:a16="http://schemas.microsoft.com/office/drawing/2014/main" id="{C362159D-4822-4E85-8C32-E988BD5BB834}"/>
+          <p:cNvPr id="6" name="그림 5">
+            <a:extLst>
+              <a:ext uri="{FF2B5EF4-FFF2-40B4-BE49-F238E27FC236}">
+                <a16:creationId xmlns:a16="http://schemas.microsoft.com/office/drawing/2014/main" id="{251D55D5-11E3-4104-B9B4-CBF23C6BDE39}"/>
               </a:ext>
             </a:extLst>
           </p:cNvPr>
@@ -3740,59 +3683,20 @@
         </p:blipFill>
         <p:spPr>
           <a:xfrm>
-            <a:off x="6935277" y="1604951"/>
-            <a:ext cx="2524477" cy="704948"/>
+            <a:off x="838200" y="3377765"/>
+            <a:ext cx="5620534" cy="752580"/>
           </a:xfrm>
           <a:prstGeom prst="rect">
             <a:avLst/>
           </a:prstGeom>
         </p:spPr>
       </p:pic>
-      <p:sp>
-        <p:nvSpPr>
-          <p:cNvPr id="9" name="TextBox 8">
-            <a:extLst>
-              <a:ext uri="{FF2B5EF4-FFF2-40B4-BE49-F238E27FC236}">
-                <a16:creationId xmlns:a16="http://schemas.microsoft.com/office/drawing/2014/main" id="{0B0CAF63-968F-4972-A00A-CECE5E22B602}"/>
-              </a:ext>
-            </a:extLst>
-          </p:cNvPr>
-          <p:cNvSpPr txBox="1"/>
-          <p:nvPr/>
-        </p:nvSpPr>
-        <p:spPr>
-          <a:xfrm>
-            <a:off x="7571874" y="1155032"/>
-            <a:ext cx="1686552" cy="369332"/>
-          </a:xfrm>
-          <a:prstGeom prst="rect">
-            <a:avLst/>
-          </a:prstGeom>
-          <a:noFill/>
-        </p:spPr>
-        <p:txBody>
-          <a:bodyPr wrap="none" rtlCol="0">
-            <a:spAutoFit/>
-          </a:bodyPr>
-          <a:lstStyle/>
-          <a:p>
-            <a:r>
-              <a:rPr lang="en-US" altLang="ko-KR" dirty="0" err="1"/>
-              <a:t>Tensorflow</a:t>
-            </a:r>
-            <a:r>
-              <a:rPr lang="en-US" altLang="ko-KR" dirty="0"/>
-              <a:t> 2.5</a:t>
-            </a:r>
-          </a:p>
-        </p:txBody>
-      </p:sp>
       <p:pic>
         <p:nvPicPr>
-          <p:cNvPr id="10" name="그림 9">
-            <a:extLst>
-              <a:ext uri="{FF2B5EF4-FFF2-40B4-BE49-F238E27FC236}">
-                <a16:creationId xmlns:a16="http://schemas.microsoft.com/office/drawing/2014/main" id="{C0E5DACD-E7B3-4A64-AA6C-97178F81B473}"/>
+          <p:cNvPr id="7" name="그림 6">
+            <a:extLst>
+              <a:ext uri="{FF2B5EF4-FFF2-40B4-BE49-F238E27FC236}">
+                <a16:creationId xmlns:a16="http://schemas.microsoft.com/office/drawing/2014/main" id="{147309E1-01AA-4B12-8594-D0BDD88A67FB}"/>
               </a:ext>
             </a:extLst>
           </p:cNvPr>
@@ -3809,8 +3713,8 @@
         </p:blipFill>
         <p:spPr>
           <a:xfrm>
-            <a:off x="6935277" y="2309899"/>
-            <a:ext cx="4029637" cy="3820058"/>
+            <a:off x="838200" y="4130345"/>
+            <a:ext cx="3498412" cy="2525880"/>
           </a:xfrm>
           <a:prstGeom prst="rect">
             <a:avLst/>
@@ -3820,7 +3724,7 @@
     </p:spTree>
     <p:extLst>
       <p:ext uri="{BB962C8B-B14F-4D97-AF65-F5344CB8AC3E}">
-        <p14:creationId xmlns:p14="http://schemas.microsoft.com/office/powerpoint/2010/main" val="3701562923"/>
+        <p14:creationId xmlns:p14="http://schemas.microsoft.com/office/powerpoint/2010/main" val="2218113355"/>
       </p:ext>
     </p:extLst>
   </p:cSld>
@@ -3852,7 +3756,7 @@
           <p:cNvPr id="2" name="제목 1">
             <a:extLst>
               <a:ext uri="{FF2B5EF4-FFF2-40B4-BE49-F238E27FC236}">
-                <a16:creationId xmlns:a16="http://schemas.microsoft.com/office/drawing/2014/main" id="{7962AE55-181C-43FB-8654-CD5D84EBA8C1}"/>
+                <a16:creationId xmlns:a16="http://schemas.microsoft.com/office/drawing/2014/main" id="{42298911-4702-43A2-90B0-A7B0255E7162}"/>
               </a:ext>
             </a:extLst>
           </p:cNvPr>
@@ -3870,7 +3774,7 @@
           <a:p>
             <a:r>
               <a:rPr lang="en-US" altLang="ko-KR" dirty="0"/>
-              <a:t>stack</a:t>
+              <a:t>cat</a:t>
             </a:r>
             <a:endParaRPr lang="ko-KR" altLang="en-US" dirty="0"/>
           </a:p>
@@ -3878,19 +3782,17 @@
       </p:sp>
       <p:pic>
         <p:nvPicPr>
-          <p:cNvPr id="4" name="내용 개체 틀 3">
-            <a:extLst>
-              <a:ext uri="{FF2B5EF4-FFF2-40B4-BE49-F238E27FC236}">
-                <a16:creationId xmlns:a16="http://schemas.microsoft.com/office/drawing/2014/main" id="{4053DD6D-FFDF-471C-AF12-F4CA82BF3512}"/>
+          <p:cNvPr id="4" name="그림 3">
+            <a:extLst>
+              <a:ext uri="{FF2B5EF4-FFF2-40B4-BE49-F238E27FC236}">
+                <a16:creationId xmlns:a16="http://schemas.microsoft.com/office/drawing/2014/main" id="{641DEF99-F76F-4A7E-9602-B3CE16211725}"/>
               </a:ext>
             </a:extLst>
           </p:cNvPr>
           <p:cNvPicPr>
-            <a:picLocks noGrp="1" noChangeAspect="1"/>
+            <a:picLocks noChangeAspect="1"/>
           </p:cNvPicPr>
-          <p:nvPr>
-            <p:ph idx="1"/>
-          </p:nvPr>
+          <p:nvPr/>
         </p:nvPicPr>
         <p:blipFill>
           <a:blip r:embed="rId2"/>
@@ -3900,8 +3802,8 @@
         </p:blipFill>
         <p:spPr>
           <a:xfrm>
-            <a:off x="470315" y="1530290"/>
-            <a:ext cx="3886742" cy="543001"/>
+            <a:off x="597569" y="1423951"/>
+            <a:ext cx="3686689" cy="533474"/>
           </a:xfrm>
           <a:prstGeom prst="rect">
             <a:avLst/>
@@ -3913,7 +3815,7 @@
           <p:cNvPr id="5" name="그림 4">
             <a:extLst>
               <a:ext uri="{FF2B5EF4-FFF2-40B4-BE49-F238E27FC236}">
-                <a16:creationId xmlns:a16="http://schemas.microsoft.com/office/drawing/2014/main" id="{6C701FD2-F046-40B2-8E57-AFC19DD3CD63}"/>
+                <a16:creationId xmlns:a16="http://schemas.microsoft.com/office/drawing/2014/main" id="{C745DA60-2A5F-4725-AA51-BA9832FA4DDF}"/>
               </a:ext>
             </a:extLst>
           </p:cNvPr>
@@ -3930,8 +3832,107 @@
         </p:blipFill>
         <p:spPr>
           <a:xfrm>
-            <a:off x="725889" y="3631544"/>
-            <a:ext cx="2848373" cy="781159"/>
+            <a:off x="597569" y="1918833"/>
+            <a:ext cx="4263189" cy="2516987"/>
+          </a:xfrm>
+          <a:prstGeom prst="rect">
+            <a:avLst/>
+          </a:prstGeom>
+        </p:spPr>
+      </p:pic>
+      <p:pic>
+        <p:nvPicPr>
+          <p:cNvPr id="8" name="그림 7">
+            <a:extLst>
+              <a:ext uri="{FF2B5EF4-FFF2-40B4-BE49-F238E27FC236}">
+                <a16:creationId xmlns:a16="http://schemas.microsoft.com/office/drawing/2014/main" id="{C362159D-4822-4E85-8C32-E988BD5BB834}"/>
+              </a:ext>
+            </a:extLst>
+          </p:cNvPr>
+          <p:cNvPicPr>
+            <a:picLocks noChangeAspect="1"/>
+          </p:cNvPicPr>
+          <p:nvPr/>
+        </p:nvPicPr>
+        <p:blipFill>
+          <a:blip r:embed="rId4"/>
+          <a:stretch>
+            <a:fillRect/>
+          </a:stretch>
+        </p:blipFill>
+        <p:spPr>
+          <a:xfrm>
+            <a:off x="6935277" y="1604951"/>
+            <a:ext cx="2524477" cy="704948"/>
+          </a:xfrm>
+          <a:prstGeom prst="rect">
+            <a:avLst/>
+          </a:prstGeom>
+        </p:spPr>
+      </p:pic>
+      <p:sp>
+        <p:nvSpPr>
+          <p:cNvPr id="9" name="TextBox 8">
+            <a:extLst>
+              <a:ext uri="{FF2B5EF4-FFF2-40B4-BE49-F238E27FC236}">
+                <a16:creationId xmlns:a16="http://schemas.microsoft.com/office/drawing/2014/main" id="{0B0CAF63-968F-4972-A00A-CECE5E22B602}"/>
+              </a:ext>
+            </a:extLst>
+          </p:cNvPr>
+          <p:cNvSpPr txBox="1"/>
+          <p:nvPr/>
+        </p:nvSpPr>
+        <p:spPr>
+          <a:xfrm>
+            <a:off x="7571874" y="1155032"/>
+            <a:ext cx="1686552" cy="369332"/>
+          </a:xfrm>
+          <a:prstGeom prst="rect">
+            <a:avLst/>
+          </a:prstGeom>
+          <a:noFill/>
+        </p:spPr>
+        <p:txBody>
+          <a:bodyPr wrap="none" rtlCol="0">
+            <a:spAutoFit/>
+          </a:bodyPr>
+          <a:lstStyle/>
+          <a:p>
+            <a:r>
+              <a:rPr lang="en-US" altLang="ko-KR" dirty="0" err="1"/>
+              <a:t>Tensorflow</a:t>
+            </a:r>
+            <a:r>
+              <a:rPr lang="en-US" altLang="ko-KR" dirty="0"/>
+              <a:t> 2.5</a:t>
+            </a:r>
+          </a:p>
+        </p:txBody>
+      </p:sp>
+      <p:pic>
+        <p:nvPicPr>
+          <p:cNvPr id="10" name="그림 9">
+            <a:extLst>
+              <a:ext uri="{FF2B5EF4-FFF2-40B4-BE49-F238E27FC236}">
+                <a16:creationId xmlns:a16="http://schemas.microsoft.com/office/drawing/2014/main" id="{C0E5DACD-E7B3-4A64-AA6C-97178F81B473}"/>
+              </a:ext>
+            </a:extLst>
+          </p:cNvPr>
+          <p:cNvPicPr>
+            <a:picLocks noChangeAspect="1"/>
+          </p:cNvPicPr>
+          <p:nvPr/>
+        </p:nvPicPr>
+        <p:blipFill>
+          <a:blip r:embed="rId5"/>
+          <a:stretch>
+            <a:fillRect/>
+          </a:stretch>
+        </p:blipFill>
+        <p:spPr>
+          <a:xfrm>
+            <a:off x="6935277" y="2309899"/>
+            <a:ext cx="4029637" cy="3820058"/>
           </a:xfrm>
           <a:prstGeom prst="rect">
             <a:avLst/>
@@ -3941,7 +3942,7 @@
     </p:spTree>
     <p:extLst>
       <p:ext uri="{BB962C8B-B14F-4D97-AF65-F5344CB8AC3E}">
-        <p14:creationId xmlns:p14="http://schemas.microsoft.com/office/powerpoint/2010/main" val="3402068499"/>
+        <p14:creationId xmlns:p14="http://schemas.microsoft.com/office/powerpoint/2010/main" val="3701562923"/>
       </p:ext>
     </p:extLst>
   </p:cSld>
@@ -3973,7 +3974,7 @@
           <p:cNvPr id="2" name="제목 1">
             <a:extLst>
               <a:ext uri="{FF2B5EF4-FFF2-40B4-BE49-F238E27FC236}">
-                <a16:creationId xmlns:a16="http://schemas.microsoft.com/office/drawing/2014/main" id="{2EE08888-850C-4B40-A3DE-1865BF874412}"/>
+                <a16:creationId xmlns:a16="http://schemas.microsoft.com/office/drawing/2014/main" id="{7962AE55-181C-43FB-8654-CD5D84EBA8C1}"/>
               </a:ext>
             </a:extLst>
           </p:cNvPr>
@@ -3991,28 +3992,9 @@
           <a:p>
             <a:r>
               <a:rPr lang="en-US" altLang="ko-KR" dirty="0"/>
-              <a:t>Split </a:t>
-            </a:r>
-            <a:r>
-              <a:rPr lang="en-US" altLang="ko-KR" sz="1600" dirty="0"/>
-              <a:t>– </a:t>
-            </a:r>
-            <a:r>
-              <a:rPr lang="en-US" altLang="ko-KR" sz="1600" dirty="0" err="1"/>
-              <a:t>split_size_or_sections</a:t>
-            </a:r>
-            <a:r>
-              <a:rPr lang="ko-KR" altLang="en-US" sz="1600" dirty="0"/>
-              <a:t>와 </a:t>
-            </a:r>
-            <a:r>
-              <a:rPr lang="en-US" altLang="ko-KR" sz="1600" dirty="0" err="1"/>
-              <a:t>num_or_size_splits</a:t>
-            </a:r>
-            <a:r>
-              <a:rPr lang="ko-KR" altLang="en-US" sz="1600" dirty="0"/>
-              <a:t>가 다름</a:t>
-            </a:r>
+              <a:t>stack</a:t>
+            </a:r>
+            <a:endParaRPr lang="ko-KR" altLang="en-US" dirty="0"/>
           </a:p>
         </p:txBody>
       </p:sp>
@@ -4021,7 +4003,7 @@
           <p:cNvPr id="4" name="내용 개체 틀 3">
             <a:extLst>
               <a:ext uri="{FF2B5EF4-FFF2-40B4-BE49-F238E27FC236}">
-                <a16:creationId xmlns:a16="http://schemas.microsoft.com/office/drawing/2014/main" id="{93033B7E-7DFD-4D43-989B-1BCA740E1A9D}"/>
+                <a16:creationId xmlns:a16="http://schemas.microsoft.com/office/drawing/2014/main" id="{4053DD6D-FFDF-471C-AF12-F4CA82BF3512}"/>
               </a:ext>
             </a:extLst>
           </p:cNvPr>
@@ -4040,8 +4022,8 @@
         </p:blipFill>
         <p:spPr>
           <a:xfrm>
-            <a:off x="508537" y="1481109"/>
-            <a:ext cx="3991532" cy="419158"/>
+            <a:off x="470315" y="1530290"/>
+            <a:ext cx="3886742" cy="543001"/>
           </a:xfrm>
           <a:prstGeom prst="rect">
             <a:avLst/>
@@ -4053,7 +4035,7 @@
           <p:cNvPr id="5" name="그림 4">
             <a:extLst>
               <a:ext uri="{FF2B5EF4-FFF2-40B4-BE49-F238E27FC236}">
-                <a16:creationId xmlns:a16="http://schemas.microsoft.com/office/drawing/2014/main" id="{43E88A83-0E8E-4F3D-AE68-DF19A5F3AE53}"/>
+                <a16:creationId xmlns:a16="http://schemas.microsoft.com/office/drawing/2014/main" id="{6C701FD2-F046-40B2-8E57-AFC19DD3CD63}"/>
               </a:ext>
             </a:extLst>
           </p:cNvPr>
@@ -4070,68 +4052,8 @@
         </p:blipFill>
         <p:spPr>
           <a:xfrm>
-            <a:off x="508537" y="1960572"/>
-            <a:ext cx="3277057" cy="4172532"/>
-          </a:xfrm>
-          <a:prstGeom prst="rect">
-            <a:avLst/>
-          </a:prstGeom>
-        </p:spPr>
-      </p:pic>
-      <p:pic>
-        <p:nvPicPr>
-          <p:cNvPr id="6" name="그림 5">
-            <a:extLst>
-              <a:ext uri="{FF2B5EF4-FFF2-40B4-BE49-F238E27FC236}">
-                <a16:creationId xmlns:a16="http://schemas.microsoft.com/office/drawing/2014/main" id="{5048083A-8C0C-4D6D-9CC6-9EFDAF634075}"/>
-              </a:ext>
-            </a:extLst>
-          </p:cNvPr>
-          <p:cNvPicPr>
-            <a:picLocks noChangeAspect="1"/>
-          </p:cNvPicPr>
-          <p:nvPr/>
-        </p:nvPicPr>
-        <p:blipFill>
-          <a:blip r:embed="rId4"/>
-          <a:stretch>
-            <a:fillRect/>
-          </a:stretch>
-        </p:blipFill>
-        <p:spPr>
-          <a:xfrm>
-            <a:off x="4829732" y="1514450"/>
-            <a:ext cx="5010849" cy="771633"/>
-          </a:xfrm>
-          <a:prstGeom prst="rect">
-            <a:avLst/>
-          </a:prstGeom>
-        </p:spPr>
-      </p:pic>
-      <p:pic>
-        <p:nvPicPr>
-          <p:cNvPr id="7" name="그림 6">
-            <a:extLst>
-              <a:ext uri="{FF2B5EF4-FFF2-40B4-BE49-F238E27FC236}">
-                <a16:creationId xmlns:a16="http://schemas.microsoft.com/office/drawing/2014/main" id="{79CFC5CD-DD9B-41B7-AD3C-9D9C7B522377}"/>
-              </a:ext>
-            </a:extLst>
-          </p:cNvPr>
-          <p:cNvPicPr>
-            <a:picLocks noChangeAspect="1"/>
-          </p:cNvPicPr>
-          <p:nvPr/>
-        </p:nvPicPr>
-        <p:blipFill>
-          <a:blip r:embed="rId5"/>
-          <a:stretch>
-            <a:fillRect/>
-          </a:stretch>
-        </p:blipFill>
-        <p:spPr>
-          <a:xfrm>
-            <a:off x="4829732" y="2361809"/>
-            <a:ext cx="5982535" cy="2981741"/>
+            <a:off x="725889" y="3631544"/>
+            <a:ext cx="2848373" cy="781159"/>
           </a:xfrm>
           <a:prstGeom prst="rect">
             <a:avLst/>
@@ -4141,7 +4063,7 @@
     </p:spTree>
     <p:extLst>
       <p:ext uri="{BB962C8B-B14F-4D97-AF65-F5344CB8AC3E}">
-        <p14:creationId xmlns:p14="http://schemas.microsoft.com/office/powerpoint/2010/main" val="2108134437"/>
+        <p14:creationId xmlns:p14="http://schemas.microsoft.com/office/powerpoint/2010/main" val="3402068499"/>
       </p:ext>
     </p:extLst>
   </p:cSld>
@@ -4173,7 +4095,7 @@
           <p:cNvPr id="2" name="제목 1">
             <a:extLst>
               <a:ext uri="{FF2B5EF4-FFF2-40B4-BE49-F238E27FC236}">
-                <a16:creationId xmlns:a16="http://schemas.microsoft.com/office/drawing/2014/main" id="{C0B069D7-57D1-4FA4-AF31-1F2BF788FF9B}"/>
+                <a16:creationId xmlns:a16="http://schemas.microsoft.com/office/drawing/2014/main" id="{2EE08888-850C-4B40-A3DE-1865BF874412}"/>
               </a:ext>
             </a:extLst>
           </p:cNvPr>
@@ -4191,9 +4113,28 @@
           <a:p>
             <a:r>
               <a:rPr lang="en-US" altLang="ko-KR" dirty="0"/>
-              <a:t>Unbind</a:t>
-            </a:r>
-            <a:endParaRPr lang="ko-KR" altLang="en-US" dirty="0"/>
+              <a:t>Split </a:t>
+            </a:r>
+            <a:r>
+              <a:rPr lang="en-US" altLang="ko-KR" sz="1600" dirty="0"/>
+              <a:t>– </a:t>
+            </a:r>
+            <a:r>
+              <a:rPr lang="en-US" altLang="ko-KR" sz="1600" dirty="0" err="1"/>
+              <a:t>split_size_or_sections</a:t>
+            </a:r>
+            <a:r>
+              <a:rPr lang="ko-KR" altLang="en-US" sz="1600" dirty="0"/>
+              <a:t>와 </a:t>
+            </a:r>
+            <a:r>
+              <a:rPr lang="en-US" altLang="ko-KR" sz="1600" dirty="0" err="1"/>
+              <a:t>num_or_size_splits</a:t>
+            </a:r>
+            <a:r>
+              <a:rPr lang="ko-KR" altLang="en-US" sz="1600" dirty="0"/>
+              <a:t>가 다름</a:t>
+            </a:r>
           </a:p>
         </p:txBody>
       </p:sp>
@@ -4202,7 +4143,7 @@
           <p:cNvPr id="4" name="내용 개체 틀 3">
             <a:extLst>
               <a:ext uri="{FF2B5EF4-FFF2-40B4-BE49-F238E27FC236}">
-                <a16:creationId xmlns:a16="http://schemas.microsoft.com/office/drawing/2014/main" id="{BBF2B7D7-A22F-4607-841C-8BBF3CE335D9}"/>
+                <a16:creationId xmlns:a16="http://schemas.microsoft.com/office/drawing/2014/main" id="{93033B7E-7DFD-4D43-989B-1BCA740E1A9D}"/>
               </a:ext>
             </a:extLst>
           </p:cNvPr>
@@ -4221,8 +4162,8 @@
         </p:blipFill>
         <p:spPr>
           <a:xfrm>
-            <a:off x="716246" y="1428714"/>
-            <a:ext cx="2686425" cy="523948"/>
+            <a:off x="508537" y="1481109"/>
+            <a:ext cx="3991532" cy="419158"/>
           </a:xfrm>
           <a:prstGeom prst="rect">
             <a:avLst/>
@@ -4234,7 +4175,7 @@
           <p:cNvPr id="5" name="그림 4">
             <a:extLst>
               <a:ext uri="{FF2B5EF4-FFF2-40B4-BE49-F238E27FC236}">
-                <a16:creationId xmlns:a16="http://schemas.microsoft.com/office/drawing/2014/main" id="{277EDC5D-578F-438A-97D3-A90CAA1A639D}"/>
+                <a16:creationId xmlns:a16="http://schemas.microsoft.com/office/drawing/2014/main" id="{43E88A83-0E8E-4F3D-AE68-DF19A5F3AE53}"/>
               </a:ext>
             </a:extLst>
           </p:cNvPr>
@@ -4251,8 +4192,8 @@
         </p:blipFill>
         <p:spPr>
           <a:xfrm>
-            <a:off x="497795" y="2011500"/>
-            <a:ext cx="4820323" cy="1105054"/>
+            <a:off x="508537" y="1960572"/>
+            <a:ext cx="3277057" cy="4172532"/>
           </a:xfrm>
           <a:prstGeom prst="rect">
             <a:avLst/>
@@ -4264,7 +4205,7 @@
           <p:cNvPr id="6" name="그림 5">
             <a:extLst>
               <a:ext uri="{FF2B5EF4-FFF2-40B4-BE49-F238E27FC236}">
-                <a16:creationId xmlns:a16="http://schemas.microsoft.com/office/drawing/2014/main" id="{D0DF1D07-51C7-4F28-9AE1-C2F825A76719}"/>
+                <a16:creationId xmlns:a16="http://schemas.microsoft.com/office/drawing/2014/main" id="{5048083A-8C0C-4D6D-9CC6-9EFDAF634075}"/>
               </a:ext>
             </a:extLst>
           </p:cNvPr>
@@ -4281,8 +4222,8 @@
         </p:blipFill>
         <p:spPr>
           <a:xfrm>
-            <a:off x="6150536" y="1154130"/>
-            <a:ext cx="5325218" cy="2819794"/>
+            <a:off x="4829732" y="1514450"/>
+            <a:ext cx="5010849" cy="771633"/>
           </a:xfrm>
           <a:prstGeom prst="rect">
             <a:avLst/>
@@ -4294,7 +4235,7 @@
           <p:cNvPr id="7" name="그림 6">
             <a:extLst>
               <a:ext uri="{FF2B5EF4-FFF2-40B4-BE49-F238E27FC236}">
-                <a16:creationId xmlns:a16="http://schemas.microsoft.com/office/drawing/2014/main" id="{903C18E6-2B4C-4181-817B-4943F0E25BE3}"/>
+                <a16:creationId xmlns:a16="http://schemas.microsoft.com/office/drawing/2014/main" id="{79CFC5CD-DD9B-41B7-AD3C-9D9C7B522377}"/>
               </a:ext>
             </a:extLst>
           </p:cNvPr>
@@ -4311,8 +4252,8 @@
         </p:blipFill>
         <p:spPr>
           <a:xfrm>
-            <a:off x="2848398" y="4422847"/>
-            <a:ext cx="5289764" cy="2012877"/>
+            <a:off x="4829732" y="2361809"/>
+            <a:ext cx="5982535" cy="2981741"/>
           </a:xfrm>
           <a:prstGeom prst="rect">
             <a:avLst/>
@@ -4322,7 +4263,7 @@
     </p:spTree>
     <p:extLst>
       <p:ext uri="{BB962C8B-B14F-4D97-AF65-F5344CB8AC3E}">
-        <p14:creationId xmlns:p14="http://schemas.microsoft.com/office/powerpoint/2010/main" val="378172991"/>
+        <p14:creationId xmlns:p14="http://schemas.microsoft.com/office/powerpoint/2010/main" val="2108134437"/>
       </p:ext>
     </p:extLst>
   </p:cSld>
@@ -4354,7 +4295,7 @@
           <p:cNvPr id="2" name="제목 1">
             <a:extLst>
               <a:ext uri="{FF2B5EF4-FFF2-40B4-BE49-F238E27FC236}">
-                <a16:creationId xmlns:a16="http://schemas.microsoft.com/office/drawing/2014/main" id="{D69FA6C0-33A1-473C-9D4B-9F691FA0F937}"/>
+                <a16:creationId xmlns:a16="http://schemas.microsoft.com/office/drawing/2014/main" id="{C0B069D7-57D1-4FA4-AF31-1F2BF788FF9B}"/>
               </a:ext>
             </a:extLst>
           </p:cNvPr>
@@ -4371,8 +4312,8 @@
           <a:lstStyle/>
           <a:p>
             <a:r>
-              <a:rPr lang="en-US" altLang="ko-KR" dirty="0" err="1"/>
-              <a:t>unsqueeze</a:t>
+              <a:rPr lang="en-US" altLang="ko-KR" dirty="0"/>
+              <a:t>Unbind</a:t>
             </a:r>
             <a:endParaRPr lang="ko-KR" altLang="en-US" dirty="0"/>
           </a:p>
@@ -4380,10 +4321,10 @@
       </p:sp>
       <p:pic>
         <p:nvPicPr>
-          <p:cNvPr id="5" name="내용 개체 틀 4">
-            <a:extLst>
-              <a:ext uri="{FF2B5EF4-FFF2-40B4-BE49-F238E27FC236}">
-                <a16:creationId xmlns:a16="http://schemas.microsoft.com/office/drawing/2014/main" id="{A46B0A59-B3B6-44B5-9539-DC2516F5700C}"/>
+          <p:cNvPr id="4" name="내용 개체 틀 3">
+            <a:extLst>
+              <a:ext uri="{FF2B5EF4-FFF2-40B4-BE49-F238E27FC236}">
+                <a16:creationId xmlns:a16="http://schemas.microsoft.com/office/drawing/2014/main" id="{BBF2B7D7-A22F-4607-841C-8BBF3CE335D9}"/>
               </a:ext>
             </a:extLst>
           </p:cNvPr>
@@ -4402,8 +4343,8 @@
         </p:blipFill>
         <p:spPr>
           <a:xfrm>
-            <a:off x="838200" y="1632619"/>
-            <a:ext cx="3048425" cy="552527"/>
+            <a:off x="716246" y="1428714"/>
+            <a:ext cx="2686425" cy="523948"/>
           </a:xfrm>
           <a:prstGeom prst="rect">
             <a:avLst/>
@@ -4412,10 +4353,10 @@
       </p:pic>
       <p:pic>
         <p:nvPicPr>
-          <p:cNvPr id="6" name="그림 5">
-            <a:extLst>
-              <a:ext uri="{FF2B5EF4-FFF2-40B4-BE49-F238E27FC236}">
-                <a16:creationId xmlns:a16="http://schemas.microsoft.com/office/drawing/2014/main" id="{D2D93179-06F2-41C5-B762-A51E23399BD6}"/>
+          <p:cNvPr id="5" name="그림 4">
+            <a:extLst>
+              <a:ext uri="{FF2B5EF4-FFF2-40B4-BE49-F238E27FC236}">
+                <a16:creationId xmlns:a16="http://schemas.microsoft.com/office/drawing/2014/main" id="{277EDC5D-578F-438A-97D3-A90CAA1A639D}"/>
               </a:ext>
             </a:extLst>
           </p:cNvPr>
@@ -4432,8 +4373,8 @@
         </p:blipFill>
         <p:spPr>
           <a:xfrm>
-            <a:off x="914410" y="2185146"/>
-            <a:ext cx="2972215" cy="1819529"/>
+            <a:off x="497795" y="2011500"/>
+            <a:ext cx="4820323" cy="1105054"/>
           </a:xfrm>
           <a:prstGeom prst="rect">
             <a:avLst/>
@@ -4442,10 +4383,10 @@
       </p:pic>
       <p:pic>
         <p:nvPicPr>
-          <p:cNvPr id="7" name="그림 6">
-            <a:extLst>
-              <a:ext uri="{FF2B5EF4-FFF2-40B4-BE49-F238E27FC236}">
-                <a16:creationId xmlns:a16="http://schemas.microsoft.com/office/drawing/2014/main" id="{2ECF97D4-4BF9-4FB2-B7D3-851862001368}"/>
+          <p:cNvPr id="6" name="그림 5">
+            <a:extLst>
+              <a:ext uri="{FF2B5EF4-FFF2-40B4-BE49-F238E27FC236}">
+                <a16:creationId xmlns:a16="http://schemas.microsoft.com/office/drawing/2014/main" id="{D0DF1D07-51C7-4F28-9AE1-C2F825A76719}"/>
               </a:ext>
             </a:extLst>
           </p:cNvPr>
@@ -4462,8 +4403,8 @@
         </p:blipFill>
         <p:spPr>
           <a:xfrm>
-            <a:off x="9479879" y="17674"/>
-            <a:ext cx="2343477" cy="781159"/>
+            <a:off x="6150536" y="1154130"/>
+            <a:ext cx="5325218" cy="2819794"/>
           </a:xfrm>
           <a:prstGeom prst="rect">
             <a:avLst/>
@@ -4472,10 +4413,10 @@
       </p:pic>
       <p:pic>
         <p:nvPicPr>
-          <p:cNvPr id="8" name="그림 7">
-            <a:extLst>
-              <a:ext uri="{FF2B5EF4-FFF2-40B4-BE49-F238E27FC236}">
-                <a16:creationId xmlns:a16="http://schemas.microsoft.com/office/drawing/2014/main" id="{71AEB188-ED2F-4943-B329-19AB14C010C3}"/>
+          <p:cNvPr id="7" name="그림 6">
+            <a:extLst>
+              <a:ext uri="{FF2B5EF4-FFF2-40B4-BE49-F238E27FC236}">
+                <a16:creationId xmlns:a16="http://schemas.microsoft.com/office/drawing/2014/main" id="{903C18E6-2B4C-4181-817B-4943F0E25BE3}"/>
               </a:ext>
             </a:extLst>
           </p:cNvPr>
@@ -4492,38 +4433,8 @@
         </p:blipFill>
         <p:spPr>
           <a:xfrm>
-            <a:off x="9190883" y="1260152"/>
-            <a:ext cx="2632473" cy="2549611"/>
-          </a:xfrm>
-          <a:prstGeom prst="rect">
-            <a:avLst/>
-          </a:prstGeom>
-        </p:spPr>
-      </p:pic>
-      <p:pic>
-        <p:nvPicPr>
-          <p:cNvPr id="9" name="그림 8">
-            <a:extLst>
-              <a:ext uri="{FF2B5EF4-FFF2-40B4-BE49-F238E27FC236}">
-                <a16:creationId xmlns:a16="http://schemas.microsoft.com/office/drawing/2014/main" id="{42EBD998-DCEE-46B2-8E03-B0C6CB77DE31}"/>
-              </a:ext>
-            </a:extLst>
-          </p:cNvPr>
-          <p:cNvPicPr>
-            <a:picLocks noChangeAspect="1"/>
-          </p:cNvPicPr>
-          <p:nvPr/>
-        </p:nvPicPr>
-        <p:blipFill>
-          <a:blip r:embed="rId6"/>
-          <a:stretch>
-            <a:fillRect/>
-          </a:stretch>
-        </p:blipFill>
-        <p:spPr>
-          <a:xfrm>
-            <a:off x="6096000" y="2702502"/>
-            <a:ext cx="2633868" cy="3802832"/>
+            <a:off x="2848398" y="4422847"/>
+            <a:ext cx="5289764" cy="2012877"/>
           </a:xfrm>
           <a:prstGeom prst="rect">
             <a:avLst/>
@@ -4533,7 +4444,7 @@
     </p:spTree>
     <p:extLst>
       <p:ext uri="{BB962C8B-B14F-4D97-AF65-F5344CB8AC3E}">
-        <p14:creationId xmlns:p14="http://schemas.microsoft.com/office/powerpoint/2010/main" val="3833049954"/>
+        <p14:creationId xmlns:p14="http://schemas.microsoft.com/office/powerpoint/2010/main" val="378172991"/>
       </p:ext>
     </p:extLst>
   </p:cSld>
@@ -4565,7 +4476,7 @@
           <p:cNvPr id="2" name="제목 1">
             <a:extLst>
               <a:ext uri="{FF2B5EF4-FFF2-40B4-BE49-F238E27FC236}">
-                <a16:creationId xmlns:a16="http://schemas.microsoft.com/office/drawing/2014/main" id="{8FCCBC19-F4D6-4F61-B7E2-993F93432041}"/>
+                <a16:creationId xmlns:a16="http://schemas.microsoft.com/office/drawing/2014/main" id="{D69FA6C0-33A1-473C-9D4B-9F691FA0F937}"/>
               </a:ext>
             </a:extLst>
           </p:cNvPr>
@@ -4582,8 +4493,8 @@
           <a:lstStyle/>
           <a:p>
             <a:r>
-              <a:rPr lang="en-US" altLang="ko-KR" dirty="0"/>
-              <a:t>Squeeze</a:t>
+              <a:rPr lang="en-US" altLang="ko-KR" dirty="0" err="1"/>
+              <a:t>unsqueeze</a:t>
             </a:r>
             <a:endParaRPr lang="ko-KR" altLang="en-US" dirty="0"/>
           </a:p>
@@ -4591,10 +4502,10 @@
       </p:sp>
       <p:pic>
         <p:nvPicPr>
-          <p:cNvPr id="4" name="내용 개체 틀 3">
-            <a:extLst>
-              <a:ext uri="{FF2B5EF4-FFF2-40B4-BE49-F238E27FC236}">
-                <a16:creationId xmlns:a16="http://schemas.microsoft.com/office/drawing/2014/main" id="{6A16A345-E7AC-4709-A61E-635F54C175BA}"/>
+          <p:cNvPr id="5" name="내용 개체 틀 4">
+            <a:extLst>
+              <a:ext uri="{FF2B5EF4-FFF2-40B4-BE49-F238E27FC236}">
+                <a16:creationId xmlns:a16="http://schemas.microsoft.com/office/drawing/2014/main" id="{A46B0A59-B3B6-44B5-9539-DC2516F5700C}"/>
               </a:ext>
             </a:extLst>
           </p:cNvPr>
@@ -4613,8 +4524,8 @@
         </p:blipFill>
         <p:spPr>
           <a:xfrm>
-            <a:off x="686294" y="1690688"/>
-            <a:ext cx="3982006" cy="495369"/>
+            <a:off x="838200" y="1632619"/>
+            <a:ext cx="3048425" cy="552527"/>
           </a:xfrm>
           <a:prstGeom prst="rect">
             <a:avLst/>
@@ -4623,10 +4534,10 @@
       </p:pic>
       <p:pic>
         <p:nvPicPr>
-          <p:cNvPr id="5" name="그림 4">
-            <a:extLst>
-              <a:ext uri="{FF2B5EF4-FFF2-40B4-BE49-F238E27FC236}">
-                <a16:creationId xmlns:a16="http://schemas.microsoft.com/office/drawing/2014/main" id="{78EF1C45-0DA8-45FA-A5C9-4BFC7163EE03}"/>
+          <p:cNvPr id="6" name="그림 5">
+            <a:extLst>
+              <a:ext uri="{FF2B5EF4-FFF2-40B4-BE49-F238E27FC236}">
+                <a16:creationId xmlns:a16="http://schemas.microsoft.com/office/drawing/2014/main" id="{D2D93179-06F2-41C5-B762-A51E23399BD6}"/>
               </a:ext>
             </a:extLst>
           </p:cNvPr>
@@ -4643,8 +4554,98 @@
         </p:blipFill>
         <p:spPr>
           <a:xfrm>
-            <a:off x="6498818" y="1690688"/>
-            <a:ext cx="2753109" cy="752580"/>
+            <a:off x="914410" y="2185146"/>
+            <a:ext cx="2972215" cy="1819529"/>
+          </a:xfrm>
+          <a:prstGeom prst="rect">
+            <a:avLst/>
+          </a:prstGeom>
+        </p:spPr>
+      </p:pic>
+      <p:pic>
+        <p:nvPicPr>
+          <p:cNvPr id="7" name="그림 6">
+            <a:extLst>
+              <a:ext uri="{FF2B5EF4-FFF2-40B4-BE49-F238E27FC236}">
+                <a16:creationId xmlns:a16="http://schemas.microsoft.com/office/drawing/2014/main" id="{2ECF97D4-4BF9-4FB2-B7D3-851862001368}"/>
+              </a:ext>
+            </a:extLst>
+          </p:cNvPr>
+          <p:cNvPicPr>
+            <a:picLocks noChangeAspect="1"/>
+          </p:cNvPicPr>
+          <p:nvPr/>
+        </p:nvPicPr>
+        <p:blipFill>
+          <a:blip r:embed="rId4"/>
+          <a:stretch>
+            <a:fillRect/>
+          </a:stretch>
+        </p:blipFill>
+        <p:spPr>
+          <a:xfrm>
+            <a:off x="9479879" y="17674"/>
+            <a:ext cx="2343477" cy="781159"/>
+          </a:xfrm>
+          <a:prstGeom prst="rect">
+            <a:avLst/>
+          </a:prstGeom>
+        </p:spPr>
+      </p:pic>
+      <p:pic>
+        <p:nvPicPr>
+          <p:cNvPr id="8" name="그림 7">
+            <a:extLst>
+              <a:ext uri="{FF2B5EF4-FFF2-40B4-BE49-F238E27FC236}">
+                <a16:creationId xmlns:a16="http://schemas.microsoft.com/office/drawing/2014/main" id="{71AEB188-ED2F-4943-B329-19AB14C010C3}"/>
+              </a:ext>
+            </a:extLst>
+          </p:cNvPr>
+          <p:cNvPicPr>
+            <a:picLocks noChangeAspect="1"/>
+          </p:cNvPicPr>
+          <p:nvPr/>
+        </p:nvPicPr>
+        <p:blipFill>
+          <a:blip r:embed="rId5"/>
+          <a:stretch>
+            <a:fillRect/>
+          </a:stretch>
+        </p:blipFill>
+        <p:spPr>
+          <a:xfrm>
+            <a:off x="9190883" y="1260152"/>
+            <a:ext cx="2632473" cy="2549611"/>
+          </a:xfrm>
+          <a:prstGeom prst="rect">
+            <a:avLst/>
+          </a:prstGeom>
+        </p:spPr>
+      </p:pic>
+      <p:pic>
+        <p:nvPicPr>
+          <p:cNvPr id="9" name="그림 8">
+            <a:extLst>
+              <a:ext uri="{FF2B5EF4-FFF2-40B4-BE49-F238E27FC236}">
+                <a16:creationId xmlns:a16="http://schemas.microsoft.com/office/drawing/2014/main" id="{42EBD998-DCEE-46B2-8E03-B0C6CB77DE31}"/>
+              </a:ext>
+            </a:extLst>
+          </p:cNvPr>
+          <p:cNvPicPr>
+            <a:picLocks noChangeAspect="1"/>
+          </p:cNvPicPr>
+          <p:nvPr/>
+        </p:nvPicPr>
+        <p:blipFill>
+          <a:blip r:embed="rId6"/>
+          <a:stretch>
+            <a:fillRect/>
+          </a:stretch>
+        </p:blipFill>
+        <p:spPr>
+          <a:xfrm>
+            <a:off x="6096000" y="2702502"/>
+            <a:ext cx="2633868" cy="3802832"/>
           </a:xfrm>
           <a:prstGeom prst="rect">
             <a:avLst/>
@@ -4654,7 +4655,7 @@
     </p:spTree>
     <p:extLst>
       <p:ext uri="{BB962C8B-B14F-4D97-AF65-F5344CB8AC3E}">
-        <p14:creationId xmlns:p14="http://schemas.microsoft.com/office/powerpoint/2010/main" val="875931628"/>
+        <p14:creationId xmlns:p14="http://schemas.microsoft.com/office/powerpoint/2010/main" val="3833049954"/>
       </p:ext>
     </p:extLst>
   </p:cSld>
@@ -4686,7 +4687,7 @@
           <p:cNvPr id="2" name="제목 1">
             <a:extLst>
               <a:ext uri="{FF2B5EF4-FFF2-40B4-BE49-F238E27FC236}">
-                <a16:creationId xmlns:a16="http://schemas.microsoft.com/office/drawing/2014/main" id="{9011CC2F-ED90-45F4-AC6B-4AF80FAD99F8}"/>
+                <a16:creationId xmlns:a16="http://schemas.microsoft.com/office/drawing/2014/main" id="{8FCCBC19-F4D6-4F61-B7E2-993F93432041}"/>
               </a:ext>
             </a:extLst>
           </p:cNvPr>
@@ -4703,8 +4704,8 @@
           <a:lstStyle/>
           <a:p>
             <a:r>
-              <a:rPr lang="en-US" altLang="ko-KR" dirty="0" err="1"/>
-              <a:t>ReLU</a:t>
+              <a:rPr lang="en-US" altLang="ko-KR" dirty="0"/>
+              <a:t>Squeeze</a:t>
             </a:r>
             <a:endParaRPr lang="ko-KR" altLang="en-US" dirty="0"/>
           </a:p>
@@ -4715,7 +4716,7 @@
           <p:cNvPr id="4" name="내용 개체 틀 3">
             <a:extLst>
               <a:ext uri="{FF2B5EF4-FFF2-40B4-BE49-F238E27FC236}">
-                <a16:creationId xmlns:a16="http://schemas.microsoft.com/office/drawing/2014/main" id="{C7E1BAE3-5CF6-4D73-B756-7964FEA52787}"/>
+                <a16:creationId xmlns:a16="http://schemas.microsoft.com/office/drawing/2014/main" id="{6A16A345-E7AC-4709-A61E-635F54C175BA}"/>
               </a:ext>
             </a:extLst>
           </p:cNvPr>
@@ -4734,8 +4735,8 @@
         </p:blipFill>
         <p:spPr>
           <a:xfrm>
-            <a:off x="307555" y="1423951"/>
-            <a:ext cx="2943636" cy="533474"/>
+            <a:off x="686294" y="1690688"/>
+            <a:ext cx="3982006" cy="495369"/>
           </a:xfrm>
           <a:prstGeom prst="rect">
             <a:avLst/>
@@ -4747,7 +4748,7 @@
           <p:cNvPr id="5" name="그림 4">
             <a:extLst>
               <a:ext uri="{FF2B5EF4-FFF2-40B4-BE49-F238E27FC236}">
-                <a16:creationId xmlns:a16="http://schemas.microsoft.com/office/drawing/2014/main" id="{8043A059-6F65-44D2-A2D1-148998967839}"/>
+                <a16:creationId xmlns:a16="http://schemas.microsoft.com/office/drawing/2014/main" id="{78EF1C45-0DA8-45FA-A5C9-4BFC7163EE03}"/>
               </a:ext>
             </a:extLst>
           </p:cNvPr>
@@ -4764,68 +4765,8 @@
         </p:blipFill>
         <p:spPr>
           <a:xfrm>
-            <a:off x="340506" y="1911197"/>
-            <a:ext cx="4305901" cy="838317"/>
-          </a:xfrm>
-          <a:prstGeom prst="rect">
-            <a:avLst/>
-          </a:prstGeom>
-        </p:spPr>
-      </p:pic>
-      <p:pic>
-        <p:nvPicPr>
-          <p:cNvPr id="6" name="그림 5">
-            <a:extLst>
-              <a:ext uri="{FF2B5EF4-FFF2-40B4-BE49-F238E27FC236}">
-                <a16:creationId xmlns:a16="http://schemas.microsoft.com/office/drawing/2014/main" id="{11862539-40C2-4C09-873F-198B38FC58D0}"/>
-              </a:ext>
-            </a:extLst>
-          </p:cNvPr>
-          <p:cNvPicPr>
-            <a:picLocks noChangeAspect="1"/>
-          </p:cNvPicPr>
-          <p:nvPr/>
-        </p:nvPicPr>
-        <p:blipFill>
-          <a:blip r:embed="rId4"/>
-          <a:stretch>
-            <a:fillRect/>
-          </a:stretch>
-        </p:blipFill>
-        <p:spPr>
-          <a:xfrm>
-            <a:off x="340506" y="2749514"/>
-            <a:ext cx="8821381" cy="3934374"/>
-          </a:xfrm>
-          <a:prstGeom prst="rect">
-            <a:avLst/>
-          </a:prstGeom>
-        </p:spPr>
-      </p:pic>
-      <p:pic>
-        <p:nvPicPr>
-          <p:cNvPr id="8" name="그림 7">
-            <a:extLst>
-              <a:ext uri="{FF2B5EF4-FFF2-40B4-BE49-F238E27FC236}">
-                <a16:creationId xmlns:a16="http://schemas.microsoft.com/office/drawing/2014/main" id="{F7D48A61-10D9-48C2-905B-53FF1DFE649E}"/>
-              </a:ext>
-            </a:extLst>
-          </p:cNvPr>
-          <p:cNvPicPr>
-            <a:picLocks noChangeAspect="1"/>
-          </p:cNvPicPr>
-          <p:nvPr/>
-        </p:nvPicPr>
-        <p:blipFill>
-          <a:blip r:embed="rId5"/>
-          <a:stretch>
-            <a:fillRect/>
-          </a:stretch>
-        </p:blipFill>
-        <p:spPr>
-          <a:xfrm>
-            <a:off x="6711141" y="1362732"/>
-            <a:ext cx="5115639" cy="876422"/>
+            <a:off x="6498818" y="1690688"/>
+            <a:ext cx="2753109" cy="752580"/>
           </a:xfrm>
           <a:prstGeom prst="rect">
             <a:avLst/>
@@ -4835,7 +4776,7 @@
     </p:spTree>
     <p:extLst>
       <p:ext uri="{BB962C8B-B14F-4D97-AF65-F5344CB8AC3E}">
-        <p14:creationId xmlns:p14="http://schemas.microsoft.com/office/powerpoint/2010/main" val="957661059"/>
+        <p14:creationId xmlns:p14="http://schemas.microsoft.com/office/powerpoint/2010/main" val="875931628"/>
       </p:ext>
     </p:extLst>
   </p:cSld>
@@ -4867,7 +4808,7 @@
           <p:cNvPr id="2" name="제목 1">
             <a:extLst>
               <a:ext uri="{FF2B5EF4-FFF2-40B4-BE49-F238E27FC236}">
-                <a16:creationId xmlns:a16="http://schemas.microsoft.com/office/drawing/2014/main" id="{E8633C8F-F950-40D6-9669-814978EDD7FD}"/>
+                <a16:creationId xmlns:a16="http://schemas.microsoft.com/office/drawing/2014/main" id="{9011CC2F-ED90-45F4-AC6B-4AF80FAD99F8}"/>
               </a:ext>
             </a:extLst>
           </p:cNvPr>
@@ -4884,8 +4825,8 @@
           <a:lstStyle/>
           <a:p>
             <a:r>
-              <a:rPr lang="en-US" altLang="ko-KR" dirty="0"/>
-              <a:t>maxpool2d</a:t>
+              <a:rPr lang="en-US" altLang="ko-KR" dirty="0" err="1"/>
+              <a:t>ReLU</a:t>
             </a:r>
             <a:endParaRPr lang="ko-KR" altLang="en-US" dirty="0"/>
           </a:p>
@@ -4896,7 +4837,7 @@
           <p:cNvPr id="4" name="내용 개체 틀 3">
             <a:extLst>
               <a:ext uri="{FF2B5EF4-FFF2-40B4-BE49-F238E27FC236}">
-                <a16:creationId xmlns:a16="http://schemas.microsoft.com/office/drawing/2014/main" id="{3F4B94FD-2D30-413C-B7B2-0EBA253264FD}"/>
+                <a16:creationId xmlns:a16="http://schemas.microsoft.com/office/drawing/2014/main" id="{C7E1BAE3-5CF6-4D73-B756-7964FEA52787}"/>
               </a:ext>
             </a:extLst>
           </p:cNvPr>
@@ -4907,15 +4848,16 @@
             <p:ph idx="1"/>
           </p:nvPr>
         </p:nvPicPr>
-        <p:blipFill rotWithShape="1">
+        <p:blipFill>
           <a:blip r:embed="rId2"/>
-          <a:srcRect t="51629"/>
-          <a:stretch/>
+          <a:stretch>
+            <a:fillRect/>
+          </a:stretch>
         </p:blipFill>
         <p:spPr>
           <a:xfrm>
-            <a:off x="379297" y="1411902"/>
-            <a:ext cx="5963482" cy="557572"/>
+            <a:off x="307555" y="1423951"/>
+            <a:ext cx="2943636" cy="533474"/>
           </a:xfrm>
           <a:prstGeom prst="rect">
             <a:avLst/>
@@ -4924,10 +4866,10 @@
       </p:pic>
       <p:pic>
         <p:nvPicPr>
-          <p:cNvPr id="8" name="그림 7">
-            <a:extLst>
-              <a:ext uri="{FF2B5EF4-FFF2-40B4-BE49-F238E27FC236}">
-                <a16:creationId xmlns:a16="http://schemas.microsoft.com/office/drawing/2014/main" id="{193C82B3-653D-49B9-810A-1DF4CA96F938}"/>
+          <p:cNvPr id="5" name="그림 4">
+            <a:extLst>
+              <a:ext uri="{FF2B5EF4-FFF2-40B4-BE49-F238E27FC236}">
+                <a16:creationId xmlns:a16="http://schemas.microsoft.com/office/drawing/2014/main" id="{8043A059-6F65-44D2-A2D1-148998967839}"/>
               </a:ext>
             </a:extLst>
           </p:cNvPr>
@@ -4944,8 +4886,8 @@
         </p:blipFill>
         <p:spPr>
           <a:xfrm>
-            <a:off x="6573794" y="1516132"/>
-            <a:ext cx="5934903" cy="828791"/>
+            <a:off x="340506" y="1911197"/>
+            <a:ext cx="4305901" cy="838317"/>
           </a:xfrm>
           <a:prstGeom prst="rect">
             <a:avLst/>
@@ -4954,10 +4896,10 @@
       </p:pic>
       <p:pic>
         <p:nvPicPr>
-          <p:cNvPr id="9" name="그림 8">
-            <a:extLst>
-              <a:ext uri="{FF2B5EF4-FFF2-40B4-BE49-F238E27FC236}">
-                <a16:creationId xmlns:a16="http://schemas.microsoft.com/office/drawing/2014/main" id="{0C52915F-9F8D-4C9E-AC4B-0224BFBCDB05}"/>
+          <p:cNvPr id="6" name="그림 5">
+            <a:extLst>
+              <a:ext uri="{FF2B5EF4-FFF2-40B4-BE49-F238E27FC236}">
+                <a16:creationId xmlns:a16="http://schemas.microsoft.com/office/drawing/2014/main" id="{11862539-40C2-4C09-873F-198B38FC58D0}"/>
               </a:ext>
             </a:extLst>
           </p:cNvPr>
@@ -4974,8 +4916,38 @@
         </p:blipFill>
         <p:spPr>
           <a:xfrm>
-            <a:off x="4141161" y="2722272"/>
-            <a:ext cx="8164064" cy="1066949"/>
+            <a:off x="340506" y="2749514"/>
+            <a:ext cx="8821381" cy="3934374"/>
+          </a:xfrm>
+          <a:prstGeom prst="rect">
+            <a:avLst/>
+          </a:prstGeom>
+        </p:spPr>
+      </p:pic>
+      <p:pic>
+        <p:nvPicPr>
+          <p:cNvPr id="8" name="그림 7">
+            <a:extLst>
+              <a:ext uri="{FF2B5EF4-FFF2-40B4-BE49-F238E27FC236}">
+                <a16:creationId xmlns:a16="http://schemas.microsoft.com/office/drawing/2014/main" id="{F7D48A61-10D9-48C2-905B-53FF1DFE649E}"/>
+              </a:ext>
+            </a:extLst>
+          </p:cNvPr>
+          <p:cNvPicPr>
+            <a:picLocks noChangeAspect="1"/>
+          </p:cNvPicPr>
+          <p:nvPr/>
+        </p:nvPicPr>
+        <p:blipFill>
+          <a:blip r:embed="rId5"/>
+          <a:stretch>
+            <a:fillRect/>
+          </a:stretch>
+        </p:blipFill>
+        <p:spPr>
+          <a:xfrm>
+            <a:off x="6711141" y="1362732"/>
+            <a:ext cx="5115639" cy="876422"/>
           </a:xfrm>
           <a:prstGeom prst="rect">
             <a:avLst/>
@@ -4985,7 +4957,7 @@
     </p:spTree>
     <p:extLst>
       <p:ext uri="{BB962C8B-B14F-4D97-AF65-F5344CB8AC3E}">
-        <p14:creationId xmlns:p14="http://schemas.microsoft.com/office/powerpoint/2010/main" val="4154979751"/>
+        <p14:creationId xmlns:p14="http://schemas.microsoft.com/office/powerpoint/2010/main" val="957661059"/>
       </p:ext>
     </p:extLst>
   </p:cSld>
@@ -5017,7 +4989,7 @@
           <p:cNvPr id="2" name="제목 1">
             <a:extLst>
               <a:ext uri="{FF2B5EF4-FFF2-40B4-BE49-F238E27FC236}">
-                <a16:creationId xmlns:a16="http://schemas.microsoft.com/office/drawing/2014/main" id="{CF19A233-CF8B-4723-B9D7-0DDB43679770}"/>
+                <a16:creationId xmlns:a16="http://schemas.microsoft.com/office/drawing/2014/main" id="{E8633C8F-F950-40D6-9669-814978EDD7FD}"/>
               </a:ext>
             </a:extLst>
           </p:cNvPr>
@@ -5035,7 +5007,7 @@
           <a:p>
             <a:r>
               <a:rPr lang="en-US" altLang="ko-KR" dirty="0"/>
-              <a:t>Maxunpool2d</a:t>
+              <a:t>maxpool2d</a:t>
             </a:r>
             <a:endParaRPr lang="ko-KR" altLang="en-US" dirty="0"/>
           </a:p>
@@ -5046,7 +5018,7 @@
           <p:cNvPr id="4" name="내용 개체 틀 3">
             <a:extLst>
               <a:ext uri="{FF2B5EF4-FFF2-40B4-BE49-F238E27FC236}">
-                <a16:creationId xmlns:a16="http://schemas.microsoft.com/office/drawing/2014/main" id="{C6B3A8F9-8A27-4C89-BA5B-F624133A246C}"/>
+                <a16:creationId xmlns:a16="http://schemas.microsoft.com/office/drawing/2014/main" id="{3F4B94FD-2D30-413C-B7B2-0EBA253264FD}"/>
               </a:ext>
             </a:extLst>
           </p:cNvPr>
@@ -5057,16 +5029,75 @@
             <p:ph idx="1"/>
           </p:nvPr>
         </p:nvPicPr>
+        <p:blipFill rotWithShape="1">
+          <a:blip r:embed="rId2"/>
+          <a:srcRect t="51629"/>
+          <a:stretch/>
+        </p:blipFill>
+        <p:spPr>
+          <a:xfrm>
+            <a:off x="379297" y="1411902"/>
+            <a:ext cx="5963482" cy="557572"/>
+          </a:xfrm>
+          <a:prstGeom prst="rect">
+            <a:avLst/>
+          </a:prstGeom>
+        </p:spPr>
+      </p:pic>
+      <p:pic>
+        <p:nvPicPr>
+          <p:cNvPr id="8" name="그림 7">
+            <a:extLst>
+              <a:ext uri="{FF2B5EF4-FFF2-40B4-BE49-F238E27FC236}">
+                <a16:creationId xmlns:a16="http://schemas.microsoft.com/office/drawing/2014/main" id="{193C82B3-653D-49B9-810A-1DF4CA96F938}"/>
+              </a:ext>
+            </a:extLst>
+          </p:cNvPr>
+          <p:cNvPicPr>
+            <a:picLocks noChangeAspect="1"/>
+          </p:cNvPicPr>
+          <p:nvPr/>
+        </p:nvPicPr>
         <p:blipFill>
-          <a:blip r:embed="rId2"/>
+          <a:blip r:embed="rId3"/>
           <a:stretch>
             <a:fillRect/>
           </a:stretch>
         </p:blipFill>
         <p:spPr>
           <a:xfrm>
-            <a:off x="662277" y="1586160"/>
-            <a:ext cx="5068007" cy="447737"/>
+            <a:off x="6573794" y="1516132"/>
+            <a:ext cx="5934903" cy="828791"/>
+          </a:xfrm>
+          <a:prstGeom prst="rect">
+            <a:avLst/>
+          </a:prstGeom>
+        </p:spPr>
+      </p:pic>
+      <p:pic>
+        <p:nvPicPr>
+          <p:cNvPr id="9" name="그림 8">
+            <a:extLst>
+              <a:ext uri="{FF2B5EF4-FFF2-40B4-BE49-F238E27FC236}">
+                <a16:creationId xmlns:a16="http://schemas.microsoft.com/office/drawing/2014/main" id="{0C52915F-9F8D-4C9E-AC4B-0224BFBCDB05}"/>
+              </a:ext>
+            </a:extLst>
+          </p:cNvPr>
+          <p:cNvPicPr>
+            <a:picLocks noChangeAspect="1"/>
+          </p:cNvPicPr>
+          <p:nvPr/>
+        </p:nvPicPr>
+        <p:blipFill>
+          <a:blip r:embed="rId4"/>
+          <a:stretch>
+            <a:fillRect/>
+          </a:stretch>
+        </p:blipFill>
+        <p:spPr>
+          <a:xfrm>
+            <a:off x="4141161" y="2722272"/>
+            <a:ext cx="8164064" cy="1066949"/>
           </a:xfrm>
           <a:prstGeom prst="rect">
             <a:avLst/>
@@ -5076,7 +5107,7 @@
     </p:spTree>
     <p:extLst>
       <p:ext uri="{BB962C8B-B14F-4D97-AF65-F5344CB8AC3E}">
-        <p14:creationId xmlns:p14="http://schemas.microsoft.com/office/powerpoint/2010/main" val="77859311"/>
+        <p14:creationId xmlns:p14="http://schemas.microsoft.com/office/powerpoint/2010/main" val="4154979751"/>
       </p:ext>
     </p:extLst>
   </p:cSld>
@@ -5108,7 +5139,7 @@
           <p:cNvPr id="2" name="제목 1">
             <a:extLst>
               <a:ext uri="{FF2B5EF4-FFF2-40B4-BE49-F238E27FC236}">
-                <a16:creationId xmlns:a16="http://schemas.microsoft.com/office/drawing/2014/main" id="{73160F76-8BF6-4BC0-9526-764EFE218802}"/>
+                <a16:creationId xmlns:a16="http://schemas.microsoft.com/office/drawing/2014/main" id="{B176BDFB-59CB-4006-90C0-266FC1432468}"/>
               </a:ext>
             </a:extLst>
           </p:cNvPr>
@@ -5124,80 +5155,39 @@
           <a:bodyPr/>
           <a:lstStyle/>
           <a:p>
-            <a:r>
-              <a:rPr lang="en-US" altLang="ko-KR" dirty="0"/>
-              <a:t>Forward in Module </a:t>
-            </a:r>
             <a:endParaRPr lang="ko-KR" altLang="en-US" dirty="0"/>
           </a:p>
         </p:txBody>
       </p:sp>
-      <p:pic>
-        <p:nvPicPr>
-          <p:cNvPr id="4" name="내용 개체 틀 3">
-            <a:extLst>
-              <a:ext uri="{FF2B5EF4-FFF2-40B4-BE49-F238E27FC236}">
-                <a16:creationId xmlns:a16="http://schemas.microsoft.com/office/drawing/2014/main" id="{BDC697EE-5736-46E5-BCD3-4E5F4E6DD0BA}"/>
-              </a:ext>
-            </a:extLst>
-          </p:cNvPr>
-          <p:cNvPicPr>
-            <a:picLocks noGrp="1" noChangeAspect="1"/>
-          </p:cNvPicPr>
+      <p:sp>
+        <p:nvSpPr>
+          <p:cNvPr id="3" name="내용 개체 틀 2">
+            <a:extLst>
+              <a:ext uri="{FF2B5EF4-FFF2-40B4-BE49-F238E27FC236}">
+                <a16:creationId xmlns:a16="http://schemas.microsoft.com/office/drawing/2014/main" id="{819D25C3-D2FD-4869-A74D-327C98B7556D}"/>
+              </a:ext>
+            </a:extLst>
+          </p:cNvPr>
+          <p:cNvSpPr>
+            <a:spLocks noGrp="1"/>
+          </p:cNvSpPr>
           <p:nvPr>
             <p:ph idx="1"/>
           </p:nvPr>
-        </p:nvPicPr>
-        <p:blipFill>
-          <a:blip r:embed="rId2"/>
-          <a:stretch>
-            <a:fillRect/>
-          </a:stretch>
-        </p:blipFill>
-        <p:spPr>
-          <a:xfrm>
-            <a:off x="6371530" y="2481130"/>
-            <a:ext cx="4982270" cy="1895740"/>
-          </a:xfrm>
-          <a:prstGeom prst="rect">
-            <a:avLst/>
-          </a:prstGeom>
-        </p:spPr>
-      </p:pic>
-      <p:pic>
-        <p:nvPicPr>
-          <p:cNvPr id="5" name="그림 4">
-            <a:extLst>
-              <a:ext uri="{FF2B5EF4-FFF2-40B4-BE49-F238E27FC236}">
-                <a16:creationId xmlns:a16="http://schemas.microsoft.com/office/drawing/2014/main" id="{738E2AFC-131A-4E93-BA38-C872F7E28B92}"/>
-              </a:ext>
-            </a:extLst>
-          </p:cNvPr>
-          <p:cNvPicPr>
-            <a:picLocks noChangeAspect="1"/>
-          </p:cNvPicPr>
-          <p:nvPr/>
-        </p:nvPicPr>
-        <p:blipFill>
-          <a:blip r:embed="rId3"/>
-          <a:stretch>
-            <a:fillRect/>
-          </a:stretch>
-        </p:blipFill>
-        <p:spPr>
-          <a:xfrm>
-            <a:off x="1395297" y="2228017"/>
-            <a:ext cx="3486637" cy="2715004"/>
-          </a:xfrm>
-          <a:prstGeom prst="rect">
-            <a:avLst/>
-          </a:prstGeom>
-        </p:spPr>
-      </p:pic>
+        </p:nvSpPr>
+        <p:spPr/>
+        <p:txBody>
+          <a:bodyPr/>
+          <a:lstStyle/>
+          <a:p>
+            <a:endParaRPr lang="ko-KR" altLang="en-US"/>
+          </a:p>
+        </p:txBody>
+      </p:sp>
     </p:spTree>
     <p:extLst>
       <p:ext uri="{BB962C8B-B14F-4D97-AF65-F5344CB8AC3E}">
-        <p14:creationId xmlns:p14="http://schemas.microsoft.com/office/powerpoint/2010/main" val="516948560"/>
+        <p14:creationId xmlns:p14="http://schemas.microsoft.com/office/powerpoint/2010/main" val="2111304566"/>
       </p:ext>
     </p:extLst>
   </p:cSld>
@@ -5229,7 +5219,7 @@
           <p:cNvPr id="2" name="제목 1">
             <a:extLst>
               <a:ext uri="{FF2B5EF4-FFF2-40B4-BE49-F238E27FC236}">
-                <a16:creationId xmlns:a16="http://schemas.microsoft.com/office/drawing/2014/main" id="{9C925A72-D119-444F-9E72-21F7F1CDF97A}"/>
+                <a16:creationId xmlns:a16="http://schemas.microsoft.com/office/drawing/2014/main" id="{CF19A233-CF8B-4723-B9D7-0DDB43679770}"/>
               </a:ext>
             </a:extLst>
           </p:cNvPr>
@@ -5247,7 +5237,7 @@
           <a:p>
             <a:r>
               <a:rPr lang="en-US" altLang="ko-KR" dirty="0"/>
-              <a:t>VGG16</a:t>
+              <a:t>Maxunpool2d</a:t>
             </a:r>
             <a:endParaRPr lang="ko-KR" altLang="en-US" dirty="0"/>
           </a:p>
@@ -5258,7 +5248,7 @@
           <p:cNvPr id="4" name="내용 개체 틀 3">
             <a:extLst>
               <a:ext uri="{FF2B5EF4-FFF2-40B4-BE49-F238E27FC236}">
-                <a16:creationId xmlns:a16="http://schemas.microsoft.com/office/drawing/2014/main" id="{89C9036B-DDEF-4420-9F6C-2313CF09F1E5}"/>
+                <a16:creationId xmlns:a16="http://schemas.microsoft.com/office/drawing/2014/main" id="{C6B3A8F9-8A27-4C89-BA5B-F624133A246C}"/>
               </a:ext>
             </a:extLst>
           </p:cNvPr>
@@ -5277,38 +5267,8 @@
         </p:blipFill>
         <p:spPr>
           <a:xfrm>
-            <a:off x="635672" y="1407218"/>
-            <a:ext cx="5754682" cy="1871441"/>
-          </a:xfrm>
-          <a:prstGeom prst="rect">
-            <a:avLst/>
-          </a:prstGeom>
-        </p:spPr>
-      </p:pic>
-      <p:pic>
-        <p:nvPicPr>
-          <p:cNvPr id="5" name="그림 4">
-            <a:extLst>
-              <a:ext uri="{FF2B5EF4-FFF2-40B4-BE49-F238E27FC236}">
-                <a16:creationId xmlns:a16="http://schemas.microsoft.com/office/drawing/2014/main" id="{167A5832-B8DE-4DAD-9FD7-BE650BCDA562}"/>
-              </a:ext>
-            </a:extLst>
-          </p:cNvPr>
-          <p:cNvPicPr>
-            <a:picLocks noChangeAspect="1"/>
-          </p:cNvPicPr>
-          <p:nvPr/>
-        </p:nvPicPr>
-        <p:blipFill>
-          <a:blip r:embed="rId3"/>
-          <a:stretch>
-            <a:fillRect/>
-          </a:stretch>
-        </p:blipFill>
-        <p:spPr>
-          <a:xfrm>
-            <a:off x="7293907" y="1484108"/>
-            <a:ext cx="2629267" cy="1771897"/>
+            <a:off x="662277" y="1586160"/>
+            <a:ext cx="5068007" cy="447737"/>
           </a:xfrm>
           <a:prstGeom prst="rect">
             <a:avLst/>
@@ -5318,7 +5278,7 @@
     </p:spTree>
     <p:extLst>
       <p:ext uri="{BB962C8B-B14F-4D97-AF65-F5344CB8AC3E}">
-        <p14:creationId xmlns:p14="http://schemas.microsoft.com/office/powerpoint/2010/main" val="346448044"/>
+        <p14:creationId xmlns:p14="http://schemas.microsoft.com/office/powerpoint/2010/main" val="77859311"/>
       </p:ext>
     </p:extLst>
   </p:cSld>
@@ -5350,7 +5310,7 @@
           <p:cNvPr id="2" name="제목 1">
             <a:extLst>
               <a:ext uri="{FF2B5EF4-FFF2-40B4-BE49-F238E27FC236}">
-                <a16:creationId xmlns:a16="http://schemas.microsoft.com/office/drawing/2014/main" id="{6FD510AA-20AC-4915-B476-D954AEFE0C9F}"/>
+                <a16:creationId xmlns:a16="http://schemas.microsoft.com/office/drawing/2014/main" id="{9C925A72-D119-444F-9E72-21F7F1CDF97A}"/>
               </a:ext>
             </a:extLst>
           </p:cNvPr>
@@ -5368,12 +5328,9 @@
           <a:p>
             <a:r>
               <a:rPr lang="en-US" altLang="ko-KR" dirty="0"/>
-              <a:t>VGG16 – network</a:t>
-            </a:r>
-            <a:r>
-              <a:rPr lang="ko-KR" altLang="en-US" dirty="0"/>
-              <a:t>구조</a:t>
-            </a:r>
+              <a:t>VGG16</a:t>
+            </a:r>
+            <a:endParaRPr lang="ko-KR" altLang="en-US" dirty="0"/>
           </a:p>
         </p:txBody>
       </p:sp>
@@ -5382,7 +5339,7 @@
           <p:cNvPr id="4" name="내용 개체 틀 3">
             <a:extLst>
               <a:ext uri="{FF2B5EF4-FFF2-40B4-BE49-F238E27FC236}">
-                <a16:creationId xmlns:a16="http://schemas.microsoft.com/office/drawing/2014/main" id="{A03667A2-522D-420A-A704-DC17DAC83F15}"/>
+                <a16:creationId xmlns:a16="http://schemas.microsoft.com/office/drawing/2014/main" id="{89C9036B-DDEF-4420-9F6C-2313CF09F1E5}"/>
               </a:ext>
             </a:extLst>
           </p:cNvPr>
@@ -5401,8 +5358,8 @@
         </p:blipFill>
         <p:spPr>
           <a:xfrm>
-            <a:off x="8151407" y="1690688"/>
-            <a:ext cx="2594785" cy="4351338"/>
+            <a:off x="635672" y="1407218"/>
+            <a:ext cx="5754682" cy="1871441"/>
           </a:xfrm>
           <a:prstGeom prst="rect">
             <a:avLst/>
@@ -5414,7 +5371,7 @@
           <p:cNvPr id="5" name="그림 4">
             <a:extLst>
               <a:ext uri="{FF2B5EF4-FFF2-40B4-BE49-F238E27FC236}">
-                <a16:creationId xmlns:a16="http://schemas.microsoft.com/office/drawing/2014/main" id="{F229B52E-CA75-48D0-BACD-18A49D740E9A}"/>
+                <a16:creationId xmlns:a16="http://schemas.microsoft.com/office/drawing/2014/main" id="{167A5832-B8DE-4DAD-9FD7-BE650BCDA562}"/>
               </a:ext>
             </a:extLst>
           </p:cNvPr>
@@ -5431,90 +5388,18 @@
         </p:blipFill>
         <p:spPr>
           <a:xfrm>
-            <a:off x="1015032" y="1602232"/>
-            <a:ext cx="3886481" cy="4890643"/>
+            <a:off x="7293907" y="1484108"/>
+            <a:ext cx="2629267" cy="1771897"/>
           </a:xfrm>
           <a:prstGeom prst="rect">
             <a:avLst/>
           </a:prstGeom>
         </p:spPr>
       </p:pic>
-      <p:sp>
-        <p:nvSpPr>
-          <p:cNvPr id="6" name="TextBox 5">
-            <a:extLst>
-              <a:ext uri="{FF2B5EF4-FFF2-40B4-BE49-F238E27FC236}">
-                <a16:creationId xmlns:a16="http://schemas.microsoft.com/office/drawing/2014/main" id="{5724F902-7BF8-4378-B261-BBE9E0FE3558}"/>
-              </a:ext>
-            </a:extLst>
-          </p:cNvPr>
-          <p:cNvSpPr txBox="1"/>
-          <p:nvPr/>
-        </p:nvSpPr>
-        <p:spPr>
-          <a:xfrm>
-            <a:off x="2314832" y="1232900"/>
-            <a:ext cx="973664" cy="369332"/>
-          </a:xfrm>
-          <a:prstGeom prst="rect">
-            <a:avLst/>
-          </a:prstGeom>
-          <a:noFill/>
-        </p:spPr>
-        <p:txBody>
-          <a:bodyPr wrap="none" rtlCol="0">
-            <a:spAutoFit/>
-          </a:bodyPr>
-          <a:lstStyle/>
-          <a:p>
-            <a:r>
-              <a:rPr lang="en-US" altLang="ko-KR" dirty="0" err="1"/>
-              <a:t>pytorch</a:t>
-            </a:r>
-            <a:endParaRPr lang="ko-KR" altLang="en-US" dirty="0"/>
-          </a:p>
-        </p:txBody>
-      </p:sp>
-      <p:sp>
-        <p:nvSpPr>
-          <p:cNvPr id="7" name="TextBox 6">
-            <a:extLst>
-              <a:ext uri="{FF2B5EF4-FFF2-40B4-BE49-F238E27FC236}">
-                <a16:creationId xmlns:a16="http://schemas.microsoft.com/office/drawing/2014/main" id="{316C38CF-FD98-45DC-8821-D2A00A7E0119}"/>
-              </a:ext>
-            </a:extLst>
-          </p:cNvPr>
-          <p:cNvSpPr txBox="1"/>
-          <p:nvPr/>
-        </p:nvSpPr>
-        <p:spPr>
-          <a:xfrm>
-            <a:off x="8798685" y="1321356"/>
-            <a:ext cx="1300228" cy="369332"/>
-          </a:xfrm>
-          <a:prstGeom prst="rect">
-            <a:avLst/>
-          </a:prstGeom>
-          <a:noFill/>
-        </p:spPr>
-        <p:txBody>
-          <a:bodyPr wrap="none" rtlCol="0">
-            <a:spAutoFit/>
-          </a:bodyPr>
-          <a:lstStyle/>
-          <a:p>
-            <a:r>
-              <a:rPr lang="en-US" altLang="ko-KR" dirty="0" err="1"/>
-              <a:t>Tensorflow</a:t>
-            </a:r>
-            <a:endParaRPr lang="en-US" altLang="ko-KR" dirty="0"/>
-          </a:p>
-        </p:txBody>
-      </p:sp>
     </p:spTree>
     <p:extLst>
       <p:ext uri="{BB962C8B-B14F-4D97-AF65-F5344CB8AC3E}">
-        <p14:creationId xmlns:p14="http://schemas.microsoft.com/office/powerpoint/2010/main" val="708800476"/>
+        <p14:creationId xmlns:p14="http://schemas.microsoft.com/office/powerpoint/2010/main" val="346448044"/>
       </p:ext>
     </p:extLst>
   </p:cSld>
@@ -5546,7 +5431,7 @@
           <p:cNvPr id="2" name="제목 1">
             <a:extLst>
               <a:ext uri="{FF2B5EF4-FFF2-40B4-BE49-F238E27FC236}">
-                <a16:creationId xmlns:a16="http://schemas.microsoft.com/office/drawing/2014/main" id="{1741017B-0686-4CC0-8AA0-EF273FD8A31A}"/>
+                <a16:creationId xmlns:a16="http://schemas.microsoft.com/office/drawing/2014/main" id="{6FD510AA-20AC-4915-B476-D954AEFE0C9F}"/>
               </a:ext>
             </a:extLst>
           </p:cNvPr>
@@ -5563,19 +5448,22 @@
           <a:lstStyle/>
           <a:p>
             <a:r>
-              <a:rPr lang="en-US" altLang="ko-KR" dirty="0" err="1"/>
-              <a:t>Log_softmax</a:t>
-            </a:r>
-            <a:endParaRPr lang="ko-KR" altLang="en-US" dirty="0"/>
+              <a:rPr lang="en-US" altLang="ko-KR" dirty="0"/>
+              <a:t>VGG16 – network</a:t>
+            </a:r>
+            <a:r>
+              <a:rPr lang="ko-KR" altLang="en-US" dirty="0"/>
+              <a:t>구조</a:t>
+            </a:r>
           </a:p>
         </p:txBody>
       </p:sp>
       <p:pic>
         <p:nvPicPr>
-          <p:cNvPr id="5" name="내용 개체 틀 4">
-            <a:extLst>
-              <a:ext uri="{FF2B5EF4-FFF2-40B4-BE49-F238E27FC236}">
-                <a16:creationId xmlns:a16="http://schemas.microsoft.com/office/drawing/2014/main" id="{2D3303DC-F684-4B3B-886E-DA654218FB3E}"/>
+          <p:cNvPr id="4" name="내용 개체 틀 3">
+            <a:extLst>
+              <a:ext uri="{FF2B5EF4-FFF2-40B4-BE49-F238E27FC236}">
+                <a16:creationId xmlns:a16="http://schemas.microsoft.com/office/drawing/2014/main" id="{A03667A2-522D-420A-A704-DC17DAC83F15}"/>
               </a:ext>
             </a:extLst>
           </p:cNvPr>
@@ -5594,8 +5482,8 @@
         </p:blipFill>
         <p:spPr>
           <a:xfrm>
-            <a:off x="598243" y="1860586"/>
-            <a:ext cx="5953956" cy="409632"/>
+            <a:off x="8151407" y="1690688"/>
+            <a:ext cx="2594785" cy="4351338"/>
           </a:xfrm>
           <a:prstGeom prst="rect">
             <a:avLst/>
@@ -5604,10 +5492,10 @@
       </p:pic>
       <p:pic>
         <p:nvPicPr>
-          <p:cNvPr id="6" name="그림 5">
-            <a:extLst>
-              <a:ext uri="{FF2B5EF4-FFF2-40B4-BE49-F238E27FC236}">
-                <a16:creationId xmlns:a16="http://schemas.microsoft.com/office/drawing/2014/main" id="{73DBF341-1148-43E3-B13E-F332F11EC7D9}"/>
+          <p:cNvPr id="5" name="그림 4">
+            <a:extLst>
+              <a:ext uri="{FF2B5EF4-FFF2-40B4-BE49-F238E27FC236}">
+                <a16:creationId xmlns:a16="http://schemas.microsoft.com/office/drawing/2014/main" id="{F229B52E-CA75-48D0-BACD-18A49D740E9A}"/>
               </a:ext>
             </a:extLst>
           </p:cNvPr>
@@ -5624,18 +5512,90 @@
         </p:blipFill>
         <p:spPr>
           <a:xfrm>
-            <a:off x="7417590" y="1860586"/>
-            <a:ext cx="2810267" cy="828791"/>
+            <a:off x="1015032" y="1602232"/>
+            <a:ext cx="3886481" cy="4890643"/>
           </a:xfrm>
           <a:prstGeom prst="rect">
             <a:avLst/>
           </a:prstGeom>
         </p:spPr>
       </p:pic>
+      <p:sp>
+        <p:nvSpPr>
+          <p:cNvPr id="6" name="TextBox 5">
+            <a:extLst>
+              <a:ext uri="{FF2B5EF4-FFF2-40B4-BE49-F238E27FC236}">
+                <a16:creationId xmlns:a16="http://schemas.microsoft.com/office/drawing/2014/main" id="{5724F902-7BF8-4378-B261-BBE9E0FE3558}"/>
+              </a:ext>
+            </a:extLst>
+          </p:cNvPr>
+          <p:cNvSpPr txBox="1"/>
+          <p:nvPr/>
+        </p:nvSpPr>
+        <p:spPr>
+          <a:xfrm>
+            <a:off x="2314832" y="1232900"/>
+            <a:ext cx="973664" cy="369332"/>
+          </a:xfrm>
+          <a:prstGeom prst="rect">
+            <a:avLst/>
+          </a:prstGeom>
+          <a:noFill/>
+        </p:spPr>
+        <p:txBody>
+          <a:bodyPr wrap="none" rtlCol="0">
+            <a:spAutoFit/>
+          </a:bodyPr>
+          <a:lstStyle/>
+          <a:p>
+            <a:r>
+              <a:rPr lang="en-US" altLang="ko-KR" dirty="0" err="1"/>
+              <a:t>pytorch</a:t>
+            </a:r>
+            <a:endParaRPr lang="ko-KR" altLang="en-US" dirty="0"/>
+          </a:p>
+        </p:txBody>
+      </p:sp>
+      <p:sp>
+        <p:nvSpPr>
+          <p:cNvPr id="7" name="TextBox 6">
+            <a:extLst>
+              <a:ext uri="{FF2B5EF4-FFF2-40B4-BE49-F238E27FC236}">
+                <a16:creationId xmlns:a16="http://schemas.microsoft.com/office/drawing/2014/main" id="{316C38CF-FD98-45DC-8821-D2A00A7E0119}"/>
+              </a:ext>
+            </a:extLst>
+          </p:cNvPr>
+          <p:cNvSpPr txBox="1"/>
+          <p:nvPr/>
+        </p:nvSpPr>
+        <p:spPr>
+          <a:xfrm>
+            <a:off x="8798685" y="1321356"/>
+            <a:ext cx="1300228" cy="369332"/>
+          </a:xfrm>
+          <a:prstGeom prst="rect">
+            <a:avLst/>
+          </a:prstGeom>
+          <a:noFill/>
+        </p:spPr>
+        <p:txBody>
+          <a:bodyPr wrap="none" rtlCol="0">
+            <a:spAutoFit/>
+          </a:bodyPr>
+          <a:lstStyle/>
+          <a:p>
+            <a:r>
+              <a:rPr lang="en-US" altLang="ko-KR" dirty="0" err="1"/>
+              <a:t>Tensorflow</a:t>
+            </a:r>
+            <a:endParaRPr lang="en-US" altLang="ko-KR" dirty="0"/>
+          </a:p>
+        </p:txBody>
+      </p:sp>
     </p:spTree>
     <p:extLst>
       <p:ext uri="{BB962C8B-B14F-4D97-AF65-F5344CB8AC3E}">
-        <p14:creationId xmlns:p14="http://schemas.microsoft.com/office/powerpoint/2010/main" val="1843526522"/>
+        <p14:creationId xmlns:p14="http://schemas.microsoft.com/office/powerpoint/2010/main" val="708800476"/>
       </p:ext>
     </p:extLst>
   </p:cSld>
@@ -5667,7 +5627,7 @@
           <p:cNvPr id="2" name="제목 1">
             <a:extLst>
               <a:ext uri="{FF2B5EF4-FFF2-40B4-BE49-F238E27FC236}">
-                <a16:creationId xmlns:a16="http://schemas.microsoft.com/office/drawing/2014/main" id="{6288A59E-D075-4BB2-A9F0-AFF84508EDAA}"/>
+                <a16:creationId xmlns:a16="http://schemas.microsoft.com/office/drawing/2014/main" id="{1741017B-0686-4CC0-8AA0-EF273FD8A31A}"/>
               </a:ext>
             </a:extLst>
           </p:cNvPr>
@@ -5684,8 +5644,8 @@
           <a:lstStyle/>
           <a:p>
             <a:r>
-              <a:rPr lang="en-US" altLang="ko-KR" dirty="0"/>
-              <a:t>BatchNorm2D</a:t>
+              <a:rPr lang="en-US" altLang="ko-KR" dirty="0" err="1"/>
+              <a:t>Log_softmax</a:t>
             </a:r>
             <a:endParaRPr lang="ko-KR" altLang="en-US" dirty="0"/>
           </a:p>
@@ -5693,10 +5653,10 @@
       </p:sp>
       <p:pic>
         <p:nvPicPr>
-          <p:cNvPr id="4" name="내용 개체 틀 3">
-            <a:extLst>
-              <a:ext uri="{FF2B5EF4-FFF2-40B4-BE49-F238E27FC236}">
-                <a16:creationId xmlns:a16="http://schemas.microsoft.com/office/drawing/2014/main" id="{B0658806-6678-41B3-8566-DB55ED23C3A3}"/>
+          <p:cNvPr id="5" name="내용 개체 틀 4">
+            <a:extLst>
+              <a:ext uri="{FF2B5EF4-FFF2-40B4-BE49-F238E27FC236}">
+                <a16:creationId xmlns:a16="http://schemas.microsoft.com/office/drawing/2014/main" id="{2D3303DC-F684-4B3B-886E-DA654218FB3E}"/>
               </a:ext>
             </a:extLst>
           </p:cNvPr>
@@ -5715,8 +5675,8 @@
         </p:blipFill>
         <p:spPr>
           <a:xfrm>
-            <a:off x="838200" y="1690688"/>
-            <a:ext cx="6154009" cy="685896"/>
+            <a:off x="598243" y="1860586"/>
+            <a:ext cx="5953956" cy="409632"/>
           </a:xfrm>
           <a:prstGeom prst="rect">
             <a:avLst/>
@@ -5725,10 +5685,10 @@
       </p:pic>
       <p:pic>
         <p:nvPicPr>
-          <p:cNvPr id="5" name="그림 4">
-            <a:extLst>
-              <a:ext uri="{FF2B5EF4-FFF2-40B4-BE49-F238E27FC236}">
-                <a16:creationId xmlns:a16="http://schemas.microsoft.com/office/drawing/2014/main" id="{50818F3B-2C92-4234-BCEB-45C7CF6C8D37}"/>
+          <p:cNvPr id="6" name="그림 5">
+            <a:extLst>
+              <a:ext uri="{FF2B5EF4-FFF2-40B4-BE49-F238E27FC236}">
+                <a16:creationId xmlns:a16="http://schemas.microsoft.com/office/drawing/2014/main" id="{73DBF341-1148-43E3-B13E-F332F11EC7D9}"/>
               </a:ext>
             </a:extLst>
           </p:cNvPr>
@@ -5745,68 +5705,8 @@
         </p:blipFill>
         <p:spPr>
           <a:xfrm>
-            <a:off x="838200" y="3795521"/>
-            <a:ext cx="5019323" cy="1176744"/>
-          </a:xfrm>
-          <a:prstGeom prst="rect">
-            <a:avLst/>
-          </a:prstGeom>
-        </p:spPr>
-      </p:pic>
-      <p:pic>
-        <p:nvPicPr>
-          <p:cNvPr id="6" name="그림 5">
-            <a:extLst>
-              <a:ext uri="{FF2B5EF4-FFF2-40B4-BE49-F238E27FC236}">
-                <a16:creationId xmlns:a16="http://schemas.microsoft.com/office/drawing/2014/main" id="{85D86799-85F1-4535-BC8B-17A59ADD6450}"/>
-              </a:ext>
-            </a:extLst>
-          </p:cNvPr>
-          <p:cNvPicPr>
-            <a:picLocks noChangeAspect="1"/>
-          </p:cNvPicPr>
-          <p:nvPr/>
-        </p:nvPicPr>
-        <p:blipFill>
-          <a:blip r:embed="rId4"/>
-          <a:stretch>
-            <a:fillRect/>
-          </a:stretch>
-        </p:blipFill>
-        <p:spPr>
-          <a:xfrm>
-            <a:off x="838200" y="2352525"/>
-            <a:ext cx="7373379" cy="781159"/>
-          </a:xfrm>
-          <a:prstGeom prst="rect">
-            <a:avLst/>
-          </a:prstGeom>
-        </p:spPr>
-      </p:pic>
-      <p:pic>
-        <p:nvPicPr>
-          <p:cNvPr id="7" name="그림 6">
-            <a:extLst>
-              <a:ext uri="{FF2B5EF4-FFF2-40B4-BE49-F238E27FC236}">
-                <a16:creationId xmlns:a16="http://schemas.microsoft.com/office/drawing/2014/main" id="{9D9E995C-34A8-40E6-882F-68E9A3E88937}"/>
-              </a:ext>
-            </a:extLst>
-          </p:cNvPr>
-          <p:cNvPicPr>
-            <a:picLocks noChangeAspect="1"/>
-          </p:cNvPicPr>
-          <p:nvPr/>
-        </p:nvPicPr>
-        <p:blipFill>
-          <a:blip r:embed="rId5"/>
-          <a:stretch>
-            <a:fillRect/>
-          </a:stretch>
-        </p:blipFill>
-        <p:spPr>
-          <a:xfrm>
-            <a:off x="838200" y="4972265"/>
-            <a:ext cx="5340178" cy="1515291"/>
+            <a:off x="7417590" y="1860586"/>
+            <a:ext cx="2810267" cy="828791"/>
           </a:xfrm>
           <a:prstGeom prst="rect">
             <a:avLst/>
@@ -5816,7 +5716,7 @@
     </p:spTree>
     <p:extLst>
       <p:ext uri="{BB962C8B-B14F-4D97-AF65-F5344CB8AC3E}">
-        <p14:creationId xmlns:p14="http://schemas.microsoft.com/office/powerpoint/2010/main" val="489346641"/>
+        <p14:creationId xmlns:p14="http://schemas.microsoft.com/office/powerpoint/2010/main" val="1843526522"/>
       </p:ext>
     </p:extLst>
   </p:cSld>
@@ -5848,7 +5748,7 @@
           <p:cNvPr id="2" name="제목 1">
             <a:extLst>
               <a:ext uri="{FF2B5EF4-FFF2-40B4-BE49-F238E27FC236}">
-                <a16:creationId xmlns:a16="http://schemas.microsoft.com/office/drawing/2014/main" id="{3ADAA84D-78B2-4221-9DFB-8F6D64F5395F}"/>
+                <a16:creationId xmlns:a16="http://schemas.microsoft.com/office/drawing/2014/main" id="{6288A59E-D075-4BB2-A9F0-AFF84508EDAA}"/>
               </a:ext>
             </a:extLst>
           </p:cNvPr>
@@ -5865,19 +5765,8 @@
           <a:lstStyle/>
           <a:p>
             <a:r>
-              <a:rPr lang="en-US" altLang="ko-KR" dirty="0" err="1"/>
-              <a:t>Transforms.Compose</a:t>
-            </a:r>
-            <a:br>
               <a:rPr lang="en-US" altLang="ko-KR" dirty="0"/>
-            </a:br>
-            <a:r>
-              <a:rPr lang="en-US" altLang="ko-KR" dirty="0" err="1"/>
-              <a:t>to_tensor</a:t>
-            </a:r>
-            <a:r>
-              <a:rPr lang="en-US" altLang="ko-KR" dirty="0"/>
-              <a:t>(pic)</a:t>
+              <a:t>BatchNorm2D</a:t>
             </a:r>
             <a:endParaRPr lang="ko-KR" altLang="en-US" dirty="0"/>
           </a:p>
@@ -5885,10 +5774,10 @@
       </p:sp>
       <p:pic>
         <p:nvPicPr>
-          <p:cNvPr id="5" name="내용 개체 틀 4">
-            <a:extLst>
-              <a:ext uri="{FF2B5EF4-FFF2-40B4-BE49-F238E27FC236}">
-                <a16:creationId xmlns:a16="http://schemas.microsoft.com/office/drawing/2014/main" id="{627E8546-616A-41ED-89B3-AAF9D150F353}"/>
+          <p:cNvPr id="4" name="내용 개체 틀 3">
+            <a:extLst>
+              <a:ext uri="{FF2B5EF4-FFF2-40B4-BE49-F238E27FC236}">
+                <a16:creationId xmlns:a16="http://schemas.microsoft.com/office/drawing/2014/main" id="{B0658806-6678-41B3-8566-DB55ED23C3A3}"/>
               </a:ext>
             </a:extLst>
           </p:cNvPr>
@@ -5907,8 +5796,8 @@
         </p:blipFill>
         <p:spPr>
           <a:xfrm>
-            <a:off x="397970" y="1768681"/>
-            <a:ext cx="3982006" cy="428685"/>
+            <a:off x="838200" y="1690688"/>
+            <a:ext cx="6154009" cy="685896"/>
           </a:xfrm>
           <a:prstGeom prst="rect">
             <a:avLst/>
@@ -5917,10 +5806,10 @@
       </p:pic>
       <p:pic>
         <p:nvPicPr>
-          <p:cNvPr id="7" name="그림 6">
-            <a:extLst>
-              <a:ext uri="{FF2B5EF4-FFF2-40B4-BE49-F238E27FC236}">
-                <a16:creationId xmlns:a16="http://schemas.microsoft.com/office/drawing/2014/main" id="{D9CBC8E5-6BA4-4D5F-BA60-F453A8ACC777}"/>
+          <p:cNvPr id="5" name="그림 4">
+            <a:extLst>
+              <a:ext uri="{FF2B5EF4-FFF2-40B4-BE49-F238E27FC236}">
+                <a16:creationId xmlns:a16="http://schemas.microsoft.com/office/drawing/2014/main" id="{50818F3B-2C92-4234-BCEB-45C7CF6C8D37}"/>
               </a:ext>
             </a:extLst>
           </p:cNvPr>
@@ -5937,8 +5826,8 @@
         </p:blipFill>
         <p:spPr>
           <a:xfrm>
-            <a:off x="397970" y="2199425"/>
-            <a:ext cx="3972479" cy="428685"/>
+            <a:off x="838200" y="3795521"/>
+            <a:ext cx="5019323" cy="1176744"/>
           </a:xfrm>
           <a:prstGeom prst="rect">
             <a:avLst/>
@@ -5947,10 +5836,10 @@
       </p:pic>
       <p:pic>
         <p:nvPicPr>
-          <p:cNvPr id="8" name="그림 7">
-            <a:extLst>
-              <a:ext uri="{FF2B5EF4-FFF2-40B4-BE49-F238E27FC236}">
-                <a16:creationId xmlns:a16="http://schemas.microsoft.com/office/drawing/2014/main" id="{56594E9F-709C-490F-9649-345B85658C94}"/>
+          <p:cNvPr id="6" name="그림 5">
+            <a:extLst>
+              <a:ext uri="{FF2B5EF4-FFF2-40B4-BE49-F238E27FC236}">
+                <a16:creationId xmlns:a16="http://schemas.microsoft.com/office/drawing/2014/main" id="{85D86799-85F1-4535-BC8B-17A59ADD6450}"/>
               </a:ext>
             </a:extLst>
           </p:cNvPr>
@@ -5967,8 +5856,8 @@
         </p:blipFill>
         <p:spPr>
           <a:xfrm>
-            <a:off x="6936119" y="1876494"/>
-            <a:ext cx="3839111" cy="847843"/>
+            <a:off x="838200" y="2352525"/>
+            <a:ext cx="7373379" cy="781159"/>
           </a:xfrm>
           <a:prstGeom prst="rect">
             <a:avLst/>
@@ -5977,10 +5866,10 @@
       </p:pic>
       <p:pic>
         <p:nvPicPr>
-          <p:cNvPr id="3" name="그림 2">
-            <a:extLst>
-              <a:ext uri="{FF2B5EF4-FFF2-40B4-BE49-F238E27FC236}">
-                <a16:creationId xmlns:a16="http://schemas.microsoft.com/office/drawing/2014/main" id="{620BBD84-2687-459C-89DE-6D49415B828B}"/>
+          <p:cNvPr id="7" name="그림 6">
+            <a:extLst>
+              <a:ext uri="{FF2B5EF4-FFF2-40B4-BE49-F238E27FC236}">
+                <a16:creationId xmlns:a16="http://schemas.microsoft.com/office/drawing/2014/main" id="{9D9E995C-34A8-40E6-882F-68E9A3E88937}"/>
               </a:ext>
             </a:extLst>
           </p:cNvPr>
@@ -5997,8 +5886,8 @@
         </p:blipFill>
         <p:spPr>
           <a:xfrm>
-            <a:off x="397970" y="2809969"/>
-            <a:ext cx="4948435" cy="2362663"/>
+            <a:off x="838200" y="4972265"/>
+            <a:ext cx="5340178" cy="1515291"/>
           </a:xfrm>
           <a:prstGeom prst="rect">
             <a:avLst/>
@@ -6008,7 +5897,7 @@
     </p:spTree>
     <p:extLst>
       <p:ext uri="{BB962C8B-B14F-4D97-AF65-F5344CB8AC3E}">
-        <p14:creationId xmlns:p14="http://schemas.microsoft.com/office/powerpoint/2010/main" val="2801690279"/>
+        <p14:creationId xmlns:p14="http://schemas.microsoft.com/office/powerpoint/2010/main" val="489346641"/>
       </p:ext>
     </p:extLst>
   </p:cSld>
@@ -6040,7 +5929,7 @@
           <p:cNvPr id="2" name="제목 1">
             <a:extLst>
               <a:ext uri="{FF2B5EF4-FFF2-40B4-BE49-F238E27FC236}">
-                <a16:creationId xmlns:a16="http://schemas.microsoft.com/office/drawing/2014/main" id="{E1B5D305-C747-48A6-B2EE-139BB4CCCF83}"/>
+                <a16:creationId xmlns:a16="http://schemas.microsoft.com/office/drawing/2014/main" id="{3ADAA84D-78B2-4221-9DFB-8F6D64F5395F}"/>
               </a:ext>
             </a:extLst>
           </p:cNvPr>
@@ -6058,7 +5947,18 @@
           <a:p>
             <a:r>
               <a:rPr lang="en-US" altLang="ko-KR" dirty="0" err="1"/>
-              <a:t>Manual_seed</a:t>
+              <a:t>Transforms.Compose</a:t>
+            </a:r>
+            <a:br>
+              <a:rPr lang="en-US" altLang="ko-KR" dirty="0"/>
+            </a:br>
+            <a:r>
+              <a:rPr lang="en-US" altLang="ko-KR" dirty="0" err="1"/>
+              <a:t>to_tensor</a:t>
+            </a:r>
+            <a:r>
+              <a:rPr lang="en-US" altLang="ko-KR" dirty="0"/>
+              <a:t>(pic)</a:t>
             </a:r>
             <a:endParaRPr lang="ko-KR" altLang="en-US" dirty="0"/>
           </a:p>
@@ -6066,10 +5966,10 @@
       </p:sp>
       <p:pic>
         <p:nvPicPr>
-          <p:cNvPr id="4" name="내용 개체 틀 3">
-            <a:extLst>
-              <a:ext uri="{FF2B5EF4-FFF2-40B4-BE49-F238E27FC236}">
-                <a16:creationId xmlns:a16="http://schemas.microsoft.com/office/drawing/2014/main" id="{6A20E074-6D20-4354-89FC-12D90EE64843}"/>
+          <p:cNvPr id="5" name="내용 개체 틀 4">
+            <a:extLst>
+              <a:ext uri="{FF2B5EF4-FFF2-40B4-BE49-F238E27FC236}">
+                <a16:creationId xmlns:a16="http://schemas.microsoft.com/office/drawing/2014/main" id="{627E8546-616A-41ED-89B3-AAF9D150F353}"/>
               </a:ext>
             </a:extLst>
           </p:cNvPr>
@@ -6088,8 +5988,8 @@
         </p:blipFill>
         <p:spPr>
           <a:xfrm>
-            <a:off x="611774" y="2088668"/>
-            <a:ext cx="2038635" cy="447737"/>
+            <a:off x="397970" y="1768681"/>
+            <a:ext cx="3982006" cy="428685"/>
           </a:xfrm>
           <a:prstGeom prst="rect">
             <a:avLst/>
@@ -6098,10 +5998,10 @@
       </p:pic>
       <p:pic>
         <p:nvPicPr>
-          <p:cNvPr id="5" name="그림 4">
-            <a:extLst>
-              <a:ext uri="{FF2B5EF4-FFF2-40B4-BE49-F238E27FC236}">
-                <a16:creationId xmlns:a16="http://schemas.microsoft.com/office/drawing/2014/main" id="{9AD6884F-8D37-422D-9AA3-8ED8D2B8E55E}"/>
+          <p:cNvPr id="7" name="그림 6">
+            <a:extLst>
+              <a:ext uri="{FF2B5EF4-FFF2-40B4-BE49-F238E27FC236}">
+                <a16:creationId xmlns:a16="http://schemas.microsoft.com/office/drawing/2014/main" id="{D9CBC8E5-6BA4-4D5F-BA60-F453A8ACC777}"/>
               </a:ext>
             </a:extLst>
           </p:cNvPr>
@@ -6118,8 +6018,68 @@
         </p:blipFill>
         <p:spPr>
           <a:xfrm>
-            <a:off x="6246223" y="2164878"/>
-            <a:ext cx="1676634" cy="743054"/>
+            <a:off x="397970" y="2199425"/>
+            <a:ext cx="3972479" cy="428685"/>
+          </a:xfrm>
+          <a:prstGeom prst="rect">
+            <a:avLst/>
+          </a:prstGeom>
+        </p:spPr>
+      </p:pic>
+      <p:pic>
+        <p:nvPicPr>
+          <p:cNvPr id="8" name="그림 7">
+            <a:extLst>
+              <a:ext uri="{FF2B5EF4-FFF2-40B4-BE49-F238E27FC236}">
+                <a16:creationId xmlns:a16="http://schemas.microsoft.com/office/drawing/2014/main" id="{56594E9F-709C-490F-9649-345B85658C94}"/>
+              </a:ext>
+            </a:extLst>
+          </p:cNvPr>
+          <p:cNvPicPr>
+            <a:picLocks noChangeAspect="1"/>
+          </p:cNvPicPr>
+          <p:nvPr/>
+        </p:nvPicPr>
+        <p:blipFill>
+          <a:blip r:embed="rId4"/>
+          <a:stretch>
+            <a:fillRect/>
+          </a:stretch>
+        </p:blipFill>
+        <p:spPr>
+          <a:xfrm>
+            <a:off x="6936119" y="1876494"/>
+            <a:ext cx="3839111" cy="847843"/>
+          </a:xfrm>
+          <a:prstGeom prst="rect">
+            <a:avLst/>
+          </a:prstGeom>
+        </p:spPr>
+      </p:pic>
+      <p:pic>
+        <p:nvPicPr>
+          <p:cNvPr id="3" name="그림 2">
+            <a:extLst>
+              <a:ext uri="{FF2B5EF4-FFF2-40B4-BE49-F238E27FC236}">
+                <a16:creationId xmlns:a16="http://schemas.microsoft.com/office/drawing/2014/main" id="{620BBD84-2687-459C-89DE-6D49415B828B}"/>
+              </a:ext>
+            </a:extLst>
+          </p:cNvPr>
+          <p:cNvPicPr>
+            <a:picLocks noChangeAspect="1"/>
+          </p:cNvPicPr>
+          <p:nvPr/>
+        </p:nvPicPr>
+        <p:blipFill>
+          <a:blip r:embed="rId5"/>
+          <a:stretch>
+            <a:fillRect/>
+          </a:stretch>
+        </p:blipFill>
+        <p:spPr>
+          <a:xfrm>
+            <a:off x="397970" y="2809969"/>
+            <a:ext cx="4948435" cy="2362663"/>
           </a:xfrm>
           <a:prstGeom prst="rect">
             <a:avLst/>
@@ -6129,7 +6089,7 @@
     </p:spTree>
     <p:extLst>
       <p:ext uri="{BB962C8B-B14F-4D97-AF65-F5344CB8AC3E}">
-        <p14:creationId xmlns:p14="http://schemas.microsoft.com/office/powerpoint/2010/main" val="1316485424"/>
+        <p14:creationId xmlns:p14="http://schemas.microsoft.com/office/powerpoint/2010/main" val="2801690279"/>
       </p:ext>
     </p:extLst>
   </p:cSld>
@@ -6161,7 +6121,7 @@
           <p:cNvPr id="2" name="제목 1">
             <a:extLst>
               <a:ext uri="{FF2B5EF4-FFF2-40B4-BE49-F238E27FC236}">
-                <a16:creationId xmlns:a16="http://schemas.microsoft.com/office/drawing/2014/main" id="{E0C3CE51-08DC-4DCB-8A4E-7549DA91AF8C}"/>
+                <a16:creationId xmlns:a16="http://schemas.microsoft.com/office/drawing/2014/main" id="{E1B5D305-C747-48A6-B2EE-139BB4CCCF83}"/>
               </a:ext>
             </a:extLst>
           </p:cNvPr>
@@ -6179,19 +6139,7 @@
           <a:p>
             <a:r>
               <a:rPr lang="en-US" altLang="ko-KR" dirty="0" err="1"/>
-              <a:t>Optim.Adam</a:t>
-            </a:r>
-            <a:r>
-              <a:rPr lang="en-US" altLang="ko-KR" dirty="0"/>
-              <a:t>(</a:t>
-            </a:r>
-            <a:r>
-              <a:rPr lang="en-US" altLang="ko-KR" dirty="0" err="1"/>
-              <a:t>model.parameters</a:t>
-            </a:r>
-            <a:r>
-              <a:rPr lang="en-US" altLang="ko-KR" dirty="0"/>
-              <a:t> …)</a:t>
+              <a:t>Manual_seed</a:t>
             </a:r>
             <a:endParaRPr lang="ko-KR" altLang="en-US" dirty="0"/>
           </a:p>
@@ -6202,7 +6150,7 @@
           <p:cNvPr id="4" name="내용 개체 틀 3">
             <a:extLst>
               <a:ext uri="{FF2B5EF4-FFF2-40B4-BE49-F238E27FC236}">
-                <a16:creationId xmlns:a16="http://schemas.microsoft.com/office/drawing/2014/main" id="{502594C1-DC21-47B1-9B63-B51D78403B9A}"/>
+                <a16:creationId xmlns:a16="http://schemas.microsoft.com/office/drawing/2014/main" id="{6A20E074-6D20-4354-89FC-12D90EE64843}"/>
               </a:ext>
             </a:extLst>
           </p:cNvPr>
@@ -6221,8 +6169,8 @@
         </p:blipFill>
         <p:spPr>
           <a:xfrm>
-            <a:off x="366064" y="1690688"/>
-            <a:ext cx="5306165" cy="457264"/>
+            <a:off x="611774" y="2088668"/>
+            <a:ext cx="2038635" cy="447737"/>
           </a:xfrm>
           <a:prstGeom prst="rect">
             <a:avLst/>
@@ -6234,7 +6182,7 @@
           <p:cNvPr id="5" name="그림 4">
             <a:extLst>
               <a:ext uri="{FF2B5EF4-FFF2-40B4-BE49-F238E27FC236}">
-                <a16:creationId xmlns:a16="http://schemas.microsoft.com/office/drawing/2014/main" id="{0B2085F2-397D-4211-B07B-FDBD6BF1BAEB}"/>
+                <a16:creationId xmlns:a16="http://schemas.microsoft.com/office/drawing/2014/main" id="{9AD6884F-8D37-422D-9AA3-8ED8D2B8E55E}"/>
               </a:ext>
             </a:extLst>
           </p:cNvPr>
@@ -6251,82 +6199,18 @@
         </p:blipFill>
         <p:spPr>
           <a:xfrm>
-            <a:off x="6137189" y="1782625"/>
-            <a:ext cx="5458587" cy="962159"/>
+            <a:off x="6246223" y="2164878"/>
+            <a:ext cx="1676634" cy="743054"/>
           </a:xfrm>
           <a:prstGeom prst="rect">
             <a:avLst/>
           </a:prstGeom>
         </p:spPr>
       </p:pic>
-      <p:pic>
-        <p:nvPicPr>
-          <p:cNvPr id="6" name="그림 5">
-            <a:extLst>
-              <a:ext uri="{FF2B5EF4-FFF2-40B4-BE49-F238E27FC236}">
-                <a16:creationId xmlns:a16="http://schemas.microsoft.com/office/drawing/2014/main" id="{78B0F8EB-AEB3-461F-8224-D116E12C6B47}"/>
-              </a:ext>
-            </a:extLst>
-          </p:cNvPr>
-          <p:cNvPicPr>
-            <a:picLocks noChangeAspect="1"/>
-          </p:cNvPicPr>
-          <p:nvPr/>
-        </p:nvPicPr>
-        <p:blipFill>
-          <a:blip r:embed="rId4"/>
-          <a:stretch>
-            <a:fillRect/>
-          </a:stretch>
-        </p:blipFill>
-        <p:spPr>
-          <a:xfrm>
-            <a:off x="300161" y="2147952"/>
-            <a:ext cx="5591376" cy="596832"/>
-          </a:xfrm>
-          <a:prstGeom prst="rect">
-            <a:avLst/>
-          </a:prstGeom>
-        </p:spPr>
-      </p:pic>
-      <p:sp>
-        <p:nvSpPr>
-          <p:cNvPr id="7" name="직사각형 6">
-            <a:extLst>
-              <a:ext uri="{FF2B5EF4-FFF2-40B4-BE49-F238E27FC236}">
-                <a16:creationId xmlns:a16="http://schemas.microsoft.com/office/drawing/2014/main" id="{B11AEB9F-E721-4FE4-9ED3-ADB547FB30C6}"/>
-              </a:ext>
-            </a:extLst>
-          </p:cNvPr>
-          <p:cNvSpPr/>
-          <p:nvPr/>
-        </p:nvSpPr>
-        <p:spPr>
-          <a:xfrm>
-            <a:off x="300161" y="2832716"/>
-            <a:ext cx="5172185" cy="369332"/>
-          </a:xfrm>
-          <a:prstGeom prst="rect">
-            <a:avLst/>
-          </a:prstGeom>
-        </p:spPr>
-        <p:txBody>
-          <a:bodyPr wrap="none">
-            <a:spAutoFit/>
-          </a:bodyPr>
-          <a:lstStyle/>
-          <a:p>
-            <a:r>
-              <a:rPr lang="ko-KR" altLang="en-US" dirty="0"/>
-              <a:t>https://easy-going-programming.tistory.com/11</a:t>
-            </a:r>
-          </a:p>
-        </p:txBody>
-      </p:sp>
     </p:spTree>
     <p:extLst>
       <p:ext uri="{BB962C8B-B14F-4D97-AF65-F5344CB8AC3E}">
-        <p14:creationId xmlns:p14="http://schemas.microsoft.com/office/powerpoint/2010/main" val="2931161234"/>
+        <p14:creationId xmlns:p14="http://schemas.microsoft.com/office/powerpoint/2010/main" val="1316485424"/>
       </p:ext>
     </p:extLst>
   </p:cSld>
@@ -6358,7 +6242,7 @@
           <p:cNvPr id="2" name="제목 1">
             <a:extLst>
               <a:ext uri="{FF2B5EF4-FFF2-40B4-BE49-F238E27FC236}">
-                <a16:creationId xmlns:a16="http://schemas.microsoft.com/office/drawing/2014/main" id="{624998DC-2B5E-4D84-868B-68953D7E50E7}"/>
+                <a16:creationId xmlns:a16="http://schemas.microsoft.com/office/drawing/2014/main" id="{E0C3CE51-08DC-4DCB-8A4E-7549DA91AF8C}"/>
               </a:ext>
             </a:extLst>
           </p:cNvPr>
@@ -6376,15 +6260,21 @@
           <a:p>
             <a:r>
               <a:rPr lang="en-US" altLang="ko-KR" dirty="0" err="1"/>
-              <a:t>LearningRateScheduler.STEPLR</a:t>
-            </a:r>
-            <a:br>
+              <a:t>Optim.Adam</a:t>
+            </a:r>
+            <a:r>
               <a:rPr lang="en-US" altLang="ko-KR" dirty="0"/>
-            </a:br>
-            <a:r>
-              <a:rPr lang="ko-KR" altLang="en-US" dirty="0"/>
-              <a:t>지수 기반 스케줄링</a:t>
-            </a:r>
+              <a:t>(</a:t>
+            </a:r>
+            <a:r>
+              <a:rPr lang="en-US" altLang="ko-KR" dirty="0" err="1"/>
+              <a:t>model.parameters</a:t>
+            </a:r>
+            <a:r>
+              <a:rPr lang="en-US" altLang="ko-KR" dirty="0"/>
+              <a:t> …)</a:t>
+            </a:r>
+            <a:endParaRPr lang="ko-KR" altLang="en-US" dirty="0"/>
           </a:p>
         </p:txBody>
       </p:sp>
@@ -6393,7 +6283,7 @@
           <p:cNvPr id="4" name="내용 개체 틀 3">
             <a:extLst>
               <a:ext uri="{FF2B5EF4-FFF2-40B4-BE49-F238E27FC236}">
-                <a16:creationId xmlns:a16="http://schemas.microsoft.com/office/drawing/2014/main" id="{A13C65F6-0BBF-4330-BCFC-D3DD2283E671}"/>
+                <a16:creationId xmlns:a16="http://schemas.microsoft.com/office/drawing/2014/main" id="{502594C1-DC21-47B1-9B63-B51D78403B9A}"/>
               </a:ext>
             </a:extLst>
           </p:cNvPr>
@@ -6412,8 +6302,8 @@
         </p:blipFill>
         <p:spPr>
           <a:xfrm>
-            <a:off x="6715842" y="1690688"/>
-            <a:ext cx="4477375" cy="466790"/>
+            <a:off x="366064" y="1690688"/>
+            <a:ext cx="5306165" cy="457264"/>
           </a:xfrm>
           <a:prstGeom prst="rect">
             <a:avLst/>
@@ -6425,7 +6315,7 @@
           <p:cNvPr id="5" name="그림 4">
             <a:extLst>
               <a:ext uri="{FF2B5EF4-FFF2-40B4-BE49-F238E27FC236}">
-                <a16:creationId xmlns:a16="http://schemas.microsoft.com/office/drawing/2014/main" id="{DF536410-3AA7-439D-8822-D09A5894C9A3}"/>
+                <a16:creationId xmlns:a16="http://schemas.microsoft.com/office/drawing/2014/main" id="{0B2085F2-397D-4211-B07B-FDBD6BF1BAEB}"/>
               </a:ext>
             </a:extLst>
           </p:cNvPr>
@@ -6442,8 +6332,8 @@
         </p:blipFill>
         <p:spPr>
           <a:xfrm>
-            <a:off x="420303" y="1690688"/>
-            <a:ext cx="6134956" cy="543001"/>
+            <a:off x="6137189" y="1782625"/>
+            <a:ext cx="5458587" cy="962159"/>
           </a:xfrm>
           <a:prstGeom prst="rect">
             <a:avLst/>
@@ -6452,10 +6342,10 @@
       </p:pic>
       <p:pic>
         <p:nvPicPr>
-          <p:cNvPr id="3" name="그림 2">
-            <a:extLst>
-              <a:ext uri="{FF2B5EF4-FFF2-40B4-BE49-F238E27FC236}">
-                <a16:creationId xmlns:a16="http://schemas.microsoft.com/office/drawing/2014/main" id="{C1D88134-E17B-421C-BC2B-B904D77A8BDD}"/>
+          <p:cNvPr id="6" name="그림 5">
+            <a:extLst>
+              <a:ext uri="{FF2B5EF4-FFF2-40B4-BE49-F238E27FC236}">
+                <a16:creationId xmlns:a16="http://schemas.microsoft.com/office/drawing/2014/main" id="{78B0F8EB-AEB3-461F-8224-D116E12C6B47}"/>
               </a:ext>
             </a:extLst>
           </p:cNvPr>
@@ -6472,78 +6362,52 @@
         </p:blipFill>
         <p:spPr>
           <a:xfrm>
-            <a:off x="587471" y="2233689"/>
-            <a:ext cx="5382376" cy="676369"/>
+            <a:off x="300161" y="2147952"/>
+            <a:ext cx="5591376" cy="596832"/>
           </a:xfrm>
           <a:prstGeom prst="rect">
             <a:avLst/>
           </a:prstGeom>
         </p:spPr>
       </p:pic>
-      <p:pic>
-        <p:nvPicPr>
-          <p:cNvPr id="6" name="그림 5">
-            <a:extLst>
-              <a:ext uri="{FF2B5EF4-FFF2-40B4-BE49-F238E27FC236}">
-                <a16:creationId xmlns:a16="http://schemas.microsoft.com/office/drawing/2014/main" id="{0964953B-D220-48B3-BBA4-D968B1EAC4FD}"/>
-              </a:ext>
-            </a:extLst>
-          </p:cNvPr>
-          <p:cNvPicPr>
-            <a:picLocks noChangeAspect="1"/>
-          </p:cNvPicPr>
+      <p:sp>
+        <p:nvSpPr>
+          <p:cNvPr id="7" name="직사각형 6">
+            <a:extLst>
+              <a:ext uri="{FF2B5EF4-FFF2-40B4-BE49-F238E27FC236}">
+                <a16:creationId xmlns:a16="http://schemas.microsoft.com/office/drawing/2014/main" id="{B11AEB9F-E721-4FE4-9ED3-ADB547FB30C6}"/>
+              </a:ext>
+            </a:extLst>
+          </p:cNvPr>
+          <p:cNvSpPr/>
           <p:nvPr/>
-        </p:nvPicPr>
-        <p:blipFill>
-          <a:blip r:embed="rId5"/>
-          <a:stretch>
-            <a:fillRect/>
-          </a:stretch>
-        </p:blipFill>
-        <p:spPr>
-          <a:xfrm>
-            <a:off x="6715842" y="2157478"/>
-            <a:ext cx="4398480" cy="774970"/>
-          </a:xfrm>
-          <a:prstGeom prst="rect">
-            <a:avLst/>
-          </a:prstGeom>
-        </p:spPr>
-      </p:pic>
-      <p:pic>
-        <p:nvPicPr>
-          <p:cNvPr id="7" name="그림 6">
-            <a:extLst>
-              <a:ext uri="{FF2B5EF4-FFF2-40B4-BE49-F238E27FC236}">
-                <a16:creationId xmlns:a16="http://schemas.microsoft.com/office/drawing/2014/main" id="{8C4FD674-F426-4EAF-8242-2FB1C48B8D95}"/>
-              </a:ext>
-            </a:extLst>
-          </p:cNvPr>
-          <p:cNvPicPr>
-            <a:picLocks noChangeAspect="1"/>
-          </p:cNvPicPr>
-          <p:nvPr/>
-        </p:nvPicPr>
-        <p:blipFill>
-          <a:blip r:embed="rId6"/>
-          <a:stretch>
-            <a:fillRect/>
-          </a:stretch>
-        </p:blipFill>
-        <p:spPr>
-          <a:xfrm>
-            <a:off x="6715842" y="2910058"/>
-            <a:ext cx="5023077" cy="528353"/>
-          </a:xfrm>
-          <a:prstGeom prst="rect">
-            <a:avLst/>
-          </a:prstGeom>
-        </p:spPr>
-      </p:pic>
+        </p:nvSpPr>
+        <p:spPr>
+          <a:xfrm>
+            <a:off x="300161" y="2832716"/>
+            <a:ext cx="5172185" cy="369332"/>
+          </a:xfrm>
+          <a:prstGeom prst="rect">
+            <a:avLst/>
+          </a:prstGeom>
+        </p:spPr>
+        <p:txBody>
+          <a:bodyPr wrap="none">
+            <a:spAutoFit/>
+          </a:bodyPr>
+          <a:lstStyle/>
+          <a:p>
+            <a:r>
+              <a:rPr lang="ko-KR" altLang="en-US" dirty="0"/>
+              <a:t>https://easy-going-programming.tistory.com/11</a:t>
+            </a:r>
+          </a:p>
+        </p:txBody>
+      </p:sp>
     </p:spTree>
     <p:extLst>
       <p:ext uri="{BB962C8B-B14F-4D97-AF65-F5344CB8AC3E}">
-        <p14:creationId xmlns:p14="http://schemas.microsoft.com/office/powerpoint/2010/main" val="2811891702"/>
+        <p14:creationId xmlns:p14="http://schemas.microsoft.com/office/powerpoint/2010/main" val="2931161234"/>
       </p:ext>
     </p:extLst>
   </p:cSld>
@@ -6575,7 +6439,7 @@
           <p:cNvPr id="2" name="제목 1">
             <a:extLst>
               <a:ext uri="{FF2B5EF4-FFF2-40B4-BE49-F238E27FC236}">
-                <a16:creationId xmlns:a16="http://schemas.microsoft.com/office/drawing/2014/main" id="{478856D0-6C06-4155-BA1D-2B5F9880D4E8}"/>
+                <a16:creationId xmlns:a16="http://schemas.microsoft.com/office/drawing/2014/main" id="{624998DC-2B5E-4D84-868B-68953D7E50E7}"/>
               </a:ext>
             </a:extLst>
           </p:cNvPr>
@@ -6593,9 +6457,15 @@
           <a:p>
             <a:r>
               <a:rPr lang="en-US" altLang="ko-KR" dirty="0" err="1"/>
-              <a:t>CrossEntropyLoss</a:t>
-            </a:r>
-            <a:endParaRPr lang="ko-KR" altLang="en-US" dirty="0"/>
+              <a:t>LearningRateScheduler.STEPLR</a:t>
+            </a:r>
+            <a:br>
+              <a:rPr lang="en-US" altLang="ko-KR" dirty="0"/>
+            </a:br>
+            <a:r>
+              <a:rPr lang="ko-KR" altLang="en-US" dirty="0"/>
+              <a:t>지수 기반 스케줄링</a:t>
+            </a:r>
           </a:p>
         </p:txBody>
       </p:sp>
@@ -6604,7 +6474,7 @@
           <p:cNvPr id="4" name="내용 개체 틀 3">
             <a:extLst>
               <a:ext uri="{FF2B5EF4-FFF2-40B4-BE49-F238E27FC236}">
-                <a16:creationId xmlns:a16="http://schemas.microsoft.com/office/drawing/2014/main" id="{C39FAE32-B023-44E7-82C6-2F0FEF4CE334}"/>
+                <a16:creationId xmlns:a16="http://schemas.microsoft.com/office/drawing/2014/main" id="{A13C65F6-0BBF-4330-BCFC-D3DD2283E671}"/>
               </a:ext>
             </a:extLst>
           </p:cNvPr>
@@ -6623,8 +6493,8 @@
         </p:blipFill>
         <p:spPr>
           <a:xfrm>
-            <a:off x="7854269" y="1579117"/>
-            <a:ext cx="3600953" cy="704948"/>
+            <a:off x="6715842" y="1690688"/>
+            <a:ext cx="4477375" cy="466790"/>
           </a:xfrm>
           <a:prstGeom prst="rect">
             <a:avLst/>
@@ -6636,7 +6506,7 @@
           <p:cNvPr id="5" name="그림 4">
             <a:extLst>
               <a:ext uri="{FF2B5EF4-FFF2-40B4-BE49-F238E27FC236}">
-                <a16:creationId xmlns:a16="http://schemas.microsoft.com/office/drawing/2014/main" id="{2CA7B00B-C7B0-411F-9213-26584CE305DC}"/>
+                <a16:creationId xmlns:a16="http://schemas.microsoft.com/office/drawing/2014/main" id="{DF536410-3AA7-439D-8822-D09A5894C9A3}"/>
               </a:ext>
             </a:extLst>
           </p:cNvPr>
@@ -6653,8 +6523,98 @@
         </p:blipFill>
         <p:spPr>
           <a:xfrm>
-            <a:off x="579582" y="1581862"/>
-            <a:ext cx="5925377" cy="590632"/>
+            <a:off x="420303" y="1690688"/>
+            <a:ext cx="6134956" cy="543001"/>
+          </a:xfrm>
+          <a:prstGeom prst="rect">
+            <a:avLst/>
+          </a:prstGeom>
+        </p:spPr>
+      </p:pic>
+      <p:pic>
+        <p:nvPicPr>
+          <p:cNvPr id="3" name="그림 2">
+            <a:extLst>
+              <a:ext uri="{FF2B5EF4-FFF2-40B4-BE49-F238E27FC236}">
+                <a16:creationId xmlns:a16="http://schemas.microsoft.com/office/drawing/2014/main" id="{C1D88134-E17B-421C-BC2B-B904D77A8BDD}"/>
+              </a:ext>
+            </a:extLst>
+          </p:cNvPr>
+          <p:cNvPicPr>
+            <a:picLocks noChangeAspect="1"/>
+          </p:cNvPicPr>
+          <p:nvPr/>
+        </p:nvPicPr>
+        <p:blipFill>
+          <a:blip r:embed="rId4"/>
+          <a:stretch>
+            <a:fillRect/>
+          </a:stretch>
+        </p:blipFill>
+        <p:spPr>
+          <a:xfrm>
+            <a:off x="587471" y="2233689"/>
+            <a:ext cx="5382376" cy="676369"/>
+          </a:xfrm>
+          <a:prstGeom prst="rect">
+            <a:avLst/>
+          </a:prstGeom>
+        </p:spPr>
+      </p:pic>
+      <p:pic>
+        <p:nvPicPr>
+          <p:cNvPr id="6" name="그림 5">
+            <a:extLst>
+              <a:ext uri="{FF2B5EF4-FFF2-40B4-BE49-F238E27FC236}">
+                <a16:creationId xmlns:a16="http://schemas.microsoft.com/office/drawing/2014/main" id="{0964953B-D220-48B3-BBA4-D968B1EAC4FD}"/>
+              </a:ext>
+            </a:extLst>
+          </p:cNvPr>
+          <p:cNvPicPr>
+            <a:picLocks noChangeAspect="1"/>
+          </p:cNvPicPr>
+          <p:nvPr/>
+        </p:nvPicPr>
+        <p:blipFill>
+          <a:blip r:embed="rId5"/>
+          <a:stretch>
+            <a:fillRect/>
+          </a:stretch>
+        </p:blipFill>
+        <p:spPr>
+          <a:xfrm>
+            <a:off x="6715842" y="2157478"/>
+            <a:ext cx="4398480" cy="774970"/>
+          </a:xfrm>
+          <a:prstGeom prst="rect">
+            <a:avLst/>
+          </a:prstGeom>
+        </p:spPr>
+      </p:pic>
+      <p:pic>
+        <p:nvPicPr>
+          <p:cNvPr id="7" name="그림 6">
+            <a:extLst>
+              <a:ext uri="{FF2B5EF4-FFF2-40B4-BE49-F238E27FC236}">
+                <a16:creationId xmlns:a16="http://schemas.microsoft.com/office/drawing/2014/main" id="{8C4FD674-F426-4EAF-8242-2FB1C48B8D95}"/>
+              </a:ext>
+            </a:extLst>
+          </p:cNvPr>
+          <p:cNvPicPr>
+            <a:picLocks noChangeAspect="1"/>
+          </p:cNvPicPr>
+          <p:nvPr/>
+        </p:nvPicPr>
+        <p:blipFill>
+          <a:blip r:embed="rId6"/>
+          <a:stretch>
+            <a:fillRect/>
+          </a:stretch>
+        </p:blipFill>
+        <p:spPr>
+          <a:xfrm>
+            <a:off x="6715842" y="2910058"/>
+            <a:ext cx="5023077" cy="528353"/>
           </a:xfrm>
           <a:prstGeom prst="rect">
             <a:avLst/>
@@ -6664,7 +6624,7 @@
     </p:spTree>
     <p:extLst>
       <p:ext uri="{BB962C8B-B14F-4D97-AF65-F5344CB8AC3E}">
-        <p14:creationId xmlns:p14="http://schemas.microsoft.com/office/powerpoint/2010/main" val="215749030"/>
+        <p14:creationId xmlns:p14="http://schemas.microsoft.com/office/powerpoint/2010/main" val="2811891702"/>
       </p:ext>
     </p:extLst>
   </p:cSld>
@@ -6696,7 +6656,7 @@
           <p:cNvPr id="2" name="제목 1">
             <a:extLst>
               <a:ext uri="{FF2B5EF4-FFF2-40B4-BE49-F238E27FC236}">
-                <a16:creationId xmlns:a16="http://schemas.microsoft.com/office/drawing/2014/main" id="{2C635670-BD7B-45C2-84F5-F23D6F552B9E}"/>
+                <a16:creationId xmlns:a16="http://schemas.microsoft.com/office/drawing/2014/main" id="{478856D0-6C06-4155-BA1D-2B5F9880D4E8}"/>
               </a:ext>
             </a:extLst>
           </p:cNvPr>
@@ -6713,8 +6673,8 @@
           <a:lstStyle/>
           <a:p>
             <a:r>
-              <a:rPr lang="en-US" altLang="ko-KR" dirty="0"/>
-              <a:t>LSTM[0]</a:t>
+              <a:rPr lang="en-US" altLang="ko-KR" dirty="0" err="1"/>
+              <a:t>CrossEntropyLoss</a:t>
             </a:r>
             <a:endParaRPr lang="ko-KR" altLang="en-US" dirty="0"/>
           </a:p>
@@ -6725,7 +6685,7 @@
           <p:cNvPr id="4" name="내용 개체 틀 3">
             <a:extLst>
               <a:ext uri="{FF2B5EF4-FFF2-40B4-BE49-F238E27FC236}">
-                <a16:creationId xmlns:a16="http://schemas.microsoft.com/office/drawing/2014/main" id="{35AFAD15-71F2-45AF-9622-F7B7C5F26ABA}"/>
+                <a16:creationId xmlns:a16="http://schemas.microsoft.com/office/drawing/2014/main" id="{C39FAE32-B023-44E7-82C6-2F0FEF4CE334}"/>
               </a:ext>
             </a:extLst>
           </p:cNvPr>
@@ -6744,174 +6704,138 @@
         </p:blipFill>
         <p:spPr>
           <a:xfrm>
-            <a:off x="334919" y="1769599"/>
-            <a:ext cx="3696216" cy="3886742"/>
+            <a:off x="7854269" y="1579117"/>
+            <a:ext cx="3600953" cy="704948"/>
           </a:xfrm>
           <a:prstGeom prst="rect">
             <a:avLst/>
           </a:prstGeom>
         </p:spPr>
       </p:pic>
-      <p:cxnSp>
-        <p:nvCxnSpPr>
-          <p:cNvPr id="6" name="직선 화살표 연결선 5">
-            <a:extLst>
-              <a:ext uri="{FF2B5EF4-FFF2-40B4-BE49-F238E27FC236}">
-                <a16:creationId xmlns:a16="http://schemas.microsoft.com/office/drawing/2014/main" id="{07A5BB54-D009-470B-9C11-D1E21C4CFA64}"/>
-              </a:ext>
-            </a:extLst>
-          </p:cNvPr>
-          <p:cNvCxnSpPr/>
+      <p:pic>
+        <p:nvPicPr>
+          <p:cNvPr id="5" name="그림 4">
+            <a:extLst>
+              <a:ext uri="{FF2B5EF4-FFF2-40B4-BE49-F238E27FC236}">
+                <a16:creationId xmlns:a16="http://schemas.microsoft.com/office/drawing/2014/main" id="{2CA7B00B-C7B0-411F-9213-26584CE305DC}"/>
+              </a:ext>
+            </a:extLst>
+          </p:cNvPr>
+          <p:cNvPicPr>
+            <a:picLocks noChangeAspect="1"/>
+          </p:cNvPicPr>
           <p:nvPr/>
-        </p:nvCxnSpPr>
-        <p:spPr>
-          <a:xfrm flipH="1">
-            <a:off x="2496065" y="5305168"/>
-            <a:ext cx="2158313" cy="0"/>
-          </a:xfrm>
-          <a:prstGeom prst="straightConnector1">
-            <a:avLst/>
-          </a:prstGeom>
-          <a:ln>
-            <a:tailEnd type="triangle"/>
-          </a:ln>
-        </p:spPr>
-        <p:style>
-          <a:lnRef idx="1">
-            <a:schemeClr val="accent1"/>
-          </a:lnRef>
-          <a:fillRef idx="0">
-            <a:schemeClr val="accent1"/>
-          </a:fillRef>
-          <a:effectRef idx="0">
-            <a:schemeClr val="accent1"/>
-          </a:effectRef>
-          <a:fontRef idx="minor">
-            <a:schemeClr val="tx1"/>
-          </a:fontRef>
-        </p:style>
-      </p:cxnSp>
-      <p:sp>
-        <p:nvSpPr>
-          <p:cNvPr id="7" name="TextBox 6">
-            <a:extLst>
-              <a:ext uri="{FF2B5EF4-FFF2-40B4-BE49-F238E27FC236}">
-                <a16:creationId xmlns:a16="http://schemas.microsoft.com/office/drawing/2014/main" id="{31B0EC1A-382A-42E4-BEDE-987B865698D8}"/>
-              </a:ext>
-            </a:extLst>
-          </p:cNvPr>
-          <p:cNvSpPr txBox="1"/>
+        </p:nvPicPr>
+        <p:blipFill>
+          <a:blip r:embed="rId3"/>
+          <a:stretch>
+            <a:fillRect/>
+          </a:stretch>
+        </p:blipFill>
+        <p:spPr>
+          <a:xfrm>
+            <a:off x="579582" y="1581862"/>
+            <a:ext cx="5925377" cy="590632"/>
+          </a:xfrm>
+          <a:prstGeom prst="rect">
+            <a:avLst/>
+          </a:prstGeom>
+        </p:spPr>
+      </p:pic>
+      <p:pic>
+        <p:nvPicPr>
+          <p:cNvPr id="3" name="그림 2">
+            <a:extLst>
+              <a:ext uri="{FF2B5EF4-FFF2-40B4-BE49-F238E27FC236}">
+                <a16:creationId xmlns:a16="http://schemas.microsoft.com/office/drawing/2014/main" id="{BBA13758-BA1E-422C-B047-38A2D0BB9BE2}"/>
+              </a:ext>
+            </a:extLst>
+          </p:cNvPr>
+          <p:cNvPicPr>
+            <a:picLocks noChangeAspect="1"/>
+          </p:cNvPicPr>
           <p:nvPr/>
-        </p:nvSpPr>
-        <p:spPr>
-          <a:xfrm>
-            <a:off x="4779389" y="5120502"/>
-            <a:ext cx="2036135" cy="369332"/>
-          </a:xfrm>
-          <a:prstGeom prst="rect">
-            <a:avLst/>
-          </a:prstGeom>
-          <a:noFill/>
-        </p:spPr>
-        <p:txBody>
-          <a:bodyPr wrap="none" rtlCol="0">
-            <a:spAutoFit/>
-          </a:bodyPr>
-          <a:lstStyle/>
-          <a:p>
-            <a:r>
-              <a:rPr lang="en-US" altLang="ko-KR" dirty="0" err="1"/>
-              <a:t>Lstm.shape</a:t>
-            </a:r>
-            <a:r>
-              <a:rPr lang="ko-KR" altLang="en-US" dirty="0"/>
-              <a:t>결과임</a:t>
-            </a:r>
-          </a:p>
-        </p:txBody>
-      </p:sp>
-      <p:cxnSp>
-        <p:nvCxnSpPr>
-          <p:cNvPr id="8" name="직선 화살표 연결선 7">
-            <a:extLst>
-              <a:ext uri="{FF2B5EF4-FFF2-40B4-BE49-F238E27FC236}">
-                <a16:creationId xmlns:a16="http://schemas.microsoft.com/office/drawing/2014/main" id="{884EEE22-2A25-4E11-A3C7-A40256CA2AED}"/>
-              </a:ext>
-            </a:extLst>
-          </p:cNvPr>
-          <p:cNvCxnSpPr/>
+        </p:nvPicPr>
+        <p:blipFill>
+          <a:blip r:embed="rId4"/>
+          <a:stretch>
+            <a:fillRect/>
+          </a:stretch>
+        </p:blipFill>
+        <p:spPr>
+          <a:xfrm>
+            <a:off x="7528947" y="2400299"/>
+            <a:ext cx="4053453" cy="1486108"/>
+          </a:xfrm>
+          <a:prstGeom prst="rect">
+            <a:avLst/>
+          </a:prstGeom>
+        </p:spPr>
+      </p:pic>
+      <p:pic>
+        <p:nvPicPr>
+          <p:cNvPr id="6" name="그림 5">
+            <a:extLst>
+              <a:ext uri="{FF2B5EF4-FFF2-40B4-BE49-F238E27FC236}">
+                <a16:creationId xmlns:a16="http://schemas.microsoft.com/office/drawing/2014/main" id="{C95CCD7C-5B1C-488F-B7FE-FB5F6D9A1B5F}"/>
+              </a:ext>
+            </a:extLst>
+          </p:cNvPr>
+          <p:cNvPicPr>
+            <a:picLocks noChangeAspect="1"/>
+          </p:cNvPicPr>
           <p:nvPr/>
-        </p:nvCxnSpPr>
-        <p:spPr>
-          <a:xfrm flipH="1">
-            <a:off x="2496065" y="5564660"/>
-            <a:ext cx="2158313" cy="0"/>
-          </a:xfrm>
-          <a:prstGeom prst="straightConnector1">
-            <a:avLst/>
-          </a:prstGeom>
-          <a:ln>
-            <a:tailEnd type="triangle"/>
-          </a:ln>
-        </p:spPr>
-        <p:style>
-          <a:lnRef idx="1">
-            <a:schemeClr val="accent1"/>
-          </a:lnRef>
-          <a:fillRef idx="0">
-            <a:schemeClr val="accent1"/>
-          </a:fillRef>
-          <a:effectRef idx="0">
-            <a:schemeClr val="accent1"/>
-          </a:effectRef>
-          <a:fontRef idx="minor">
-            <a:schemeClr val="tx1"/>
-          </a:fontRef>
-        </p:style>
-      </p:cxnSp>
-      <p:sp>
-        <p:nvSpPr>
-          <p:cNvPr id="9" name="TextBox 8">
-            <a:extLst>
-              <a:ext uri="{FF2B5EF4-FFF2-40B4-BE49-F238E27FC236}">
-                <a16:creationId xmlns:a16="http://schemas.microsoft.com/office/drawing/2014/main" id="{D84EDBD2-B88D-41CB-BAFA-D291F6EAA042}"/>
-              </a:ext>
-            </a:extLst>
-          </p:cNvPr>
-          <p:cNvSpPr txBox="1"/>
+        </p:nvPicPr>
+        <p:blipFill>
+          <a:blip r:embed="rId5"/>
+          <a:stretch>
+            <a:fillRect/>
+          </a:stretch>
+        </p:blipFill>
+        <p:spPr>
+          <a:xfrm>
+            <a:off x="305911" y="2284065"/>
+            <a:ext cx="5294789" cy="1284928"/>
+          </a:xfrm>
+          <a:prstGeom prst="rect">
+            <a:avLst/>
+          </a:prstGeom>
+        </p:spPr>
+      </p:pic>
+      <p:pic>
+        <p:nvPicPr>
+          <p:cNvPr id="7" name="그림 6">
+            <a:extLst>
+              <a:ext uri="{FF2B5EF4-FFF2-40B4-BE49-F238E27FC236}">
+                <a16:creationId xmlns:a16="http://schemas.microsoft.com/office/drawing/2014/main" id="{0496B7D3-D7B1-44E0-9F55-704E4A9F75E3}"/>
+              </a:ext>
+            </a:extLst>
+          </p:cNvPr>
+          <p:cNvPicPr>
+            <a:picLocks noChangeAspect="1"/>
+          </p:cNvPicPr>
           <p:nvPr/>
-        </p:nvSpPr>
-        <p:spPr>
-          <a:xfrm>
-            <a:off x="4779389" y="5379994"/>
-            <a:ext cx="1943096" cy="369332"/>
-          </a:xfrm>
-          <a:prstGeom prst="rect">
-            <a:avLst/>
-          </a:prstGeom>
-          <a:noFill/>
-        </p:spPr>
-        <p:txBody>
-          <a:bodyPr wrap="none" rtlCol="0">
-            <a:spAutoFit/>
-          </a:bodyPr>
-          <a:lstStyle/>
-          <a:p>
-            <a:r>
-              <a:rPr lang="en-US" altLang="ko-KR" dirty="0" err="1"/>
-              <a:t>Test.shape</a:t>
-            </a:r>
-            <a:r>
-              <a:rPr lang="ko-KR" altLang="en-US" dirty="0"/>
-              <a:t>결과임</a:t>
-            </a:r>
-          </a:p>
-        </p:txBody>
-      </p:sp>
+        </p:nvPicPr>
+        <p:blipFill>
+          <a:blip r:embed="rId6"/>
+          <a:stretch>
+            <a:fillRect/>
+          </a:stretch>
+        </p:blipFill>
+        <p:spPr>
+          <a:xfrm>
+            <a:off x="1594841" y="3568993"/>
+            <a:ext cx="3697917" cy="2943492"/>
+          </a:xfrm>
+          <a:prstGeom prst="rect">
+            <a:avLst/>
+          </a:prstGeom>
+        </p:spPr>
+      </p:pic>
     </p:spTree>
     <p:extLst>
       <p:ext uri="{BB962C8B-B14F-4D97-AF65-F5344CB8AC3E}">
-        <p14:creationId xmlns:p14="http://schemas.microsoft.com/office/powerpoint/2010/main" val="1359624418"/>
+        <p14:creationId xmlns:p14="http://schemas.microsoft.com/office/powerpoint/2010/main" val="215749030"/>
       </p:ext>
     </p:extLst>
   </p:cSld>
@@ -6943,7 +6867,7 @@
           <p:cNvPr id="2" name="제목 1">
             <a:extLst>
               <a:ext uri="{FF2B5EF4-FFF2-40B4-BE49-F238E27FC236}">
-                <a16:creationId xmlns:a16="http://schemas.microsoft.com/office/drawing/2014/main" id="{3E1339F2-0A65-46CA-AC29-2A9935FF0D2F}"/>
+                <a16:creationId xmlns:a16="http://schemas.microsoft.com/office/drawing/2014/main" id="{73160F76-8BF6-4BC0-9526-764EFE218802}"/>
               </a:ext>
             </a:extLst>
           </p:cNvPr>
@@ -6960,174 +6884,28 @@
           <a:lstStyle/>
           <a:p>
             <a:r>
-              <a:rPr lang="en-US" altLang="ko-KR" dirty="0" err="1"/>
-              <a:t>Upsampling</a:t>
-            </a:r>
-            <a:r>
               <a:rPr lang="en-US" altLang="ko-KR" dirty="0"/>
-              <a:t> – bilinear </a:t>
-            </a:r>
-            <a:br>
-              <a:rPr lang="en-US" altLang="ko-KR" dirty="0"/>
-            </a:br>
+              <a:t>Forward in Module </a:t>
+            </a:r>
             <a:endParaRPr lang="ko-KR" altLang="en-US" dirty="0"/>
-          </a:p>
-        </p:txBody>
-      </p:sp>
-      <p:sp>
-        <p:nvSpPr>
-          <p:cNvPr id="3" name="내용 개체 틀 2">
-            <a:extLst>
-              <a:ext uri="{FF2B5EF4-FFF2-40B4-BE49-F238E27FC236}">
-                <a16:creationId xmlns:a16="http://schemas.microsoft.com/office/drawing/2014/main" id="{C4B5F7D8-AB28-4FDC-AEDD-48891B22C229}"/>
-              </a:ext>
-            </a:extLst>
-          </p:cNvPr>
-          <p:cNvSpPr>
-            <a:spLocks noGrp="1"/>
-          </p:cNvSpPr>
-          <p:nvPr>
-            <p:ph idx="1"/>
-          </p:nvPr>
-        </p:nvSpPr>
-        <p:spPr/>
-        <p:txBody>
-          <a:bodyPr>
-            <a:normAutofit fontScale="92500" lnSpcReduction="20000"/>
-          </a:bodyPr>
-          <a:lstStyle/>
-          <a:p>
-            <a:r>
-              <a:rPr lang="en-US" altLang="ko-KR" sz="1800" dirty="0" err="1"/>
-              <a:t>Upsampling</a:t>
-            </a:r>
-            <a:r>
-              <a:rPr lang="en-US" altLang="ko-KR" sz="1800" dirty="0"/>
-              <a:t> </a:t>
-            </a:r>
-            <a:r>
-              <a:rPr lang="ko-KR" altLang="en-US" sz="1800" dirty="0"/>
-              <a:t>중 다양한 종류가 있다</a:t>
-            </a:r>
-            <a:r>
-              <a:rPr lang="en-US" altLang="ko-KR" sz="1800" dirty="0"/>
-              <a:t>.</a:t>
-            </a:r>
-          </a:p>
-          <a:p>
-            <a:r>
-              <a:rPr lang="en-US" altLang="ko-KR" sz="1800" dirty="0"/>
-              <a:t>Nearest-Neighbor – </a:t>
-            </a:r>
-            <a:r>
-              <a:rPr lang="ko-KR" altLang="en-US" sz="1800" dirty="0"/>
-              <a:t>인접한 값 복사</a:t>
-            </a:r>
-            <a:endParaRPr lang="en-US" altLang="ko-KR" sz="1800" dirty="0"/>
-          </a:p>
-          <a:p>
-            <a:r>
-              <a:rPr lang="en-US" altLang="ko-KR" sz="1800" dirty="0"/>
-              <a:t>Bilinear – </a:t>
-            </a:r>
-            <a:r>
-              <a:rPr lang="ko-KR" altLang="en-US" sz="1800" dirty="0"/>
-              <a:t>선형 </a:t>
-            </a:r>
-            <a:r>
-              <a:rPr lang="ko-KR" altLang="en-US" sz="1800" dirty="0" err="1"/>
-              <a:t>보간법</a:t>
-            </a:r>
-            <a:endParaRPr lang="en-US" altLang="ko-KR" sz="1800" dirty="0"/>
-          </a:p>
-          <a:p>
-            <a:r>
-              <a:rPr lang="en-US" altLang="ko-KR" sz="1800" dirty="0"/>
-              <a:t>Bicubic – </a:t>
-            </a:r>
-            <a:r>
-              <a:rPr lang="ko-KR" altLang="en-US" sz="1800" dirty="0"/>
-              <a:t>다항 </a:t>
-            </a:r>
-            <a:r>
-              <a:rPr lang="ko-KR" altLang="en-US" sz="1800" dirty="0" err="1"/>
-              <a:t>보간법</a:t>
-            </a:r>
-            <a:endParaRPr lang="en-US" altLang="ko-KR" sz="1800" dirty="0"/>
-          </a:p>
-          <a:p>
-            <a:endParaRPr lang="en-US" altLang="ko-KR" sz="1800" dirty="0"/>
-          </a:p>
-          <a:p>
-            <a:r>
-              <a:rPr lang="en-US" altLang="ko-KR" sz="1800" dirty="0" err="1"/>
-              <a:t>Keras</a:t>
-            </a:r>
-            <a:r>
-              <a:rPr lang="ko-KR" altLang="en-US" sz="1800" dirty="0"/>
-              <a:t>에서는 </a:t>
-            </a:r>
-            <a:r>
-              <a:rPr lang="en-US" altLang="ko-KR" sz="1800" dirty="0"/>
-              <a:t>interpolation </a:t>
-            </a:r>
-            <a:r>
-              <a:rPr lang="ko-KR" altLang="en-US" sz="1800" dirty="0"/>
-              <a:t>을 </a:t>
-            </a:r>
-            <a:r>
-              <a:rPr lang="en-US" altLang="ko-KR" sz="1800" dirty="0"/>
-              <a:t>bilinear</a:t>
-            </a:r>
-            <a:r>
-              <a:rPr lang="ko-KR" altLang="en-US" sz="1800" dirty="0"/>
-              <a:t>로 해준다</a:t>
-            </a:r>
-            <a:r>
-              <a:rPr lang="en-US" altLang="ko-KR" sz="1800" dirty="0"/>
-              <a:t>.</a:t>
-            </a:r>
-          </a:p>
-          <a:p>
-            <a:endParaRPr lang="en-US" altLang="ko-KR" sz="1800" dirty="0"/>
-          </a:p>
-          <a:p>
-            <a:endParaRPr lang="en-US" altLang="ko-KR" sz="1800" dirty="0"/>
-          </a:p>
-          <a:p>
-            <a:endParaRPr lang="en-US" altLang="ko-KR" sz="1800" dirty="0"/>
-          </a:p>
-          <a:p>
-            <a:endParaRPr lang="en-US" altLang="ko-KR" sz="1800" dirty="0"/>
-          </a:p>
-          <a:p>
-            <a:endParaRPr lang="en-US" altLang="ko-KR" sz="1800" dirty="0"/>
-          </a:p>
-          <a:p>
-            <a:endParaRPr lang="en-US" altLang="ko-KR" sz="1800" dirty="0"/>
-          </a:p>
-          <a:p>
-            <a:r>
-              <a:rPr lang="en-US" altLang="ko-KR" sz="1800" dirty="0"/>
-              <a:t> https://datascience.stackexchange.com/questions/38118/what-is-the-difference-between-upsampling-and-bi-linear-upsampling-in-a-cnn</a:t>
-            </a:r>
-            <a:endParaRPr lang="ko-KR" altLang="en-US" sz="1800" dirty="0"/>
           </a:p>
         </p:txBody>
       </p:sp>
       <p:pic>
         <p:nvPicPr>
-          <p:cNvPr id="5" name="그림 4">
-            <a:extLst>
-              <a:ext uri="{FF2B5EF4-FFF2-40B4-BE49-F238E27FC236}">
-                <a16:creationId xmlns:a16="http://schemas.microsoft.com/office/drawing/2014/main" id="{10AC2E42-38B4-43F8-9387-BAAA0FE1E384}"/>
+          <p:cNvPr id="4" name="내용 개체 틀 3">
+            <a:extLst>
+              <a:ext uri="{FF2B5EF4-FFF2-40B4-BE49-F238E27FC236}">
+                <a16:creationId xmlns:a16="http://schemas.microsoft.com/office/drawing/2014/main" id="{BDC697EE-5736-46E5-BCD3-4E5F4E6DD0BA}"/>
               </a:ext>
             </a:extLst>
           </p:cNvPr>
           <p:cNvPicPr>
-            <a:picLocks noChangeAspect="1"/>
+            <a:picLocks noGrp="1" noChangeAspect="1"/>
           </p:cNvPicPr>
-          <p:nvPr/>
+          <p:nvPr>
+            <p:ph idx="1"/>
+          </p:nvPr>
         </p:nvPicPr>
         <p:blipFill>
           <a:blip r:embed="rId2"/>
@@ -7137,8 +6915,8 @@
         </p:blipFill>
         <p:spPr>
           <a:xfrm>
-            <a:off x="7263552" y="407151"/>
-            <a:ext cx="3940433" cy="2702011"/>
+            <a:off x="6371530" y="2481130"/>
+            <a:ext cx="4982270" cy="1895740"/>
           </a:xfrm>
           <a:prstGeom prst="rect">
             <a:avLst/>
@@ -7147,10 +6925,10 @@
       </p:pic>
       <p:pic>
         <p:nvPicPr>
-          <p:cNvPr id="6" name="그림 5">
-            <a:extLst>
-              <a:ext uri="{FF2B5EF4-FFF2-40B4-BE49-F238E27FC236}">
-                <a16:creationId xmlns:a16="http://schemas.microsoft.com/office/drawing/2014/main" id="{1903876A-A606-4142-8178-6433B21F605E}"/>
+          <p:cNvPr id="5" name="그림 4">
+            <a:extLst>
+              <a:ext uri="{FF2B5EF4-FFF2-40B4-BE49-F238E27FC236}">
+                <a16:creationId xmlns:a16="http://schemas.microsoft.com/office/drawing/2014/main" id="{738E2AFC-131A-4E93-BA38-C872F7E28B92}"/>
               </a:ext>
             </a:extLst>
           </p:cNvPr>
@@ -7167,8 +6945,8 @@
         </p:blipFill>
         <p:spPr>
           <a:xfrm>
-            <a:off x="6905154" y="3420180"/>
-            <a:ext cx="4906060" cy="657317"/>
+            <a:off x="1395297" y="2228017"/>
+            <a:ext cx="3486637" cy="2715004"/>
           </a:xfrm>
           <a:prstGeom prst="rect">
             <a:avLst/>
@@ -7178,7 +6956,7 @@
     </p:spTree>
     <p:extLst>
       <p:ext uri="{BB962C8B-B14F-4D97-AF65-F5344CB8AC3E}">
-        <p14:creationId xmlns:p14="http://schemas.microsoft.com/office/powerpoint/2010/main" val="820262118"/>
+        <p14:creationId xmlns:p14="http://schemas.microsoft.com/office/powerpoint/2010/main" val="516948560"/>
       </p:ext>
     </p:extLst>
   </p:cSld>
@@ -7210,7 +6988,7 @@
           <p:cNvPr id="2" name="제목 1">
             <a:extLst>
               <a:ext uri="{FF2B5EF4-FFF2-40B4-BE49-F238E27FC236}">
-                <a16:creationId xmlns:a16="http://schemas.microsoft.com/office/drawing/2014/main" id="{C7C8C660-BC31-4F8A-BB2E-17584CECE0BD}"/>
+                <a16:creationId xmlns:a16="http://schemas.microsoft.com/office/drawing/2014/main" id="{2C635670-BD7B-45C2-84F5-F23D6F552B9E}"/>
               </a:ext>
             </a:extLst>
           </p:cNvPr>
@@ -7227,21 +7005,10 @@
           <a:lstStyle/>
           <a:p>
             <a:r>
-              <a:rPr lang="en-US" altLang="ko-KR" dirty="0" err="1"/>
-              <a:t>Dataloader</a:t>
-            </a:r>
-            <a:r>
               <a:rPr lang="en-US" altLang="ko-KR" dirty="0"/>
-              <a:t> - </a:t>
-            </a:r>
-            <a:r>
-              <a:rPr lang="en-US" altLang="ko-KR" dirty="0" err="1"/>
-              <a:t>filepath</a:t>
-            </a:r>
-            <a:r>
-              <a:rPr lang="ko-KR" altLang="en-US" dirty="0"/>
-              <a:t>를 가지고 데이터 불러오기</a:t>
-            </a:r>
+              <a:t>LSTM[0]</a:t>
+            </a:r>
+            <a:endParaRPr lang="ko-KR" altLang="en-US" dirty="0"/>
           </a:p>
         </p:txBody>
       </p:sp>
@@ -7250,7 +7017,7 @@
           <p:cNvPr id="4" name="내용 개체 틀 3">
             <a:extLst>
               <a:ext uri="{FF2B5EF4-FFF2-40B4-BE49-F238E27FC236}">
-                <a16:creationId xmlns:a16="http://schemas.microsoft.com/office/drawing/2014/main" id="{535D3493-5BF6-46E3-B955-0076FA935D77}"/>
+                <a16:creationId xmlns:a16="http://schemas.microsoft.com/office/drawing/2014/main" id="{35AFAD15-71F2-45AF-9622-F7B7C5F26ABA}"/>
               </a:ext>
             </a:extLst>
           </p:cNvPr>
@@ -7269,20 +7036,59 @@
         </p:blipFill>
         <p:spPr>
           <a:xfrm>
-            <a:off x="6825770" y="2249658"/>
-            <a:ext cx="4528030" cy="2601741"/>
+            <a:off x="334919" y="1769599"/>
+            <a:ext cx="3696216" cy="3886742"/>
           </a:xfrm>
           <a:prstGeom prst="rect">
             <a:avLst/>
           </a:prstGeom>
         </p:spPr>
       </p:pic>
-      <p:sp>
-        <p:nvSpPr>
-          <p:cNvPr id="5" name="TextBox 4">
-            <a:extLst>
-              <a:ext uri="{FF2B5EF4-FFF2-40B4-BE49-F238E27FC236}">
-                <a16:creationId xmlns:a16="http://schemas.microsoft.com/office/drawing/2014/main" id="{89CB5944-267F-4142-916A-F444160C0FB5}"/>
+      <p:cxnSp>
+        <p:nvCxnSpPr>
+          <p:cNvPr id="6" name="직선 화살표 연결선 5">
+            <a:extLst>
+              <a:ext uri="{FF2B5EF4-FFF2-40B4-BE49-F238E27FC236}">
+                <a16:creationId xmlns:a16="http://schemas.microsoft.com/office/drawing/2014/main" id="{07A5BB54-D009-470B-9C11-D1E21C4CFA64}"/>
+              </a:ext>
+            </a:extLst>
+          </p:cNvPr>
+          <p:cNvCxnSpPr/>
+          <p:nvPr/>
+        </p:nvCxnSpPr>
+        <p:spPr>
+          <a:xfrm flipH="1">
+            <a:off x="2496065" y="5305168"/>
+            <a:ext cx="2158313" cy="0"/>
+          </a:xfrm>
+          <a:prstGeom prst="straightConnector1">
+            <a:avLst/>
+          </a:prstGeom>
+          <a:ln>
+            <a:tailEnd type="triangle"/>
+          </a:ln>
+        </p:spPr>
+        <p:style>
+          <a:lnRef idx="1">
+            <a:schemeClr val="accent1"/>
+          </a:lnRef>
+          <a:fillRef idx="0">
+            <a:schemeClr val="accent1"/>
+          </a:fillRef>
+          <a:effectRef idx="0">
+            <a:schemeClr val="accent1"/>
+          </a:effectRef>
+          <a:fontRef idx="minor">
+            <a:schemeClr val="tx1"/>
+          </a:fontRef>
+        </p:style>
+      </p:cxnSp>
+      <p:sp>
+        <p:nvSpPr>
+          <p:cNvPr id="7" name="TextBox 6">
+            <a:extLst>
+              <a:ext uri="{FF2B5EF4-FFF2-40B4-BE49-F238E27FC236}">
+                <a16:creationId xmlns:a16="http://schemas.microsoft.com/office/drawing/2014/main" id="{31B0EC1A-382A-42E4-BEDE-987B865698D8}"/>
               </a:ext>
             </a:extLst>
           </p:cNvPr>
@@ -7291,8 +7097,8 @@
         </p:nvSpPr>
         <p:spPr>
           <a:xfrm>
-            <a:off x="1033162" y="2627198"/>
-            <a:ext cx="5274970" cy="923330"/>
+            <a:off x="4779389" y="5120502"/>
+            <a:ext cx="2036135" cy="369332"/>
           </a:xfrm>
           <a:prstGeom prst="rect">
             <a:avLst/>
@@ -7306,105 +7112,90 @@
           <a:lstStyle/>
           <a:p>
             <a:r>
-              <a:rPr lang="en-US" altLang="ko-KR" dirty="0"/>
-              <a:t>Read</a:t>
+              <a:rPr lang="en-US" altLang="ko-KR" dirty="0" err="1"/>
+              <a:t>Lstm.shape</a:t>
             </a:r>
             <a:r>
               <a:rPr lang="ko-KR" altLang="en-US" dirty="0"/>
-              <a:t> </a:t>
-            </a:r>
-            <a:r>
-              <a:rPr lang="en-US" altLang="ko-KR" dirty="0"/>
-              <a:t>from directory</a:t>
-            </a:r>
-          </a:p>
-          <a:p>
-            <a:endParaRPr lang="en-US" altLang="ko-KR" dirty="0"/>
-          </a:p>
-          <a:p>
-            <a:r>
-              <a:rPr lang="en-US" altLang="ko-KR" dirty="0" err="1"/>
-              <a:t>Num_worker</a:t>
-            </a:r>
-            <a:r>
-              <a:rPr lang="en-US" altLang="ko-KR" dirty="0"/>
-              <a:t> </a:t>
-            </a:r>
-            <a:r>
-              <a:rPr lang="ko-KR" altLang="en-US" dirty="0"/>
-              <a:t>다중 워커 처리를 어떻게 할 것인가</a:t>
-            </a:r>
-            <a:r>
-              <a:rPr lang="en-US" altLang="ko-KR" dirty="0"/>
-              <a:t>.</a:t>
-            </a:r>
-          </a:p>
-        </p:txBody>
-      </p:sp>
-      <p:sp>
-        <p:nvSpPr>
-          <p:cNvPr id="6" name="직사각형 5">
-            <a:extLst>
-              <a:ext uri="{FF2B5EF4-FFF2-40B4-BE49-F238E27FC236}">
-                <a16:creationId xmlns:a16="http://schemas.microsoft.com/office/drawing/2014/main" id="{4CED7D00-7E34-47C9-973B-7148DE5055EE}"/>
-              </a:ext>
-            </a:extLst>
-          </p:cNvPr>
-          <p:cNvSpPr/>
+              <a:t>결과임</a:t>
+            </a:r>
+          </a:p>
+        </p:txBody>
+      </p:sp>
+      <p:cxnSp>
+        <p:nvCxnSpPr>
+          <p:cNvPr id="8" name="직선 화살표 연결선 7">
+            <a:extLst>
+              <a:ext uri="{FF2B5EF4-FFF2-40B4-BE49-F238E27FC236}">
+                <a16:creationId xmlns:a16="http://schemas.microsoft.com/office/drawing/2014/main" id="{884EEE22-2A25-4E11-A3C7-A40256CA2AED}"/>
+              </a:ext>
+            </a:extLst>
+          </p:cNvPr>
+          <p:cNvCxnSpPr/>
           <p:nvPr/>
-        </p:nvSpPr>
-        <p:spPr>
-          <a:xfrm>
-            <a:off x="2836133" y="1135447"/>
-            <a:ext cx="3259867" cy="369332"/>
-          </a:xfrm>
-          <a:prstGeom prst="rect">
-            <a:avLst/>
-          </a:prstGeom>
-        </p:spPr>
-        <p:txBody>
-          <a:bodyPr wrap="none">
+        </p:nvCxnSpPr>
+        <p:spPr>
+          <a:xfrm flipH="1">
+            <a:off x="2496065" y="5564660"/>
+            <a:ext cx="2158313" cy="0"/>
+          </a:xfrm>
+          <a:prstGeom prst="straightConnector1">
+            <a:avLst/>
+          </a:prstGeom>
+          <a:ln>
+            <a:tailEnd type="triangle"/>
+          </a:ln>
+        </p:spPr>
+        <p:style>
+          <a:lnRef idx="1">
+            <a:schemeClr val="accent1"/>
+          </a:lnRef>
+          <a:fillRef idx="0">
+            <a:schemeClr val="accent1"/>
+          </a:fillRef>
+          <a:effectRef idx="0">
+            <a:schemeClr val="accent1"/>
+          </a:effectRef>
+          <a:fontRef idx="minor">
+            <a:schemeClr val="tx1"/>
+          </a:fontRef>
+        </p:style>
+      </p:cxnSp>
+      <p:sp>
+        <p:nvSpPr>
+          <p:cNvPr id="9" name="TextBox 8">
+            <a:extLst>
+              <a:ext uri="{FF2B5EF4-FFF2-40B4-BE49-F238E27FC236}">
+                <a16:creationId xmlns:a16="http://schemas.microsoft.com/office/drawing/2014/main" id="{D84EDBD2-B88D-41CB-BAFA-D291F6EAA042}"/>
+              </a:ext>
+            </a:extLst>
+          </p:cNvPr>
+          <p:cNvSpPr txBox="1"/>
+          <p:nvPr/>
+        </p:nvSpPr>
+        <p:spPr>
+          <a:xfrm>
+            <a:off x="4779389" y="5379994"/>
+            <a:ext cx="1943096" cy="369332"/>
+          </a:xfrm>
+          <a:prstGeom prst="rect">
+            <a:avLst/>
+          </a:prstGeom>
+          <a:noFill/>
+        </p:spPr>
+        <p:txBody>
+          <a:bodyPr wrap="none" rtlCol="0">
             <a:spAutoFit/>
           </a:bodyPr>
           <a:lstStyle/>
           <a:p>
             <a:r>
+              <a:rPr lang="en-US" altLang="ko-KR" dirty="0" err="1"/>
+              <a:t>Test.shape</a:t>
+            </a:r>
+            <a:r>
               <a:rPr lang="ko-KR" altLang="en-US" dirty="0"/>
-              <a:t>https://jsc5565.tistory.com/14</a:t>
-            </a:r>
-          </a:p>
-        </p:txBody>
-      </p:sp>
-      <p:sp>
-        <p:nvSpPr>
-          <p:cNvPr id="3" name="직사각형 2">
-            <a:extLst>
-              <a:ext uri="{FF2B5EF4-FFF2-40B4-BE49-F238E27FC236}">
-                <a16:creationId xmlns:a16="http://schemas.microsoft.com/office/drawing/2014/main" id="{6B111C7F-528C-4CA6-9603-B5FD7DC42BD7}"/>
-              </a:ext>
-            </a:extLst>
-          </p:cNvPr>
-          <p:cNvSpPr/>
-          <p:nvPr/>
-        </p:nvSpPr>
-        <p:spPr>
-          <a:xfrm>
-            <a:off x="342900" y="4380637"/>
-            <a:ext cx="6096000" cy="1754326"/>
-          </a:xfrm>
-          <a:prstGeom prst="rect">
-            <a:avLst/>
-          </a:prstGeom>
-        </p:spPr>
-        <p:txBody>
-          <a:bodyPr>
-            <a:spAutoFit/>
-          </a:bodyPr>
-          <a:lstStyle/>
-          <a:p>
-            <a:r>
-              <a:rPr lang="ko-KR" altLang="en-US" dirty="0"/>
-              <a:t>http://www.kwangsiklee.com/2018/11/keras%EC%97%90%EC%84%9C-sequence%EB%A5%BC-%EC%9D%B4%EC%9A%A9%ED%95%98%EC%97%AC-%EB%8C%80%EC%9A%A9%EB%9F%89-%EB%8D%B0%EC%9D%B4%ED%84%B0%EC%85%8B-%EC%B2%98%EB%A6%AC%ED%95%98%EA%B8%B0/</a:t>
+              <a:t>결과임</a:t>
             </a:r>
           </a:p>
         </p:txBody>
@@ -7412,7 +7203,7 @@
     </p:spTree>
     <p:extLst>
       <p:ext uri="{BB962C8B-B14F-4D97-AF65-F5344CB8AC3E}">
-        <p14:creationId xmlns:p14="http://schemas.microsoft.com/office/powerpoint/2010/main" val="1858157728"/>
+        <p14:creationId xmlns:p14="http://schemas.microsoft.com/office/powerpoint/2010/main" val="1359624418"/>
       </p:ext>
     </p:extLst>
   </p:cSld>
@@ -7444,7 +7235,7 @@
           <p:cNvPr id="2" name="제목 1">
             <a:extLst>
               <a:ext uri="{FF2B5EF4-FFF2-40B4-BE49-F238E27FC236}">
-                <a16:creationId xmlns:a16="http://schemas.microsoft.com/office/drawing/2014/main" id="{E1DC2662-E658-4AF1-828E-4099C36C8014}"/>
+                <a16:creationId xmlns:a16="http://schemas.microsoft.com/office/drawing/2014/main" id="{C7C8C660-BC31-4F8A-BB2E-17584CECE0BD}"/>
               </a:ext>
             </a:extLst>
           </p:cNvPr>
@@ -7461,18 +7252,21 @@
           <a:lstStyle/>
           <a:p>
             <a:r>
+              <a:rPr lang="en-US" altLang="ko-KR" dirty="0" err="1"/>
+              <a:t>Dataloader</a:t>
+            </a:r>
+            <a:r>
               <a:rPr lang="en-US" altLang="ko-KR" dirty="0"/>
-              <a:t>Class : dataset, Sequence(</a:t>
+              <a:t> - </a:t>
             </a:r>
             <a:r>
               <a:rPr lang="en-US" altLang="ko-KR" dirty="0" err="1"/>
-              <a:t>tensorflow</a:t>
-            </a:r>
-            <a:r>
-              <a:rPr lang="en-US" altLang="ko-KR" dirty="0"/>
-              <a:t>)</a:t>
-            </a:r>
-            <a:endParaRPr lang="ko-KR" altLang="en-US" dirty="0"/>
+              <a:t>filepath</a:t>
+            </a:r>
+            <a:r>
+              <a:rPr lang="ko-KR" altLang="en-US" dirty="0"/>
+              <a:t>를 가지고 데이터 불러오기</a:t>
+            </a:r>
           </a:p>
         </p:txBody>
       </p:sp>
@@ -7481,7 +7275,7 @@
           <p:cNvPr id="4" name="내용 개체 틀 3">
             <a:extLst>
               <a:ext uri="{FF2B5EF4-FFF2-40B4-BE49-F238E27FC236}">
-                <a16:creationId xmlns:a16="http://schemas.microsoft.com/office/drawing/2014/main" id="{E0B47E1E-BE5E-4C17-82D1-DD3D31BE1B82}"/>
+                <a16:creationId xmlns:a16="http://schemas.microsoft.com/office/drawing/2014/main" id="{535D3493-5BF6-46E3-B955-0076FA935D77}"/>
               </a:ext>
             </a:extLst>
           </p:cNvPr>
@@ -7500,47 +7294,150 @@
         </p:blipFill>
         <p:spPr>
           <a:xfrm>
-            <a:off x="7335335" y="1690688"/>
-            <a:ext cx="4408164" cy="4351338"/>
+            <a:off x="6825770" y="2249658"/>
+            <a:ext cx="4528030" cy="2601741"/>
           </a:xfrm>
           <a:prstGeom prst="rect">
             <a:avLst/>
           </a:prstGeom>
         </p:spPr>
       </p:pic>
-      <p:pic>
-        <p:nvPicPr>
-          <p:cNvPr id="5" name="그림 4">
-            <a:extLst>
-              <a:ext uri="{FF2B5EF4-FFF2-40B4-BE49-F238E27FC236}">
-                <a16:creationId xmlns:a16="http://schemas.microsoft.com/office/drawing/2014/main" id="{03E18750-3943-4B44-A037-4314E29A13B6}"/>
-              </a:ext>
-            </a:extLst>
-          </p:cNvPr>
-          <p:cNvPicPr>
-            <a:picLocks noChangeAspect="1"/>
-          </p:cNvPicPr>
+      <p:sp>
+        <p:nvSpPr>
+          <p:cNvPr id="5" name="TextBox 4">
+            <a:extLst>
+              <a:ext uri="{FF2B5EF4-FFF2-40B4-BE49-F238E27FC236}">
+                <a16:creationId xmlns:a16="http://schemas.microsoft.com/office/drawing/2014/main" id="{89CB5944-267F-4142-916A-F444160C0FB5}"/>
+              </a:ext>
+            </a:extLst>
+          </p:cNvPr>
+          <p:cNvSpPr txBox="1"/>
           <p:nvPr/>
-        </p:nvPicPr>
-        <p:blipFill rotWithShape="1">
-          <a:blip r:embed="rId3"/>
-          <a:srcRect l="3028" t="2523" b="2462"/>
-          <a:stretch/>
-        </p:blipFill>
-        <p:spPr>
-          <a:xfrm>
-            <a:off x="1145059" y="1690688"/>
-            <a:ext cx="3814380" cy="4654379"/>
-          </a:xfrm>
-          <a:prstGeom prst="rect">
-            <a:avLst/>
-          </a:prstGeom>
-        </p:spPr>
-      </p:pic>
+        </p:nvSpPr>
+        <p:spPr>
+          <a:xfrm>
+            <a:off x="1033162" y="2627198"/>
+            <a:ext cx="5274970" cy="923330"/>
+          </a:xfrm>
+          <a:prstGeom prst="rect">
+            <a:avLst/>
+          </a:prstGeom>
+          <a:noFill/>
+        </p:spPr>
+        <p:txBody>
+          <a:bodyPr wrap="none" rtlCol="0">
+            <a:spAutoFit/>
+          </a:bodyPr>
+          <a:lstStyle/>
+          <a:p>
+            <a:r>
+              <a:rPr lang="en-US" altLang="ko-KR" dirty="0"/>
+              <a:t>Read</a:t>
+            </a:r>
+            <a:r>
+              <a:rPr lang="ko-KR" altLang="en-US" dirty="0"/>
+              <a:t> </a:t>
+            </a:r>
+            <a:r>
+              <a:rPr lang="en-US" altLang="ko-KR" dirty="0"/>
+              <a:t>from directory</a:t>
+            </a:r>
+          </a:p>
+          <a:p>
+            <a:endParaRPr lang="en-US" altLang="ko-KR" dirty="0"/>
+          </a:p>
+          <a:p>
+            <a:r>
+              <a:rPr lang="en-US" altLang="ko-KR" dirty="0" err="1"/>
+              <a:t>Num_worker</a:t>
+            </a:r>
+            <a:r>
+              <a:rPr lang="en-US" altLang="ko-KR" dirty="0"/>
+              <a:t> </a:t>
+            </a:r>
+            <a:r>
+              <a:rPr lang="ko-KR" altLang="en-US" dirty="0"/>
+              <a:t>다중 워커 처리를 어떻게 할 것인가</a:t>
+            </a:r>
+            <a:r>
+              <a:rPr lang="en-US" altLang="ko-KR" dirty="0"/>
+              <a:t>.</a:t>
+            </a:r>
+          </a:p>
+        </p:txBody>
+      </p:sp>
+      <p:sp>
+        <p:nvSpPr>
+          <p:cNvPr id="6" name="직사각형 5">
+            <a:extLst>
+              <a:ext uri="{FF2B5EF4-FFF2-40B4-BE49-F238E27FC236}">
+                <a16:creationId xmlns:a16="http://schemas.microsoft.com/office/drawing/2014/main" id="{4CED7D00-7E34-47C9-973B-7148DE5055EE}"/>
+              </a:ext>
+            </a:extLst>
+          </p:cNvPr>
+          <p:cNvSpPr/>
+          <p:nvPr/>
+        </p:nvSpPr>
+        <p:spPr>
+          <a:xfrm>
+            <a:off x="2836133" y="1135447"/>
+            <a:ext cx="3259867" cy="369332"/>
+          </a:xfrm>
+          <a:prstGeom prst="rect">
+            <a:avLst/>
+          </a:prstGeom>
+        </p:spPr>
+        <p:txBody>
+          <a:bodyPr wrap="none">
+            <a:spAutoFit/>
+          </a:bodyPr>
+          <a:lstStyle/>
+          <a:p>
+            <a:r>
+              <a:rPr lang="ko-KR" altLang="en-US" dirty="0"/>
+              <a:t>https://jsc5565.tistory.com/14</a:t>
+            </a:r>
+          </a:p>
+        </p:txBody>
+      </p:sp>
+      <p:sp>
+        <p:nvSpPr>
+          <p:cNvPr id="3" name="직사각형 2">
+            <a:extLst>
+              <a:ext uri="{FF2B5EF4-FFF2-40B4-BE49-F238E27FC236}">
+                <a16:creationId xmlns:a16="http://schemas.microsoft.com/office/drawing/2014/main" id="{6B111C7F-528C-4CA6-9603-B5FD7DC42BD7}"/>
+              </a:ext>
+            </a:extLst>
+          </p:cNvPr>
+          <p:cNvSpPr/>
+          <p:nvPr/>
+        </p:nvSpPr>
+        <p:spPr>
+          <a:xfrm>
+            <a:off x="342900" y="4380637"/>
+            <a:ext cx="6096000" cy="1754326"/>
+          </a:xfrm>
+          <a:prstGeom prst="rect">
+            <a:avLst/>
+          </a:prstGeom>
+        </p:spPr>
+        <p:txBody>
+          <a:bodyPr>
+            <a:spAutoFit/>
+          </a:bodyPr>
+          <a:lstStyle/>
+          <a:p>
+            <a:r>
+              <a:rPr lang="ko-KR" altLang="en-US" dirty="0"/>
+              <a:t>http://www.kwangsiklee.com/2018/11/keras%EC%97%90%EC%84%9C-sequence%EB%A5%BC-%EC%9D%B4%EC%9A%A9%ED%95%98%EC%97%AC-%EB%8C%80%EC%9A%A9%EB%9F%89-%EB%8D%B0%EC%9D%B4%ED%84%B0%EC%85%8B-%EC%B2%98%EB%A6%AC%ED%95%98%EA%B8%B0/</a:t>
+            </a:r>
+          </a:p>
+        </p:txBody>
+      </p:sp>
     </p:spTree>
     <p:extLst>
       <p:ext uri="{BB962C8B-B14F-4D97-AF65-F5344CB8AC3E}">
-        <p14:creationId xmlns:p14="http://schemas.microsoft.com/office/powerpoint/2010/main" val="416177639"/>
+        <p14:creationId xmlns:p14="http://schemas.microsoft.com/office/powerpoint/2010/main" val="1858157728"/>
       </p:ext>
     </p:extLst>
   </p:cSld>
@@ -7572,6 +7469,134 @@
           <p:cNvPr id="2" name="제목 1">
             <a:extLst>
               <a:ext uri="{FF2B5EF4-FFF2-40B4-BE49-F238E27FC236}">
+                <a16:creationId xmlns:a16="http://schemas.microsoft.com/office/drawing/2014/main" id="{E1DC2662-E658-4AF1-828E-4099C36C8014}"/>
+              </a:ext>
+            </a:extLst>
+          </p:cNvPr>
+          <p:cNvSpPr>
+            <a:spLocks noGrp="1"/>
+          </p:cNvSpPr>
+          <p:nvPr>
+            <p:ph type="title"/>
+          </p:nvPr>
+        </p:nvSpPr>
+        <p:spPr/>
+        <p:txBody>
+          <a:bodyPr/>
+          <a:lstStyle/>
+          <a:p>
+            <a:r>
+              <a:rPr lang="en-US" altLang="ko-KR" dirty="0"/>
+              <a:t>Class : dataset, Sequence(</a:t>
+            </a:r>
+            <a:r>
+              <a:rPr lang="en-US" altLang="ko-KR" dirty="0" err="1"/>
+              <a:t>tensorflow</a:t>
+            </a:r>
+            <a:r>
+              <a:rPr lang="en-US" altLang="ko-KR" dirty="0"/>
+              <a:t>)</a:t>
+            </a:r>
+            <a:endParaRPr lang="ko-KR" altLang="en-US" dirty="0"/>
+          </a:p>
+        </p:txBody>
+      </p:sp>
+      <p:pic>
+        <p:nvPicPr>
+          <p:cNvPr id="4" name="내용 개체 틀 3">
+            <a:extLst>
+              <a:ext uri="{FF2B5EF4-FFF2-40B4-BE49-F238E27FC236}">
+                <a16:creationId xmlns:a16="http://schemas.microsoft.com/office/drawing/2014/main" id="{E0B47E1E-BE5E-4C17-82D1-DD3D31BE1B82}"/>
+              </a:ext>
+            </a:extLst>
+          </p:cNvPr>
+          <p:cNvPicPr>
+            <a:picLocks noGrp="1" noChangeAspect="1"/>
+          </p:cNvPicPr>
+          <p:nvPr>
+            <p:ph idx="1"/>
+          </p:nvPr>
+        </p:nvPicPr>
+        <p:blipFill>
+          <a:blip r:embed="rId2"/>
+          <a:stretch>
+            <a:fillRect/>
+          </a:stretch>
+        </p:blipFill>
+        <p:spPr>
+          <a:xfrm>
+            <a:off x="7335335" y="1690688"/>
+            <a:ext cx="4408164" cy="4351338"/>
+          </a:xfrm>
+          <a:prstGeom prst="rect">
+            <a:avLst/>
+          </a:prstGeom>
+        </p:spPr>
+      </p:pic>
+      <p:pic>
+        <p:nvPicPr>
+          <p:cNvPr id="5" name="그림 4">
+            <a:extLst>
+              <a:ext uri="{FF2B5EF4-FFF2-40B4-BE49-F238E27FC236}">
+                <a16:creationId xmlns:a16="http://schemas.microsoft.com/office/drawing/2014/main" id="{03E18750-3943-4B44-A037-4314E29A13B6}"/>
+              </a:ext>
+            </a:extLst>
+          </p:cNvPr>
+          <p:cNvPicPr>
+            <a:picLocks noChangeAspect="1"/>
+          </p:cNvPicPr>
+          <p:nvPr/>
+        </p:nvPicPr>
+        <p:blipFill rotWithShape="1">
+          <a:blip r:embed="rId3"/>
+          <a:srcRect l="3028" t="2523" b="2462"/>
+          <a:stretch/>
+        </p:blipFill>
+        <p:spPr>
+          <a:xfrm>
+            <a:off x="1145059" y="1690688"/>
+            <a:ext cx="3814380" cy="4654379"/>
+          </a:xfrm>
+          <a:prstGeom prst="rect">
+            <a:avLst/>
+          </a:prstGeom>
+        </p:spPr>
+      </p:pic>
+    </p:spTree>
+    <p:extLst>
+      <p:ext uri="{BB962C8B-B14F-4D97-AF65-F5344CB8AC3E}">
+        <p14:creationId xmlns:p14="http://schemas.microsoft.com/office/powerpoint/2010/main" val="416177639"/>
+      </p:ext>
+    </p:extLst>
+  </p:cSld>
+  <p:clrMapOvr>
+    <a:masterClrMapping/>
+  </p:clrMapOvr>
+</p:sld>
+</file>
+
+<file path=ppt/slides/slide33.xml><?xml version="1.0" encoding="utf-8"?>
+<p:sld xmlns:a="http://schemas.openxmlformats.org/drawingml/2006/main" xmlns:r="http://schemas.openxmlformats.org/officeDocument/2006/relationships" xmlns:p="http://schemas.openxmlformats.org/presentationml/2006/main">
+  <p:cSld>
+    <p:spTree>
+      <p:nvGrpSpPr>
+        <p:cNvPr id="1" name=""/>
+        <p:cNvGrpSpPr/>
+        <p:nvPr/>
+      </p:nvGrpSpPr>
+      <p:grpSpPr>
+        <a:xfrm>
+          <a:off x="0" y="0"/>
+          <a:ext cx="0" cy="0"/>
+          <a:chOff x="0" y="0"/>
+          <a:chExt cx="0" cy="0"/>
+        </a:xfrm>
+      </p:grpSpPr>
+      <p:sp>
+        <p:nvSpPr>
+          <p:cNvPr id="2" name="제목 1">
+            <a:extLst>
+              <a:ext uri="{FF2B5EF4-FFF2-40B4-BE49-F238E27FC236}">
                 <a16:creationId xmlns:a16="http://schemas.microsoft.com/office/drawing/2014/main" id="{79EE3F2C-0C33-4CF2-AB51-583CE3A35CD6}"/>
               </a:ext>
             </a:extLst>
@@ -7675,7 +7700,7 @@
 </p:sld>
 </file>
 
-<file path=ppt/slides/slide33.xml><?xml version="1.0" encoding="utf-8"?>
+<file path=ppt/slides/slide34.xml><?xml version="1.0" encoding="utf-8"?>
 <p:sld xmlns:a="http://schemas.openxmlformats.org/drawingml/2006/main" xmlns:r="http://schemas.openxmlformats.org/officeDocument/2006/relationships" xmlns:p="http://schemas.openxmlformats.org/presentationml/2006/main">
   <p:cSld>
     <p:spTree>
@@ -7818,7 +7843,7 @@
           <p:cNvPr id="2" name="제목 1">
             <a:extLst>
               <a:ext uri="{FF2B5EF4-FFF2-40B4-BE49-F238E27FC236}">
-                <a16:creationId xmlns:a16="http://schemas.microsoft.com/office/drawing/2014/main" id="{F8E977F6-0378-4DFB-8465-149D670CA8C3}"/>
+                <a16:creationId xmlns:a16="http://schemas.microsoft.com/office/drawing/2014/main" id="{3E1339F2-0A65-46CA-AC29-2A9935FF0D2F}"/>
               </a:ext>
             </a:extLst>
           </p:cNvPr>
@@ -7835,28 +7860,174 @@
           <a:lstStyle/>
           <a:p>
             <a:r>
+              <a:rPr lang="en-US" altLang="ko-KR" dirty="0" err="1"/>
+              <a:t>Upsampling</a:t>
+            </a:r>
+            <a:r>
               <a:rPr lang="en-US" altLang="ko-KR" dirty="0"/>
-              <a:t>ConvTranspose2d</a:t>
-            </a:r>
+              <a:t> – bilinear </a:t>
+            </a:r>
+            <a:br>
+              <a:rPr lang="en-US" altLang="ko-KR" dirty="0"/>
+            </a:br>
             <a:endParaRPr lang="ko-KR" altLang="en-US" dirty="0"/>
+          </a:p>
+        </p:txBody>
+      </p:sp>
+      <p:sp>
+        <p:nvSpPr>
+          <p:cNvPr id="3" name="내용 개체 틀 2">
+            <a:extLst>
+              <a:ext uri="{FF2B5EF4-FFF2-40B4-BE49-F238E27FC236}">
+                <a16:creationId xmlns:a16="http://schemas.microsoft.com/office/drawing/2014/main" id="{C4B5F7D8-AB28-4FDC-AEDD-48891B22C229}"/>
+              </a:ext>
+            </a:extLst>
+          </p:cNvPr>
+          <p:cNvSpPr>
+            <a:spLocks noGrp="1"/>
+          </p:cNvSpPr>
+          <p:nvPr>
+            <p:ph idx="1"/>
+          </p:nvPr>
+        </p:nvSpPr>
+        <p:spPr/>
+        <p:txBody>
+          <a:bodyPr>
+            <a:normAutofit fontScale="92500" lnSpcReduction="20000"/>
+          </a:bodyPr>
+          <a:lstStyle/>
+          <a:p>
+            <a:r>
+              <a:rPr lang="en-US" altLang="ko-KR" sz="1800" dirty="0" err="1"/>
+              <a:t>Upsampling</a:t>
+            </a:r>
+            <a:r>
+              <a:rPr lang="en-US" altLang="ko-KR" sz="1800" dirty="0"/>
+              <a:t> </a:t>
+            </a:r>
+            <a:r>
+              <a:rPr lang="ko-KR" altLang="en-US" sz="1800" dirty="0"/>
+              <a:t>중 다양한 종류가 있다</a:t>
+            </a:r>
+            <a:r>
+              <a:rPr lang="en-US" altLang="ko-KR" sz="1800" dirty="0"/>
+              <a:t>.</a:t>
+            </a:r>
+          </a:p>
+          <a:p>
+            <a:r>
+              <a:rPr lang="en-US" altLang="ko-KR" sz="1800" dirty="0"/>
+              <a:t>Nearest-Neighbor – </a:t>
+            </a:r>
+            <a:r>
+              <a:rPr lang="ko-KR" altLang="en-US" sz="1800" dirty="0"/>
+              <a:t>인접한 값 복사</a:t>
+            </a:r>
+            <a:endParaRPr lang="en-US" altLang="ko-KR" sz="1800" dirty="0"/>
+          </a:p>
+          <a:p>
+            <a:r>
+              <a:rPr lang="en-US" altLang="ko-KR" sz="1800" dirty="0"/>
+              <a:t>Bilinear – </a:t>
+            </a:r>
+            <a:r>
+              <a:rPr lang="ko-KR" altLang="en-US" sz="1800" dirty="0"/>
+              <a:t>선형 </a:t>
+            </a:r>
+            <a:r>
+              <a:rPr lang="ko-KR" altLang="en-US" sz="1800" dirty="0" err="1"/>
+              <a:t>보간법</a:t>
+            </a:r>
+            <a:endParaRPr lang="en-US" altLang="ko-KR" sz="1800" dirty="0"/>
+          </a:p>
+          <a:p>
+            <a:r>
+              <a:rPr lang="en-US" altLang="ko-KR" sz="1800" dirty="0"/>
+              <a:t>Bicubic – </a:t>
+            </a:r>
+            <a:r>
+              <a:rPr lang="ko-KR" altLang="en-US" sz="1800" dirty="0"/>
+              <a:t>다항 </a:t>
+            </a:r>
+            <a:r>
+              <a:rPr lang="ko-KR" altLang="en-US" sz="1800" dirty="0" err="1"/>
+              <a:t>보간법</a:t>
+            </a:r>
+            <a:endParaRPr lang="en-US" altLang="ko-KR" sz="1800" dirty="0"/>
+          </a:p>
+          <a:p>
+            <a:endParaRPr lang="en-US" altLang="ko-KR" sz="1800" dirty="0"/>
+          </a:p>
+          <a:p>
+            <a:r>
+              <a:rPr lang="en-US" altLang="ko-KR" sz="1800" dirty="0" err="1"/>
+              <a:t>Keras</a:t>
+            </a:r>
+            <a:r>
+              <a:rPr lang="ko-KR" altLang="en-US" sz="1800" dirty="0"/>
+              <a:t>에서는 </a:t>
+            </a:r>
+            <a:r>
+              <a:rPr lang="en-US" altLang="ko-KR" sz="1800" dirty="0"/>
+              <a:t>interpolation </a:t>
+            </a:r>
+            <a:r>
+              <a:rPr lang="ko-KR" altLang="en-US" sz="1800" dirty="0"/>
+              <a:t>을 </a:t>
+            </a:r>
+            <a:r>
+              <a:rPr lang="en-US" altLang="ko-KR" sz="1800" dirty="0"/>
+              <a:t>bilinear</a:t>
+            </a:r>
+            <a:r>
+              <a:rPr lang="ko-KR" altLang="en-US" sz="1800" dirty="0"/>
+              <a:t>로 해준다</a:t>
+            </a:r>
+            <a:r>
+              <a:rPr lang="en-US" altLang="ko-KR" sz="1800" dirty="0"/>
+              <a:t>.</a:t>
+            </a:r>
+          </a:p>
+          <a:p>
+            <a:endParaRPr lang="en-US" altLang="ko-KR" sz="1800" dirty="0"/>
+          </a:p>
+          <a:p>
+            <a:endParaRPr lang="en-US" altLang="ko-KR" sz="1800" dirty="0"/>
+          </a:p>
+          <a:p>
+            <a:endParaRPr lang="en-US" altLang="ko-KR" sz="1800" dirty="0"/>
+          </a:p>
+          <a:p>
+            <a:endParaRPr lang="en-US" altLang="ko-KR" sz="1800" dirty="0"/>
+          </a:p>
+          <a:p>
+            <a:endParaRPr lang="en-US" altLang="ko-KR" sz="1800" dirty="0"/>
+          </a:p>
+          <a:p>
+            <a:endParaRPr lang="en-US" altLang="ko-KR" sz="1800" dirty="0"/>
+          </a:p>
+          <a:p>
+            <a:r>
+              <a:rPr lang="en-US" altLang="ko-KR" sz="1800" dirty="0"/>
+              <a:t> https://datascience.stackexchange.com/questions/38118/what-is-the-difference-between-upsampling-and-bi-linear-upsampling-in-a-cnn</a:t>
+            </a:r>
+            <a:endParaRPr lang="ko-KR" altLang="en-US" sz="1800" dirty="0"/>
           </a:p>
         </p:txBody>
       </p:sp>
       <p:pic>
         <p:nvPicPr>
-          <p:cNvPr id="4" name="내용 개체 틀 3">
-            <a:extLst>
-              <a:ext uri="{FF2B5EF4-FFF2-40B4-BE49-F238E27FC236}">
-                <a16:creationId xmlns:a16="http://schemas.microsoft.com/office/drawing/2014/main" id="{5DEDFFE4-760B-47DE-9070-415EEBB4E26E}"/>
+          <p:cNvPr id="5" name="그림 4">
+            <a:extLst>
+              <a:ext uri="{FF2B5EF4-FFF2-40B4-BE49-F238E27FC236}">
+                <a16:creationId xmlns:a16="http://schemas.microsoft.com/office/drawing/2014/main" id="{10AC2E42-38B4-43F8-9387-BAAA0FE1E384}"/>
               </a:ext>
             </a:extLst>
           </p:cNvPr>
           <p:cNvPicPr>
-            <a:picLocks noGrp="1" noChangeAspect="1"/>
+            <a:picLocks noChangeAspect="1"/>
           </p:cNvPicPr>
-          <p:nvPr>
-            <p:ph idx="1"/>
-          </p:nvPr>
+          <p:nvPr/>
         </p:nvPicPr>
         <p:blipFill>
           <a:blip r:embed="rId2"/>
@@ -7866,8 +8037,8 @@
         </p:blipFill>
         <p:spPr>
           <a:xfrm>
-            <a:off x="838200" y="3429000"/>
-            <a:ext cx="6725589" cy="1657581"/>
+            <a:off x="7263552" y="407151"/>
+            <a:ext cx="3940433" cy="2702011"/>
           </a:xfrm>
           <a:prstGeom prst="rect">
             <a:avLst/>
@@ -7876,10 +8047,10 @@
       </p:pic>
       <p:pic>
         <p:nvPicPr>
-          <p:cNvPr id="5" name="그림 4">
-            <a:extLst>
-              <a:ext uri="{FF2B5EF4-FFF2-40B4-BE49-F238E27FC236}">
-                <a16:creationId xmlns:a16="http://schemas.microsoft.com/office/drawing/2014/main" id="{762EE789-C347-4066-B5AD-1419FF159362}"/>
+          <p:cNvPr id="6" name="그림 5">
+            <a:extLst>
+              <a:ext uri="{FF2B5EF4-FFF2-40B4-BE49-F238E27FC236}">
+                <a16:creationId xmlns:a16="http://schemas.microsoft.com/office/drawing/2014/main" id="{1903876A-A606-4142-8178-6433B21F605E}"/>
               </a:ext>
             </a:extLst>
           </p:cNvPr>
@@ -7896,38 +8067,8 @@
         </p:blipFill>
         <p:spPr>
           <a:xfrm>
-            <a:off x="693727" y="1610264"/>
-            <a:ext cx="8135485" cy="1495634"/>
-          </a:xfrm>
-          <a:prstGeom prst="rect">
-            <a:avLst/>
-          </a:prstGeom>
-        </p:spPr>
-      </p:pic>
-      <p:pic>
-        <p:nvPicPr>
-          <p:cNvPr id="3" name="그림 2">
-            <a:extLst>
-              <a:ext uri="{FF2B5EF4-FFF2-40B4-BE49-F238E27FC236}">
-                <a16:creationId xmlns:a16="http://schemas.microsoft.com/office/drawing/2014/main" id="{98E6EE35-A856-4A2D-88F3-EE40BA88CE9E}"/>
-              </a:ext>
-            </a:extLst>
-          </p:cNvPr>
-          <p:cNvPicPr>
-            <a:picLocks noChangeAspect="1"/>
-          </p:cNvPicPr>
-          <p:nvPr/>
-        </p:nvPicPr>
-        <p:blipFill>
-          <a:blip r:embed="rId4"/>
-          <a:stretch>
-            <a:fillRect/>
-          </a:stretch>
-        </p:blipFill>
-        <p:spPr>
-          <a:xfrm>
-            <a:off x="8829212" y="2238130"/>
-            <a:ext cx="2962688" cy="571580"/>
+            <a:off x="6905154" y="3420180"/>
+            <a:ext cx="4906060" cy="657317"/>
           </a:xfrm>
           <a:prstGeom prst="rect">
             <a:avLst/>
@@ -7937,7 +8078,7 @@
     </p:spTree>
     <p:extLst>
       <p:ext uri="{BB962C8B-B14F-4D97-AF65-F5344CB8AC3E}">
-        <p14:creationId xmlns:p14="http://schemas.microsoft.com/office/powerpoint/2010/main" val="3664962714"/>
+        <p14:creationId xmlns:p14="http://schemas.microsoft.com/office/powerpoint/2010/main" val="820262118"/>
       </p:ext>
     </p:extLst>
   </p:cSld>
@@ -7969,7 +8110,7 @@
           <p:cNvPr id="2" name="제목 1">
             <a:extLst>
               <a:ext uri="{FF2B5EF4-FFF2-40B4-BE49-F238E27FC236}">
-                <a16:creationId xmlns:a16="http://schemas.microsoft.com/office/drawing/2014/main" id="{01278B68-4CAC-4CBF-A85F-578B1E9AA326}"/>
+                <a16:creationId xmlns:a16="http://schemas.microsoft.com/office/drawing/2014/main" id="{F8E977F6-0378-4DFB-8465-149D670CA8C3}"/>
               </a:ext>
             </a:extLst>
           </p:cNvPr>
@@ -7987,23 +8128,7 @@
           <a:p>
             <a:r>
               <a:rPr lang="en-US" altLang="ko-KR" dirty="0"/>
-              <a:t>Conv2D padding </a:t>
-            </a:r>
-            <a:r>
-              <a:rPr lang="ko-KR" altLang="en-US" dirty="0"/>
-              <a:t>구체화 </a:t>
-            </a:r>
-            <a:r>
-              <a:rPr lang="en-US" altLang="ko-KR" dirty="0"/>
-              <a:t>(</a:t>
-            </a:r>
-            <a:r>
-              <a:rPr lang="en-US" altLang="ko-KR" dirty="0" err="1"/>
-              <a:t>keras</a:t>
-            </a:r>
-            <a:r>
-              <a:rPr lang="en-US" altLang="ko-KR" dirty="0"/>
-              <a:t>)</a:t>
+              <a:t>ConvTranspose2d</a:t>
             </a:r>
             <a:endParaRPr lang="ko-KR" altLang="en-US" dirty="0"/>
           </a:p>
@@ -8014,7 +8139,7 @@
           <p:cNvPr id="4" name="내용 개체 틀 3">
             <a:extLst>
               <a:ext uri="{FF2B5EF4-FFF2-40B4-BE49-F238E27FC236}">
-                <a16:creationId xmlns:a16="http://schemas.microsoft.com/office/drawing/2014/main" id="{2A68BFF3-76FF-40B4-8047-5546852E0816}"/>
+                <a16:creationId xmlns:a16="http://schemas.microsoft.com/office/drawing/2014/main" id="{5DEDFFE4-760B-47DE-9070-415EEBB4E26E}"/>
               </a:ext>
             </a:extLst>
           </p:cNvPr>
@@ -8033,8 +8158,8 @@
         </p:blipFill>
         <p:spPr>
           <a:xfrm>
-            <a:off x="5316180" y="1667654"/>
-            <a:ext cx="6354062" cy="447737"/>
+            <a:off x="838200" y="3429000"/>
+            <a:ext cx="6725589" cy="1657581"/>
           </a:xfrm>
           <a:prstGeom prst="rect">
             <a:avLst/>
@@ -8046,7 +8171,7 @@
           <p:cNvPr id="5" name="그림 4">
             <a:extLst>
               <a:ext uri="{FF2B5EF4-FFF2-40B4-BE49-F238E27FC236}">
-                <a16:creationId xmlns:a16="http://schemas.microsoft.com/office/drawing/2014/main" id="{FDDC0178-993D-46DE-BBE1-1F48E6F2E08A}"/>
+                <a16:creationId xmlns:a16="http://schemas.microsoft.com/office/drawing/2014/main" id="{762EE789-C347-4066-B5AD-1419FF159362}"/>
               </a:ext>
             </a:extLst>
           </p:cNvPr>
@@ -8063,8 +8188,8 @@
         </p:blipFill>
         <p:spPr>
           <a:xfrm>
-            <a:off x="282860" y="2283702"/>
-            <a:ext cx="3296993" cy="1581086"/>
+            <a:off x="693727" y="1610264"/>
+            <a:ext cx="8135485" cy="1495634"/>
           </a:xfrm>
           <a:prstGeom prst="rect">
             <a:avLst/>
@@ -8073,10 +8198,10 @@
       </p:pic>
       <p:pic>
         <p:nvPicPr>
-          <p:cNvPr id="6" name="그림 5">
-            <a:extLst>
-              <a:ext uri="{FF2B5EF4-FFF2-40B4-BE49-F238E27FC236}">
-                <a16:creationId xmlns:a16="http://schemas.microsoft.com/office/drawing/2014/main" id="{7CCAD837-1447-44AA-A9E4-ECC2EE023169}"/>
+          <p:cNvPr id="3" name="그림 2">
+            <a:extLst>
+              <a:ext uri="{FF2B5EF4-FFF2-40B4-BE49-F238E27FC236}">
+                <a16:creationId xmlns:a16="http://schemas.microsoft.com/office/drawing/2014/main" id="{98E6EE35-A856-4A2D-88F3-EE40BA88CE9E}"/>
               </a:ext>
             </a:extLst>
           </p:cNvPr>
@@ -8093,168 +8218,18 @@
         </p:blipFill>
         <p:spPr>
           <a:xfrm>
-            <a:off x="282860" y="3965106"/>
-            <a:ext cx="3639271" cy="2527769"/>
+            <a:off x="8829212" y="2238130"/>
+            <a:ext cx="2962688" cy="571580"/>
           </a:xfrm>
           <a:prstGeom prst="rect">
             <a:avLst/>
           </a:prstGeom>
         </p:spPr>
       </p:pic>
-      <p:sp>
-        <p:nvSpPr>
-          <p:cNvPr id="7" name="TextBox 6">
-            <a:extLst>
-              <a:ext uri="{FF2B5EF4-FFF2-40B4-BE49-F238E27FC236}">
-                <a16:creationId xmlns:a16="http://schemas.microsoft.com/office/drawing/2014/main" id="{F6CBF6FE-D653-4FAB-A6DF-38627C76B154}"/>
-              </a:ext>
-            </a:extLst>
-          </p:cNvPr>
-          <p:cNvSpPr txBox="1"/>
-          <p:nvPr/>
-        </p:nvSpPr>
-        <p:spPr>
-          <a:xfrm>
-            <a:off x="282860" y="1875607"/>
-            <a:ext cx="4033989" cy="307777"/>
-          </a:xfrm>
-          <a:prstGeom prst="rect">
-            <a:avLst/>
-          </a:prstGeom>
-          <a:noFill/>
-        </p:spPr>
-        <p:txBody>
-          <a:bodyPr wrap="none" rtlCol="0">
-            <a:spAutoFit/>
-          </a:bodyPr>
-          <a:lstStyle/>
-          <a:p>
-            <a:r>
-              <a:rPr lang="en-US" altLang="ko-KR" sz="1400" dirty="0"/>
-              <a:t>Torch</a:t>
-            </a:r>
-            <a:r>
-              <a:rPr lang="ko-KR" altLang="en-US" sz="1400" dirty="0"/>
-              <a:t>는 </a:t>
-            </a:r>
-            <a:r>
-              <a:rPr lang="en-US" altLang="ko-KR" sz="1400" dirty="0"/>
-              <a:t>conv2d</a:t>
-            </a:r>
-            <a:r>
-              <a:rPr lang="ko-KR" altLang="en-US" sz="1400" dirty="0"/>
-              <a:t>에서 </a:t>
-            </a:r>
-            <a:r>
-              <a:rPr lang="en-US" altLang="ko-KR" sz="1400" dirty="0"/>
-              <a:t>padding size</a:t>
-            </a:r>
-            <a:r>
-              <a:rPr lang="ko-KR" altLang="en-US" sz="1400" dirty="0"/>
-              <a:t>를 줄 수 있음</a:t>
-            </a:r>
-            <a:r>
-              <a:rPr lang="en-US" altLang="ko-KR" sz="1400" dirty="0"/>
-              <a:t>.</a:t>
-            </a:r>
-            <a:endParaRPr lang="ko-KR" altLang="en-US" sz="1400" dirty="0"/>
-          </a:p>
-        </p:txBody>
-      </p:sp>
-      <p:pic>
-        <p:nvPicPr>
-          <p:cNvPr id="8" name="그림 7">
-            <a:extLst>
-              <a:ext uri="{FF2B5EF4-FFF2-40B4-BE49-F238E27FC236}">
-                <a16:creationId xmlns:a16="http://schemas.microsoft.com/office/drawing/2014/main" id="{3661E8B2-17A7-45CD-9178-16F6C66D4B3E}"/>
-              </a:ext>
-            </a:extLst>
-          </p:cNvPr>
-          <p:cNvPicPr>
-            <a:picLocks noChangeAspect="1"/>
-          </p:cNvPicPr>
-          <p:nvPr/>
-        </p:nvPicPr>
-        <p:blipFill>
-          <a:blip r:embed="rId5"/>
-          <a:stretch>
-            <a:fillRect/>
-          </a:stretch>
-        </p:blipFill>
-        <p:spPr>
-          <a:xfrm>
-            <a:off x="6096000" y="2660821"/>
-            <a:ext cx="2694381" cy="3496962"/>
-          </a:xfrm>
-          <a:prstGeom prst="rect">
-            <a:avLst/>
-          </a:prstGeom>
-        </p:spPr>
-      </p:pic>
-      <p:sp>
-        <p:nvSpPr>
-          <p:cNvPr id="9" name="TextBox 8">
-            <a:extLst>
-              <a:ext uri="{FF2B5EF4-FFF2-40B4-BE49-F238E27FC236}">
-                <a16:creationId xmlns:a16="http://schemas.microsoft.com/office/drawing/2014/main" id="{6EFE4940-3D6C-4AE1-9E71-68B675B56CF4}"/>
-              </a:ext>
-            </a:extLst>
-          </p:cNvPr>
-          <p:cNvSpPr txBox="1"/>
-          <p:nvPr/>
-        </p:nvSpPr>
-        <p:spPr>
-          <a:xfrm>
-            <a:off x="5995800" y="2194609"/>
-            <a:ext cx="4019049" cy="307777"/>
-          </a:xfrm>
-          <a:prstGeom prst="rect">
-            <a:avLst/>
-          </a:prstGeom>
-          <a:noFill/>
-        </p:spPr>
-        <p:txBody>
-          <a:bodyPr wrap="none" rtlCol="0">
-            <a:spAutoFit/>
-          </a:bodyPr>
-          <a:lstStyle/>
-          <a:p>
-            <a:r>
-              <a:rPr lang="en-US" altLang="ko-KR" sz="1400" dirty="0" err="1"/>
-              <a:t>keras</a:t>
-            </a:r>
-            <a:r>
-              <a:rPr lang="ko-KR" altLang="en-US" sz="1400" dirty="0"/>
-              <a:t>는 </a:t>
-            </a:r>
-            <a:r>
-              <a:rPr lang="en-US" altLang="ko-KR" sz="1400" dirty="0"/>
-              <a:t>conv2d</a:t>
-            </a:r>
-            <a:r>
-              <a:rPr lang="ko-KR" altLang="en-US" sz="1400" dirty="0"/>
-              <a:t>에서 </a:t>
-            </a:r>
-            <a:r>
-              <a:rPr lang="en-US" altLang="ko-KR" sz="1400" dirty="0"/>
-              <a:t>padding size</a:t>
-            </a:r>
-            <a:r>
-              <a:rPr lang="ko-KR" altLang="en-US" sz="1400" dirty="0"/>
-              <a:t>를 줄 수 없음</a:t>
-            </a:r>
-            <a:r>
-              <a:rPr lang="en-US" altLang="ko-KR" sz="1400" dirty="0"/>
-              <a:t>.</a:t>
-            </a:r>
-            <a:endParaRPr lang="ko-KR" altLang="en-US" sz="1400" dirty="0"/>
-          </a:p>
-        </p:txBody>
-      </p:sp>
     </p:spTree>
     <p:extLst>
       <p:ext uri="{BB962C8B-B14F-4D97-AF65-F5344CB8AC3E}">
-        <p14:creationId xmlns:p14="http://schemas.microsoft.com/office/powerpoint/2010/main" val="799535192"/>
+        <p14:creationId xmlns:p14="http://schemas.microsoft.com/office/powerpoint/2010/main" val="3664962714"/>
       </p:ext>
     </p:extLst>
   </p:cSld>
@@ -8328,10 +8303,10 @@
       </p:sp>
       <p:pic>
         <p:nvPicPr>
-          <p:cNvPr id="12" name="내용 개체 틀 11">
-            <a:extLst>
-              <a:ext uri="{FF2B5EF4-FFF2-40B4-BE49-F238E27FC236}">
-                <a16:creationId xmlns:a16="http://schemas.microsoft.com/office/drawing/2014/main" id="{B2C4165D-8F13-4973-A182-71071FAA5200}"/>
+          <p:cNvPr id="4" name="내용 개체 틀 3">
+            <a:extLst>
+              <a:ext uri="{FF2B5EF4-FFF2-40B4-BE49-F238E27FC236}">
+                <a16:creationId xmlns:a16="http://schemas.microsoft.com/office/drawing/2014/main" id="{2A68BFF3-76FF-40B4-8047-5546852E0816}"/>
               </a:ext>
             </a:extLst>
           </p:cNvPr>
@@ -8350,20 +8325,80 @@
         </p:blipFill>
         <p:spPr>
           <a:xfrm>
-            <a:off x="735605" y="1504348"/>
-            <a:ext cx="5360395" cy="5172433"/>
+            <a:off x="5316180" y="1667654"/>
+            <a:ext cx="6354062" cy="447737"/>
           </a:xfrm>
           <a:prstGeom prst="rect">
             <a:avLst/>
           </a:prstGeom>
         </p:spPr>
       </p:pic>
-      <p:sp>
-        <p:nvSpPr>
-          <p:cNvPr id="13" name="TextBox 12">
-            <a:extLst>
-              <a:ext uri="{FF2B5EF4-FFF2-40B4-BE49-F238E27FC236}">
-                <a16:creationId xmlns:a16="http://schemas.microsoft.com/office/drawing/2014/main" id="{8B5DE0CD-CA3A-42B8-8428-96BEA23FFDE8}"/>
+      <p:pic>
+        <p:nvPicPr>
+          <p:cNvPr id="5" name="그림 4">
+            <a:extLst>
+              <a:ext uri="{FF2B5EF4-FFF2-40B4-BE49-F238E27FC236}">
+                <a16:creationId xmlns:a16="http://schemas.microsoft.com/office/drawing/2014/main" id="{FDDC0178-993D-46DE-BBE1-1F48E6F2E08A}"/>
+              </a:ext>
+            </a:extLst>
+          </p:cNvPr>
+          <p:cNvPicPr>
+            <a:picLocks noChangeAspect="1"/>
+          </p:cNvPicPr>
+          <p:nvPr/>
+        </p:nvPicPr>
+        <p:blipFill>
+          <a:blip r:embed="rId3"/>
+          <a:stretch>
+            <a:fillRect/>
+          </a:stretch>
+        </p:blipFill>
+        <p:spPr>
+          <a:xfrm>
+            <a:off x="282860" y="2283702"/>
+            <a:ext cx="3296993" cy="1581086"/>
+          </a:xfrm>
+          <a:prstGeom prst="rect">
+            <a:avLst/>
+          </a:prstGeom>
+        </p:spPr>
+      </p:pic>
+      <p:pic>
+        <p:nvPicPr>
+          <p:cNvPr id="6" name="그림 5">
+            <a:extLst>
+              <a:ext uri="{FF2B5EF4-FFF2-40B4-BE49-F238E27FC236}">
+                <a16:creationId xmlns:a16="http://schemas.microsoft.com/office/drawing/2014/main" id="{7CCAD837-1447-44AA-A9E4-ECC2EE023169}"/>
+              </a:ext>
+            </a:extLst>
+          </p:cNvPr>
+          <p:cNvPicPr>
+            <a:picLocks noChangeAspect="1"/>
+          </p:cNvPicPr>
+          <p:nvPr/>
+        </p:nvPicPr>
+        <p:blipFill>
+          <a:blip r:embed="rId4"/>
+          <a:stretch>
+            <a:fillRect/>
+          </a:stretch>
+        </p:blipFill>
+        <p:spPr>
+          <a:xfrm>
+            <a:off x="282860" y="3965106"/>
+            <a:ext cx="3639271" cy="2527769"/>
+          </a:xfrm>
+          <a:prstGeom prst="rect">
+            <a:avLst/>
+          </a:prstGeom>
+        </p:spPr>
+      </p:pic>
+      <p:sp>
+        <p:nvSpPr>
+          <p:cNvPr id="7" name="TextBox 6">
+            <a:extLst>
+              <a:ext uri="{FF2B5EF4-FFF2-40B4-BE49-F238E27FC236}">
+                <a16:creationId xmlns:a16="http://schemas.microsoft.com/office/drawing/2014/main" id="{F6CBF6FE-D653-4FAB-A6DF-38627C76B154}"/>
               </a:ext>
             </a:extLst>
           </p:cNvPr>
@@ -8372,8 +8407,8 @@
         </p:nvSpPr>
         <p:spPr>
           <a:xfrm>
-            <a:off x="6878595" y="2183027"/>
-            <a:ext cx="4228722" cy="646331"/>
+            <a:off x="282860" y="1875607"/>
+            <a:ext cx="4033989" cy="307777"/>
           </a:xfrm>
           <a:prstGeom prst="rect">
             <a:avLst/>
@@ -8387,52 +8422,131 @@
           <a:lstStyle/>
           <a:p>
             <a:r>
-              <a:rPr lang="en-US" altLang="ko-KR" dirty="0"/>
+              <a:rPr lang="en-US" altLang="ko-KR" sz="1400" dirty="0"/>
               <a:t>Torch</a:t>
             </a:r>
             <a:r>
-              <a:rPr lang="ko-KR" altLang="en-US" dirty="0"/>
+              <a:rPr lang="ko-KR" altLang="en-US" sz="1400" dirty="0"/>
+              <a:t>는 </a:t>
+            </a:r>
+            <a:r>
+              <a:rPr lang="en-US" altLang="ko-KR" sz="1400" dirty="0"/>
+              <a:t>conv2d</a:t>
+            </a:r>
+            <a:r>
+              <a:rPr lang="ko-KR" altLang="en-US" sz="1400" dirty="0"/>
               <a:t>에서 </a:t>
             </a:r>
             <a:r>
-              <a:rPr lang="en-US" altLang="ko-KR" dirty="0"/>
-              <a:t>padding = (1,1)</a:t>
-            </a:r>
-            <a:r>
-              <a:rPr lang="ko-KR" altLang="en-US" dirty="0"/>
-              <a:t>을 </a:t>
-            </a:r>
-            <a:r>
-              <a:rPr lang="en-US" altLang="ko-KR" dirty="0" err="1"/>
+              <a:rPr lang="en-US" altLang="ko-KR" sz="1400" dirty="0"/>
+              <a:t>padding size</a:t>
+            </a:r>
+            <a:r>
+              <a:rPr lang="ko-KR" altLang="en-US" sz="1400" dirty="0"/>
+              <a:t>를 줄 수 있음</a:t>
+            </a:r>
+            <a:r>
+              <a:rPr lang="en-US" altLang="ko-KR" sz="1400" dirty="0"/>
+              <a:t>.</a:t>
+            </a:r>
+            <a:endParaRPr lang="ko-KR" altLang="en-US" sz="1400" dirty="0"/>
+          </a:p>
+        </p:txBody>
+      </p:sp>
+      <p:pic>
+        <p:nvPicPr>
+          <p:cNvPr id="8" name="그림 7">
+            <a:extLst>
+              <a:ext uri="{FF2B5EF4-FFF2-40B4-BE49-F238E27FC236}">
+                <a16:creationId xmlns:a16="http://schemas.microsoft.com/office/drawing/2014/main" id="{3661E8B2-17A7-45CD-9178-16F6C66D4B3E}"/>
+              </a:ext>
+            </a:extLst>
+          </p:cNvPr>
+          <p:cNvPicPr>
+            <a:picLocks noChangeAspect="1"/>
+          </p:cNvPicPr>
+          <p:nvPr/>
+        </p:nvPicPr>
+        <p:blipFill>
+          <a:blip r:embed="rId5"/>
+          <a:stretch>
+            <a:fillRect/>
+          </a:stretch>
+        </p:blipFill>
+        <p:spPr>
+          <a:xfrm>
+            <a:off x="6096000" y="2660821"/>
+            <a:ext cx="2694381" cy="3496962"/>
+          </a:xfrm>
+          <a:prstGeom prst="rect">
+            <a:avLst/>
+          </a:prstGeom>
+        </p:spPr>
+      </p:pic>
+      <p:sp>
+        <p:nvSpPr>
+          <p:cNvPr id="9" name="TextBox 8">
+            <a:extLst>
+              <a:ext uri="{FF2B5EF4-FFF2-40B4-BE49-F238E27FC236}">
+                <a16:creationId xmlns:a16="http://schemas.microsoft.com/office/drawing/2014/main" id="{6EFE4940-3D6C-4AE1-9E71-68B675B56CF4}"/>
+              </a:ext>
+            </a:extLst>
+          </p:cNvPr>
+          <p:cNvSpPr txBox="1"/>
+          <p:nvPr/>
+        </p:nvSpPr>
+        <p:spPr>
+          <a:xfrm>
+            <a:off x="5995800" y="2194609"/>
+            <a:ext cx="4019049" cy="307777"/>
+          </a:xfrm>
+          <a:prstGeom prst="rect">
+            <a:avLst/>
+          </a:prstGeom>
+          <a:noFill/>
+        </p:spPr>
+        <p:txBody>
+          <a:bodyPr wrap="none" rtlCol="0">
+            <a:spAutoFit/>
+          </a:bodyPr>
+          <a:lstStyle/>
+          <a:p>
+            <a:r>
+              <a:rPr lang="en-US" altLang="ko-KR" sz="1400" dirty="0" err="1"/>
               <a:t>keras</a:t>
             </a:r>
             <a:r>
-              <a:rPr lang="ko-KR" altLang="en-US" dirty="0"/>
-              <a:t>에서</a:t>
-            </a:r>
-            <a:br>
-              <a:rPr lang="en-US" altLang="ko-KR" dirty="0"/>
-            </a:br>
-            <a:r>
-              <a:rPr lang="en-US" altLang="ko-KR" dirty="0"/>
-              <a:t>padding = ‘same’</a:t>
-            </a:r>
-            <a:r>
-              <a:rPr lang="ko-KR" altLang="en-US" dirty="0"/>
-              <a:t>으로 읽었다</a:t>
-            </a:r>
-            <a:r>
-              <a:rPr lang="en-US" altLang="ko-KR" dirty="0"/>
+              <a:rPr lang="ko-KR" altLang="en-US" sz="1400" dirty="0"/>
+              <a:t>는 </a:t>
+            </a:r>
+            <a:r>
+              <a:rPr lang="en-US" altLang="ko-KR" sz="1400" dirty="0"/>
+              <a:t>conv2d</a:t>
+            </a:r>
+            <a:r>
+              <a:rPr lang="ko-KR" altLang="en-US" sz="1400" dirty="0"/>
+              <a:t>에서 </a:t>
+            </a:r>
+            <a:r>
+              <a:rPr lang="en-US" altLang="ko-KR" sz="1400" dirty="0"/>
+              <a:t>padding size</a:t>
+            </a:r>
+            <a:r>
+              <a:rPr lang="ko-KR" altLang="en-US" sz="1400" dirty="0"/>
+              <a:t>를 줄 수 없음</a:t>
+            </a:r>
+            <a:r>
+              <a:rPr lang="en-US" altLang="ko-KR" sz="1400" dirty="0"/>
               <a:t>.</a:t>
             </a:r>
-            <a:endParaRPr lang="ko-KR" altLang="en-US" dirty="0"/>
+            <a:endParaRPr lang="ko-KR" altLang="en-US" sz="1400" dirty="0"/>
           </a:p>
         </p:txBody>
       </p:sp>
     </p:spTree>
     <p:extLst>
       <p:ext uri="{BB962C8B-B14F-4D97-AF65-F5344CB8AC3E}">
-        <p14:creationId xmlns:p14="http://schemas.microsoft.com/office/powerpoint/2010/main" val="288017882"/>
+        <p14:creationId xmlns:p14="http://schemas.microsoft.com/office/powerpoint/2010/main" val="799535192"/>
       </p:ext>
     </p:extLst>
   </p:cSld>
@@ -8464,7 +8578,7 @@
           <p:cNvPr id="2" name="제목 1">
             <a:extLst>
               <a:ext uri="{FF2B5EF4-FFF2-40B4-BE49-F238E27FC236}">
-                <a16:creationId xmlns:a16="http://schemas.microsoft.com/office/drawing/2014/main" id="{B90A5DDB-0C6A-47F3-A48A-1E22A6AEB9AE}"/>
+                <a16:creationId xmlns:a16="http://schemas.microsoft.com/office/drawing/2014/main" id="{01278B68-4CAC-4CBF-A85F-578B1E9AA326}"/>
               </a:ext>
             </a:extLst>
           </p:cNvPr>
@@ -8481,8 +8595,24 @@
           <a:lstStyle/>
           <a:p>
             <a:r>
+              <a:rPr lang="en-US" altLang="ko-KR" dirty="0"/>
+              <a:t>Conv2D padding </a:t>
+            </a:r>
+            <a:r>
+              <a:rPr lang="ko-KR" altLang="en-US" dirty="0"/>
+              <a:t>구체화 </a:t>
+            </a:r>
+            <a:r>
+              <a:rPr lang="en-US" altLang="ko-KR" dirty="0"/>
+              <a:t>(</a:t>
+            </a:r>
+            <a:r>
               <a:rPr lang="en-US" altLang="ko-KR" dirty="0" err="1"/>
-              <a:t>nn.ModuleList</a:t>
+              <a:t>keras</a:t>
+            </a:r>
+            <a:r>
+              <a:rPr lang="en-US" altLang="ko-KR" dirty="0"/>
+              <a:t>)</a:t>
             </a:r>
             <a:endParaRPr lang="ko-KR" altLang="en-US" dirty="0"/>
           </a:p>
@@ -8490,10 +8620,10 @@
       </p:sp>
       <p:pic>
         <p:nvPicPr>
-          <p:cNvPr id="4" name="내용 개체 틀 3">
-            <a:extLst>
-              <a:ext uri="{FF2B5EF4-FFF2-40B4-BE49-F238E27FC236}">
-                <a16:creationId xmlns:a16="http://schemas.microsoft.com/office/drawing/2014/main" id="{2BA374F7-45D9-4A4B-9166-F3453D9FC51F}"/>
+          <p:cNvPr id="12" name="내용 개체 틀 11">
+            <a:extLst>
+              <a:ext uri="{FF2B5EF4-FFF2-40B4-BE49-F238E27FC236}">
+                <a16:creationId xmlns:a16="http://schemas.microsoft.com/office/drawing/2014/main" id="{B2C4165D-8F13-4973-A182-71071FAA5200}"/>
               </a:ext>
             </a:extLst>
           </p:cNvPr>
@@ -8512,18 +8642,89 @@
         </p:blipFill>
         <p:spPr>
           <a:xfrm>
-            <a:off x="623011" y="1452530"/>
-            <a:ext cx="3334215" cy="476316"/>
+            <a:off x="735605" y="1504348"/>
+            <a:ext cx="5360395" cy="5172433"/>
           </a:xfrm>
           <a:prstGeom prst="rect">
             <a:avLst/>
           </a:prstGeom>
         </p:spPr>
       </p:pic>
+      <p:sp>
+        <p:nvSpPr>
+          <p:cNvPr id="13" name="TextBox 12">
+            <a:extLst>
+              <a:ext uri="{FF2B5EF4-FFF2-40B4-BE49-F238E27FC236}">
+                <a16:creationId xmlns:a16="http://schemas.microsoft.com/office/drawing/2014/main" id="{8B5DE0CD-CA3A-42B8-8428-96BEA23FFDE8}"/>
+              </a:ext>
+            </a:extLst>
+          </p:cNvPr>
+          <p:cNvSpPr txBox="1"/>
+          <p:nvPr/>
+        </p:nvSpPr>
+        <p:spPr>
+          <a:xfrm>
+            <a:off x="6878595" y="2183027"/>
+            <a:ext cx="4228722" cy="646331"/>
+          </a:xfrm>
+          <a:prstGeom prst="rect">
+            <a:avLst/>
+          </a:prstGeom>
+          <a:noFill/>
+        </p:spPr>
+        <p:txBody>
+          <a:bodyPr wrap="none" rtlCol="0">
+            <a:spAutoFit/>
+          </a:bodyPr>
+          <a:lstStyle/>
+          <a:p>
+            <a:r>
+              <a:rPr lang="en-US" altLang="ko-KR" dirty="0"/>
+              <a:t>Torch</a:t>
+            </a:r>
+            <a:r>
+              <a:rPr lang="ko-KR" altLang="en-US" dirty="0"/>
+              <a:t>에서 </a:t>
+            </a:r>
+            <a:r>
+              <a:rPr lang="en-US" altLang="ko-KR" dirty="0"/>
+              <a:t>padding = (1,1)</a:t>
+            </a:r>
+            <a:r>
+              <a:rPr lang="ko-KR" altLang="en-US" dirty="0"/>
+              <a:t>을 </a:t>
+            </a:r>
+            <a:r>
+              <a:rPr lang="en-US" altLang="ko-KR" dirty="0" err="1"/>
+              <a:t>keras</a:t>
+            </a:r>
+            <a:r>
+              <a:rPr lang="ko-KR" altLang="en-US" dirty="0"/>
+              <a:t>에서</a:t>
+            </a:r>
+            <a:br>
+              <a:rPr lang="en-US" altLang="ko-KR" dirty="0"/>
+            </a:br>
+            <a:r>
+              <a:rPr lang="en-US" altLang="ko-KR" dirty="0"/>
+              <a:t>padding = ‘same’</a:t>
+            </a:r>
+            <a:r>
+              <a:rPr lang="ko-KR" altLang="en-US" dirty="0"/>
+              <a:t>으로 읽었다</a:t>
+            </a:r>
+            <a:r>
+              <a:rPr lang="en-US" altLang="ko-KR" dirty="0"/>
+              <a:t>.</a:t>
+            </a:r>
+            <a:endParaRPr lang="ko-KR" altLang="en-US" dirty="0"/>
+          </a:p>
+        </p:txBody>
+      </p:sp>
     </p:spTree>
     <p:extLst>
       <p:ext uri="{BB962C8B-B14F-4D97-AF65-F5344CB8AC3E}">
-        <p14:creationId xmlns:p14="http://schemas.microsoft.com/office/powerpoint/2010/main" val="2580170711"/>
+        <p14:creationId xmlns:p14="http://schemas.microsoft.com/office/powerpoint/2010/main" val="288017882"/>
       </p:ext>
     </p:extLst>
   </p:cSld>
@@ -8555,7 +8756,7 @@
           <p:cNvPr id="2" name="제목 1">
             <a:extLst>
               <a:ext uri="{FF2B5EF4-FFF2-40B4-BE49-F238E27FC236}">
-                <a16:creationId xmlns:a16="http://schemas.microsoft.com/office/drawing/2014/main" id="{92FF17E2-32BA-4F59-8E5A-F7E0AC3398D0}"/>
+                <a16:creationId xmlns:a16="http://schemas.microsoft.com/office/drawing/2014/main" id="{B90A5DDB-0C6A-47F3-A48A-1E22A6AEB9AE}"/>
               </a:ext>
             </a:extLst>
           </p:cNvPr>
@@ -8573,7 +8774,7 @@
           <a:p>
             <a:r>
               <a:rPr lang="en-US" altLang="ko-KR" dirty="0" err="1"/>
-              <a:t>ToTensor</a:t>
+              <a:t>nn.ModuleList</a:t>
             </a:r>
             <a:endParaRPr lang="ko-KR" altLang="en-US" dirty="0"/>
           </a:p>
@@ -8584,7 +8785,7 @@
           <p:cNvPr id="4" name="내용 개체 틀 3">
             <a:extLst>
               <a:ext uri="{FF2B5EF4-FFF2-40B4-BE49-F238E27FC236}">
-                <a16:creationId xmlns:a16="http://schemas.microsoft.com/office/drawing/2014/main" id="{32912E0A-D2B0-45E1-A2CE-5AB5F3CDC91F}"/>
+                <a16:creationId xmlns:a16="http://schemas.microsoft.com/office/drawing/2014/main" id="{2BA374F7-45D9-4A4B-9166-F3453D9FC51F}"/>
               </a:ext>
             </a:extLst>
           </p:cNvPr>
@@ -8603,38 +8804,8 @@
         </p:blipFill>
         <p:spPr>
           <a:xfrm>
-            <a:off x="838200" y="2156569"/>
-            <a:ext cx="4610743" cy="847843"/>
-          </a:xfrm>
-          <a:prstGeom prst="rect">
-            <a:avLst/>
-          </a:prstGeom>
-        </p:spPr>
-      </p:pic>
-      <p:pic>
-        <p:nvPicPr>
-          <p:cNvPr id="5" name="그림 4">
-            <a:extLst>
-              <a:ext uri="{FF2B5EF4-FFF2-40B4-BE49-F238E27FC236}">
-                <a16:creationId xmlns:a16="http://schemas.microsoft.com/office/drawing/2014/main" id="{571F5C28-04EF-43AF-A083-09BC86FDCDE0}"/>
-              </a:ext>
-            </a:extLst>
-          </p:cNvPr>
-          <p:cNvPicPr>
-            <a:picLocks noChangeAspect="1"/>
-          </p:cNvPicPr>
-          <p:nvPr/>
-        </p:nvPicPr>
-        <p:blipFill>
-          <a:blip r:embed="rId3"/>
-          <a:stretch>
-            <a:fillRect/>
-          </a:stretch>
-        </p:blipFill>
-        <p:spPr>
-          <a:xfrm>
-            <a:off x="838200" y="1678849"/>
-            <a:ext cx="4391638" cy="352474"/>
+            <a:off x="623011" y="1452530"/>
+            <a:ext cx="3334215" cy="476316"/>
           </a:xfrm>
           <a:prstGeom prst="rect">
             <a:avLst/>
@@ -8644,7 +8815,7 @@
     </p:spTree>
     <p:extLst>
       <p:ext uri="{BB962C8B-B14F-4D97-AF65-F5344CB8AC3E}">
-        <p14:creationId xmlns:p14="http://schemas.microsoft.com/office/powerpoint/2010/main" val="927519580"/>
+        <p14:creationId xmlns:p14="http://schemas.microsoft.com/office/powerpoint/2010/main" val="2580170711"/>
       </p:ext>
     </p:extLst>
   </p:cSld>
@@ -8676,7 +8847,7 @@
           <p:cNvPr id="2" name="제목 1">
             <a:extLst>
               <a:ext uri="{FF2B5EF4-FFF2-40B4-BE49-F238E27FC236}">
-                <a16:creationId xmlns:a16="http://schemas.microsoft.com/office/drawing/2014/main" id="{56337759-0795-48C9-BAE0-0B2FE3BF75FF}"/>
+                <a16:creationId xmlns:a16="http://schemas.microsoft.com/office/drawing/2014/main" id="{92FF17E2-32BA-4F59-8E5A-F7E0AC3398D0}"/>
               </a:ext>
             </a:extLst>
           </p:cNvPr>
@@ -8694,7 +8865,7 @@
           <a:p>
             <a:r>
               <a:rPr lang="en-US" altLang="ko-KR" dirty="0" err="1"/>
-              <a:t>argparse</a:t>
+              <a:t>ToTensor</a:t>
             </a:r>
             <a:endParaRPr lang="ko-KR" altLang="en-US" dirty="0"/>
           </a:p>
@@ -8705,7 +8876,7 @@
           <p:cNvPr id="4" name="내용 개체 틀 3">
             <a:extLst>
               <a:ext uri="{FF2B5EF4-FFF2-40B4-BE49-F238E27FC236}">
-                <a16:creationId xmlns:a16="http://schemas.microsoft.com/office/drawing/2014/main" id="{0AA8BF84-C0ED-496D-B950-F7D74E1EADC3}"/>
+                <a16:creationId xmlns:a16="http://schemas.microsoft.com/office/drawing/2014/main" id="{32912E0A-D2B0-45E1-A2CE-5AB5F3CDC91F}"/>
               </a:ext>
             </a:extLst>
           </p:cNvPr>
@@ -8724,8 +8895,8 @@
         </p:blipFill>
         <p:spPr>
           <a:xfrm>
-            <a:off x="838200" y="3404370"/>
-            <a:ext cx="5709783" cy="2879292"/>
+            <a:off x="838200" y="2156569"/>
+            <a:ext cx="4610743" cy="847843"/>
           </a:xfrm>
           <a:prstGeom prst="rect">
             <a:avLst/>
@@ -8737,7 +8908,7 @@
           <p:cNvPr id="5" name="그림 4">
             <a:extLst>
               <a:ext uri="{FF2B5EF4-FFF2-40B4-BE49-F238E27FC236}">
-                <a16:creationId xmlns:a16="http://schemas.microsoft.com/office/drawing/2014/main" id="{93B159B0-3325-4335-8147-75666C4CE832}"/>
+                <a16:creationId xmlns:a16="http://schemas.microsoft.com/office/drawing/2014/main" id="{571F5C28-04EF-43AF-A083-09BC86FDCDE0}"/>
               </a:ext>
             </a:extLst>
           </p:cNvPr>
@@ -8754,8 +8925,8 @@
         </p:blipFill>
         <p:spPr>
           <a:xfrm>
-            <a:off x="838200" y="1333208"/>
-            <a:ext cx="5563376" cy="2095792"/>
+            <a:off x="838200" y="1678849"/>
+            <a:ext cx="4391638" cy="352474"/>
           </a:xfrm>
           <a:prstGeom prst="rect">
             <a:avLst/>
@@ -8765,7 +8936,7 @@
     </p:spTree>
     <p:extLst>
       <p:ext uri="{BB962C8B-B14F-4D97-AF65-F5344CB8AC3E}">
-        <p14:creationId xmlns:p14="http://schemas.microsoft.com/office/powerpoint/2010/main" val="1756055378"/>
+        <p14:creationId xmlns:p14="http://schemas.microsoft.com/office/powerpoint/2010/main" val="927519580"/>
       </p:ext>
     </p:extLst>
   </p:cSld>
